--- a/slides/ScriptCraft- Day 01 (Getting Started).pptx
+++ b/slides/ScriptCraft- Day 01 (Getting Started).pptx
@@ -38,23 +38,25 @@
     <p:sldId id="283" r:id="rId33"/>
     <p:sldId id="284" r:id="rId34"/>
     <p:sldId id="285" r:id="rId35"/>
+    <p:sldId id="286" r:id="rId36"/>
+    <p:sldId id="287" r:id="rId37"/>
   </p:sldIdLst>
   <p:sldSz cy="5143500" cx="9144000"/>
   <p:notesSz cx="6858000" cy="9144000"/>
   <p:embeddedFontLst>
     <p:embeddedFont>
       <p:font typeface="Raleway"/>
-      <p:regular r:id="rId36"/>
-      <p:bold r:id="rId37"/>
-      <p:italic r:id="rId38"/>
-      <p:boldItalic r:id="rId39"/>
+      <p:regular r:id="rId38"/>
+      <p:bold r:id="rId39"/>
+      <p:italic r:id="rId40"/>
+      <p:boldItalic r:id="rId41"/>
     </p:embeddedFont>
     <p:embeddedFont>
       <p:font typeface="Lato"/>
-      <p:regular r:id="rId40"/>
-      <p:bold r:id="rId41"/>
-      <p:italic r:id="rId42"/>
-      <p:boldItalic r:id="rId43"/>
+      <p:regular r:id="rId42"/>
+      <p:bold r:id="rId43"/>
+      <p:italic r:id="rId44"/>
+      <p:boldItalic r:id="rId45"/>
     </p:embeddedFont>
   </p:embeddedFontLst>
   <p:defaultTextStyle>
@@ -1138,7 +1140,7 @@
         <p:spPr>
           <a:xfrm>
             <a:off x="685800" y="4343400"/>
-            <a:ext cx="5486399" cy="4114800"/>
+            <a:ext cx="5486400" cy="4114800"/>
           </a:xfrm>
           <a:prstGeom prst="rect">
             <a:avLst/>
@@ -1176,7 +1178,7 @@
   <p:cSld>
     <p:spTree>
       <p:nvGrpSpPr>
-        <p:cNvPr id="170" name="Shape 170"/>
+        <p:cNvPr id="171" name="Shape 171"/>
         <p:cNvGrpSpPr/>
         <p:nvPr/>
       </p:nvGrpSpPr>
@@ -1190,7 +1192,7 @@
       </p:grpSpPr>
       <p:sp>
         <p:nvSpPr>
-          <p:cNvPr id="171" name="Shape 171"/>
+          <p:cNvPr id="172" name="Shape 172"/>
           <p:cNvSpPr/>
           <p:nvPr>
             <p:ph idx="2" type="sldImg"/>
@@ -1224,7 +1226,7 @@
       </p:sp>
       <p:sp>
         <p:nvSpPr>
-          <p:cNvPr id="172" name="Shape 172"/>
+          <p:cNvPr id="173" name="Shape 173"/>
           <p:cNvSpPr txBox="1"/>
           <p:nvPr>
             <p:ph idx="1" type="body"/>
@@ -1271,7 +1273,7 @@
   <p:cSld>
     <p:spTree>
       <p:nvGrpSpPr>
-        <p:cNvPr id="177" name="Shape 177"/>
+        <p:cNvPr id="176" name="Shape 176"/>
         <p:cNvGrpSpPr/>
         <p:nvPr/>
       </p:nvGrpSpPr>
@@ -1285,7 +1287,7 @@
       </p:grpSpPr>
       <p:sp>
         <p:nvSpPr>
-          <p:cNvPr id="178" name="Shape 178"/>
+          <p:cNvPr id="177" name="Shape 177"/>
           <p:cNvSpPr/>
           <p:nvPr>
             <p:ph idx="2" type="sldImg"/>
@@ -1319,7 +1321,7 @@
       </p:sp>
       <p:sp>
         <p:nvSpPr>
-          <p:cNvPr id="179" name="Shape 179"/>
+          <p:cNvPr id="178" name="Shape 178"/>
           <p:cNvSpPr txBox="1"/>
           <p:nvPr>
             <p:ph idx="1" type="body"/>
@@ -1366,7 +1368,7 @@
   <p:cSld>
     <p:spTree>
       <p:nvGrpSpPr>
-        <p:cNvPr id="183" name="Shape 183"/>
+        <p:cNvPr id="182" name="Shape 182"/>
         <p:cNvGrpSpPr/>
         <p:nvPr/>
       </p:nvGrpSpPr>
@@ -1380,7 +1382,7 @@
       </p:grpSpPr>
       <p:sp>
         <p:nvSpPr>
-          <p:cNvPr id="184" name="Shape 184"/>
+          <p:cNvPr id="183" name="Shape 183"/>
           <p:cNvSpPr/>
           <p:nvPr>
             <p:ph idx="2" type="sldImg"/>
@@ -1414,7 +1416,7 @@
       </p:sp>
       <p:sp>
         <p:nvSpPr>
-          <p:cNvPr id="185" name="Shape 185"/>
+          <p:cNvPr id="184" name="Shape 184"/>
           <p:cNvSpPr txBox="1"/>
           <p:nvPr>
             <p:ph idx="1" type="body"/>
@@ -1423,7 +1425,7 @@
         <p:spPr>
           <a:xfrm>
             <a:off x="685800" y="4343400"/>
-            <a:ext cx="5486399" cy="4114800"/>
+            <a:ext cx="5486400" cy="4114800"/>
           </a:xfrm>
           <a:prstGeom prst="rect">
             <a:avLst/>
@@ -1708,7 +1710,7 @@
         <p:spPr>
           <a:xfrm>
             <a:off x="685800" y="4343400"/>
-            <a:ext cx="5486400" cy="4114800"/>
+            <a:ext cx="5486399" cy="4114800"/>
           </a:xfrm>
           <a:prstGeom prst="rect">
             <a:avLst/>
@@ -1803,7 +1805,7 @@
         <p:spPr>
           <a:xfrm>
             <a:off x="685800" y="4343400"/>
-            <a:ext cx="5486400" cy="4114800"/>
+            <a:ext cx="5486399" cy="4114800"/>
           </a:xfrm>
           <a:prstGeom prst="rect">
             <a:avLst/>
@@ -1841,7 +1843,7 @@
   <p:cSld>
     <p:spTree>
       <p:nvGrpSpPr>
-        <p:cNvPr id="208" name="Shape 208"/>
+        <p:cNvPr id="207" name="Shape 207"/>
         <p:cNvGrpSpPr/>
         <p:nvPr/>
       </p:nvGrpSpPr>
@@ -1855,7 +1857,7 @@
       </p:grpSpPr>
       <p:sp>
         <p:nvSpPr>
-          <p:cNvPr id="209" name="Shape 209"/>
+          <p:cNvPr id="208" name="Shape 208"/>
           <p:cNvSpPr/>
           <p:nvPr>
             <p:ph idx="2" type="sldImg"/>
@@ -1889,7 +1891,7 @@
       </p:sp>
       <p:sp>
         <p:nvSpPr>
-          <p:cNvPr id="210" name="Shape 210"/>
+          <p:cNvPr id="209" name="Shape 209"/>
           <p:cNvSpPr txBox="1"/>
           <p:nvPr>
             <p:ph idx="1" type="body"/>
@@ -1936,7 +1938,7 @@
   <p:cSld>
     <p:spTree>
       <p:nvGrpSpPr>
-        <p:cNvPr id="214" name="Shape 214"/>
+        <p:cNvPr id="213" name="Shape 213"/>
         <p:cNvGrpSpPr/>
         <p:nvPr/>
       </p:nvGrpSpPr>
@@ -1950,7 +1952,7 @@
       </p:grpSpPr>
       <p:sp>
         <p:nvSpPr>
-          <p:cNvPr id="215" name="Shape 215"/>
+          <p:cNvPr id="214" name="Shape 214"/>
           <p:cNvSpPr/>
           <p:nvPr>
             <p:ph idx="2" type="sldImg"/>
@@ -1984,7 +1986,7 @@
       </p:sp>
       <p:sp>
         <p:nvSpPr>
-          <p:cNvPr id="216" name="Shape 216"/>
+          <p:cNvPr id="215" name="Shape 215"/>
           <p:cNvSpPr txBox="1"/>
           <p:nvPr>
             <p:ph idx="1" type="body"/>
@@ -2031,7 +2033,7 @@
   <p:cSld>
     <p:spTree>
       <p:nvGrpSpPr>
-        <p:cNvPr id="221" name="Shape 221"/>
+        <p:cNvPr id="220" name="Shape 220"/>
         <p:cNvGrpSpPr/>
         <p:nvPr/>
       </p:nvGrpSpPr>
@@ -2045,7 +2047,7 @@
       </p:grpSpPr>
       <p:sp>
         <p:nvSpPr>
-          <p:cNvPr id="222" name="Shape 222"/>
+          <p:cNvPr id="221" name="Shape 221"/>
           <p:cNvSpPr/>
           <p:nvPr>
             <p:ph idx="2" type="sldImg"/>
@@ -2079,7 +2081,7 @@
       </p:sp>
       <p:sp>
         <p:nvSpPr>
-          <p:cNvPr id="223" name="Shape 223"/>
+          <p:cNvPr id="222" name="Shape 222"/>
           <p:cNvSpPr txBox="1"/>
           <p:nvPr>
             <p:ph idx="1" type="body"/>
@@ -2221,7 +2223,7 @@
   <p:cSld>
     <p:spTree>
       <p:nvGrpSpPr>
-        <p:cNvPr id="232" name="Shape 232"/>
+        <p:cNvPr id="233" name="Shape 233"/>
         <p:cNvGrpSpPr/>
         <p:nvPr/>
       </p:nvGrpSpPr>
@@ -2235,7 +2237,7 @@
       </p:grpSpPr>
       <p:sp>
         <p:nvSpPr>
-          <p:cNvPr id="233" name="Shape 233"/>
+          <p:cNvPr id="234" name="Shape 234"/>
           <p:cNvSpPr/>
           <p:nvPr>
             <p:ph idx="2" type="sldImg"/>
@@ -2269,7 +2271,7 @@
       </p:sp>
       <p:sp>
         <p:nvSpPr>
-          <p:cNvPr id="234" name="Shape 234"/>
+          <p:cNvPr id="235" name="Shape 235"/>
           <p:cNvSpPr txBox="1"/>
           <p:nvPr>
             <p:ph idx="1" type="body"/>
@@ -2650,6 +2652,196 @@
       <p:sp>
         <p:nvSpPr>
           <p:cNvPr id="252" name="Shape 252"/>
+          <p:cNvSpPr txBox="1"/>
+          <p:nvPr>
+            <p:ph idx="1" type="body"/>
+          </p:nvPr>
+        </p:nvSpPr>
+        <p:spPr>
+          <a:xfrm>
+            <a:off x="685800" y="4343400"/>
+            <a:ext cx="5486400" cy="4114800"/>
+          </a:xfrm>
+          <a:prstGeom prst="rect">
+            <a:avLst/>
+          </a:prstGeom>
+        </p:spPr>
+        <p:txBody>
+          <a:bodyPr anchorCtr="0" anchor="t" bIns="91425" lIns="91425" rIns="91425" tIns="91425">
+            <a:noAutofit/>
+          </a:bodyPr>
+          <a:lstStyle/>
+          <a:p>
+            <a:pPr lvl="0" rtl="0">
+              <a:spcBef>
+                <a:spcPts val="0"/>
+              </a:spcBef>
+              <a:buNone/>
+            </a:pPr>
+            <a:r>
+              <a:t/>
+            </a:r>
+            <a:endParaRPr/>
+          </a:p>
+        </p:txBody>
+      </p:sp>
+    </p:spTree>
+  </p:cSld>
+  <p:clrMapOvr>
+    <a:masterClrMapping/>
+  </p:clrMapOvr>
+</p:notes>
+</file>
+
+<file path=ppt/notesSlides/notesSlide31.xml><?xml version="1.0" encoding="utf-8"?>
+<p:notes xmlns:a="http://schemas.openxmlformats.org/drawingml/2006/main" xmlns:r="http://schemas.openxmlformats.org/officeDocument/2006/relationships" xmlns:mc="http://schemas.openxmlformats.org/markup-compatibility/2006" xmlns:mv="urn:schemas-microsoft-com:mac:vml" xmlns:p="http://schemas.openxmlformats.org/presentationml/2006/main" xmlns:c="http://schemas.openxmlformats.org/drawingml/2006/chart" xmlns:dgm="http://schemas.openxmlformats.org/drawingml/2006/diagram" xmlns:o="urn:schemas-microsoft-com:office:office" xmlns:v="urn:schemas-microsoft-com:vml" xmlns:pvml="urn:schemas-microsoft-com:office:powerpoint" xmlns:com="http://schemas.openxmlformats.org/drawingml/2006/compatibility" xmlns:p14="http://schemas.microsoft.com/office/powerpoint/2010/main" showMasterPhAnim="0" showMasterSp="0">
+  <p:cSld>
+    <p:spTree>
+      <p:nvGrpSpPr>
+        <p:cNvPr id="256" name="Shape 256"/>
+        <p:cNvGrpSpPr/>
+        <p:nvPr/>
+      </p:nvGrpSpPr>
+      <p:grpSpPr>
+        <a:xfrm>
+          <a:off x="0" y="0"/>
+          <a:ext cx="0" cy="0"/>
+          <a:chOff x="0" y="0"/>
+          <a:chExt cx="0" cy="0"/>
+        </a:xfrm>
+      </p:grpSpPr>
+      <p:sp>
+        <p:nvSpPr>
+          <p:cNvPr id="257" name="Shape 257"/>
+          <p:cNvSpPr/>
+          <p:nvPr>
+            <p:ph idx="2" type="sldImg"/>
+          </p:nvPr>
+        </p:nvSpPr>
+        <p:spPr>
+          <a:xfrm>
+            <a:off x="381300" y="685800"/>
+            <a:ext cx="6096000" cy="3429000"/>
+          </a:xfrm>
+          <a:custGeom>
+            <a:pathLst>
+              <a:path extrusionOk="0" h="120000" w="120000">
+                <a:moveTo>
+                  <a:pt x="0" y="0"/>
+                </a:moveTo>
+                <a:lnTo>
+                  <a:pt x="120000" y="0"/>
+                </a:lnTo>
+                <a:lnTo>
+                  <a:pt x="120000" y="120000"/>
+                </a:lnTo>
+                <a:lnTo>
+                  <a:pt x="0" y="120000"/>
+                </a:lnTo>
+                <a:close/>
+              </a:path>
+            </a:pathLst>
+          </a:custGeom>
+        </p:spPr>
+      </p:sp>
+      <p:sp>
+        <p:nvSpPr>
+          <p:cNvPr id="258" name="Shape 258"/>
+          <p:cNvSpPr txBox="1"/>
+          <p:nvPr>
+            <p:ph idx="1" type="body"/>
+          </p:nvPr>
+        </p:nvSpPr>
+        <p:spPr>
+          <a:xfrm>
+            <a:off x="685800" y="4343400"/>
+            <a:ext cx="5486400" cy="4114800"/>
+          </a:xfrm>
+          <a:prstGeom prst="rect">
+            <a:avLst/>
+          </a:prstGeom>
+        </p:spPr>
+        <p:txBody>
+          <a:bodyPr anchorCtr="0" anchor="t" bIns="91425" lIns="91425" rIns="91425" tIns="91425">
+            <a:noAutofit/>
+          </a:bodyPr>
+          <a:lstStyle/>
+          <a:p>
+            <a:pPr lvl="0" rtl="0">
+              <a:spcBef>
+                <a:spcPts val="0"/>
+              </a:spcBef>
+              <a:buNone/>
+            </a:pPr>
+            <a:r>
+              <a:t/>
+            </a:r>
+            <a:endParaRPr/>
+          </a:p>
+        </p:txBody>
+      </p:sp>
+    </p:spTree>
+  </p:cSld>
+  <p:clrMapOvr>
+    <a:masterClrMapping/>
+  </p:clrMapOvr>
+</p:notes>
+</file>
+
+<file path=ppt/notesSlides/notesSlide32.xml><?xml version="1.0" encoding="utf-8"?>
+<p:notes xmlns:a="http://schemas.openxmlformats.org/drawingml/2006/main" xmlns:r="http://schemas.openxmlformats.org/officeDocument/2006/relationships" xmlns:mc="http://schemas.openxmlformats.org/markup-compatibility/2006" xmlns:mv="urn:schemas-microsoft-com:mac:vml" xmlns:p="http://schemas.openxmlformats.org/presentationml/2006/main" xmlns:c="http://schemas.openxmlformats.org/drawingml/2006/chart" xmlns:dgm="http://schemas.openxmlformats.org/drawingml/2006/diagram" xmlns:o="urn:schemas-microsoft-com:office:office" xmlns:v="urn:schemas-microsoft-com:vml" xmlns:pvml="urn:schemas-microsoft-com:office:powerpoint" xmlns:com="http://schemas.openxmlformats.org/drawingml/2006/compatibility" xmlns:p14="http://schemas.microsoft.com/office/powerpoint/2010/main" showMasterPhAnim="0" showMasterSp="0">
+  <p:cSld>
+    <p:spTree>
+      <p:nvGrpSpPr>
+        <p:cNvPr id="262" name="Shape 262"/>
+        <p:cNvGrpSpPr/>
+        <p:nvPr/>
+      </p:nvGrpSpPr>
+      <p:grpSpPr>
+        <a:xfrm>
+          <a:off x="0" y="0"/>
+          <a:ext cx="0" cy="0"/>
+          <a:chOff x="0" y="0"/>
+          <a:chExt cx="0" cy="0"/>
+        </a:xfrm>
+      </p:grpSpPr>
+      <p:sp>
+        <p:nvSpPr>
+          <p:cNvPr id="263" name="Shape 263"/>
+          <p:cNvSpPr/>
+          <p:nvPr>
+            <p:ph idx="2" type="sldImg"/>
+          </p:nvPr>
+        </p:nvSpPr>
+        <p:spPr>
+          <a:xfrm>
+            <a:off x="381300" y="685800"/>
+            <a:ext cx="6096000" cy="3429000"/>
+          </a:xfrm>
+          <a:custGeom>
+            <a:pathLst>
+              <a:path extrusionOk="0" h="120000" w="120000">
+                <a:moveTo>
+                  <a:pt x="0" y="0"/>
+                </a:moveTo>
+                <a:lnTo>
+                  <a:pt x="120000" y="0"/>
+                </a:lnTo>
+                <a:lnTo>
+                  <a:pt x="120000" y="120000"/>
+                </a:lnTo>
+                <a:lnTo>
+                  <a:pt x="0" y="120000"/>
+                </a:lnTo>
+                <a:close/>
+              </a:path>
+            </a:pathLst>
+          </a:custGeom>
+        </p:spPr>
+      </p:sp>
+      <p:sp>
+        <p:nvSpPr>
+          <p:cNvPr id="264" name="Shape 264"/>
           <p:cNvSpPr txBox="1"/>
           <p:nvPr>
             <p:ph idx="1" type="body"/>
@@ -8882,15 +9074,15 @@
         </p:nvSpPr>
         <p:spPr>
           <a:xfrm>
-            <a:off x="406425" y="1806825"/>
-            <a:ext cx="8296799" cy="1541999"/>
+            <a:off x="2400250" y="575950"/>
+            <a:ext cx="6321600" cy="635400"/>
           </a:xfrm>
           <a:prstGeom prst="rect">
             <a:avLst/>
           </a:prstGeom>
         </p:spPr>
         <p:txBody>
-          <a:bodyPr anchorCtr="0" anchor="ctr" bIns="91425" lIns="91425" rIns="91425" tIns="91425">
+          <a:bodyPr anchorCtr="0" anchor="t" bIns="91425" lIns="91425" rIns="91425" tIns="91425">
             <a:noAutofit/>
           </a:bodyPr>
           <a:lstStyle/>
@@ -8903,7 +9095,129 @@
             </a:pPr>
             <a:r>
               <a:rPr lang="en"/>
-              <a:t>Exploring JavaScript in Minecraft</a:t>
+              <a:t>Giving yourself OP</a:t>
+            </a:r>
+          </a:p>
+        </p:txBody>
+      </p:sp>
+      <p:sp>
+        <p:nvSpPr>
+          <p:cNvPr id="170" name="Shape 170"/>
+          <p:cNvSpPr txBox="1"/>
+          <p:nvPr>
+            <p:ph idx="1" type="body"/>
+          </p:nvPr>
+        </p:nvSpPr>
+        <p:spPr>
+          <a:xfrm>
+            <a:off x="2410112" y="1595775"/>
+            <a:ext cx="6321600" cy="3002399"/>
+          </a:xfrm>
+          <a:prstGeom prst="rect">
+            <a:avLst/>
+          </a:prstGeom>
+        </p:spPr>
+        <p:txBody>
+          <a:bodyPr anchorCtr="0" anchor="t" bIns="91425" lIns="91425" rIns="91425" tIns="91425">
+            <a:noAutofit/>
+          </a:bodyPr>
+          <a:lstStyle/>
+          <a:p>
+            <a:pPr lvl="0" rtl="0">
+              <a:spcBef>
+                <a:spcPts val="0"/>
+              </a:spcBef>
+              <a:buNone/>
+            </a:pPr>
+            <a:r>
+              <a:rPr lang="en"/>
+              <a:t>This is necessary to run JavaScript commands in-game and break blocks. You can only do this </a:t>
+            </a:r>
+            <a:r>
+              <a:rPr i="1" lang="en"/>
+              <a:t>after</a:t>
+            </a:r>
+            <a:r>
+              <a:rPr lang="en"/>
+              <a:t> you’ve logged into your server.</a:t>
+            </a:r>
+          </a:p>
+          <a:p>
+            <a:pPr lvl="0" rtl="0">
+              <a:spcBef>
+                <a:spcPts val="0"/>
+              </a:spcBef>
+              <a:buClr>
+                <a:schemeClr val="dk2"/>
+              </a:buClr>
+              <a:buSzPct val="61111"/>
+              <a:buFont typeface="Arial"/>
+              <a:buNone/>
+            </a:pPr>
+            <a:r>
+              <a:rPr lang="en"/>
+              <a:t>Type the following command exactly into the server console:</a:t>
+            </a:r>
+          </a:p>
+          <a:p>
+            <a:pPr lvl="0" rtl="0">
+              <a:spcBef>
+                <a:spcPts val="0"/>
+              </a:spcBef>
+              <a:buNone/>
+            </a:pPr>
+            <a:r>
+              <a:rPr b="1" lang="en">
+                <a:solidFill>
+                  <a:srgbClr val="FF0000"/>
+                </a:solidFill>
+                <a:latin typeface="Courier New"/>
+                <a:ea typeface="Courier New"/>
+                <a:cs typeface="Courier New"/>
+                <a:sym typeface="Courier New"/>
+              </a:rPr>
+              <a:t>    op &lt;username&gt;</a:t>
+            </a:r>
+          </a:p>
+          <a:p>
+            <a:pPr lvl="0" rtl="0">
+              <a:spcBef>
+                <a:spcPts val="0"/>
+              </a:spcBef>
+              <a:buNone/>
+            </a:pPr>
+            <a:r>
+              <a:rPr lang="en">
+                <a:solidFill>
+                  <a:srgbClr val="000000"/>
+                </a:solidFill>
+              </a:rPr>
+              <a:t>The server console will print the following:</a:t>
+            </a:r>
+          </a:p>
+          <a:p>
+            <a:pPr lvl="0" rtl="0">
+              <a:spcBef>
+                <a:spcPts val="0"/>
+              </a:spcBef>
+              <a:buClr>
+                <a:schemeClr val="dk2"/>
+              </a:buClr>
+              <a:buSzPct val="91666"/>
+              <a:buFont typeface="Arial"/>
+              <a:buNone/>
+            </a:pPr>
+            <a:r>
+              <a:rPr b="1" lang="en" sz="1200">
+                <a:solidFill>
+                  <a:srgbClr val="FF0000"/>
+                </a:solidFill>
+                <a:latin typeface="Courier New"/>
+                <a:ea typeface="Courier New"/>
+                <a:cs typeface="Courier New"/>
+                <a:sym typeface="Courier New"/>
+              </a:rPr>
+              <a:t>[11:31:09] [CanaryMod] [INFO]: [SERVER] Opped &lt;username&gt;</a:t>
             </a:r>
           </a:p>
         </p:txBody>
@@ -8936,7 +9250,7 @@
     </p:bg>
     <p:spTree>
       <p:nvGrpSpPr>
-        <p:cNvPr id="173" name="Shape 173"/>
+        <p:cNvPr id="174" name="Shape 174"/>
         <p:cNvGrpSpPr/>
         <p:nvPr/>
       </p:nvGrpSpPr>
@@ -8950,7 +9264,7 @@
       </p:grpSpPr>
       <p:sp>
         <p:nvSpPr>
-          <p:cNvPr id="174" name="Shape 174"/>
+          <p:cNvPr id="175" name="Shape 175"/>
           <p:cNvSpPr txBox="1"/>
           <p:nvPr>
             <p:ph type="title"/>
@@ -8958,15 +9272,15 @@
         </p:nvSpPr>
         <p:spPr>
           <a:xfrm>
-            <a:off x="2400250" y="575950"/>
-            <a:ext cx="6321599" cy="635399"/>
+            <a:off x="406425" y="1806825"/>
+            <a:ext cx="8296799" cy="1541999"/>
           </a:xfrm>
           <a:prstGeom prst="rect">
             <a:avLst/>
           </a:prstGeom>
         </p:spPr>
         <p:txBody>
-          <a:bodyPr anchorCtr="0" anchor="t" bIns="91425" lIns="91425" rIns="91425" tIns="91425">
+          <a:bodyPr anchorCtr="0" anchor="ctr" bIns="91425" lIns="91425" rIns="91425" tIns="91425">
             <a:noAutofit/>
           </a:bodyPr>
           <a:lstStyle/>
@@ -8979,306 +9293,7 @@
             </a:pPr>
             <a:r>
               <a:rPr lang="en"/>
-              <a:t>Basic Math</a:t>
-            </a:r>
-          </a:p>
-        </p:txBody>
-      </p:sp>
-      <p:sp>
-        <p:nvSpPr>
-          <p:cNvPr id="175" name="Shape 175"/>
-          <p:cNvSpPr txBox="1"/>
-          <p:nvPr>
-            <p:ph idx="1" type="body"/>
-          </p:nvPr>
-        </p:nvSpPr>
-        <p:spPr>
-          <a:xfrm>
-            <a:off x="2400302" y="1602675"/>
-            <a:ext cx="3071400" cy="3002400"/>
-          </a:xfrm>
-          <a:prstGeom prst="rect">
-            <a:avLst/>
-          </a:prstGeom>
-        </p:spPr>
-        <p:txBody>
-          <a:bodyPr anchorCtr="0" anchor="t" bIns="91425" lIns="91425" rIns="91425" tIns="91425">
-            <a:noAutofit/>
-          </a:bodyPr>
-          <a:lstStyle/>
-          <a:p>
-            <a:pPr lvl="0" rtl="0">
-              <a:spcBef>
-                <a:spcPts val="0"/>
-              </a:spcBef>
-              <a:buNone/>
-            </a:pPr>
-            <a:r>
-              <a:rPr lang="en" sz="1800"/>
-              <a:t>Javascript can act as a calculator:</a:t>
-            </a:r>
-          </a:p>
-          <a:p>
-            <a:pPr lvl="0" rtl="0">
-              <a:spcBef>
-                <a:spcPts val="0"/>
-              </a:spcBef>
-              <a:buNone/>
-            </a:pPr>
-            <a:r>
-              <a:rPr b="1" lang="en" sz="1800">
-                <a:solidFill>
-                  <a:srgbClr val="FF0000"/>
-                </a:solidFill>
-                <a:latin typeface="Courier New"/>
-                <a:ea typeface="Courier New"/>
-                <a:cs typeface="Courier New"/>
-                <a:sym typeface="Courier New"/>
-              </a:rPr>
-              <a:t>js 2 + 3</a:t>
-            </a:r>
-          </a:p>
-          <a:p>
-            <a:pPr lvl="0" rtl="0">
-              <a:spcBef>
-                <a:spcPts val="0"/>
-              </a:spcBef>
-              <a:buNone/>
-            </a:pPr>
-            <a:r>
-              <a:rPr b="1" lang="en" sz="1800">
-                <a:solidFill>
-                  <a:srgbClr val="FF0000"/>
-                </a:solidFill>
-                <a:latin typeface="Courier New"/>
-                <a:ea typeface="Courier New"/>
-                <a:cs typeface="Courier New"/>
-                <a:sym typeface="Courier New"/>
-              </a:rPr>
-              <a:t>js 2 * 3</a:t>
-            </a:r>
-          </a:p>
-          <a:p>
-            <a:pPr lvl="0" rtl="0">
-              <a:spcBef>
-                <a:spcPts val="0"/>
-              </a:spcBef>
-              <a:buNone/>
-            </a:pPr>
-            <a:r>
-              <a:rPr b="1" lang="en" sz="1800">
-                <a:solidFill>
-                  <a:srgbClr val="FF0000"/>
-                </a:solidFill>
-                <a:latin typeface="Courier New"/>
-                <a:ea typeface="Courier New"/>
-                <a:cs typeface="Courier New"/>
-                <a:sym typeface="Courier New"/>
-              </a:rPr>
-              <a:t>js 2 - 3</a:t>
-            </a:r>
-          </a:p>
-          <a:p>
-            <a:pPr lvl="0" rtl="0">
-              <a:spcBef>
-                <a:spcPts val="0"/>
-              </a:spcBef>
-              <a:buNone/>
-            </a:pPr>
-            <a:r>
-              <a:t/>
-            </a:r>
-            <a:endParaRPr b="1">
-              <a:solidFill>
-                <a:srgbClr val="FF0000"/>
-              </a:solidFill>
-              <a:latin typeface="Courier New"/>
-              <a:ea typeface="Courier New"/>
-              <a:cs typeface="Courier New"/>
-              <a:sym typeface="Courier New"/>
-            </a:endParaRPr>
-          </a:p>
-          <a:p>
-            <a:pPr lvl="0" rtl="0">
-              <a:spcBef>
-                <a:spcPts val="0"/>
-              </a:spcBef>
-              <a:buNone/>
-            </a:pPr>
-            <a:r>
-              <a:t/>
-            </a:r>
-            <a:endParaRPr b="1">
-              <a:solidFill>
-                <a:srgbClr val="FF0000"/>
-              </a:solidFill>
-              <a:latin typeface="Courier New"/>
-              <a:ea typeface="Courier New"/>
-              <a:cs typeface="Courier New"/>
-              <a:sym typeface="Courier New"/>
-            </a:endParaRPr>
-          </a:p>
-          <a:p>
-            <a:pPr lvl="0" rtl="0">
-              <a:spcBef>
-                <a:spcPts val="0"/>
-              </a:spcBef>
-              <a:buNone/>
-            </a:pPr>
-            <a:r>
-              <a:t/>
-            </a:r>
-            <a:endParaRPr b="1">
-              <a:solidFill>
-                <a:srgbClr val="FF0000"/>
-              </a:solidFill>
-              <a:latin typeface="Courier New"/>
-              <a:ea typeface="Courier New"/>
-              <a:cs typeface="Courier New"/>
-              <a:sym typeface="Courier New"/>
-            </a:endParaRPr>
-          </a:p>
-          <a:p>
-            <a:pPr lvl="0" rtl="0">
-              <a:spcBef>
-                <a:spcPts val="0"/>
-              </a:spcBef>
-              <a:buClr>
-                <a:schemeClr val="dk2"/>
-              </a:buClr>
-              <a:buSzPct val="78571"/>
-              <a:buFont typeface="Arial"/>
-              <a:buNone/>
-            </a:pPr>
-            <a:r>
-              <a:t/>
-            </a:r>
-            <a:endParaRPr/>
-          </a:p>
-          <a:p>
-            <a:pPr lvl="0" rtl="0">
-              <a:spcBef>
-                <a:spcPts val="0"/>
-              </a:spcBef>
-              <a:buNone/>
-            </a:pPr>
-            <a:r>
-              <a:t/>
-            </a:r>
-            <a:endParaRPr b="1">
-              <a:solidFill>
-                <a:srgbClr val="FF0000"/>
-              </a:solidFill>
-              <a:latin typeface="Courier New"/>
-              <a:ea typeface="Courier New"/>
-              <a:cs typeface="Courier New"/>
-              <a:sym typeface="Courier New"/>
-            </a:endParaRPr>
-          </a:p>
-        </p:txBody>
-      </p:sp>
-      <p:sp>
-        <p:nvSpPr>
-          <p:cNvPr id="176" name="Shape 176"/>
-          <p:cNvSpPr txBox="1"/>
-          <p:nvPr>
-            <p:ph idx="2" type="body"/>
-          </p:nvPr>
-        </p:nvSpPr>
-        <p:spPr>
-          <a:xfrm>
-            <a:off x="5650571" y="1602675"/>
-            <a:ext cx="3071400" cy="3002400"/>
-          </a:xfrm>
-          <a:prstGeom prst="rect">
-            <a:avLst/>
-          </a:prstGeom>
-        </p:spPr>
-        <p:txBody>
-          <a:bodyPr anchorCtr="0" anchor="t" bIns="91425" lIns="91425" rIns="91425" tIns="91425">
-            <a:noAutofit/>
-          </a:bodyPr>
-          <a:lstStyle/>
-          <a:p>
-            <a:pPr lvl="0" rtl="0">
-              <a:spcBef>
-                <a:spcPts val="0"/>
-              </a:spcBef>
-              <a:buNone/>
-            </a:pPr>
-            <a:r>
-              <a:rPr lang="en" sz="1800"/>
-              <a:t>It can also compare numbers:</a:t>
-            </a:r>
-          </a:p>
-          <a:p>
-            <a:pPr lvl="0" rtl="0">
-              <a:spcBef>
-                <a:spcPts val="0"/>
-              </a:spcBef>
-              <a:buClr>
-                <a:schemeClr val="dk2"/>
-              </a:buClr>
-              <a:buSzPct val="61111"/>
-              <a:buFont typeface="Arial"/>
-              <a:buNone/>
-            </a:pPr>
-            <a:r>
-              <a:rPr b="1" lang="en" sz="1800">
-                <a:solidFill>
-                  <a:srgbClr val="FF0000"/>
-                </a:solidFill>
-                <a:latin typeface="Courier New"/>
-                <a:ea typeface="Courier New"/>
-                <a:cs typeface="Courier New"/>
-                <a:sym typeface="Courier New"/>
-              </a:rPr>
-              <a:t>js 3 &gt; 5</a:t>
-            </a:r>
-          </a:p>
-          <a:p>
-            <a:pPr lvl="0" rtl="0">
-              <a:spcBef>
-                <a:spcPts val="0"/>
-              </a:spcBef>
-              <a:buNone/>
-            </a:pPr>
-            <a:r>
-              <a:rPr b="1" lang="en" sz="1800">
-                <a:solidFill>
-                  <a:srgbClr val="FF0000"/>
-                </a:solidFill>
-                <a:latin typeface="Courier New"/>
-                <a:ea typeface="Courier New"/>
-                <a:cs typeface="Courier New"/>
-                <a:sym typeface="Courier New"/>
-              </a:rPr>
-              <a:t>js 3 &lt; 5</a:t>
-            </a:r>
-          </a:p>
-          <a:p>
-            <a:pPr lvl="0">
-              <a:spcBef>
-                <a:spcPts val="0"/>
-              </a:spcBef>
-              <a:buClr>
-                <a:schemeClr val="dk2"/>
-              </a:buClr>
-              <a:buSzPct val="61111"/>
-              <a:buFont typeface="Arial"/>
-              <a:buNone/>
-            </a:pPr>
-            <a:r>
-              <a:rPr b="1" lang="en" sz="1800">
-                <a:solidFill>
-                  <a:srgbClr val="FF0000"/>
-                </a:solidFill>
-                <a:latin typeface="Courier New"/>
-                <a:ea typeface="Courier New"/>
-                <a:cs typeface="Courier New"/>
-                <a:sym typeface="Courier New"/>
-              </a:rPr>
-              <a:t>js 3 == 5</a:t>
+              <a:t>Exploring JavaScript in Minecraft</a:t>
             </a:r>
           </a:p>
         </p:txBody>
@@ -9311,7 +9326,7 @@
     </p:bg>
     <p:spTree>
       <p:nvGrpSpPr>
-        <p:cNvPr id="180" name="Shape 180"/>
+        <p:cNvPr id="179" name="Shape 179"/>
         <p:cNvGrpSpPr/>
         <p:nvPr/>
       </p:nvGrpSpPr>
@@ -9325,7 +9340,7 @@
       </p:grpSpPr>
       <p:sp>
         <p:nvSpPr>
-          <p:cNvPr id="181" name="Shape 181"/>
+          <p:cNvPr id="180" name="Shape 180"/>
           <p:cNvSpPr txBox="1"/>
           <p:nvPr>
             <p:ph type="title"/>
@@ -9354,6 +9369,649 @@
             </a:pPr>
             <a:r>
               <a:rPr lang="en"/>
+              <a:t>Running Commands</a:t>
+            </a:r>
+          </a:p>
+        </p:txBody>
+      </p:sp>
+      <p:sp>
+        <p:nvSpPr>
+          <p:cNvPr id="181" name="Shape 181"/>
+          <p:cNvSpPr txBox="1"/>
+          <p:nvPr>
+            <p:ph idx="1" type="body"/>
+          </p:nvPr>
+        </p:nvSpPr>
+        <p:spPr>
+          <a:xfrm>
+            <a:off x="2410100" y="1656674"/>
+            <a:ext cx="6321600" cy="2941500"/>
+          </a:xfrm>
+          <a:prstGeom prst="rect">
+            <a:avLst/>
+          </a:prstGeom>
+        </p:spPr>
+        <p:txBody>
+          <a:bodyPr anchorCtr="0" anchor="t" bIns="91425" lIns="91425" rIns="91425" tIns="91425">
+            <a:noAutofit/>
+          </a:bodyPr>
+          <a:lstStyle/>
+          <a:p>
+            <a:pPr lvl="0" rtl="0">
+              <a:spcBef>
+                <a:spcPts val="0"/>
+              </a:spcBef>
+              <a:buNone/>
+            </a:pPr>
+            <a:r>
+              <a:rPr lang="en"/>
+              <a:t>Console VS Client</a:t>
+            </a:r>
+          </a:p>
+          <a:p>
+            <a:pPr indent="-228600" lvl="0" marL="457200" rtl="0">
+              <a:spcBef>
+                <a:spcPts val="0"/>
+              </a:spcBef>
+            </a:pPr>
+            <a:r>
+              <a:rPr lang="en"/>
+              <a:t>Javascript commands run on in-game (on the client) must always start with a </a:t>
+            </a:r>
+            <a:r>
+              <a:rPr b="1" lang="en">
+                <a:solidFill>
+                  <a:srgbClr val="FF0000"/>
+                </a:solidFill>
+                <a:latin typeface="Courier New"/>
+                <a:ea typeface="Courier New"/>
+                <a:cs typeface="Courier New"/>
+                <a:sym typeface="Courier New"/>
+              </a:rPr>
+              <a:t>/</a:t>
+            </a:r>
+            <a:r>
+              <a:rPr lang="en">
+                <a:solidFill>
+                  <a:srgbClr val="FF0000"/>
+                </a:solidFill>
+              </a:rPr>
+              <a:t> </a:t>
+            </a:r>
+            <a:r>
+              <a:rPr lang="en">
+                <a:solidFill>
+                  <a:srgbClr val="000000"/>
+                </a:solidFill>
+              </a:rPr>
+              <a:t>(to open the chat window)</a:t>
+            </a:r>
+          </a:p>
+          <a:p>
+            <a:pPr indent="-228600" lvl="0" marL="457200" rtl="0">
+              <a:spcBef>
+                <a:spcPts val="0"/>
+              </a:spcBef>
+            </a:pPr>
+            <a:r>
+              <a:rPr lang="en"/>
+              <a:t>Console commands don’t need the </a:t>
+            </a:r>
+            <a:r>
+              <a:rPr b="1" lang="en">
+                <a:solidFill>
+                  <a:srgbClr val="FF0000"/>
+                </a:solidFill>
+                <a:latin typeface="Courier New"/>
+                <a:ea typeface="Courier New"/>
+                <a:cs typeface="Courier New"/>
+                <a:sym typeface="Courier New"/>
+              </a:rPr>
+              <a:t>/</a:t>
+            </a:r>
+          </a:p>
+          <a:p>
+            <a:pPr indent="-228600" lvl="0" marL="457200">
+              <a:spcBef>
+                <a:spcPts val="0"/>
+              </a:spcBef>
+              <a:buClr>
+                <a:srgbClr val="000000"/>
+              </a:buClr>
+            </a:pPr>
+            <a:r>
+              <a:rPr lang="en">
+                <a:solidFill>
+                  <a:srgbClr val="000000"/>
+                </a:solidFill>
+              </a:rPr>
+              <a:t>Not every command works in both</a:t>
+            </a:r>
+          </a:p>
+        </p:txBody>
+      </p:sp>
+    </p:spTree>
+  </p:cSld>
+  <p:clrMapOvr>
+    <a:masterClrMapping/>
+  </p:clrMapOvr>
+  <p:transition spd="slow">
+    <p:cut/>
+  </p:transition>
+</p:sld>
+</file>
+
+<file path=ppt/slides/slide19.xml><?xml version="1.0" encoding="utf-8"?>
+<p:sld xmlns:a="http://schemas.openxmlformats.org/drawingml/2006/main" xmlns:r="http://schemas.openxmlformats.org/officeDocument/2006/relationships" xmlns:mc="http://schemas.openxmlformats.org/markup-compatibility/2006" xmlns:mv="urn:schemas-microsoft-com:mac:vml" xmlns:p="http://schemas.openxmlformats.org/presentationml/2006/main" xmlns:c="http://schemas.openxmlformats.org/drawingml/2006/chart" xmlns:dgm="http://schemas.openxmlformats.org/drawingml/2006/diagram" xmlns:o="urn:schemas-microsoft-com:office:office" xmlns:v="urn:schemas-microsoft-com:vml" xmlns:pvml="urn:schemas-microsoft-com:office:powerpoint" xmlns:com="http://schemas.openxmlformats.org/drawingml/2006/compatibility" xmlns:p14="http://schemas.microsoft.com/office/powerpoint/2010/main">
+  <p:cSld>
+    <p:bg>
+      <p:bgPr>
+        <a:blipFill>
+          <a:blip r:embed="rId3">
+            <a:alphaModFix/>
+          </a:blip>
+          <a:stretch>
+            <a:fillRect/>
+          </a:stretch>
+        </a:blipFill>
+      </p:bgPr>
+    </p:bg>
+    <p:spTree>
+      <p:nvGrpSpPr>
+        <p:cNvPr id="185" name="Shape 185"/>
+        <p:cNvGrpSpPr/>
+        <p:nvPr/>
+      </p:nvGrpSpPr>
+      <p:grpSpPr>
+        <a:xfrm>
+          <a:off x="0" y="0"/>
+          <a:ext cx="0" cy="0"/>
+          <a:chOff x="0" y="0"/>
+          <a:chExt cx="0" cy="0"/>
+        </a:xfrm>
+      </p:grpSpPr>
+      <p:sp>
+        <p:nvSpPr>
+          <p:cNvPr id="186" name="Shape 186"/>
+          <p:cNvSpPr txBox="1"/>
+          <p:nvPr>
+            <p:ph type="title"/>
+          </p:nvPr>
+        </p:nvSpPr>
+        <p:spPr>
+          <a:xfrm>
+            <a:off x="2400250" y="575950"/>
+            <a:ext cx="6321600" cy="635400"/>
+          </a:xfrm>
+          <a:prstGeom prst="rect">
+            <a:avLst/>
+          </a:prstGeom>
+        </p:spPr>
+        <p:txBody>
+          <a:bodyPr anchorCtr="0" anchor="t" bIns="91425" lIns="91425" rIns="91425" tIns="91425">
+            <a:noAutofit/>
+          </a:bodyPr>
+          <a:lstStyle/>
+          <a:p>
+            <a:pPr lvl="0" rtl="0">
+              <a:spcBef>
+                <a:spcPts val="0"/>
+              </a:spcBef>
+              <a:buNone/>
+            </a:pPr>
+            <a:r>
+              <a:rPr lang="en"/>
+              <a:t>Basic Math</a:t>
+            </a:r>
+          </a:p>
+        </p:txBody>
+      </p:sp>
+      <p:sp>
+        <p:nvSpPr>
+          <p:cNvPr id="187" name="Shape 187"/>
+          <p:cNvSpPr txBox="1"/>
+          <p:nvPr>
+            <p:ph idx="1" type="body"/>
+          </p:nvPr>
+        </p:nvSpPr>
+        <p:spPr>
+          <a:xfrm>
+            <a:off x="2400302" y="1602675"/>
+            <a:ext cx="3071400" cy="3002400"/>
+          </a:xfrm>
+          <a:prstGeom prst="rect">
+            <a:avLst/>
+          </a:prstGeom>
+        </p:spPr>
+        <p:txBody>
+          <a:bodyPr anchorCtr="0" anchor="t" bIns="91425" lIns="91425" rIns="91425" tIns="91425">
+            <a:noAutofit/>
+          </a:bodyPr>
+          <a:lstStyle/>
+          <a:p>
+            <a:pPr lvl="0" rtl="0">
+              <a:spcBef>
+                <a:spcPts val="0"/>
+              </a:spcBef>
+              <a:buNone/>
+            </a:pPr>
+            <a:r>
+              <a:rPr lang="en" sz="1800"/>
+              <a:t>Javascript can act as a calculator:</a:t>
+            </a:r>
+          </a:p>
+          <a:p>
+            <a:pPr lvl="0" rtl="0">
+              <a:spcBef>
+                <a:spcPts val="0"/>
+              </a:spcBef>
+              <a:buNone/>
+            </a:pPr>
+            <a:r>
+              <a:rPr b="1" lang="en" sz="1800">
+                <a:solidFill>
+                  <a:srgbClr val="FF0000"/>
+                </a:solidFill>
+                <a:latin typeface="Courier New"/>
+                <a:ea typeface="Courier New"/>
+                <a:cs typeface="Courier New"/>
+                <a:sym typeface="Courier New"/>
+              </a:rPr>
+              <a:t>js 2 + 3</a:t>
+            </a:r>
+          </a:p>
+          <a:p>
+            <a:pPr lvl="0" rtl="0">
+              <a:spcBef>
+                <a:spcPts val="0"/>
+              </a:spcBef>
+              <a:buNone/>
+            </a:pPr>
+            <a:r>
+              <a:rPr b="1" lang="en" sz="1800">
+                <a:solidFill>
+                  <a:srgbClr val="FF0000"/>
+                </a:solidFill>
+                <a:latin typeface="Courier New"/>
+                <a:ea typeface="Courier New"/>
+                <a:cs typeface="Courier New"/>
+                <a:sym typeface="Courier New"/>
+              </a:rPr>
+              <a:t>js 2 * 3</a:t>
+            </a:r>
+          </a:p>
+          <a:p>
+            <a:pPr lvl="0" rtl="0">
+              <a:spcBef>
+                <a:spcPts val="0"/>
+              </a:spcBef>
+              <a:buNone/>
+            </a:pPr>
+            <a:r>
+              <a:rPr b="1" lang="en" sz="1800">
+                <a:solidFill>
+                  <a:srgbClr val="FF0000"/>
+                </a:solidFill>
+                <a:latin typeface="Courier New"/>
+                <a:ea typeface="Courier New"/>
+                <a:cs typeface="Courier New"/>
+                <a:sym typeface="Courier New"/>
+              </a:rPr>
+              <a:t>js 2 - 3</a:t>
+            </a:r>
+          </a:p>
+          <a:p>
+            <a:pPr lvl="0" rtl="0">
+              <a:spcBef>
+                <a:spcPts val="0"/>
+              </a:spcBef>
+              <a:buNone/>
+            </a:pPr>
+            <a:r>
+              <a:t/>
+            </a:r>
+            <a:endParaRPr b="1">
+              <a:solidFill>
+                <a:srgbClr val="FF0000"/>
+              </a:solidFill>
+              <a:latin typeface="Courier New"/>
+              <a:ea typeface="Courier New"/>
+              <a:cs typeface="Courier New"/>
+              <a:sym typeface="Courier New"/>
+            </a:endParaRPr>
+          </a:p>
+          <a:p>
+            <a:pPr lvl="0" rtl="0">
+              <a:spcBef>
+                <a:spcPts val="0"/>
+              </a:spcBef>
+              <a:buNone/>
+            </a:pPr>
+            <a:r>
+              <a:t/>
+            </a:r>
+            <a:endParaRPr b="1">
+              <a:solidFill>
+                <a:srgbClr val="FF0000"/>
+              </a:solidFill>
+              <a:latin typeface="Courier New"/>
+              <a:ea typeface="Courier New"/>
+              <a:cs typeface="Courier New"/>
+              <a:sym typeface="Courier New"/>
+            </a:endParaRPr>
+          </a:p>
+          <a:p>
+            <a:pPr lvl="0" rtl="0">
+              <a:spcBef>
+                <a:spcPts val="0"/>
+              </a:spcBef>
+              <a:buNone/>
+            </a:pPr>
+            <a:r>
+              <a:t/>
+            </a:r>
+            <a:endParaRPr b="1">
+              <a:solidFill>
+                <a:srgbClr val="FF0000"/>
+              </a:solidFill>
+              <a:latin typeface="Courier New"/>
+              <a:ea typeface="Courier New"/>
+              <a:cs typeface="Courier New"/>
+              <a:sym typeface="Courier New"/>
+            </a:endParaRPr>
+          </a:p>
+          <a:p>
+            <a:pPr lvl="0" rtl="0">
+              <a:spcBef>
+                <a:spcPts val="0"/>
+              </a:spcBef>
+              <a:buClr>
+                <a:schemeClr val="dk2"/>
+              </a:buClr>
+              <a:buSzPct val="78571"/>
+              <a:buFont typeface="Arial"/>
+              <a:buNone/>
+            </a:pPr>
+            <a:r>
+              <a:t/>
+            </a:r>
+            <a:endParaRPr/>
+          </a:p>
+          <a:p>
+            <a:pPr lvl="0" rtl="0">
+              <a:spcBef>
+                <a:spcPts val="0"/>
+              </a:spcBef>
+              <a:buNone/>
+            </a:pPr>
+            <a:r>
+              <a:t/>
+            </a:r>
+            <a:endParaRPr b="1">
+              <a:solidFill>
+                <a:srgbClr val="FF0000"/>
+              </a:solidFill>
+              <a:latin typeface="Courier New"/>
+              <a:ea typeface="Courier New"/>
+              <a:cs typeface="Courier New"/>
+              <a:sym typeface="Courier New"/>
+            </a:endParaRPr>
+          </a:p>
+        </p:txBody>
+      </p:sp>
+      <p:sp>
+        <p:nvSpPr>
+          <p:cNvPr id="188" name="Shape 188"/>
+          <p:cNvSpPr txBox="1"/>
+          <p:nvPr>
+            <p:ph idx="2" type="body"/>
+          </p:nvPr>
+        </p:nvSpPr>
+        <p:spPr>
+          <a:xfrm>
+            <a:off x="5650571" y="1602675"/>
+            <a:ext cx="3071400" cy="3002400"/>
+          </a:xfrm>
+          <a:prstGeom prst="rect">
+            <a:avLst/>
+          </a:prstGeom>
+        </p:spPr>
+        <p:txBody>
+          <a:bodyPr anchorCtr="0" anchor="t" bIns="91425" lIns="91425" rIns="91425" tIns="91425">
+            <a:noAutofit/>
+          </a:bodyPr>
+          <a:lstStyle/>
+          <a:p>
+            <a:pPr lvl="0" rtl="0">
+              <a:spcBef>
+                <a:spcPts val="0"/>
+              </a:spcBef>
+              <a:buNone/>
+            </a:pPr>
+            <a:r>
+              <a:rPr lang="en" sz="1800"/>
+              <a:t>It can also compare numbers:</a:t>
+            </a:r>
+          </a:p>
+          <a:p>
+            <a:pPr lvl="0" rtl="0">
+              <a:spcBef>
+                <a:spcPts val="0"/>
+              </a:spcBef>
+              <a:buClr>
+                <a:schemeClr val="dk2"/>
+              </a:buClr>
+              <a:buSzPct val="61111"/>
+              <a:buFont typeface="Arial"/>
+              <a:buNone/>
+            </a:pPr>
+            <a:r>
+              <a:rPr b="1" lang="en" sz="1800">
+                <a:solidFill>
+                  <a:srgbClr val="FF0000"/>
+                </a:solidFill>
+                <a:latin typeface="Courier New"/>
+                <a:ea typeface="Courier New"/>
+                <a:cs typeface="Courier New"/>
+                <a:sym typeface="Courier New"/>
+              </a:rPr>
+              <a:t>js 3 &gt; 5</a:t>
+            </a:r>
+          </a:p>
+          <a:p>
+            <a:pPr lvl="0" rtl="0">
+              <a:spcBef>
+                <a:spcPts val="0"/>
+              </a:spcBef>
+              <a:buNone/>
+            </a:pPr>
+            <a:r>
+              <a:rPr b="1" lang="en" sz="1800">
+                <a:solidFill>
+                  <a:srgbClr val="FF0000"/>
+                </a:solidFill>
+                <a:latin typeface="Courier New"/>
+                <a:ea typeface="Courier New"/>
+                <a:cs typeface="Courier New"/>
+                <a:sym typeface="Courier New"/>
+              </a:rPr>
+              <a:t>js 3 &lt; 5</a:t>
+            </a:r>
+          </a:p>
+          <a:p>
+            <a:pPr lvl="0" rtl="0">
+              <a:spcBef>
+                <a:spcPts val="0"/>
+              </a:spcBef>
+              <a:buClr>
+                <a:schemeClr val="dk2"/>
+              </a:buClr>
+              <a:buSzPct val="61111"/>
+              <a:buFont typeface="Arial"/>
+              <a:buNone/>
+            </a:pPr>
+            <a:r>
+              <a:rPr b="1" lang="en" sz="1800">
+                <a:solidFill>
+                  <a:srgbClr val="FF0000"/>
+                </a:solidFill>
+                <a:latin typeface="Courier New"/>
+                <a:ea typeface="Courier New"/>
+                <a:cs typeface="Courier New"/>
+                <a:sym typeface="Courier New"/>
+              </a:rPr>
+              <a:t>js 3 == 5</a:t>
+            </a:r>
+          </a:p>
+        </p:txBody>
+      </p:sp>
+    </p:spTree>
+  </p:cSld>
+  <p:clrMapOvr>
+    <a:masterClrMapping/>
+  </p:clrMapOvr>
+  <p:transition spd="slow">
+    <p:cut/>
+  </p:transition>
+</p:sld>
+</file>
+
+<file path=ppt/slides/slide2.xml><?xml version="1.0" encoding="utf-8"?>
+<p:sld xmlns:a="http://schemas.openxmlformats.org/drawingml/2006/main" xmlns:r="http://schemas.openxmlformats.org/officeDocument/2006/relationships" xmlns:mc="http://schemas.openxmlformats.org/markup-compatibility/2006" xmlns:mv="urn:schemas-microsoft-com:mac:vml" xmlns:p="http://schemas.openxmlformats.org/presentationml/2006/main" xmlns:c="http://schemas.openxmlformats.org/drawingml/2006/chart" xmlns:dgm="http://schemas.openxmlformats.org/drawingml/2006/diagram" xmlns:o="urn:schemas-microsoft-com:office:office" xmlns:v="urn:schemas-microsoft-com:vml" xmlns:pvml="urn:schemas-microsoft-com:office:powerpoint" xmlns:com="http://schemas.openxmlformats.org/drawingml/2006/compatibility" xmlns:p14="http://schemas.microsoft.com/office/powerpoint/2010/main">
+  <p:cSld>
+    <p:bg>
+      <p:bgPr>
+        <a:blipFill>
+          <a:blip r:embed="rId3">
+            <a:alphaModFix/>
+          </a:blip>
+          <a:stretch>
+            <a:fillRect/>
+          </a:stretch>
+        </a:blipFill>
+      </p:bgPr>
+    </p:bg>
+    <p:spTree>
+      <p:nvGrpSpPr>
+        <p:cNvPr id="77" name="Shape 77"/>
+        <p:cNvGrpSpPr/>
+        <p:nvPr/>
+      </p:nvGrpSpPr>
+      <p:grpSpPr>
+        <a:xfrm>
+          <a:off x="0" y="0"/>
+          <a:ext cx="0" cy="0"/>
+          <a:chOff x="0" y="0"/>
+          <a:chExt cx="0" cy="0"/>
+        </a:xfrm>
+      </p:grpSpPr>
+      <p:sp>
+        <p:nvSpPr>
+          <p:cNvPr id="78" name="Shape 78"/>
+          <p:cNvSpPr txBox="1"/>
+          <p:nvPr>
+            <p:ph type="title"/>
+          </p:nvPr>
+        </p:nvSpPr>
+        <p:spPr>
+          <a:xfrm>
+            <a:off x="406425" y="1806825"/>
+            <a:ext cx="8296799" cy="1541999"/>
+          </a:xfrm>
+          <a:prstGeom prst="rect">
+            <a:avLst/>
+          </a:prstGeom>
+        </p:spPr>
+        <p:txBody>
+          <a:bodyPr anchorCtr="0" anchor="ctr" bIns="91425" lIns="91425" rIns="91425" tIns="91425">
+            <a:noAutofit/>
+          </a:bodyPr>
+          <a:lstStyle/>
+          <a:p>
+            <a:pPr lvl="0">
+              <a:spcBef>
+                <a:spcPts val="0"/>
+              </a:spcBef>
+              <a:buNone/>
+            </a:pPr>
+            <a:r>
+              <a:rPr lang="en"/>
+              <a:t>Getting Started</a:t>
+            </a:r>
+          </a:p>
+        </p:txBody>
+      </p:sp>
+    </p:spTree>
+  </p:cSld>
+  <p:clrMapOvr>
+    <a:masterClrMapping/>
+  </p:clrMapOvr>
+  <p:transition spd="slow">
+    <p:cut/>
+  </p:transition>
+</p:sld>
+</file>
+
+<file path=ppt/slides/slide20.xml><?xml version="1.0" encoding="utf-8"?>
+<p:sld xmlns:a="http://schemas.openxmlformats.org/drawingml/2006/main" xmlns:r="http://schemas.openxmlformats.org/officeDocument/2006/relationships" xmlns:mc="http://schemas.openxmlformats.org/markup-compatibility/2006" xmlns:mv="urn:schemas-microsoft-com:mac:vml" xmlns:p="http://schemas.openxmlformats.org/presentationml/2006/main" xmlns:c="http://schemas.openxmlformats.org/drawingml/2006/chart" xmlns:dgm="http://schemas.openxmlformats.org/drawingml/2006/diagram" xmlns:o="urn:schemas-microsoft-com:office:office" xmlns:v="urn:schemas-microsoft-com:vml" xmlns:pvml="urn:schemas-microsoft-com:office:powerpoint" xmlns:com="http://schemas.openxmlformats.org/drawingml/2006/compatibility" xmlns:p14="http://schemas.microsoft.com/office/powerpoint/2010/main">
+  <p:cSld>
+    <p:bg>
+      <p:bgPr>
+        <a:blipFill>
+          <a:blip r:embed="rId3">
+            <a:alphaModFix/>
+          </a:blip>
+          <a:stretch>
+            <a:fillRect/>
+          </a:stretch>
+        </a:blipFill>
+      </p:bgPr>
+    </p:bg>
+    <p:spTree>
+      <p:nvGrpSpPr>
+        <p:cNvPr id="192" name="Shape 192"/>
+        <p:cNvGrpSpPr/>
+        <p:nvPr/>
+      </p:nvGrpSpPr>
+      <p:grpSpPr>
+        <a:xfrm>
+          <a:off x="0" y="0"/>
+          <a:ext cx="0" cy="0"/>
+          <a:chOff x="0" y="0"/>
+          <a:chExt cx="0" cy="0"/>
+        </a:xfrm>
+      </p:grpSpPr>
+      <p:sp>
+        <p:nvSpPr>
+          <p:cNvPr id="193" name="Shape 193"/>
+          <p:cNvSpPr txBox="1"/>
+          <p:nvPr>
+            <p:ph type="title"/>
+          </p:nvPr>
+        </p:nvSpPr>
+        <p:spPr>
+          <a:xfrm>
+            <a:off x="2400250" y="575950"/>
+            <a:ext cx="6321599" cy="635399"/>
+          </a:xfrm>
+          <a:prstGeom prst="rect">
+            <a:avLst/>
+          </a:prstGeom>
+        </p:spPr>
+        <p:txBody>
+          <a:bodyPr anchorCtr="0" anchor="t" bIns="91425" lIns="91425" rIns="91425" tIns="91425">
+            <a:noAutofit/>
+          </a:bodyPr>
+          <a:lstStyle/>
+          <a:p>
+            <a:pPr lvl="0" rtl="0">
+              <a:spcBef>
+                <a:spcPts val="0"/>
+              </a:spcBef>
+              <a:buNone/>
+            </a:pPr>
+            <a:r>
+              <a:rPr lang="en"/>
               <a:t>Storing Data in Variables</a:t>
             </a:r>
           </a:p>
@@ -9361,7 +10019,7 @@
       </p:sp>
       <p:graphicFrame>
         <p:nvGraphicFramePr>
-          <p:cNvPr id="182" name="Shape 182"/>
+          <p:cNvPr id="194" name="Shape 194"/>
           <p:cNvGraphicFramePr/>
           <p:nvPr/>
         </p:nvGraphicFramePr>
@@ -9374,7 +10032,7 @@
             <a:tbl>
               <a:tblPr>
                 <a:noFill/>
-                <a:tableStyleId>{03BB25B9-6EED-4BC8-896C-F03E5D490B35}</a:tableStyleId>
+                <a:tableStyleId>{2A16C7DD-5D1F-4668-978B-AEA3835F1983}</a:tableStyleId>
               </a:tblPr>
               <a:tblGrid>
                 <a:gridCol w="2137575"/>
@@ -9475,7 +10133,7 @@
                           <a:cs typeface="Courier New"/>
                           <a:sym typeface="Courier New"/>
                         </a:rPr>
-                        <a:t>/js var hearts</a:t>
+                        <a:t>js var hearts</a:t>
                       </a:r>
                     </a:p>
                   </a:txBody>
@@ -9622,7 +10280,7 @@
                           <a:cs typeface="Courier New"/>
                           <a:sym typeface="Courier New"/>
                         </a:rPr>
-                        <a:t>/js hearts = 8</a:t>
+                        <a:t>js hearts = 8</a:t>
                       </a:r>
                     </a:p>
                   </a:txBody>
@@ -9769,7 +10427,7 @@
                           <a:cs typeface="Courier New"/>
                           <a:sym typeface="Courier New"/>
                         </a:rPr>
-                        <a:t>/js hearts</a:t>
+                        <a:t>js hearts</a:t>
                       </a:r>
                     </a:p>
                   </a:txBody>
@@ -9916,7 +10574,7 @@
                           <a:cs typeface="Courier New"/>
                           <a:sym typeface="Courier New"/>
                         </a:rPr>
-                        <a:t>/js hearts = 9</a:t>
+                        <a:t>js hearts = 9</a:t>
                       </a:r>
                     </a:p>
                   </a:txBody>
@@ -10063,7 +10721,7 @@
                           <a:cs typeface="Courier New"/>
                           <a:sym typeface="Courier New"/>
                         </a:rPr>
-                        <a:t>/js hearts + 5</a:t>
+                        <a:t>js hearts + 5</a:t>
                       </a:r>
                     </a:p>
                   </a:txBody>
@@ -10210,7 +10868,7 @@
                           <a:cs typeface="Courier New"/>
                           <a:sym typeface="Courier New"/>
                         </a:rPr>
-                        <a:t>/js hearts - 2</a:t>
+                        <a:t>js hearts - 2</a:t>
                       </a:r>
                     </a:p>
                   </a:txBody>
@@ -10352,7 +11010,7 @@
                           <a:cs typeface="Courier New"/>
                           <a:sym typeface="Courier New"/>
                         </a:rPr>
-                        <a:t>/js hearts * 1</a:t>
+                        <a:t>js hearts * 1</a:t>
                       </a:r>
                     </a:p>
                   </a:txBody>
@@ -10494,7 +11152,7 @@
                           <a:cs typeface="Courier New"/>
                           <a:sym typeface="Courier New"/>
                         </a:rPr>
-                        <a:t>/js hearts / 3</a:t>
+                        <a:t>js hearts / 3</a:t>
                       </a:r>
                     </a:p>
                   </a:txBody>
@@ -10858,478 +11516,6 @@
 </p:sld>
 </file>
 
-<file path=ppt/slides/slide19.xml><?xml version="1.0" encoding="utf-8"?>
-<p:sld xmlns:a="http://schemas.openxmlformats.org/drawingml/2006/main" xmlns:r="http://schemas.openxmlformats.org/officeDocument/2006/relationships" xmlns:mc="http://schemas.openxmlformats.org/markup-compatibility/2006" xmlns:mv="urn:schemas-microsoft-com:mac:vml" xmlns:p="http://schemas.openxmlformats.org/presentationml/2006/main" xmlns:c="http://schemas.openxmlformats.org/drawingml/2006/chart" xmlns:dgm="http://schemas.openxmlformats.org/drawingml/2006/diagram" xmlns:o="urn:schemas-microsoft-com:office:office" xmlns:v="urn:schemas-microsoft-com:vml" xmlns:pvml="urn:schemas-microsoft-com:office:powerpoint" xmlns:com="http://schemas.openxmlformats.org/drawingml/2006/compatibility" xmlns:p14="http://schemas.microsoft.com/office/powerpoint/2010/main">
-  <p:cSld>
-    <p:bg>
-      <p:bgPr>
-        <a:blipFill>
-          <a:blip r:embed="rId3">
-            <a:alphaModFix/>
-          </a:blip>
-          <a:stretch>
-            <a:fillRect/>
-          </a:stretch>
-        </a:blipFill>
-      </p:bgPr>
-    </p:bg>
-    <p:spTree>
-      <p:nvGrpSpPr>
-        <p:cNvPr id="186" name="Shape 186"/>
-        <p:cNvGrpSpPr/>
-        <p:nvPr/>
-      </p:nvGrpSpPr>
-      <p:grpSpPr>
-        <a:xfrm>
-          <a:off x="0" y="0"/>
-          <a:ext cx="0" cy="0"/>
-          <a:chOff x="0" y="0"/>
-          <a:chExt cx="0" cy="0"/>
-        </a:xfrm>
-      </p:grpSpPr>
-      <p:sp>
-        <p:nvSpPr>
-          <p:cNvPr id="187" name="Shape 187"/>
-          <p:cNvSpPr txBox="1"/>
-          <p:nvPr>
-            <p:ph type="title"/>
-          </p:nvPr>
-        </p:nvSpPr>
-        <p:spPr>
-          <a:xfrm>
-            <a:off x="2400250" y="575950"/>
-            <a:ext cx="6321599" cy="635399"/>
-          </a:xfrm>
-          <a:prstGeom prst="rect">
-            <a:avLst/>
-          </a:prstGeom>
-        </p:spPr>
-        <p:txBody>
-          <a:bodyPr anchorCtr="0" anchor="t" bIns="91425" lIns="91425" rIns="91425" tIns="91425">
-            <a:noAutofit/>
-          </a:bodyPr>
-          <a:lstStyle/>
-          <a:p>
-            <a:pPr lvl="0" rtl="0">
-              <a:spcBef>
-                <a:spcPts val="0"/>
-              </a:spcBef>
-              <a:buNone/>
-            </a:pPr>
-            <a:r>
-              <a:rPr lang="en"/>
-              <a:t>Strings</a:t>
-            </a:r>
-          </a:p>
-        </p:txBody>
-      </p:sp>
-      <p:sp>
-        <p:nvSpPr>
-          <p:cNvPr id="188" name="Shape 188"/>
-          <p:cNvSpPr txBox="1"/>
-          <p:nvPr>
-            <p:ph idx="1" type="body"/>
-          </p:nvPr>
-        </p:nvSpPr>
-        <p:spPr>
-          <a:xfrm>
-            <a:off x="-425" y="1367175"/>
-            <a:ext cx="9144000" cy="3002400"/>
-          </a:xfrm>
-          <a:prstGeom prst="rect">
-            <a:avLst/>
-          </a:prstGeom>
-        </p:spPr>
-        <p:txBody>
-          <a:bodyPr anchorCtr="0" anchor="t" bIns="91425" lIns="91425" rIns="91425" tIns="91425">
-            <a:noAutofit/>
-          </a:bodyPr>
-          <a:lstStyle/>
-          <a:p>
-            <a:pPr lvl="0" rtl="0">
-              <a:spcBef>
-                <a:spcPts val="0"/>
-              </a:spcBef>
-              <a:buNone/>
-            </a:pPr>
-            <a:r>
-              <a:rPr b="1" lang="en">
-                <a:solidFill>
-                  <a:srgbClr val="FF0000"/>
-                </a:solidFill>
-                <a:latin typeface="Courier New"/>
-                <a:ea typeface="Courier New"/>
-                <a:cs typeface="Courier New"/>
-                <a:sym typeface="Courier New"/>
-              </a:rPr>
-              <a:t>js "double string"</a:t>
-            </a:r>
-          </a:p>
-          <a:p>
-            <a:pPr lvl="0" rtl="0">
-              <a:spcBef>
-                <a:spcPts val="0"/>
-              </a:spcBef>
-              <a:buNone/>
-            </a:pPr>
-            <a:r>
-              <a:rPr b="1" lang="en">
-                <a:solidFill>
-                  <a:srgbClr val="FF0000"/>
-                </a:solidFill>
-                <a:latin typeface="Courier New"/>
-                <a:ea typeface="Courier New"/>
-                <a:cs typeface="Courier New"/>
-                <a:sym typeface="Courier New"/>
-              </a:rPr>
-              <a:t>js 'single string'</a:t>
-            </a:r>
-          </a:p>
-          <a:p>
-            <a:pPr lvl="0" rtl="0">
-              <a:spcBef>
-                <a:spcPts val="0"/>
-              </a:spcBef>
-              <a:buNone/>
-            </a:pPr>
-            <a:r>
-              <a:rPr b="1" lang="en">
-                <a:solidFill>
-                  <a:srgbClr val="FF0000"/>
-                </a:solidFill>
-                <a:latin typeface="Courier New"/>
-                <a:ea typeface="Courier New"/>
-                <a:cs typeface="Courier New"/>
-                <a:sym typeface="Courier New"/>
-              </a:rPr>
-              <a:t>js 'I\'m an escaped string'</a:t>
-            </a:r>
-          </a:p>
-          <a:p>
-            <a:pPr lvl="0" rtl="0">
-              <a:spcBef>
-                <a:spcPts val="0"/>
-              </a:spcBef>
-              <a:buNone/>
-            </a:pPr>
-            <a:r>
-              <a:rPr b="1" lang="en">
-                <a:solidFill>
-                  <a:srgbClr val="FF0000"/>
-                </a:solidFill>
-                <a:latin typeface="Courier New"/>
-                <a:ea typeface="Courier New"/>
-                <a:cs typeface="Courier New"/>
-                <a:sym typeface="Courier New"/>
-              </a:rPr>
-              <a:t>js "Here’s a \"double-quote\" escaped string"</a:t>
-            </a:r>
-          </a:p>
-          <a:p>
-            <a:pPr lvl="0" rtl="0">
-              <a:spcBef>
-                <a:spcPts val="0"/>
-              </a:spcBef>
-              <a:buNone/>
-            </a:pPr>
-            <a:r>
-              <a:rPr b="1" lang="en">
-                <a:solidFill>
-                  <a:srgbClr val="FF0000"/>
-                </a:solidFill>
-                <a:latin typeface="Courier New"/>
-                <a:ea typeface="Courier New"/>
-                <a:cs typeface="Courier New"/>
-                <a:sym typeface="Courier New"/>
-              </a:rPr>
-              <a:t>js "I'm un-escaped"</a:t>
-            </a:r>
-          </a:p>
-          <a:p>
-            <a:pPr lvl="0" rtl="0">
-              <a:spcBef>
-                <a:spcPts val="0"/>
-              </a:spcBef>
-              <a:buNone/>
-            </a:pPr>
-            <a:r>
-              <a:rPr b="1" lang="en">
-                <a:solidFill>
-                  <a:srgbClr val="FF0000"/>
-                </a:solidFill>
-                <a:latin typeface="Courier New"/>
-                <a:ea typeface="Courier New"/>
-                <a:cs typeface="Courier New"/>
-                <a:sym typeface="Courier New"/>
-              </a:rPr>
-              <a:t>js var healthMessage = 'You have ' + hearts + " health remaining"</a:t>
-            </a:r>
-          </a:p>
-        </p:txBody>
-      </p:sp>
-    </p:spTree>
-  </p:cSld>
-  <p:clrMapOvr>
-    <a:masterClrMapping/>
-  </p:clrMapOvr>
-  <p:transition spd="slow">
-    <p:cut/>
-  </p:transition>
-</p:sld>
-</file>
-
-<file path=ppt/slides/slide2.xml><?xml version="1.0" encoding="utf-8"?>
-<p:sld xmlns:a="http://schemas.openxmlformats.org/drawingml/2006/main" xmlns:r="http://schemas.openxmlformats.org/officeDocument/2006/relationships" xmlns:mc="http://schemas.openxmlformats.org/markup-compatibility/2006" xmlns:mv="urn:schemas-microsoft-com:mac:vml" xmlns:p="http://schemas.openxmlformats.org/presentationml/2006/main" xmlns:c="http://schemas.openxmlformats.org/drawingml/2006/chart" xmlns:dgm="http://schemas.openxmlformats.org/drawingml/2006/diagram" xmlns:o="urn:schemas-microsoft-com:office:office" xmlns:v="urn:schemas-microsoft-com:vml" xmlns:pvml="urn:schemas-microsoft-com:office:powerpoint" xmlns:com="http://schemas.openxmlformats.org/drawingml/2006/compatibility" xmlns:p14="http://schemas.microsoft.com/office/powerpoint/2010/main">
-  <p:cSld>
-    <p:bg>
-      <p:bgPr>
-        <a:blipFill>
-          <a:blip r:embed="rId3">
-            <a:alphaModFix/>
-          </a:blip>
-          <a:stretch>
-            <a:fillRect/>
-          </a:stretch>
-        </a:blipFill>
-      </p:bgPr>
-    </p:bg>
-    <p:spTree>
-      <p:nvGrpSpPr>
-        <p:cNvPr id="77" name="Shape 77"/>
-        <p:cNvGrpSpPr/>
-        <p:nvPr/>
-      </p:nvGrpSpPr>
-      <p:grpSpPr>
-        <a:xfrm>
-          <a:off x="0" y="0"/>
-          <a:ext cx="0" cy="0"/>
-          <a:chOff x="0" y="0"/>
-          <a:chExt cx="0" cy="0"/>
-        </a:xfrm>
-      </p:grpSpPr>
-      <p:sp>
-        <p:nvSpPr>
-          <p:cNvPr id="78" name="Shape 78"/>
-          <p:cNvSpPr txBox="1"/>
-          <p:nvPr>
-            <p:ph type="title"/>
-          </p:nvPr>
-        </p:nvSpPr>
-        <p:spPr>
-          <a:xfrm>
-            <a:off x="406425" y="1806825"/>
-            <a:ext cx="8296799" cy="1541999"/>
-          </a:xfrm>
-          <a:prstGeom prst="rect">
-            <a:avLst/>
-          </a:prstGeom>
-        </p:spPr>
-        <p:txBody>
-          <a:bodyPr anchorCtr="0" anchor="ctr" bIns="91425" lIns="91425" rIns="91425" tIns="91425">
-            <a:noAutofit/>
-          </a:bodyPr>
-          <a:lstStyle/>
-          <a:p>
-            <a:pPr lvl="0">
-              <a:spcBef>
-                <a:spcPts val="0"/>
-              </a:spcBef>
-              <a:buNone/>
-            </a:pPr>
-            <a:r>
-              <a:rPr lang="en"/>
-              <a:t>Getting Started</a:t>
-            </a:r>
-          </a:p>
-        </p:txBody>
-      </p:sp>
-    </p:spTree>
-  </p:cSld>
-  <p:clrMapOvr>
-    <a:masterClrMapping/>
-  </p:clrMapOvr>
-  <p:transition spd="slow">
-    <p:cut/>
-  </p:transition>
-</p:sld>
-</file>
-
-<file path=ppt/slides/slide20.xml><?xml version="1.0" encoding="utf-8"?>
-<p:sld xmlns:a="http://schemas.openxmlformats.org/drawingml/2006/main" xmlns:r="http://schemas.openxmlformats.org/officeDocument/2006/relationships" xmlns:mc="http://schemas.openxmlformats.org/markup-compatibility/2006" xmlns:mv="urn:schemas-microsoft-com:mac:vml" xmlns:p="http://schemas.openxmlformats.org/presentationml/2006/main" xmlns:c="http://schemas.openxmlformats.org/drawingml/2006/chart" xmlns:dgm="http://schemas.openxmlformats.org/drawingml/2006/diagram" xmlns:o="urn:schemas-microsoft-com:office:office" xmlns:v="urn:schemas-microsoft-com:vml" xmlns:pvml="urn:schemas-microsoft-com:office:powerpoint" xmlns:com="http://schemas.openxmlformats.org/drawingml/2006/compatibility" xmlns:p14="http://schemas.microsoft.com/office/powerpoint/2010/main">
-  <p:cSld>
-    <p:bg>
-      <p:bgPr>
-        <a:blipFill>
-          <a:blip r:embed="rId3">
-            <a:alphaModFix/>
-          </a:blip>
-          <a:stretch>
-            <a:fillRect/>
-          </a:stretch>
-        </a:blipFill>
-      </p:bgPr>
-    </p:bg>
-    <p:spTree>
-      <p:nvGrpSpPr>
-        <p:cNvPr id="192" name="Shape 192"/>
-        <p:cNvGrpSpPr/>
-        <p:nvPr/>
-      </p:nvGrpSpPr>
-      <p:grpSpPr>
-        <a:xfrm>
-          <a:off x="0" y="0"/>
-          <a:ext cx="0" cy="0"/>
-          <a:chOff x="0" y="0"/>
-          <a:chExt cx="0" cy="0"/>
-        </a:xfrm>
-      </p:grpSpPr>
-      <p:sp>
-        <p:nvSpPr>
-          <p:cNvPr id="193" name="Shape 193"/>
-          <p:cNvSpPr txBox="1"/>
-          <p:nvPr>
-            <p:ph type="title"/>
-          </p:nvPr>
-        </p:nvSpPr>
-        <p:spPr>
-          <a:xfrm>
-            <a:off x="2400250" y="575950"/>
-            <a:ext cx="6321599" cy="635399"/>
-          </a:xfrm>
-          <a:prstGeom prst="rect">
-            <a:avLst/>
-          </a:prstGeom>
-        </p:spPr>
-        <p:txBody>
-          <a:bodyPr anchorCtr="0" anchor="t" bIns="91425" lIns="91425" rIns="91425" tIns="91425">
-            <a:noAutofit/>
-          </a:bodyPr>
-          <a:lstStyle/>
-          <a:p>
-            <a:pPr lvl="0" rtl="0">
-              <a:spcBef>
-                <a:spcPts val="0"/>
-              </a:spcBef>
-              <a:buNone/>
-            </a:pPr>
-            <a:r>
-              <a:rPr lang="en"/>
-              <a:t>The null Keyword</a:t>
-            </a:r>
-          </a:p>
-        </p:txBody>
-      </p:sp>
-      <p:sp>
-        <p:nvSpPr>
-          <p:cNvPr id="194" name="Shape 194"/>
-          <p:cNvSpPr txBox="1"/>
-          <p:nvPr>
-            <p:ph idx="1" type="body"/>
-          </p:nvPr>
-        </p:nvSpPr>
-        <p:spPr>
-          <a:xfrm>
-            <a:off x="2410099" y="1595775"/>
-            <a:ext cx="6541199" cy="3002400"/>
-          </a:xfrm>
-          <a:prstGeom prst="rect">
-            <a:avLst/>
-          </a:prstGeom>
-        </p:spPr>
-        <p:txBody>
-          <a:bodyPr anchorCtr="0" anchor="t" bIns="91425" lIns="91425" rIns="91425" tIns="91425">
-            <a:noAutofit/>
-          </a:bodyPr>
-          <a:lstStyle/>
-          <a:p>
-            <a:pPr lvl="0" rtl="0">
-              <a:spcBef>
-                <a:spcPts val="0"/>
-              </a:spcBef>
-              <a:buNone/>
-            </a:pPr>
-            <a:r>
-              <a:rPr b="1" lang="en">
-                <a:solidFill>
-                  <a:srgbClr val="FF0000"/>
-                </a:solidFill>
-                <a:latin typeface="Courier New"/>
-                <a:ea typeface="Courier New"/>
-                <a:cs typeface="Courier New"/>
-                <a:sym typeface="Courier New"/>
-              </a:rPr>
-              <a:t>js var hearts = null</a:t>
-            </a:r>
-          </a:p>
-          <a:p>
-            <a:pPr lvl="0" rtl="0">
-              <a:spcBef>
-                <a:spcPts val="0"/>
-              </a:spcBef>
-              <a:buNone/>
-            </a:pPr>
-            <a:r>
-              <a:rPr i="1" lang="en">
-                <a:solidFill>
-                  <a:srgbClr val="000000"/>
-                </a:solidFill>
-              </a:rPr>
-              <a:t>null</a:t>
-            </a:r>
-            <a:r>
-              <a:rPr lang="en">
-                <a:solidFill>
-                  <a:srgbClr val="000000"/>
-                </a:solidFill>
-              </a:rPr>
-              <a:t> means “no value”. It’s useful for marking that a variable is empty.</a:t>
-            </a:r>
-          </a:p>
-          <a:p>
-            <a:pPr lvl="0" rtl="0">
-              <a:spcBef>
-                <a:spcPts val="0"/>
-              </a:spcBef>
-              <a:buNone/>
-            </a:pPr>
-            <a:r>
-              <a:rPr lang="en">
-                <a:solidFill>
-                  <a:srgbClr val="000000"/>
-                </a:solidFill>
-              </a:rPr>
-              <a:t>This is different from </a:t>
-            </a:r>
-            <a:r>
-              <a:rPr i="1" lang="en">
-                <a:solidFill>
-                  <a:srgbClr val="000000"/>
-                </a:solidFill>
-              </a:rPr>
-              <a:t>undefined</a:t>
-            </a:r>
-            <a:r>
-              <a:rPr lang="en">
-                <a:solidFill>
-                  <a:srgbClr val="000000"/>
-                </a:solidFill>
-              </a:rPr>
-              <a:t>, which is the default initial setting for any declared variable.</a:t>
-            </a:r>
-          </a:p>
-        </p:txBody>
-      </p:sp>
-    </p:spTree>
-  </p:cSld>
-  <p:clrMapOvr>
-    <a:masterClrMapping/>
-  </p:clrMapOvr>
-  <p:transition spd="slow">
-    <p:cut/>
-  </p:transition>
-</p:sld>
-</file>
-
 <file path=ppt/slides/slide21.xml><?xml version="1.0" encoding="utf-8"?>
 <p:sld xmlns:a="http://schemas.openxmlformats.org/drawingml/2006/main" xmlns:r="http://schemas.openxmlformats.org/officeDocument/2006/relationships" xmlns:mc="http://schemas.openxmlformats.org/markup-compatibility/2006" xmlns:mv="urn:schemas-microsoft-com:mac:vml" xmlns:p="http://schemas.openxmlformats.org/presentationml/2006/main" xmlns:c="http://schemas.openxmlformats.org/drawingml/2006/chart" xmlns:dgm="http://schemas.openxmlformats.org/drawingml/2006/diagram" xmlns:o="urn:schemas-microsoft-com:office:office" xmlns:v="urn:schemas-microsoft-com:vml" xmlns:pvml="urn:schemas-microsoft-com:office:powerpoint" xmlns:com="http://schemas.openxmlformats.org/drawingml/2006/compatibility" xmlns:p14="http://schemas.microsoft.com/office/powerpoint/2010/main">
   <p:cSld>
@@ -11370,7 +11556,7 @@
         <p:spPr>
           <a:xfrm>
             <a:off x="2400250" y="575950"/>
-            <a:ext cx="6321600" cy="635400"/>
+            <a:ext cx="6321599" cy="635399"/>
           </a:xfrm>
           <a:prstGeom prst="rect">
             <a:avLst/>
@@ -11390,7 +11576,7 @@
             </a:pPr>
             <a:r>
               <a:rPr lang="en"/>
-              <a:t>Adding and Subtracting</a:t>
+              <a:t>Strings</a:t>
             </a:r>
           </a:p>
         </p:txBody>
@@ -11405,8 +11591,8 @@
         </p:nvSpPr>
         <p:spPr>
           <a:xfrm>
-            <a:off x="2410099" y="1595775"/>
-            <a:ext cx="6541200" cy="3002400"/>
+            <a:off x="-425" y="1367175"/>
+            <a:ext cx="9144000" cy="3002400"/>
           </a:xfrm>
           <a:prstGeom prst="rect">
             <a:avLst/>
@@ -11434,7 +11620,7 @@
                 <a:cs typeface="Courier New"/>
                 <a:sym typeface="Courier New"/>
               </a:rPr>
-              <a:t>js hungerBar = hungerBar + 1</a:t>
+              <a:t>js "double string"</a:t>
             </a:r>
           </a:p>
           <a:p>
@@ -11454,7 +11640,7 @@
                 <a:cs typeface="Courier New"/>
                 <a:sym typeface="Courier New"/>
               </a:rPr>
-              <a:t>js hungerBar += 1</a:t>
+              <a:t>js 'single string'</a:t>
             </a:r>
           </a:p>
           <a:p>
@@ -11474,7 +11660,7 @@
                 <a:cs typeface="Courier New"/>
                 <a:sym typeface="Courier New"/>
               </a:rPr>
-              <a:t>js hungerBar = hungerBar + 1</a:t>
+              <a:t>js 'I\'m an escaped string'</a:t>
             </a:r>
           </a:p>
           <a:p>
@@ -11494,7 +11680,7 @@
                 <a:cs typeface="Courier New"/>
                 <a:sym typeface="Courier New"/>
               </a:rPr>
-              <a:t>js ++hungerBar</a:t>
+              <a:t>js "Here’s a \"double-quote\" escaped string"</a:t>
             </a:r>
           </a:p>
           <a:p>
@@ -11514,53 +11700,28 @@
                 <a:cs typeface="Courier New"/>
                 <a:sym typeface="Courier New"/>
               </a:rPr>
-              <a:t>js hungerBar--</a:t>
-            </a:r>
-          </a:p>
-          <a:p>
-            <a:pPr lvl="0" rtl="0">
-              <a:spcBef>
-                <a:spcPts val="0"/>
-              </a:spcBef>
-              <a:buClr>
-                <a:schemeClr val="dk2"/>
-              </a:buClr>
-              <a:buSzPct val="61111"/>
-              <a:buFont typeface="Arial"/>
-              <a:buNone/>
-            </a:pPr>
-            <a:r>
-              <a:t/>
-            </a:r>
-            <a:endParaRPr b="1">
-              <a:solidFill>
-                <a:srgbClr val="FF0000"/>
-              </a:solidFill>
-              <a:latin typeface="Courier New"/>
-              <a:ea typeface="Courier New"/>
-              <a:cs typeface="Courier New"/>
-              <a:sym typeface="Courier New"/>
-            </a:endParaRPr>
-          </a:p>
-          <a:p>
-            <a:pPr lvl="0" rtl="0">
-              <a:spcBef>
-                <a:spcPts val="0"/>
-              </a:spcBef>
-              <a:buNone/>
-            </a:pPr>
-            <a:r>
-              <a:t/>
-            </a:r>
-            <a:endParaRPr>
-              <a:solidFill>
-                <a:srgbClr val="000000"/>
-              </a:solidFill>
-              <a:latin typeface="Courier New"/>
-              <a:ea typeface="Courier New"/>
-              <a:cs typeface="Courier New"/>
-              <a:sym typeface="Courier New"/>
-            </a:endParaRPr>
+              <a:t>js "I'm un-escaped"</a:t>
+            </a:r>
+          </a:p>
+          <a:p>
+            <a:pPr lvl="0" rtl="0">
+              <a:spcBef>
+                <a:spcPts val="0"/>
+              </a:spcBef>
+              <a:buNone/>
+            </a:pPr>
+            <a:r>
+              <a:rPr b="1" lang="en">
+                <a:solidFill>
+                  <a:srgbClr val="FF0000"/>
+                </a:solidFill>
+                <a:latin typeface="Courier New"/>
+                <a:ea typeface="Courier New"/>
+                <a:cs typeface="Courier New"/>
+                <a:sym typeface="Courier New"/>
+              </a:rPr>
+              <a:t>js var healthMessage = 'You have ' + hearts + " health remaining"</a:t>
+            </a:r>
           </a:p>
         </p:txBody>
       </p:sp>
@@ -11615,7 +11776,7 @@
         <p:spPr>
           <a:xfrm>
             <a:off x="2400250" y="575950"/>
-            <a:ext cx="6321600" cy="635400"/>
+            <a:ext cx="6321599" cy="635399"/>
           </a:xfrm>
           <a:prstGeom prst="rect">
             <a:avLst/>
@@ -11635,7 +11796,7 @@
             </a:pPr>
             <a:r>
               <a:rPr lang="en"/>
-              <a:t>Data Types</a:t>
+              <a:t>The null Keyword</a:t>
             </a:r>
           </a:p>
         </p:txBody>
@@ -11650,8 +11811,8 @@
         </p:nvSpPr>
         <p:spPr>
           <a:xfrm>
-            <a:off x="2400302" y="1602675"/>
-            <a:ext cx="3071400" cy="3002400"/>
+            <a:off x="2410099" y="1595775"/>
+            <a:ext cx="6541199" cy="3002400"/>
           </a:xfrm>
           <a:prstGeom prst="rect">
             <a:avLst/>
@@ -11663,175 +11824,14 @@
           </a:bodyPr>
           <a:lstStyle/>
           <a:p>
-            <a:pPr indent="-342900" lvl="0" marL="457200" rtl="0">
-              <a:spcBef>
-                <a:spcPts val="0"/>
-              </a:spcBef>
-              <a:buClr>
-                <a:srgbClr val="000000"/>
-              </a:buClr>
-              <a:buSzPct val="100000"/>
-            </a:pPr>
-            <a:r>
-              <a:rPr lang="en" sz="1800">
-                <a:solidFill>
-                  <a:srgbClr val="000000"/>
-                </a:solidFill>
-              </a:rPr>
-              <a:t>Number</a:t>
-            </a:r>
-          </a:p>
-          <a:p>
-            <a:pPr indent="-342900" lvl="0" marL="457200" rtl="0">
-              <a:spcBef>
-                <a:spcPts val="0"/>
-              </a:spcBef>
-              <a:buClr>
-                <a:srgbClr val="000000"/>
-              </a:buClr>
-              <a:buSzPct val="100000"/>
-            </a:pPr>
-            <a:r>
-              <a:rPr lang="en" sz="1800">
-                <a:solidFill>
-                  <a:srgbClr val="000000"/>
-                </a:solidFill>
-              </a:rPr>
-              <a:t>String</a:t>
-            </a:r>
-          </a:p>
-          <a:p>
-            <a:pPr indent="-342900" lvl="0" marL="457200" rtl="0">
-              <a:spcBef>
-                <a:spcPts val="0"/>
-              </a:spcBef>
-              <a:buClr>
-                <a:srgbClr val="000000"/>
-              </a:buClr>
-              <a:buSzPct val="100000"/>
-            </a:pPr>
-            <a:r>
-              <a:rPr lang="en" sz="1800">
-                <a:solidFill>
-                  <a:srgbClr val="000000"/>
-                </a:solidFill>
-              </a:rPr>
-              <a:t>Boolean </a:t>
-            </a:r>
-          </a:p>
-          <a:p>
-            <a:pPr indent="-342900" lvl="0" marL="457200" rtl="0">
-              <a:spcBef>
-                <a:spcPts val="0"/>
-              </a:spcBef>
-              <a:buClr>
-                <a:srgbClr val="000000"/>
-              </a:buClr>
-              <a:buSzPct val="100000"/>
-            </a:pPr>
-            <a:r>
-              <a:rPr lang="en" sz="1800">
-                <a:solidFill>
-                  <a:srgbClr val="000000"/>
-                </a:solidFill>
-              </a:rPr>
-              <a:t>Object</a:t>
-            </a:r>
-          </a:p>
-          <a:p>
-            <a:pPr indent="-342900" lvl="0" marL="457200" rtl="0">
-              <a:spcBef>
-                <a:spcPts val="0"/>
-              </a:spcBef>
-              <a:buClr>
-                <a:srgbClr val="000000"/>
-              </a:buClr>
-              <a:buSzPct val="100000"/>
-            </a:pPr>
-            <a:r>
-              <a:rPr lang="en" sz="1800">
-                <a:solidFill>
-                  <a:srgbClr val="000000"/>
-                </a:solidFill>
-              </a:rPr>
-              <a:t>Undefined</a:t>
-            </a:r>
-          </a:p>
-          <a:p>
-            <a:pPr indent="-342900" lvl="0" marL="457200" rtl="0">
-              <a:spcBef>
-                <a:spcPts val="0"/>
-              </a:spcBef>
-              <a:buClr>
-                <a:srgbClr val="000000"/>
-              </a:buClr>
-              <a:buSzPct val="100000"/>
-            </a:pPr>
-            <a:r>
-              <a:rPr lang="en" sz="1800">
-                <a:solidFill>
-                  <a:srgbClr val="000000"/>
-                </a:solidFill>
-              </a:rPr>
-              <a:t>Function</a:t>
-            </a:r>
-          </a:p>
-          <a:p>
-            <a:pPr lvl="0" rtl="0">
-              <a:spcBef>
-                <a:spcPts val="0"/>
-              </a:spcBef>
-              <a:buNone/>
-            </a:pPr>
-            <a:r>
-              <a:t/>
-            </a:r>
-            <a:endParaRPr>
-              <a:solidFill>
-                <a:srgbClr val="000000"/>
-              </a:solidFill>
-            </a:endParaRPr>
-          </a:p>
-        </p:txBody>
-      </p:sp>
-      <p:sp>
-        <p:nvSpPr>
-          <p:cNvPr id="207" name="Shape 207"/>
-          <p:cNvSpPr txBox="1"/>
-          <p:nvPr>
-            <p:ph idx="2" type="body"/>
-          </p:nvPr>
-        </p:nvSpPr>
-        <p:spPr>
-          <a:xfrm>
-            <a:off x="4592401" y="1602675"/>
-            <a:ext cx="4129500" cy="3002400"/>
-          </a:xfrm>
-          <a:prstGeom prst="rect">
-            <a:avLst/>
-          </a:prstGeom>
-        </p:spPr>
-        <p:txBody>
-          <a:bodyPr anchorCtr="0" anchor="t" bIns="91425" lIns="91425" rIns="91425" tIns="91425">
-            <a:noAutofit/>
-          </a:bodyPr>
-          <a:lstStyle/>
-          <a:p>
-            <a:pPr indent="-342900" lvl="0" marL="457200" rtl="0">
-              <a:lnSpc>
-                <a:spcPct val="100000"/>
-              </a:lnSpc>
-              <a:spcBef>
-                <a:spcPts val="0"/>
-              </a:spcBef>
-              <a:buClr>
-                <a:srgbClr val="FF0000"/>
-              </a:buClr>
-              <a:buSzPct val="100000"/>
-              <a:buFont typeface="Courier New"/>
-            </a:pPr>
-            <a:r>
-              <a:rPr b="1" lang="en" sz="1800">
+            <a:pPr lvl="0" rtl="0">
+              <a:spcBef>
+                <a:spcPts val="0"/>
+              </a:spcBef>
+              <a:buNone/>
+            </a:pPr>
+            <a:r>
+              <a:rPr b="1" lang="en">
                 <a:solidFill>
                   <a:srgbClr val="FF0000"/>
                 </a:solidFill>
@@ -11840,223 +11840,63 @@
                 <a:cs typeface="Courier New"/>
                 <a:sym typeface="Courier New"/>
               </a:rPr>
-              <a:t>js typeof false</a:t>
-            </a:r>
-          </a:p>
-          <a:p>
-            <a:pPr indent="-342900" lvl="0" marL="457200" rtl="0">
-              <a:lnSpc>
-                <a:spcPct val="100000"/>
-              </a:lnSpc>
-              <a:spcBef>
-                <a:spcPts val="0"/>
-              </a:spcBef>
-              <a:buClr>
-                <a:srgbClr val="FF0000"/>
-              </a:buClr>
-              <a:buSzPct val="100000"/>
-              <a:buFont typeface="Courier New"/>
-            </a:pPr>
-            <a:r>
-              <a:rPr b="1" lang="en" sz="1800">
-                <a:solidFill>
-                  <a:srgbClr val="FF0000"/>
-                </a:solidFill>
-                <a:latin typeface="Courier New"/>
-                <a:ea typeface="Courier New"/>
-                <a:cs typeface="Courier New"/>
-                <a:sym typeface="Courier New"/>
+              <a:t>js var hearts = null</a:t>
+            </a:r>
+          </a:p>
+          <a:p>
+            <a:pPr lvl="0" rtl="0">
+              <a:spcBef>
+                <a:spcPts val="0"/>
+              </a:spcBef>
+              <a:buNone/>
+            </a:pPr>
+            <a:r>
+              <a:rPr i="1" lang="en">
+                <a:solidFill>
+                  <a:srgbClr val="000000"/>
+                </a:solidFill>
               </a:rPr>
-              <a:t>js typeof true</a:t>
-            </a:r>
-          </a:p>
-          <a:p>
-            <a:pPr indent="-342900" lvl="0" marL="457200" rtl="0">
-              <a:lnSpc>
-                <a:spcPct val="100000"/>
-              </a:lnSpc>
-              <a:spcBef>
-                <a:spcPts val="0"/>
-              </a:spcBef>
-              <a:buClr>
-                <a:srgbClr val="FF0000"/>
-              </a:buClr>
-              <a:buSzPct val="100000"/>
-              <a:buFont typeface="Courier New"/>
-            </a:pPr>
-            <a:r>
-              <a:rPr b="1" lang="en" sz="1800">
-                <a:solidFill>
-                  <a:srgbClr val="FF0000"/>
-                </a:solidFill>
-                <a:latin typeface="Courier New"/>
-                <a:ea typeface="Courier New"/>
-                <a:cs typeface="Courier New"/>
-                <a:sym typeface="Courier New"/>
+              <a:t>null</a:t>
+            </a:r>
+            <a:r>
+              <a:rPr lang="en">
+                <a:solidFill>
+                  <a:srgbClr val="000000"/>
+                </a:solidFill>
               </a:rPr>
-              <a:t>js typeof 5</a:t>
-            </a:r>
-          </a:p>
-          <a:p>
-            <a:pPr indent="-342900" lvl="0" marL="457200" rtl="0">
-              <a:lnSpc>
-                <a:spcPct val="100000"/>
-              </a:lnSpc>
-              <a:spcBef>
-                <a:spcPts val="0"/>
-              </a:spcBef>
-              <a:buClr>
-                <a:srgbClr val="FF0000"/>
-              </a:buClr>
-              <a:buSzPct val="100000"/>
-              <a:buFont typeface="Courier New"/>
-            </a:pPr>
-            <a:r>
-              <a:rPr b="1" lang="en" sz="1800">
-                <a:solidFill>
-                  <a:srgbClr val="FF0000"/>
-                </a:solidFill>
-                <a:latin typeface="Courier New"/>
-                <a:ea typeface="Courier New"/>
-                <a:cs typeface="Courier New"/>
-                <a:sym typeface="Courier New"/>
+              <a:t> means “no value”. It’s useful for marking that a variable is empty.</a:t>
+            </a:r>
+          </a:p>
+          <a:p>
+            <a:pPr lvl="0" rtl="0">
+              <a:spcBef>
+                <a:spcPts val="0"/>
+              </a:spcBef>
+              <a:buNone/>
+            </a:pPr>
+            <a:r>
+              <a:rPr lang="en">
+                <a:solidFill>
+                  <a:srgbClr val="000000"/>
+                </a:solidFill>
               </a:rPr>
-              <a:t>js typeof 9.99</a:t>
-            </a:r>
-          </a:p>
-          <a:p>
-            <a:pPr indent="-342900" lvl="0" marL="457200" rtl="0">
-              <a:lnSpc>
-                <a:spcPct val="100000"/>
-              </a:lnSpc>
-              <a:spcBef>
-                <a:spcPts val="0"/>
-              </a:spcBef>
-              <a:buClr>
-                <a:srgbClr val="FF0000"/>
-              </a:buClr>
-              <a:buSzPct val="100000"/>
-              <a:buFont typeface="Courier New"/>
-            </a:pPr>
-            <a:r>
-              <a:rPr b="1" lang="en" sz="1800">
-                <a:solidFill>
-                  <a:srgbClr val="FF0000"/>
-                </a:solidFill>
-                <a:latin typeface="Courier New"/>
-                <a:ea typeface="Courier New"/>
-                <a:cs typeface="Courier New"/>
-                <a:sym typeface="Courier New"/>
+              <a:t>This is different from </a:t>
+            </a:r>
+            <a:r>
+              <a:rPr i="1" lang="en">
+                <a:solidFill>
+                  <a:srgbClr val="000000"/>
+                </a:solidFill>
               </a:rPr>
-              <a:t>js typeof 'Hello'</a:t>
-            </a:r>
-          </a:p>
-          <a:p>
-            <a:pPr indent="-342900" lvl="0" marL="457200" rtl="0">
-              <a:lnSpc>
-                <a:spcPct val="100000"/>
-              </a:lnSpc>
-              <a:spcBef>
-                <a:spcPts val="0"/>
-              </a:spcBef>
-              <a:buClr>
-                <a:srgbClr val="FF0000"/>
-              </a:buClr>
-              <a:buSzPct val="100000"/>
-              <a:buFont typeface="Courier New"/>
-            </a:pPr>
-            <a:r>
-              <a:rPr b="1" lang="en" sz="1800">
-                <a:solidFill>
-                  <a:srgbClr val="FF0000"/>
-                </a:solidFill>
-                <a:latin typeface="Courier New"/>
-                <a:ea typeface="Courier New"/>
-                <a:cs typeface="Courier New"/>
-                <a:sym typeface="Courier New"/>
+              <a:t>undefined</a:t>
+            </a:r>
+            <a:r>
+              <a:rPr lang="en">
+                <a:solidFill>
+                  <a:srgbClr val="000000"/>
+                </a:solidFill>
               </a:rPr>
-              <a:t>js typeof "5"</a:t>
-            </a:r>
-          </a:p>
-          <a:p>
-            <a:pPr indent="-342900" lvl="0" marL="457200" rtl="0">
-              <a:lnSpc>
-                <a:spcPct val="100000"/>
-              </a:lnSpc>
-              <a:spcBef>
-                <a:spcPts val="0"/>
-              </a:spcBef>
-              <a:buClr>
-                <a:srgbClr val="FF0000"/>
-              </a:buClr>
-              <a:buSzPct val="100000"/>
-              <a:buFont typeface="Courier New"/>
-            </a:pPr>
-            <a:r>
-              <a:rPr b="1" lang="en" sz="1800">
-                <a:solidFill>
-                  <a:srgbClr val="FF0000"/>
-                </a:solidFill>
-                <a:latin typeface="Courier New"/>
-                <a:ea typeface="Courier New"/>
-                <a:cs typeface="Courier New"/>
-                <a:sym typeface="Courier New"/>
-              </a:rPr>
-              <a:t>js typeof console</a:t>
-            </a:r>
-          </a:p>
-          <a:p>
-            <a:pPr indent="-342900" lvl="0" marL="457200" rtl="0">
-              <a:lnSpc>
-                <a:spcPct val="100000"/>
-              </a:lnSpc>
-              <a:spcBef>
-                <a:spcPts val="0"/>
-              </a:spcBef>
-              <a:buClr>
-                <a:srgbClr val="FF0000"/>
-              </a:buClr>
-              <a:buSzPct val="100000"/>
-              <a:buFont typeface="Courier New"/>
-            </a:pPr>
-            <a:r>
-              <a:rPr b="1" lang="en" sz="1800">
-                <a:solidFill>
-                  <a:srgbClr val="FF0000"/>
-                </a:solidFill>
-                <a:latin typeface="Courier New"/>
-                <a:ea typeface="Courier New"/>
-                <a:cs typeface="Courier New"/>
-                <a:sym typeface="Courier New"/>
-              </a:rPr>
-              <a:t>js typeof Herobrine</a:t>
-            </a:r>
-          </a:p>
-          <a:p>
-            <a:pPr indent="-342900" lvl="0" marL="457200" rtl="0">
-              <a:lnSpc>
-                <a:spcPct val="100000"/>
-              </a:lnSpc>
-              <a:spcBef>
-                <a:spcPts val="0"/>
-              </a:spcBef>
-              <a:buClr>
-                <a:srgbClr val="FF0000"/>
-              </a:buClr>
-              <a:buSzPct val="100000"/>
-              <a:buFont typeface="Courier New"/>
-            </a:pPr>
-            <a:r>
-              <a:rPr b="1" lang="en" sz="1800">
-                <a:solidFill>
-                  <a:srgbClr val="FF0000"/>
-                </a:solidFill>
-                <a:latin typeface="Courier New"/>
-                <a:ea typeface="Courier New"/>
-                <a:cs typeface="Courier New"/>
-                <a:sym typeface="Courier New"/>
-              </a:rPr>
-              <a:t>js typeof parseInt</a:t>
+              <a:t>, which is the default initial setting for any declared variable.</a:t>
             </a:r>
           </a:p>
         </p:txBody>
@@ -12089,7 +11929,7 @@
     </p:bg>
     <p:spTree>
       <p:nvGrpSpPr>
-        <p:cNvPr id="211" name="Shape 211"/>
+        <p:cNvPr id="210" name="Shape 210"/>
         <p:cNvGrpSpPr/>
         <p:nvPr/>
       </p:nvGrpSpPr>
@@ -12103,7 +11943,7 @@
       </p:grpSpPr>
       <p:sp>
         <p:nvSpPr>
-          <p:cNvPr id="212" name="Shape 212"/>
+          <p:cNvPr id="211" name="Shape 211"/>
           <p:cNvSpPr txBox="1"/>
           <p:nvPr>
             <p:ph type="title"/>
@@ -12132,14 +11972,14 @@
             </a:pPr>
             <a:r>
               <a:rPr lang="en"/>
-              <a:t>Functions</a:t>
+              <a:t>Adding and Subtracting</a:t>
             </a:r>
           </a:p>
         </p:txBody>
       </p:sp>
       <p:sp>
         <p:nvSpPr>
-          <p:cNvPr id="213" name="Shape 213"/>
+          <p:cNvPr id="212" name="Shape 212"/>
           <p:cNvSpPr txBox="1"/>
           <p:nvPr>
             <p:ph idx="1" type="body"/>
@@ -12167,86 +12007,6 @@
               <a:buNone/>
             </a:pPr>
             <a:r>
-              <a:rPr lang="en">
-                <a:solidFill>
-                  <a:srgbClr val="000000"/>
-                </a:solidFill>
-              </a:rPr>
-              <a:t>Collections of code that can be easily called and reused. </a:t>
-            </a:r>
-          </a:p>
-          <a:p>
-            <a:pPr lvl="0" rtl="0">
-              <a:spcBef>
-                <a:spcPts val="0"/>
-              </a:spcBef>
-              <a:buNone/>
-            </a:pPr>
-            <a:r>
-              <a:rPr lang="en">
-                <a:solidFill>
-                  <a:srgbClr val="000000"/>
-                </a:solidFill>
-              </a:rPr>
-              <a:t>Values passed in between the </a:t>
-            </a:r>
-            <a:r>
-              <a:rPr b="1" lang="en">
-                <a:solidFill>
-                  <a:srgbClr val="000000"/>
-                </a:solidFill>
-              </a:rPr>
-              <a:t>(</a:t>
-            </a:r>
-            <a:r>
-              <a:rPr lang="en">
-                <a:solidFill>
-                  <a:srgbClr val="000000"/>
-                </a:solidFill>
-              </a:rPr>
-              <a:t> and </a:t>
-            </a:r>
-            <a:r>
-              <a:rPr b="1" lang="en">
-                <a:solidFill>
-                  <a:srgbClr val="000000"/>
-                </a:solidFill>
-              </a:rPr>
-              <a:t>)</a:t>
-            </a:r>
-            <a:r>
-              <a:rPr lang="en">
-                <a:solidFill>
-                  <a:srgbClr val="000000"/>
-                </a:solidFill>
-              </a:rPr>
-              <a:t> called </a:t>
-            </a:r>
-            <a:r>
-              <a:rPr i="1" lang="en">
-                <a:solidFill>
-                  <a:srgbClr val="000000"/>
-                </a:solidFill>
-              </a:rPr>
-              <a:t>parameters</a:t>
-            </a:r>
-            <a:r>
-              <a:rPr lang="en">
-                <a:solidFill>
-                  <a:srgbClr val="000000"/>
-                </a:solidFill>
-              </a:rPr>
-              <a:t>.</a:t>
-            </a:r>
-          </a:p>
-          <a:p>
-            <a:pPr lvl="0" rtl="0">
-              <a:spcBef>
-                <a:spcPts val="0"/>
-              </a:spcBef>
-              <a:buNone/>
-            </a:pPr>
-            <a:r>
               <a:rPr b="1" lang="en">
                 <a:solidFill>
                   <a:srgbClr val="FF0000"/>
@@ -12256,7 +12016,7 @@
                 <a:cs typeface="Courier New"/>
                 <a:sym typeface="Courier New"/>
               </a:rPr>
-              <a:t>js parseInt('4 hours until sunset')</a:t>
+              <a:t>js hungerBar = hungerBar + 1</a:t>
             </a:r>
           </a:p>
           <a:p>
@@ -12276,7 +12036,7 @@
                 <a:cs typeface="Courier New"/>
                 <a:sym typeface="Courier New"/>
               </a:rPr>
-              <a:t>js parseInt('This is not a number')</a:t>
+              <a:t>js hungerBar += 1</a:t>
             </a:r>
           </a:p>
           <a:p>
@@ -12296,14 +12056,59 @@
                 <a:cs typeface="Courier New"/>
                 <a:sym typeface="Courier New"/>
               </a:rPr>
-              <a:t>js parseInt('3 blind mice')</a:t>
-            </a:r>
-          </a:p>
-          <a:p>
-            <a:pPr lvl="0" rtl="0">
-              <a:spcBef>
-                <a:spcPts val="0"/>
-              </a:spcBef>
+              <a:t>js hungerBar = hungerBar + 1</a:t>
+            </a:r>
+          </a:p>
+          <a:p>
+            <a:pPr lvl="0" rtl="0">
+              <a:spcBef>
+                <a:spcPts val="0"/>
+              </a:spcBef>
+              <a:buNone/>
+            </a:pPr>
+            <a:r>
+              <a:rPr b="1" lang="en">
+                <a:solidFill>
+                  <a:srgbClr val="FF0000"/>
+                </a:solidFill>
+                <a:latin typeface="Courier New"/>
+                <a:ea typeface="Courier New"/>
+                <a:cs typeface="Courier New"/>
+                <a:sym typeface="Courier New"/>
+              </a:rPr>
+              <a:t>js ++hungerBar</a:t>
+            </a:r>
+          </a:p>
+          <a:p>
+            <a:pPr lvl="0" rtl="0">
+              <a:spcBef>
+                <a:spcPts val="0"/>
+              </a:spcBef>
+              <a:buNone/>
+            </a:pPr>
+            <a:r>
+              <a:rPr b="1" lang="en">
+                <a:solidFill>
+                  <a:srgbClr val="FF0000"/>
+                </a:solidFill>
+                <a:latin typeface="Courier New"/>
+                <a:ea typeface="Courier New"/>
+                <a:cs typeface="Courier New"/>
+                <a:sym typeface="Courier New"/>
+              </a:rPr>
+              <a:t>js hungerBar--</a:t>
+            </a:r>
+          </a:p>
+          <a:p>
+            <a:pPr lvl="0" rtl="0">
+              <a:spcBef>
+                <a:spcPts val="0"/>
+              </a:spcBef>
+              <a:buClr>
+                <a:schemeClr val="dk2"/>
+              </a:buClr>
+              <a:buSzPct val="61111"/>
+              <a:buFont typeface="Arial"/>
               <a:buNone/>
             </a:pPr>
             <a:r>
@@ -12333,6 +12138,10 @@
               <a:solidFill>
                 <a:srgbClr val="000000"/>
               </a:solidFill>
+              <a:latin typeface="Courier New"/>
+              <a:ea typeface="Courier New"/>
+              <a:cs typeface="Courier New"/>
+              <a:sym typeface="Courier New"/>
             </a:endParaRPr>
           </a:p>
         </p:txBody>
@@ -12365,7 +12174,7 @@
     </p:bg>
     <p:spTree>
       <p:nvGrpSpPr>
-        <p:cNvPr id="217" name="Shape 217"/>
+        <p:cNvPr id="216" name="Shape 216"/>
         <p:cNvGrpSpPr/>
         <p:nvPr/>
       </p:nvGrpSpPr>
@@ -12379,7 +12188,7 @@
       </p:grpSpPr>
       <p:sp>
         <p:nvSpPr>
-          <p:cNvPr id="218" name="Shape 218"/>
+          <p:cNvPr id="217" name="Shape 217"/>
           <p:cNvSpPr txBox="1"/>
           <p:nvPr>
             <p:ph type="title"/>
@@ -12408,8 +12217,162 @@
             </a:pPr>
             <a:r>
               <a:rPr lang="en"/>
-              <a:t>Writing Your Own Functions</a:t>
-            </a:r>
+              <a:t>Data Types</a:t>
+            </a:r>
+          </a:p>
+        </p:txBody>
+      </p:sp>
+      <p:sp>
+        <p:nvSpPr>
+          <p:cNvPr id="218" name="Shape 218"/>
+          <p:cNvSpPr txBox="1"/>
+          <p:nvPr>
+            <p:ph idx="1" type="body"/>
+          </p:nvPr>
+        </p:nvSpPr>
+        <p:spPr>
+          <a:xfrm>
+            <a:off x="2400302" y="1602675"/>
+            <a:ext cx="3071400" cy="3002400"/>
+          </a:xfrm>
+          <a:prstGeom prst="rect">
+            <a:avLst/>
+          </a:prstGeom>
+        </p:spPr>
+        <p:txBody>
+          <a:bodyPr anchorCtr="0" anchor="t" bIns="91425" lIns="91425" rIns="91425" tIns="91425">
+            <a:noAutofit/>
+          </a:bodyPr>
+          <a:lstStyle/>
+          <a:p>
+            <a:pPr indent="-342900" lvl="0" marL="457200" rtl="0">
+              <a:spcBef>
+                <a:spcPts val="0"/>
+              </a:spcBef>
+              <a:buClr>
+                <a:srgbClr val="000000"/>
+              </a:buClr>
+              <a:buSzPct val="100000"/>
+            </a:pPr>
+            <a:r>
+              <a:rPr lang="en" sz="1800">
+                <a:solidFill>
+                  <a:srgbClr val="000000"/>
+                </a:solidFill>
+              </a:rPr>
+              <a:t>Number</a:t>
+            </a:r>
+          </a:p>
+          <a:p>
+            <a:pPr indent="-342900" lvl="0" marL="457200" rtl="0">
+              <a:spcBef>
+                <a:spcPts val="0"/>
+              </a:spcBef>
+              <a:buClr>
+                <a:srgbClr val="000000"/>
+              </a:buClr>
+              <a:buSzPct val="100000"/>
+            </a:pPr>
+            <a:r>
+              <a:rPr lang="en" sz="1800">
+                <a:solidFill>
+                  <a:srgbClr val="000000"/>
+                </a:solidFill>
+              </a:rPr>
+              <a:t>String</a:t>
+            </a:r>
+          </a:p>
+          <a:p>
+            <a:pPr indent="-342900" lvl="0" marL="457200" rtl="0">
+              <a:spcBef>
+                <a:spcPts val="0"/>
+              </a:spcBef>
+              <a:buClr>
+                <a:srgbClr val="000000"/>
+              </a:buClr>
+              <a:buSzPct val="100000"/>
+            </a:pPr>
+            <a:r>
+              <a:rPr lang="en" sz="1800">
+                <a:solidFill>
+                  <a:srgbClr val="000000"/>
+                </a:solidFill>
+              </a:rPr>
+              <a:t>Boolean </a:t>
+            </a:r>
+          </a:p>
+          <a:p>
+            <a:pPr indent="-342900" lvl="0" marL="457200" rtl="0">
+              <a:spcBef>
+                <a:spcPts val="0"/>
+              </a:spcBef>
+              <a:buClr>
+                <a:srgbClr val="000000"/>
+              </a:buClr>
+              <a:buSzPct val="100000"/>
+            </a:pPr>
+            <a:r>
+              <a:rPr lang="en" sz="1800">
+                <a:solidFill>
+                  <a:srgbClr val="000000"/>
+                </a:solidFill>
+              </a:rPr>
+              <a:t>Object</a:t>
+            </a:r>
+          </a:p>
+          <a:p>
+            <a:pPr indent="-342900" lvl="0" marL="457200" rtl="0">
+              <a:spcBef>
+                <a:spcPts val="0"/>
+              </a:spcBef>
+              <a:buClr>
+                <a:srgbClr val="000000"/>
+              </a:buClr>
+              <a:buSzPct val="100000"/>
+            </a:pPr>
+            <a:r>
+              <a:rPr lang="en" sz="1800">
+                <a:solidFill>
+                  <a:srgbClr val="000000"/>
+                </a:solidFill>
+              </a:rPr>
+              <a:t>Undefined</a:t>
+            </a:r>
+          </a:p>
+          <a:p>
+            <a:pPr indent="-342900" lvl="0" marL="457200" rtl="0">
+              <a:spcBef>
+                <a:spcPts val="0"/>
+              </a:spcBef>
+              <a:buClr>
+                <a:srgbClr val="000000"/>
+              </a:buClr>
+              <a:buSzPct val="100000"/>
+            </a:pPr>
+            <a:r>
+              <a:rPr lang="en" sz="1800">
+                <a:solidFill>
+                  <a:srgbClr val="000000"/>
+                </a:solidFill>
+              </a:rPr>
+              <a:t>Function</a:t>
+            </a:r>
+          </a:p>
+          <a:p>
+            <a:pPr lvl="0" rtl="0">
+              <a:spcBef>
+                <a:spcPts val="0"/>
+              </a:spcBef>
+              <a:buNone/>
+            </a:pPr>
+            <a:r>
+              <a:t/>
+            </a:r>
+            <a:endParaRPr>
+              <a:solidFill>
+                <a:srgbClr val="000000"/>
+              </a:solidFill>
+            </a:endParaRPr>
           </a:p>
         </p:txBody>
       </p:sp>
@@ -12418,13 +12381,13 @@
           <p:cNvPr id="219" name="Shape 219"/>
           <p:cNvSpPr txBox="1"/>
           <p:nvPr>
-            <p:ph idx="1" type="body"/>
+            <p:ph idx="2" type="body"/>
           </p:nvPr>
         </p:nvSpPr>
         <p:spPr>
           <a:xfrm>
-            <a:off x="176600" y="1595775"/>
-            <a:ext cx="8774700" cy="3138600"/>
+            <a:off x="4592401" y="1602675"/>
+            <a:ext cx="4129500" cy="3002400"/>
           </a:xfrm>
           <a:prstGeom prst="rect">
             <a:avLst/>
@@ -12436,46 +12399,21 @@
           </a:bodyPr>
           <a:lstStyle/>
           <a:p>
-            <a:pPr lvl="0" rtl="0">
-              <a:spcBef>
-                <a:spcPts val="0"/>
-              </a:spcBef>
-              <a:buNone/>
-            </a:pPr>
-            <a:r>
-              <a:rPr lang="en">
-                <a:solidFill>
-                  <a:srgbClr val="000000"/>
-                </a:solidFill>
-              </a:rPr>
-              <a:t>Type the following on one line </a:t>
-            </a:r>
-            <a:r>
-              <a:rPr lang="en">
-                <a:solidFill>
-                  <a:srgbClr val="0000FF"/>
-                </a:solidFill>
-              </a:rPr>
-              <a:t>*</a:t>
-            </a:r>
-            <a:r>
-              <a:rPr lang="en">
-                <a:solidFill>
-                  <a:srgbClr val="000000"/>
-                </a:solidFill>
-              </a:rPr>
-              <a:t>:</a:t>
-            </a:r>
-          </a:p>
-          <a:p>
-            <a:pPr lvl="0" rtl="0">
-              <a:spcBef>
-                <a:spcPts val="0"/>
-              </a:spcBef>
-              <a:buNone/>
-            </a:pPr>
-            <a:r>
-              <a:rPr b="1" lang="en">
+            <a:pPr indent="-342900" lvl="0" marL="457200" rtl="0">
+              <a:lnSpc>
+                <a:spcPct val="100000"/>
+              </a:lnSpc>
+              <a:spcBef>
+                <a:spcPts val="0"/>
+              </a:spcBef>
+              <a:buClr>
+                <a:srgbClr val="FF0000"/>
+              </a:buClr>
+              <a:buSzPct val="100000"/>
+              <a:buFont typeface="Courier New"/>
+            </a:pPr>
+            <a:r>
+              <a:rPr b="1" lang="en" sz="1800">
                 <a:solidFill>
                   <a:srgbClr val="FF0000"/>
                 </a:solidFill>
@@ -12484,50 +12422,25 @@
                 <a:cs typeface="Courier New"/>
                 <a:sym typeface="Courier New"/>
               </a:rPr>
-              <a:t>js function add(first, second) { return first + second; }</a:t>
-            </a:r>
-          </a:p>
-          <a:p>
-            <a:pPr lvl="0" rtl="0">
-              <a:spcBef>
-                <a:spcPts val="0"/>
-              </a:spcBef>
-              <a:buNone/>
-            </a:pPr>
-            <a:r>
-              <a:t/>
-            </a:r>
-            <a:endParaRPr b="1">
-              <a:solidFill>
+              <a:t>js typeof false</a:t>
+            </a:r>
+          </a:p>
+          <a:p>
+            <a:pPr indent="-342900" lvl="0" marL="457200" rtl="0">
+              <a:lnSpc>
+                <a:spcPct val="100000"/>
+              </a:lnSpc>
+              <a:spcBef>
+                <a:spcPts val="0"/>
+              </a:spcBef>
+              <a:buClr>
                 <a:srgbClr val="FF0000"/>
-              </a:solidFill>
-              <a:latin typeface="Courier New"/>
-              <a:ea typeface="Courier New"/>
-              <a:cs typeface="Courier New"/>
-              <a:sym typeface="Courier New"/>
-            </a:endParaRPr>
-          </a:p>
-          <a:p>
-            <a:pPr lvl="0" rtl="0">
-              <a:spcBef>
-                <a:spcPts val="0"/>
-              </a:spcBef>
-              <a:buNone/>
-            </a:pPr>
-            <a:r>
-              <a:rPr lang="en"/>
-              <a:t>Call your new function:</a:t>
-            </a:r>
-          </a:p>
-          <a:p>
-            <a:pPr lvl="0" rtl="0">
-              <a:spcBef>
-                <a:spcPts val="0"/>
-              </a:spcBef>
-              <a:buNone/>
-            </a:pPr>
-            <a:r>
-              <a:rPr b="1" lang="en">
+              </a:buClr>
+              <a:buSzPct val="100000"/>
+              <a:buFont typeface="Courier New"/>
+            </a:pPr>
+            <a:r>
+              <a:rPr b="1" lang="en" sz="1800">
                 <a:solidFill>
                   <a:srgbClr val="FF0000"/>
                 </a:solidFill>
@@ -12536,18 +12449,25 @@
                 <a:cs typeface="Courier New"/>
                 <a:sym typeface="Courier New"/>
               </a:rPr>
-              <a:t>js add(5, 6)</a:t>
-            </a:r>
-          </a:p>
-          <a:p>
-            <a:pPr lvl="0" rtl="0">
-              <a:spcBef>
-                <a:spcPts val="0"/>
-              </a:spcBef>
-              <a:buNone/>
-            </a:pPr>
-            <a:r>
-              <a:rPr b="1" lang="en">
+              <a:t>js typeof true</a:t>
+            </a:r>
+          </a:p>
+          <a:p>
+            <a:pPr indent="-342900" lvl="0" marL="457200" rtl="0">
+              <a:lnSpc>
+                <a:spcPct val="100000"/>
+              </a:lnSpc>
+              <a:spcBef>
+                <a:spcPts val="0"/>
+              </a:spcBef>
+              <a:buClr>
+                <a:srgbClr val="FF0000"/>
+              </a:buClr>
+              <a:buSzPct val="100000"/>
+              <a:buFont typeface="Courier New"/>
+            </a:pPr>
+            <a:r>
+              <a:rPr b="1" lang="en" sz="1800">
                 <a:solidFill>
                   <a:srgbClr val="FF0000"/>
                 </a:solidFill>
@@ -12556,142 +12476,170 @@
                 <a:cs typeface="Courier New"/>
                 <a:sym typeface="Courier New"/>
               </a:rPr>
-              <a:t>js add(9, 1)</a:t>
-            </a:r>
-          </a:p>
-          <a:p>
-            <a:pPr lvl="0" rtl="0">
-              <a:spcBef>
-                <a:spcPts val="0"/>
-              </a:spcBef>
-              <a:buNone/>
-            </a:pPr>
-            <a:r>
-              <a:t/>
-            </a:r>
-            <a:endParaRPr>
-              <a:solidFill>
-                <a:srgbClr val="000000"/>
-              </a:solidFill>
-            </a:endParaRPr>
-          </a:p>
-        </p:txBody>
-      </p:sp>
-      <p:sp>
-        <p:nvSpPr>
-          <p:cNvPr id="220" name="Shape 220"/>
-          <p:cNvSpPr txBox="1"/>
-          <p:nvPr/>
-        </p:nvSpPr>
-        <p:spPr>
-          <a:xfrm>
-            <a:off x="4046525" y="2580100"/>
-            <a:ext cx="4022400" cy="1085700"/>
-          </a:xfrm>
-          <a:prstGeom prst="rect">
-            <a:avLst/>
-          </a:prstGeom>
-          <a:noFill/>
-          <a:ln>
-            <a:noFill/>
-          </a:ln>
-        </p:spPr>
-        <p:txBody>
-          <a:bodyPr anchorCtr="0" anchor="t" bIns="91425" lIns="91425" rIns="91425" tIns="91425">
-            <a:noAutofit/>
-          </a:bodyPr>
-          <a:lstStyle/>
-          <a:p>
-            <a:pPr lvl="0" rtl="0">
-              <a:spcBef>
-                <a:spcPts val="0"/>
-              </a:spcBef>
-              <a:buNone/>
-            </a:pPr>
-            <a:r>
-              <a:rPr b="1" lang="en" u="sng">
-                <a:solidFill>
-                  <a:srgbClr val="0000FF"/>
-                </a:solidFill>
-                <a:latin typeface="Lato"/>
-                <a:ea typeface="Lato"/>
-                <a:cs typeface="Lato"/>
-                <a:sym typeface="Lato"/>
+              <a:t>js typeof 5</a:t>
+            </a:r>
+          </a:p>
+          <a:p>
+            <a:pPr indent="-342900" lvl="0" marL="457200" rtl="0">
+              <a:lnSpc>
+                <a:spcPct val="100000"/>
+              </a:lnSpc>
+              <a:spcBef>
+                <a:spcPts val="0"/>
+              </a:spcBef>
+              <a:buClr>
+                <a:srgbClr val="FF0000"/>
+              </a:buClr>
+              <a:buSzPct val="100000"/>
+              <a:buFont typeface="Courier New"/>
+            </a:pPr>
+            <a:r>
+              <a:rPr b="1" lang="en" sz="1800">
+                <a:solidFill>
+                  <a:srgbClr val="FF0000"/>
+                </a:solidFill>
+                <a:latin typeface="Courier New"/>
+                <a:ea typeface="Courier New"/>
+                <a:cs typeface="Courier New"/>
+                <a:sym typeface="Courier New"/>
               </a:rPr>
-              <a:t>* NOTE: </a:t>
-            </a:r>
-            <a:r>
-              <a:rPr b="1" lang="en" u="sng">
-                <a:solidFill>
-                  <a:srgbClr val="0000FF"/>
-                </a:solidFill>
-                <a:latin typeface="Lato"/>
-                <a:ea typeface="Lato"/>
-                <a:cs typeface="Lato"/>
-                <a:sym typeface="Lato"/>
+              <a:t>js typeof 9.99</a:t>
+            </a:r>
+          </a:p>
+          <a:p>
+            <a:pPr indent="-342900" lvl="0" marL="457200" rtl="0">
+              <a:lnSpc>
+                <a:spcPct val="100000"/>
+              </a:lnSpc>
+              <a:spcBef>
+                <a:spcPts val="0"/>
+              </a:spcBef>
+              <a:buClr>
+                <a:srgbClr val="FF0000"/>
+              </a:buClr>
+              <a:buSzPct val="100000"/>
+              <a:buFont typeface="Courier New"/>
+            </a:pPr>
+            <a:r>
+              <a:rPr b="1" lang="en" sz="1800">
+                <a:solidFill>
+                  <a:srgbClr val="FF0000"/>
+                </a:solidFill>
+                <a:latin typeface="Courier New"/>
+                <a:ea typeface="Courier New"/>
+                <a:cs typeface="Courier New"/>
+                <a:sym typeface="Courier New"/>
               </a:rPr>
-              <a:t>If you get the error below, just ignore it</a:t>
-            </a:r>
-          </a:p>
-          <a:p>
-            <a:pPr lvl="0" rtl="0">
-              <a:spcBef>
-                <a:spcPts val="0"/>
-              </a:spcBef>
-              <a:buNone/>
-            </a:pPr>
-            <a:r>
-              <a:t/>
-            </a:r>
-            <a:endParaRPr b="1">
-              <a:solidFill>
-                <a:srgbClr val="0000FF"/>
-              </a:solidFill>
-              <a:latin typeface="Lato"/>
-              <a:ea typeface="Lato"/>
-              <a:cs typeface="Lato"/>
-              <a:sym typeface="Lato"/>
-            </a:endParaRPr>
-          </a:p>
-          <a:p>
-            <a:pPr lvl="0" rtl="0">
+              <a:t>js typeof 'Hello'</a:t>
+            </a:r>
+          </a:p>
+          <a:p>
+            <a:pPr indent="-342900" lvl="0" marL="457200" rtl="0">
+              <a:lnSpc>
+                <a:spcPct val="100000"/>
+              </a:lnSpc>
               <a:spcBef>
                 <a:spcPts val="0"/>
               </a:spcBef>
               <a:buClr>
-                <a:schemeClr val="dk2"/>
+                <a:srgbClr val="FF0000"/>
               </a:buClr>
-              <a:buFont typeface="Arial"/>
-              <a:buNone/>
-            </a:pPr>
-            <a:r>
-              <a:rPr b="1" lang="en">
-                <a:solidFill>
-                  <a:srgbClr val="0000FF"/>
-                </a:solidFill>
-                <a:latin typeface="Lato"/>
-                <a:ea typeface="Lato"/>
-                <a:cs typeface="Lato"/>
-                <a:sym typeface="Lato"/>
+              <a:buSzPct val="100000"/>
+              <a:buFont typeface="Courier New"/>
+            </a:pPr>
+            <a:r>
+              <a:rPr b="1" lang="en" sz="1800">
+                <a:solidFill>
+                  <a:srgbClr val="FF0000"/>
+                </a:solidFill>
+                <a:latin typeface="Courier New"/>
+                <a:ea typeface="Courier New"/>
+                <a:cs typeface="Courier New"/>
+                <a:sym typeface="Courier New"/>
               </a:rPr>
-              <a:t>Error: InternalError: Cannot convert NaN to java.util.Iterator (&lt;Unknown source&gt;#415)</a:t>
-            </a:r>
-          </a:p>
-          <a:p>
-            <a:pPr lvl="0">
-              <a:spcBef>
-                <a:spcPts val="0"/>
-              </a:spcBef>
-              <a:buNone/>
-            </a:pPr>
-            <a:r>
-              <a:t/>
-            </a:r>
-            <a:endParaRPr>
-              <a:solidFill>
-                <a:srgbClr val="0000FF"/>
-              </a:solidFill>
-            </a:endParaRPr>
+              <a:t>js typeof "5"</a:t>
+            </a:r>
+          </a:p>
+          <a:p>
+            <a:pPr indent="-342900" lvl="0" marL="457200" rtl="0">
+              <a:lnSpc>
+                <a:spcPct val="100000"/>
+              </a:lnSpc>
+              <a:spcBef>
+                <a:spcPts val="0"/>
+              </a:spcBef>
+              <a:buClr>
+                <a:srgbClr val="FF0000"/>
+              </a:buClr>
+              <a:buSzPct val="100000"/>
+              <a:buFont typeface="Courier New"/>
+            </a:pPr>
+            <a:r>
+              <a:rPr b="1" lang="en" sz="1800">
+                <a:solidFill>
+                  <a:srgbClr val="FF0000"/>
+                </a:solidFill>
+                <a:latin typeface="Courier New"/>
+                <a:ea typeface="Courier New"/>
+                <a:cs typeface="Courier New"/>
+                <a:sym typeface="Courier New"/>
+              </a:rPr>
+              <a:t>js typeof console</a:t>
+            </a:r>
+          </a:p>
+          <a:p>
+            <a:pPr indent="-342900" lvl="0" marL="457200" rtl="0">
+              <a:lnSpc>
+                <a:spcPct val="100000"/>
+              </a:lnSpc>
+              <a:spcBef>
+                <a:spcPts val="0"/>
+              </a:spcBef>
+              <a:buClr>
+                <a:srgbClr val="FF0000"/>
+              </a:buClr>
+              <a:buSzPct val="100000"/>
+              <a:buFont typeface="Courier New"/>
+            </a:pPr>
+            <a:r>
+              <a:rPr b="1" lang="en" sz="1800">
+                <a:solidFill>
+                  <a:srgbClr val="FF0000"/>
+                </a:solidFill>
+                <a:latin typeface="Courier New"/>
+                <a:ea typeface="Courier New"/>
+                <a:cs typeface="Courier New"/>
+                <a:sym typeface="Courier New"/>
+              </a:rPr>
+              <a:t>js typeof Herobrine</a:t>
+            </a:r>
+          </a:p>
+          <a:p>
+            <a:pPr indent="-342900" lvl="0" marL="457200" rtl="0">
+              <a:lnSpc>
+                <a:spcPct val="100000"/>
+              </a:lnSpc>
+              <a:spcBef>
+                <a:spcPts val="0"/>
+              </a:spcBef>
+              <a:buClr>
+                <a:srgbClr val="FF0000"/>
+              </a:buClr>
+              <a:buSzPct val="100000"/>
+              <a:buFont typeface="Courier New"/>
+            </a:pPr>
+            <a:r>
+              <a:rPr b="1" lang="en" sz="1800">
+                <a:solidFill>
+                  <a:srgbClr val="FF0000"/>
+                </a:solidFill>
+                <a:latin typeface="Courier New"/>
+                <a:ea typeface="Courier New"/>
+                <a:cs typeface="Courier New"/>
+                <a:sym typeface="Courier New"/>
+              </a:rPr>
+              <a:t>js typeof parseInt</a:t>
+            </a:r>
           </a:p>
         </p:txBody>
       </p:sp>
@@ -12723,7 +12671,7 @@
     </p:bg>
     <p:spTree>
       <p:nvGrpSpPr>
-        <p:cNvPr id="224" name="Shape 224"/>
+        <p:cNvPr id="223" name="Shape 223"/>
         <p:cNvGrpSpPr/>
         <p:nvPr/>
       </p:nvGrpSpPr>
@@ -12737,7 +12685,7 @@
       </p:grpSpPr>
       <p:sp>
         <p:nvSpPr>
-          <p:cNvPr id="225" name="Shape 225"/>
+          <p:cNvPr id="224" name="Shape 224"/>
           <p:cNvSpPr txBox="1"/>
           <p:nvPr>
             <p:ph type="title"/>
@@ -12745,15 +12693,15 @@
         </p:nvSpPr>
         <p:spPr>
           <a:xfrm>
-            <a:off x="406425" y="1806825"/>
-            <a:ext cx="8296800" cy="1542000"/>
+            <a:off x="2400250" y="575950"/>
+            <a:ext cx="6321600" cy="635400"/>
           </a:xfrm>
           <a:prstGeom prst="rect">
             <a:avLst/>
           </a:prstGeom>
         </p:spPr>
         <p:txBody>
-          <a:bodyPr anchorCtr="0" anchor="ctr" bIns="91425" lIns="91425" rIns="91425" tIns="91425">
+          <a:bodyPr anchorCtr="0" anchor="t" bIns="91425" lIns="91425" rIns="91425" tIns="91425">
             <a:noAutofit/>
           </a:bodyPr>
           <a:lstStyle/>
@@ -12766,8 +12714,208 @@
             </a:pPr>
             <a:r>
               <a:rPr lang="en"/>
-              <a:t>Creating Plugins</a:t>
-            </a:r>
+              <a:t>Functions</a:t>
+            </a:r>
+          </a:p>
+        </p:txBody>
+      </p:sp>
+      <p:sp>
+        <p:nvSpPr>
+          <p:cNvPr id="225" name="Shape 225"/>
+          <p:cNvSpPr txBox="1"/>
+          <p:nvPr>
+            <p:ph idx="1" type="body"/>
+          </p:nvPr>
+        </p:nvSpPr>
+        <p:spPr>
+          <a:xfrm>
+            <a:off x="2410099" y="1595775"/>
+            <a:ext cx="6541200" cy="3002400"/>
+          </a:xfrm>
+          <a:prstGeom prst="rect">
+            <a:avLst/>
+          </a:prstGeom>
+        </p:spPr>
+        <p:txBody>
+          <a:bodyPr anchorCtr="0" anchor="t" bIns="91425" lIns="91425" rIns="91425" tIns="91425">
+            <a:noAutofit/>
+          </a:bodyPr>
+          <a:lstStyle/>
+          <a:p>
+            <a:pPr lvl="0" rtl="0">
+              <a:spcBef>
+                <a:spcPts val="0"/>
+              </a:spcBef>
+              <a:buNone/>
+            </a:pPr>
+            <a:r>
+              <a:rPr lang="en">
+                <a:solidFill>
+                  <a:srgbClr val="000000"/>
+                </a:solidFill>
+              </a:rPr>
+              <a:t>Collections of code that can be easily called and reused. </a:t>
+            </a:r>
+          </a:p>
+          <a:p>
+            <a:pPr lvl="0" rtl="0">
+              <a:spcBef>
+                <a:spcPts val="0"/>
+              </a:spcBef>
+              <a:buNone/>
+            </a:pPr>
+            <a:r>
+              <a:rPr lang="en">
+                <a:solidFill>
+                  <a:srgbClr val="000000"/>
+                </a:solidFill>
+              </a:rPr>
+              <a:t>Values passed in between the </a:t>
+            </a:r>
+            <a:r>
+              <a:rPr b="1" lang="en">
+                <a:solidFill>
+                  <a:srgbClr val="000000"/>
+                </a:solidFill>
+              </a:rPr>
+              <a:t>(</a:t>
+            </a:r>
+            <a:r>
+              <a:rPr lang="en">
+                <a:solidFill>
+                  <a:srgbClr val="000000"/>
+                </a:solidFill>
+              </a:rPr>
+              <a:t> and </a:t>
+            </a:r>
+            <a:r>
+              <a:rPr b="1" lang="en">
+                <a:solidFill>
+                  <a:srgbClr val="000000"/>
+                </a:solidFill>
+              </a:rPr>
+              <a:t>)</a:t>
+            </a:r>
+            <a:r>
+              <a:rPr lang="en">
+                <a:solidFill>
+                  <a:srgbClr val="000000"/>
+                </a:solidFill>
+              </a:rPr>
+              <a:t> called </a:t>
+            </a:r>
+            <a:r>
+              <a:rPr i="1" lang="en">
+                <a:solidFill>
+                  <a:srgbClr val="000000"/>
+                </a:solidFill>
+              </a:rPr>
+              <a:t>parameters</a:t>
+            </a:r>
+            <a:r>
+              <a:rPr lang="en">
+                <a:solidFill>
+                  <a:srgbClr val="000000"/>
+                </a:solidFill>
+              </a:rPr>
+              <a:t>.</a:t>
+            </a:r>
+          </a:p>
+          <a:p>
+            <a:pPr lvl="0" rtl="0">
+              <a:spcBef>
+                <a:spcPts val="0"/>
+              </a:spcBef>
+              <a:buNone/>
+            </a:pPr>
+            <a:r>
+              <a:rPr b="1" lang="en">
+                <a:solidFill>
+                  <a:srgbClr val="FF0000"/>
+                </a:solidFill>
+                <a:latin typeface="Courier New"/>
+                <a:ea typeface="Courier New"/>
+                <a:cs typeface="Courier New"/>
+                <a:sym typeface="Courier New"/>
+              </a:rPr>
+              <a:t>js parseInt('4 hours until sunset')</a:t>
+            </a:r>
+          </a:p>
+          <a:p>
+            <a:pPr lvl="0" rtl="0">
+              <a:spcBef>
+                <a:spcPts val="0"/>
+              </a:spcBef>
+              <a:buNone/>
+            </a:pPr>
+            <a:r>
+              <a:rPr b="1" lang="en">
+                <a:solidFill>
+                  <a:srgbClr val="FF0000"/>
+                </a:solidFill>
+                <a:latin typeface="Courier New"/>
+                <a:ea typeface="Courier New"/>
+                <a:cs typeface="Courier New"/>
+                <a:sym typeface="Courier New"/>
+              </a:rPr>
+              <a:t>js parseInt('This is not a number')</a:t>
+            </a:r>
+          </a:p>
+          <a:p>
+            <a:pPr lvl="0" rtl="0">
+              <a:spcBef>
+                <a:spcPts val="0"/>
+              </a:spcBef>
+              <a:buNone/>
+            </a:pPr>
+            <a:r>
+              <a:rPr b="1" lang="en">
+                <a:solidFill>
+                  <a:srgbClr val="FF0000"/>
+                </a:solidFill>
+                <a:latin typeface="Courier New"/>
+                <a:ea typeface="Courier New"/>
+                <a:cs typeface="Courier New"/>
+                <a:sym typeface="Courier New"/>
+              </a:rPr>
+              <a:t>js parseInt('3 blind mice')</a:t>
+            </a:r>
+          </a:p>
+          <a:p>
+            <a:pPr lvl="0" rtl="0">
+              <a:spcBef>
+                <a:spcPts val="0"/>
+              </a:spcBef>
+              <a:buNone/>
+            </a:pPr>
+            <a:r>
+              <a:t/>
+            </a:r>
+            <a:endParaRPr b="1">
+              <a:solidFill>
+                <a:srgbClr val="FF0000"/>
+              </a:solidFill>
+              <a:latin typeface="Courier New"/>
+              <a:ea typeface="Courier New"/>
+              <a:cs typeface="Courier New"/>
+              <a:sym typeface="Courier New"/>
+            </a:endParaRPr>
+          </a:p>
+          <a:p>
+            <a:pPr lvl="0" rtl="0">
+              <a:spcBef>
+                <a:spcPts val="0"/>
+              </a:spcBef>
+              <a:buNone/>
+            </a:pPr>
+            <a:r>
+              <a:t/>
+            </a:r>
+            <a:endParaRPr>
+              <a:solidFill>
+                <a:srgbClr val="000000"/>
+              </a:solidFill>
+            </a:endParaRPr>
           </a:p>
         </p:txBody>
       </p:sp>
@@ -12842,7 +12990,7 @@
             </a:pPr>
             <a:r>
               <a:rPr lang="en"/>
-              <a:t>Your First Minecraft Plugin</a:t>
+              <a:t>Writing Your Own Functions</a:t>
             </a:r>
           </a:p>
         </p:txBody>
@@ -12857,8 +13005,8 @@
         </p:nvSpPr>
         <p:spPr>
           <a:xfrm>
-            <a:off x="83500" y="1367175"/>
-            <a:ext cx="9060600" cy="3002400"/>
+            <a:off x="176600" y="1595775"/>
+            <a:ext cx="8774700" cy="3138600"/>
           </a:xfrm>
           <a:prstGeom prst="rect">
             <a:avLst/>
@@ -12882,8 +13030,32 @@
                   <a:srgbClr val="000000"/>
                 </a:solidFill>
               </a:rPr>
-              <a:t>In </a:t>
-            </a:r>
+              <a:t>Type the following on one line </a:t>
+            </a:r>
+            <a:r>
+              <a:rPr lang="en">
+                <a:solidFill>
+                  <a:srgbClr val="0000FF"/>
+                </a:solidFill>
+              </a:rPr>
+              <a:t>*</a:t>
+            </a:r>
+            <a:r>
+              <a:rPr lang="en">
+                <a:solidFill>
+                  <a:srgbClr val="000000"/>
+                </a:solidFill>
+              </a:rPr>
+              <a:t>:</a:t>
+            </a:r>
+          </a:p>
+          <a:p>
+            <a:pPr lvl="0" rtl="0">
+              <a:spcBef>
+                <a:spcPts val="0"/>
+              </a:spcBef>
+              <a:buNone/>
+            </a:pPr>
             <a:r>
               <a:rPr b="1" lang="en">
                 <a:solidFill>
@@ -12894,31 +13066,48 @@
                 <a:cs typeface="Courier New"/>
                 <a:sym typeface="Courier New"/>
               </a:rPr>
-              <a:t>ScriptCraft-master/server/scriptcraft/plugins/</a:t>
-            </a:r>
-            <a:r>
-              <a:rPr lang="en">
-                <a:solidFill>
-                  <a:srgbClr val="000000"/>
-                </a:solidFill>
-              </a:rPr>
-              <a:t>:</a:t>
-            </a:r>
-          </a:p>
-          <a:p>
-            <a:pPr indent="-228600" lvl="0" marL="457200" rtl="0">
-              <a:spcBef>
-                <a:spcPts val="0"/>
-              </a:spcBef>
-            </a:pPr>
-            <a:r>
-              <a:rPr lang="en">
-                <a:solidFill>
-                  <a:srgbClr val="000000"/>
-                </a:solidFill>
-              </a:rPr>
-              <a:t>create a new folder called </a:t>
-            </a:r>
+              <a:t>js function add(first, second) { return first + second; }</a:t>
+            </a:r>
+          </a:p>
+          <a:p>
+            <a:pPr lvl="0" rtl="0">
+              <a:spcBef>
+                <a:spcPts val="0"/>
+              </a:spcBef>
+              <a:buNone/>
+            </a:pPr>
+            <a:r>
+              <a:t/>
+            </a:r>
+            <a:endParaRPr b="1">
+              <a:solidFill>
+                <a:srgbClr val="FF0000"/>
+              </a:solidFill>
+              <a:latin typeface="Courier New"/>
+              <a:ea typeface="Courier New"/>
+              <a:cs typeface="Courier New"/>
+              <a:sym typeface="Courier New"/>
+            </a:endParaRPr>
+          </a:p>
+          <a:p>
+            <a:pPr lvl="0" rtl="0">
+              <a:spcBef>
+                <a:spcPts val="0"/>
+              </a:spcBef>
+              <a:buNone/>
+            </a:pPr>
+            <a:r>
+              <a:rPr lang="en"/>
+              <a:t>Call your new function:</a:t>
+            </a:r>
+          </a:p>
+          <a:p>
+            <a:pPr lvl="0" rtl="0">
+              <a:spcBef>
+                <a:spcPts val="0"/>
+              </a:spcBef>
+              <a:buNone/>
+            </a:pPr>
             <a:r>
               <a:rPr b="1" lang="en">
                 <a:solidFill>
@@ -12929,34 +13118,16 @@
                 <a:cs typeface="Courier New"/>
                 <a:sym typeface="Courier New"/>
               </a:rPr>
-              <a:t>learning/</a:t>
-            </a:r>
-            <a:r>
-              <a:rPr lang="en">
-                <a:solidFill>
-                  <a:srgbClr val="000000"/>
-                </a:solidFill>
-              </a:rPr>
-              <a:t>         </a:t>
-            </a:r>
-          </a:p>
-          <a:p>
-            <a:pPr indent="-228600" lvl="0" marL="457200" rtl="0">
-              <a:spcBef>
-                <a:spcPts val="0"/>
-              </a:spcBef>
-              <a:buClr>
-                <a:srgbClr val="000000"/>
-              </a:buClr>
-            </a:pPr>
-            <a:r>
-              <a:rPr lang="en">
-                <a:solidFill>
-                  <a:srgbClr val="000000"/>
-                </a:solidFill>
-              </a:rPr>
-              <a:t>use your text editor to create a file inside </a:t>
-            </a:r>
+              <a:t>js add(5, 6)</a:t>
+            </a:r>
+          </a:p>
+          <a:p>
+            <a:pPr lvl="0" rtl="0">
+              <a:spcBef>
+                <a:spcPts val="0"/>
+              </a:spcBef>
+              <a:buNone/>
+            </a:pPr>
             <a:r>
               <a:rPr b="1" lang="en">
                 <a:solidFill>
@@ -12967,112 +13138,14 @@
                 <a:cs typeface="Courier New"/>
                 <a:sym typeface="Courier New"/>
               </a:rPr>
-              <a:t>learning/</a:t>
-            </a:r>
-            <a:r>
-              <a:rPr lang="en">
-                <a:solidFill>
-                  <a:srgbClr val="000000"/>
-                </a:solidFill>
-              </a:rPr>
-              <a:t> called </a:t>
-            </a:r>
-            <a:r>
-              <a:rPr b="1" lang="en">
-                <a:solidFill>
-                  <a:srgbClr val="FF0000"/>
-                </a:solidFill>
-                <a:latin typeface="Courier New"/>
-                <a:ea typeface="Courier New"/>
-                <a:cs typeface="Courier New"/>
-                <a:sym typeface="Courier New"/>
-              </a:rPr>
-              <a:t>helloWorld.js</a:t>
-            </a:r>
-          </a:p>
-          <a:p>
-            <a:pPr lvl="0" rtl="0">
-              <a:spcBef>
-                <a:spcPts val="0"/>
-              </a:spcBef>
-              <a:buNone/>
-            </a:pPr>
-            <a:r>
-              <a:rPr lang="en">
-                <a:solidFill>
-                  <a:srgbClr val="000000"/>
-                </a:solidFill>
-              </a:rPr>
-              <a:t>Add the following inside your file:</a:t>
-            </a:r>
-          </a:p>
-          <a:p>
-            <a:pPr indent="457200" lvl="0" rtl="0">
-              <a:spcBef>
-                <a:spcPts val="0"/>
-              </a:spcBef>
-              <a:buNone/>
-            </a:pPr>
-            <a:r>
-              <a:rPr b="1" lang="en">
-                <a:solidFill>
-                  <a:srgbClr val="FF0000"/>
-                </a:solidFill>
-                <a:latin typeface="Courier New"/>
-                <a:ea typeface="Courier New"/>
-                <a:cs typeface="Courier New"/>
-                <a:sym typeface="Courier New"/>
-              </a:rPr>
-              <a:t>console.log('Hello World');</a:t>
-            </a:r>
-          </a:p>
-          <a:p>
-            <a:pPr lvl="0" rtl="0">
-              <a:spcBef>
-                <a:spcPts val="0"/>
-              </a:spcBef>
-              <a:buNone/>
-            </a:pPr>
-            <a:r>
-              <a:rPr lang="en"/>
-              <a:t>Save your file, then type the following in the server console:</a:t>
-            </a:r>
-          </a:p>
-          <a:p>
-            <a:pPr indent="387350" lvl="0" rtl="0">
-              <a:spcBef>
-                <a:spcPts val="0"/>
-              </a:spcBef>
-              <a:buClr>
-                <a:schemeClr val="dk2"/>
-              </a:buClr>
-              <a:buSzPct val="61111"/>
-              <a:buFont typeface="Arial"/>
-              <a:buNone/>
-            </a:pPr>
-            <a:r>
-              <a:rPr b="1" lang="en">
-                <a:solidFill>
-                  <a:srgbClr val="FF0000"/>
-                </a:solidFill>
-                <a:latin typeface="Courier New"/>
-                <a:ea typeface="Courier New"/>
-                <a:cs typeface="Courier New"/>
-                <a:sym typeface="Courier New"/>
-              </a:rPr>
-              <a:t>js refresh()</a:t>
-            </a:r>
-          </a:p>
-          <a:p>
-            <a:pPr lvl="0" rtl="0">
-              <a:spcBef>
-                <a:spcPts val="0"/>
-              </a:spcBef>
-              <a:buClr>
-                <a:schemeClr val="dk2"/>
-              </a:buClr>
-              <a:buSzPct val="61111"/>
-              <a:buFont typeface="Arial"/>
+              <a:t>js add(9, 1)</a:t>
+            </a:r>
+          </a:p>
+          <a:p>
+            <a:pPr lvl="0" rtl="0">
+              <a:spcBef>
+                <a:spcPts val="0"/>
+              </a:spcBef>
               <a:buNone/>
             </a:pPr>
             <a:r>
@@ -13084,8 +13157,110 @@
               </a:solidFill>
             </a:endParaRPr>
           </a:p>
-          <a:p>
-            <a:pPr lvl="0" rtl="0">
+        </p:txBody>
+      </p:sp>
+      <p:sp>
+        <p:nvSpPr>
+          <p:cNvPr id="232" name="Shape 232"/>
+          <p:cNvSpPr txBox="1"/>
+          <p:nvPr/>
+        </p:nvSpPr>
+        <p:spPr>
+          <a:xfrm>
+            <a:off x="4046525" y="2580100"/>
+            <a:ext cx="4022400" cy="1085700"/>
+          </a:xfrm>
+          <a:prstGeom prst="rect">
+            <a:avLst/>
+          </a:prstGeom>
+          <a:noFill/>
+          <a:ln>
+            <a:noFill/>
+          </a:ln>
+        </p:spPr>
+        <p:txBody>
+          <a:bodyPr anchorCtr="0" anchor="t" bIns="91425" lIns="91425" rIns="91425" tIns="91425">
+            <a:noAutofit/>
+          </a:bodyPr>
+          <a:lstStyle/>
+          <a:p>
+            <a:pPr lvl="0" rtl="0">
+              <a:spcBef>
+                <a:spcPts val="0"/>
+              </a:spcBef>
+              <a:buNone/>
+            </a:pPr>
+            <a:r>
+              <a:rPr b="1" lang="en" u="sng">
+                <a:solidFill>
+                  <a:srgbClr val="0000FF"/>
+                </a:solidFill>
+                <a:latin typeface="Lato"/>
+                <a:ea typeface="Lato"/>
+                <a:cs typeface="Lato"/>
+                <a:sym typeface="Lato"/>
+              </a:rPr>
+              <a:t>* NOTE: </a:t>
+            </a:r>
+            <a:r>
+              <a:rPr b="1" lang="en" u="sng">
+                <a:solidFill>
+                  <a:srgbClr val="0000FF"/>
+                </a:solidFill>
+                <a:latin typeface="Lato"/>
+                <a:ea typeface="Lato"/>
+                <a:cs typeface="Lato"/>
+                <a:sym typeface="Lato"/>
+              </a:rPr>
+              <a:t>If you get the error below, just ignore it</a:t>
+            </a:r>
+          </a:p>
+          <a:p>
+            <a:pPr lvl="0" rtl="0">
+              <a:spcBef>
+                <a:spcPts val="0"/>
+              </a:spcBef>
+              <a:buNone/>
+            </a:pPr>
+            <a:r>
+              <a:t/>
+            </a:r>
+            <a:endParaRPr b="1">
+              <a:solidFill>
+                <a:srgbClr val="0000FF"/>
+              </a:solidFill>
+              <a:latin typeface="Lato"/>
+              <a:ea typeface="Lato"/>
+              <a:cs typeface="Lato"/>
+              <a:sym typeface="Lato"/>
+            </a:endParaRPr>
+          </a:p>
+          <a:p>
+            <a:pPr lvl="0" rtl="0">
+              <a:spcBef>
+                <a:spcPts val="0"/>
+              </a:spcBef>
+              <a:buClr>
+                <a:schemeClr val="dk2"/>
+              </a:buClr>
+              <a:buFont typeface="Arial"/>
+              <a:buNone/>
+            </a:pPr>
+            <a:r>
+              <a:rPr b="1" lang="en">
+                <a:solidFill>
+                  <a:srgbClr val="0000FF"/>
+                </a:solidFill>
+                <a:latin typeface="Lato"/>
+                <a:ea typeface="Lato"/>
+                <a:cs typeface="Lato"/>
+                <a:sym typeface="Lato"/>
+              </a:rPr>
+              <a:t>Error: InternalError: Cannot convert NaN to java.util.Iterator (&lt;Unknown source&gt;#415)</a:t>
+            </a:r>
+          </a:p>
+          <a:p>
+            <a:pPr lvl="0">
               <a:spcBef>
                 <a:spcPts val="0"/>
               </a:spcBef>
@@ -13096,7 +13271,7 @@
             </a:r>
             <a:endParaRPr>
               <a:solidFill>
-                <a:srgbClr val="000000"/>
+                <a:srgbClr val="0000FF"/>
               </a:solidFill>
             </a:endParaRPr>
           </a:p>
@@ -13130,7 +13305,7 @@
     </p:bg>
     <p:spTree>
       <p:nvGrpSpPr>
-        <p:cNvPr id="235" name="Shape 235"/>
+        <p:cNvPr id="236" name="Shape 236"/>
         <p:cNvGrpSpPr/>
         <p:nvPr/>
       </p:nvGrpSpPr>
@@ -13144,7 +13319,7 @@
       </p:grpSpPr>
       <p:sp>
         <p:nvSpPr>
-          <p:cNvPr id="236" name="Shape 236"/>
+          <p:cNvPr id="237" name="Shape 237"/>
           <p:cNvSpPr txBox="1"/>
           <p:nvPr>
             <p:ph type="title"/>
@@ -13152,15 +13327,15 @@
         </p:nvSpPr>
         <p:spPr>
           <a:xfrm>
-            <a:off x="2400250" y="575950"/>
-            <a:ext cx="6321600" cy="635400"/>
+            <a:off x="406425" y="1806825"/>
+            <a:ext cx="8296800" cy="1542000"/>
           </a:xfrm>
           <a:prstGeom prst="rect">
             <a:avLst/>
           </a:prstGeom>
         </p:spPr>
         <p:txBody>
-          <a:bodyPr anchorCtr="0" anchor="t" bIns="91425" lIns="91425" rIns="91425" tIns="91425">
+          <a:bodyPr anchorCtr="0" anchor="ctr" bIns="91425" lIns="91425" rIns="91425" tIns="91425">
             <a:noAutofit/>
           </a:bodyPr>
           <a:lstStyle/>
@@ -13173,203 +13348,8 @@
             </a:pPr>
             <a:r>
               <a:rPr lang="en"/>
-              <a:t>Making Your Code Reusable</a:t>
-            </a:r>
-          </a:p>
-        </p:txBody>
-      </p:sp>
-      <p:sp>
-        <p:nvSpPr>
-          <p:cNvPr id="237" name="Shape 237"/>
-          <p:cNvSpPr txBox="1"/>
-          <p:nvPr>
-            <p:ph idx="1" type="body"/>
-          </p:nvPr>
-        </p:nvSpPr>
-        <p:spPr>
-          <a:xfrm>
-            <a:off x="2410099" y="1595775"/>
-            <a:ext cx="6541200" cy="3002400"/>
-          </a:xfrm>
-          <a:prstGeom prst="rect">
-            <a:avLst/>
-          </a:prstGeom>
-        </p:spPr>
-        <p:txBody>
-          <a:bodyPr anchorCtr="0" anchor="t" bIns="91425" lIns="91425" rIns="91425" tIns="91425">
-            <a:noAutofit/>
-          </a:bodyPr>
-          <a:lstStyle/>
-          <a:p>
-            <a:pPr lvl="0" rtl="0">
-              <a:spcBef>
-                <a:spcPts val="0"/>
-              </a:spcBef>
-              <a:buClr>
-                <a:schemeClr val="dk2"/>
-              </a:buClr>
-              <a:buSzPct val="61111"/>
-              <a:buFont typeface="Arial"/>
-              <a:buNone/>
-            </a:pPr>
-            <a:r>
-              <a:rPr lang="en"/>
-              <a:t>Let’s put our helloWorld.js code into a function:</a:t>
-            </a:r>
-          </a:p>
-          <a:p>
-            <a:pPr indent="387350" lvl="0" rtl="0">
-              <a:spcBef>
-                <a:spcPts val="0"/>
-              </a:spcBef>
-              <a:buClr>
-                <a:schemeClr val="dk2"/>
-              </a:buClr>
-              <a:buSzPct val="61111"/>
-              <a:buFont typeface="Arial"/>
-              <a:buNone/>
-            </a:pPr>
-            <a:r>
-              <a:rPr b="1" lang="en">
-                <a:solidFill>
-                  <a:srgbClr val="FF0000"/>
-                </a:solidFill>
-                <a:latin typeface="Courier New"/>
-                <a:ea typeface="Courier New"/>
-                <a:cs typeface="Courier New"/>
-                <a:sym typeface="Courier New"/>
-              </a:rPr>
-              <a:t>function helloWorld() {</a:t>
-            </a:r>
-          </a:p>
-          <a:p>
-            <a:pPr lvl="0" rtl="0">
-              <a:spcBef>
-                <a:spcPts val="0"/>
-              </a:spcBef>
-              <a:buClr>
-                <a:schemeClr val="dk2"/>
-              </a:buClr>
-              <a:buSzPct val="61111"/>
-              <a:buFont typeface="Arial"/>
-              <a:buNone/>
-            </a:pPr>
-            <a:r>
-              <a:rPr b="1" lang="en">
-                <a:solidFill>
-                  <a:srgbClr val="FF0000"/>
-                </a:solidFill>
-                <a:latin typeface="Courier New"/>
-                <a:ea typeface="Courier New"/>
-                <a:cs typeface="Courier New"/>
-                <a:sym typeface="Courier New"/>
-              </a:rPr>
-              <a:t>		console.log('Hello World');</a:t>
-            </a:r>
-          </a:p>
-          <a:p>
-            <a:pPr indent="387350" lvl="0" rtl="0">
-              <a:spcBef>
-                <a:spcPts val="0"/>
-              </a:spcBef>
-              <a:buClr>
-                <a:schemeClr val="dk2"/>
-              </a:buClr>
-              <a:buSzPct val="61111"/>
-              <a:buFont typeface="Arial"/>
-              <a:buNone/>
-            </a:pPr>
-            <a:r>
-              <a:rPr b="1" lang="en">
-                <a:solidFill>
-                  <a:srgbClr val="FF0000"/>
-                </a:solidFill>
-                <a:latin typeface="Courier New"/>
-                <a:ea typeface="Courier New"/>
-                <a:cs typeface="Courier New"/>
-                <a:sym typeface="Courier New"/>
-              </a:rPr>
-              <a:t>}</a:t>
-            </a:r>
-          </a:p>
-          <a:p>
-            <a:pPr lvl="0" rtl="0">
-              <a:spcBef>
-                <a:spcPts val="0"/>
-              </a:spcBef>
-              <a:buClr>
-                <a:schemeClr val="dk2"/>
-              </a:buClr>
-              <a:buSzPct val="61111"/>
-              <a:buFont typeface="Arial"/>
-              <a:buNone/>
-            </a:pPr>
-            <a:r>
-              <a:rPr lang="en"/>
-              <a:t>And refresh our server:</a:t>
-            </a:r>
-          </a:p>
-          <a:p>
-            <a:pPr lvl="0" rtl="0">
-              <a:spcBef>
-                <a:spcPts val="0"/>
-              </a:spcBef>
-              <a:buClr>
-                <a:schemeClr val="dk2"/>
-              </a:buClr>
-              <a:buSzPct val="61111"/>
-              <a:buFont typeface="Arial"/>
-              <a:buNone/>
-            </a:pPr>
-            <a:r>
-              <a:rPr lang="en"/>
-              <a:t>	</a:t>
-            </a:r>
-            <a:r>
-              <a:rPr b="1" lang="en">
-                <a:solidFill>
-                  <a:srgbClr val="FF0000"/>
-                </a:solidFill>
-                <a:latin typeface="Courier New"/>
-                <a:ea typeface="Courier New"/>
-                <a:cs typeface="Courier New"/>
-                <a:sym typeface="Courier New"/>
-              </a:rPr>
-              <a:t>js refresh()</a:t>
-            </a:r>
-          </a:p>
-          <a:p>
-            <a:pPr lvl="0" rtl="0">
-              <a:spcBef>
-                <a:spcPts val="0"/>
-              </a:spcBef>
-              <a:buClr>
-                <a:schemeClr val="dk2"/>
-              </a:buClr>
-              <a:buSzPct val="61111"/>
-              <a:buFont typeface="Arial"/>
-              <a:buNone/>
-            </a:pPr>
-            <a:r>
-              <a:t/>
-            </a:r>
-            <a:endParaRPr/>
-          </a:p>
-          <a:p>
-            <a:pPr lvl="0" rtl="0">
-              <a:spcBef>
-                <a:spcPts val="0"/>
-              </a:spcBef>
-              <a:buNone/>
-            </a:pPr>
-            <a:r>
-              <a:t/>
-            </a:r>
-            <a:endParaRPr>
-              <a:solidFill>
-                <a:srgbClr val="000000"/>
-              </a:solidFill>
-            </a:endParaRPr>
+              <a:t>Creating Plugins</a:t>
+            </a:r>
           </a:p>
         </p:txBody>
       </p:sp>
@@ -13444,7 +13424,7 @@
             </a:pPr>
             <a:r>
               <a:rPr lang="en"/>
-              <a:t>What Happened to Our Message?</a:t>
+              <a:t>Your First Minecraft Plugin</a:t>
             </a:r>
           </a:p>
         </p:txBody>
@@ -13459,8 +13439,8 @@
         </p:nvSpPr>
         <p:spPr>
           <a:xfrm>
-            <a:off x="2410099" y="1595775"/>
-            <a:ext cx="6541200" cy="3002400"/>
+            <a:off x="83500" y="1367175"/>
+            <a:ext cx="9060600" cy="3002400"/>
           </a:xfrm>
           <a:prstGeom prst="rect">
             <a:avLst/>
@@ -13479,77 +13459,106 @@
               <a:buNone/>
             </a:pPr>
             <a:r>
-              <a:rPr lang="en"/>
-              <a:t>Add the new code and refresh:</a:t>
-            </a:r>
-          </a:p>
-          <a:p>
-            <a:pPr lvl="0" rtl="0">
-              <a:spcBef>
-                <a:spcPts val="0"/>
-              </a:spcBef>
-              <a:buNone/>
-            </a:pPr>
+              <a:rPr lang="en">
+                <a:solidFill>
+                  <a:srgbClr val="000000"/>
+                </a:solidFill>
+              </a:rPr>
+              <a:t>In </a:t>
+            </a:r>
             <a:r>
               <a:rPr b="1" lang="en">
                 <a:solidFill>
-                  <a:schemeClr val="lt2"/>
+                  <a:srgbClr val="FF0000"/>
                 </a:solidFill>
                 <a:latin typeface="Courier New"/>
                 <a:ea typeface="Courier New"/>
                 <a:cs typeface="Courier New"/>
                 <a:sym typeface="Courier New"/>
               </a:rPr>
-              <a:t>function helloWorld() {</a:t>
-            </a:r>
-          </a:p>
-          <a:p>
-            <a:pPr lvl="0" rtl="0">
-              <a:spcBef>
-                <a:spcPts val="0"/>
-              </a:spcBef>
-              <a:buNone/>
-            </a:pPr>
+              <a:t>ScriptCraft-master/server/scriptcraft/plugins/</a:t>
+            </a:r>
+            <a:r>
+              <a:rPr lang="en">
+                <a:solidFill>
+                  <a:srgbClr val="000000"/>
+                </a:solidFill>
+              </a:rPr>
+              <a:t>:</a:t>
+            </a:r>
+          </a:p>
+          <a:p>
+            <a:pPr indent="-228600" lvl="0" marL="457200" rtl="0">
+              <a:spcBef>
+                <a:spcPts val="0"/>
+              </a:spcBef>
+            </a:pPr>
+            <a:r>
+              <a:rPr lang="en">
+                <a:solidFill>
+                  <a:srgbClr val="000000"/>
+                </a:solidFill>
+              </a:rPr>
+              <a:t>create a new folder called </a:t>
+            </a:r>
             <a:r>
               <a:rPr b="1" lang="en">
                 <a:solidFill>
-                  <a:schemeClr val="lt2"/>
+                  <a:srgbClr val="FF0000"/>
                 </a:solidFill>
                 <a:latin typeface="Courier New"/>
                 <a:ea typeface="Courier New"/>
                 <a:cs typeface="Courier New"/>
                 <a:sym typeface="Courier New"/>
               </a:rPr>
-              <a:t>	console.log('Hello World');</a:t>
-            </a:r>
-          </a:p>
-          <a:p>
-            <a:pPr lvl="0" rtl="0">
-              <a:spcBef>
-                <a:spcPts val="0"/>
-              </a:spcBef>
-              <a:buNone/>
-            </a:pPr>
+              <a:t>learning/</a:t>
+            </a:r>
+            <a:r>
+              <a:rPr lang="en">
+                <a:solidFill>
+                  <a:srgbClr val="000000"/>
+                </a:solidFill>
+              </a:rPr>
+              <a:t>         </a:t>
+            </a:r>
+          </a:p>
+          <a:p>
+            <a:pPr indent="-228600" lvl="0" marL="457200" rtl="0">
+              <a:spcBef>
+                <a:spcPts val="0"/>
+              </a:spcBef>
+              <a:buClr>
+                <a:srgbClr val="000000"/>
+              </a:buClr>
+            </a:pPr>
+            <a:r>
+              <a:rPr lang="en">
+                <a:solidFill>
+                  <a:srgbClr val="000000"/>
+                </a:solidFill>
+              </a:rPr>
+              <a:t>use your text editor to create a file inside </a:t>
+            </a:r>
             <a:r>
               <a:rPr b="1" lang="en">
                 <a:solidFill>
-                  <a:schemeClr val="lt2"/>
+                  <a:srgbClr val="FF0000"/>
                 </a:solidFill>
                 <a:latin typeface="Courier New"/>
                 <a:ea typeface="Courier New"/>
                 <a:cs typeface="Courier New"/>
                 <a:sym typeface="Courier New"/>
               </a:rPr>
-              <a:t>}</a:t>
-            </a:r>
-          </a:p>
-          <a:p>
-            <a:pPr lvl="0" rtl="0">
-              <a:spcBef>
-                <a:spcPts val="0"/>
-              </a:spcBef>
-              <a:buNone/>
-            </a:pPr>
+              <a:t>learning/</a:t>
+            </a:r>
+            <a:r>
+              <a:rPr lang="en">
+                <a:solidFill>
+                  <a:srgbClr val="000000"/>
+                </a:solidFill>
+              </a:rPr>
+              <a:t> called </a:t>
+            </a:r>
             <a:r>
               <a:rPr b="1" lang="en">
                 <a:solidFill>
@@ -13560,20 +13569,102 @@
                 <a:cs typeface="Courier New"/>
                 <a:sym typeface="Courier New"/>
               </a:rPr>
-              <a:t>helloWorld();</a:t>
-            </a:r>
-          </a:p>
-          <a:p>
-            <a:pPr lvl="0" rtl="0">
-              <a:spcBef>
-                <a:spcPts val="0"/>
-              </a:spcBef>
+              <a:t>helloWorld.js</a:t>
+            </a:r>
+          </a:p>
+          <a:p>
+            <a:pPr lvl="0" rtl="0">
+              <a:spcBef>
+                <a:spcPts val="0"/>
+              </a:spcBef>
+              <a:buNone/>
+            </a:pPr>
+            <a:r>
+              <a:rPr lang="en">
+                <a:solidFill>
+                  <a:srgbClr val="000000"/>
+                </a:solidFill>
+              </a:rPr>
+              <a:t>Add the following inside your file:</a:t>
+            </a:r>
+          </a:p>
+          <a:p>
+            <a:pPr indent="457200" lvl="0" rtl="0">
+              <a:spcBef>
+                <a:spcPts val="0"/>
+              </a:spcBef>
+              <a:buNone/>
+            </a:pPr>
+            <a:r>
+              <a:rPr b="1" lang="en">
+                <a:solidFill>
+                  <a:srgbClr val="FF0000"/>
+                </a:solidFill>
+                <a:latin typeface="Courier New"/>
+                <a:ea typeface="Courier New"/>
+                <a:cs typeface="Courier New"/>
+                <a:sym typeface="Courier New"/>
+              </a:rPr>
+              <a:t>console.log('Hello World');</a:t>
+            </a:r>
+          </a:p>
+          <a:p>
+            <a:pPr lvl="0" rtl="0">
+              <a:spcBef>
+                <a:spcPts val="0"/>
+              </a:spcBef>
+              <a:buNone/>
+            </a:pPr>
+            <a:r>
+              <a:rPr lang="en"/>
+              <a:t>Save your file, then type the following in the server console:</a:t>
+            </a:r>
+          </a:p>
+          <a:p>
+            <a:pPr indent="387350" lvl="0" rtl="0">
+              <a:spcBef>
+                <a:spcPts val="0"/>
+              </a:spcBef>
+              <a:buClr>
+                <a:schemeClr val="dk2"/>
+              </a:buClr>
+              <a:buSzPct val="61111"/>
+              <a:buFont typeface="Arial"/>
+              <a:buNone/>
+            </a:pPr>
+            <a:r>
+              <a:rPr b="1" lang="en">
+                <a:solidFill>
+                  <a:srgbClr val="FF0000"/>
+                </a:solidFill>
+                <a:latin typeface="Courier New"/>
+                <a:ea typeface="Courier New"/>
+                <a:cs typeface="Courier New"/>
+                <a:sym typeface="Courier New"/>
+              </a:rPr>
+              <a:t>js refresh()</a:t>
+            </a:r>
+          </a:p>
+          <a:p>
+            <a:pPr lvl="0" rtl="0">
+              <a:spcBef>
+                <a:spcPts val="0"/>
+              </a:spcBef>
+              <a:buClr>
+                <a:schemeClr val="dk2"/>
+              </a:buClr>
+              <a:buSzPct val="61111"/>
+              <a:buFont typeface="Arial"/>
               <a:buNone/>
             </a:pPr>
             <a:r>
               <a:t/>
             </a:r>
-            <a:endParaRPr/>
+            <a:endParaRPr>
+              <a:solidFill>
+                <a:srgbClr val="000000"/>
+              </a:solidFill>
+            </a:endParaRPr>
           </a:p>
           <a:p>
             <a:pPr lvl="0" rtl="0">
@@ -13664,7 +13755,7 @@
             </a:pPr>
             <a:r>
               <a:rPr lang="en"/>
-              <a:t>Making helloWorld() public</a:t>
+              <a:t>Making Your Code Reusable</a:t>
             </a:r>
           </a:p>
         </p:txBody>
@@ -13696,24 +13787,34 @@
               <a:spcBef>
                 <a:spcPts val="0"/>
               </a:spcBef>
+              <a:buClr>
+                <a:schemeClr val="dk2"/>
+              </a:buClr>
+              <a:buSzPct val="61111"/>
+              <a:buFont typeface="Arial"/>
               <a:buNone/>
             </a:pPr>
             <a:r>
               <a:rPr lang="en"/>
-              <a:t>To call functions directly, we must first export them:</a:t>
-            </a:r>
-          </a:p>
-          <a:p>
-            <a:pPr lvl="0" rtl="0">
-              <a:spcBef>
-                <a:spcPts val="0"/>
-              </a:spcBef>
+              <a:t>Let’s put our helloWorld.js code into a function:</a:t>
+            </a:r>
+          </a:p>
+          <a:p>
+            <a:pPr indent="387350" lvl="0" rtl="0">
+              <a:spcBef>
+                <a:spcPts val="0"/>
+              </a:spcBef>
+              <a:buClr>
+                <a:schemeClr val="dk2"/>
+              </a:buClr>
+              <a:buSzPct val="61111"/>
+              <a:buFont typeface="Arial"/>
               <a:buNone/>
             </a:pPr>
             <a:r>
               <a:rPr b="1" lang="en">
                 <a:solidFill>
-                  <a:schemeClr val="lt2"/>
+                  <a:srgbClr val="FF0000"/>
                 </a:solidFill>
                 <a:latin typeface="Courier New"/>
                 <a:ea typeface="Courier New"/>
@@ -13728,32 +13829,42 @@
               <a:spcBef>
                 <a:spcPts val="0"/>
               </a:spcBef>
+              <a:buClr>
+                <a:schemeClr val="dk2"/>
+              </a:buClr>
+              <a:buSzPct val="61111"/>
+              <a:buFont typeface="Arial"/>
               <a:buNone/>
             </a:pPr>
             <a:r>
               <a:rPr b="1" lang="en">
                 <a:solidFill>
-                  <a:schemeClr val="lt2"/>
+                  <a:srgbClr val="FF0000"/>
                 </a:solidFill>
                 <a:latin typeface="Courier New"/>
                 <a:ea typeface="Courier New"/>
                 <a:cs typeface="Courier New"/>
                 <a:sym typeface="Courier New"/>
               </a:rPr>
-              <a:t>	console.log('Hello World');</a:t>
-            </a:r>
-          </a:p>
-          <a:p>
-            <a:pPr lvl="0" rtl="0">
-              <a:spcBef>
-                <a:spcPts val="0"/>
-              </a:spcBef>
+              <a:t>		console.log('Hello World');</a:t>
+            </a:r>
+          </a:p>
+          <a:p>
+            <a:pPr indent="387350" lvl="0" rtl="0">
+              <a:spcBef>
+                <a:spcPts val="0"/>
+              </a:spcBef>
+              <a:buClr>
+                <a:schemeClr val="dk2"/>
+              </a:buClr>
+              <a:buSzPct val="61111"/>
+              <a:buFont typeface="Arial"/>
               <a:buNone/>
             </a:pPr>
             <a:r>
               <a:rPr b="1" lang="en">
                 <a:solidFill>
-                  <a:schemeClr val="lt2"/>
+                  <a:srgbClr val="FF0000"/>
                 </a:solidFill>
                 <a:latin typeface="Courier New"/>
                 <a:ea typeface="Courier New"/>
@@ -13768,40 +13879,63 @@
               <a:spcBef>
                 <a:spcPts val="0"/>
               </a:spcBef>
-              <a:buNone/>
-            </a:pPr>
+              <a:buClr>
+                <a:schemeClr val="dk2"/>
+              </a:buClr>
+              <a:buSzPct val="61111"/>
+              <a:buFont typeface="Arial"/>
+              <a:buNone/>
+            </a:pPr>
+            <a:r>
+              <a:rPr lang="en"/>
+              <a:t>And refresh our server:</a:t>
+            </a:r>
+          </a:p>
+          <a:p>
+            <a:pPr lvl="0" rtl="0">
+              <a:spcBef>
+                <a:spcPts val="0"/>
+              </a:spcBef>
+              <a:buClr>
+                <a:schemeClr val="dk2"/>
+              </a:buClr>
+              <a:buSzPct val="61111"/>
+              <a:buFont typeface="Arial"/>
+              <a:buNone/>
+            </a:pPr>
+            <a:r>
+              <a:rPr lang="en"/>
+              <a:t>	</a:t>
+            </a:r>
             <a:r>
               <a:rPr b="1" lang="en">
                 <a:solidFill>
-                  <a:schemeClr val="lt2"/>
+                  <a:srgbClr val="FF0000"/>
                 </a:solidFill>
                 <a:latin typeface="Courier New"/>
                 <a:ea typeface="Courier New"/>
                 <a:cs typeface="Courier New"/>
                 <a:sym typeface="Courier New"/>
               </a:rPr>
-              <a:t>helloWorld();</a:t>
-            </a:r>
-          </a:p>
-          <a:p>
-            <a:pPr lvl="0" rtl="0">
-              <a:spcBef>
-                <a:spcPts val="0"/>
-              </a:spcBef>
-              <a:buNone/>
-            </a:pPr>
-            <a:r>
-              <a:rPr b="1" lang="en">
-                <a:solidFill>
-                  <a:srgbClr val="FF0000"/>
-                </a:solidFill>
-                <a:latin typeface="Courier New"/>
-                <a:ea typeface="Courier New"/>
-                <a:cs typeface="Courier New"/>
-                <a:sym typeface="Courier New"/>
-              </a:rPr>
-              <a:t>exports.helloWorld = helloWorld();</a:t>
-            </a:r>
+              <a:t>js refresh()</a:t>
+            </a:r>
+          </a:p>
+          <a:p>
+            <a:pPr lvl="0" rtl="0">
+              <a:spcBef>
+                <a:spcPts val="0"/>
+              </a:spcBef>
+              <a:buClr>
+                <a:schemeClr val="dk2"/>
+              </a:buClr>
+              <a:buSzPct val="61111"/>
+              <a:buFont typeface="Arial"/>
+              <a:buNone/>
+            </a:pPr>
+            <a:r>
+              <a:t/>
+            </a:r>
+            <a:endParaRPr/>
           </a:p>
           <a:p>
             <a:pPr lvl="0" rtl="0">
@@ -14069,7 +14203,7 @@
             </a:pPr>
             <a:r>
               <a:rPr lang="en"/>
-              <a:t>Objects</a:t>
+              <a:t>What Happened to Our Message?</a:t>
             </a:r>
           </a:p>
         </p:txBody>
@@ -14077,6 +14211,454 @@
       <p:sp>
         <p:nvSpPr>
           <p:cNvPr id="255" name="Shape 255"/>
+          <p:cNvSpPr txBox="1"/>
+          <p:nvPr>
+            <p:ph idx="1" type="body"/>
+          </p:nvPr>
+        </p:nvSpPr>
+        <p:spPr>
+          <a:xfrm>
+            <a:off x="2410099" y="1595775"/>
+            <a:ext cx="6541200" cy="3002400"/>
+          </a:xfrm>
+          <a:prstGeom prst="rect">
+            <a:avLst/>
+          </a:prstGeom>
+        </p:spPr>
+        <p:txBody>
+          <a:bodyPr anchorCtr="0" anchor="t" bIns="91425" lIns="91425" rIns="91425" tIns="91425">
+            <a:noAutofit/>
+          </a:bodyPr>
+          <a:lstStyle/>
+          <a:p>
+            <a:pPr lvl="0" rtl="0">
+              <a:spcBef>
+                <a:spcPts val="0"/>
+              </a:spcBef>
+              <a:buNone/>
+            </a:pPr>
+            <a:r>
+              <a:rPr lang="en"/>
+              <a:t>Add the new code and refresh:</a:t>
+            </a:r>
+          </a:p>
+          <a:p>
+            <a:pPr lvl="0" rtl="0">
+              <a:spcBef>
+                <a:spcPts val="0"/>
+              </a:spcBef>
+              <a:buNone/>
+            </a:pPr>
+            <a:r>
+              <a:rPr b="1" lang="en">
+                <a:solidFill>
+                  <a:schemeClr val="lt2"/>
+                </a:solidFill>
+                <a:latin typeface="Courier New"/>
+                <a:ea typeface="Courier New"/>
+                <a:cs typeface="Courier New"/>
+                <a:sym typeface="Courier New"/>
+              </a:rPr>
+              <a:t>function helloWorld() {</a:t>
+            </a:r>
+          </a:p>
+          <a:p>
+            <a:pPr lvl="0" rtl="0">
+              <a:spcBef>
+                <a:spcPts val="0"/>
+              </a:spcBef>
+              <a:buNone/>
+            </a:pPr>
+            <a:r>
+              <a:rPr b="1" lang="en">
+                <a:solidFill>
+                  <a:schemeClr val="lt2"/>
+                </a:solidFill>
+                <a:latin typeface="Courier New"/>
+                <a:ea typeface="Courier New"/>
+                <a:cs typeface="Courier New"/>
+                <a:sym typeface="Courier New"/>
+              </a:rPr>
+              <a:t>	console.log('Hello World');</a:t>
+            </a:r>
+          </a:p>
+          <a:p>
+            <a:pPr lvl="0" rtl="0">
+              <a:spcBef>
+                <a:spcPts val="0"/>
+              </a:spcBef>
+              <a:buNone/>
+            </a:pPr>
+            <a:r>
+              <a:rPr b="1" lang="en">
+                <a:solidFill>
+                  <a:schemeClr val="lt2"/>
+                </a:solidFill>
+                <a:latin typeface="Courier New"/>
+                <a:ea typeface="Courier New"/>
+                <a:cs typeface="Courier New"/>
+                <a:sym typeface="Courier New"/>
+              </a:rPr>
+              <a:t>}</a:t>
+            </a:r>
+          </a:p>
+          <a:p>
+            <a:pPr lvl="0" rtl="0">
+              <a:spcBef>
+                <a:spcPts val="0"/>
+              </a:spcBef>
+              <a:buNone/>
+            </a:pPr>
+            <a:r>
+              <a:rPr b="1" lang="en">
+                <a:solidFill>
+                  <a:srgbClr val="FF0000"/>
+                </a:solidFill>
+                <a:latin typeface="Courier New"/>
+                <a:ea typeface="Courier New"/>
+                <a:cs typeface="Courier New"/>
+                <a:sym typeface="Courier New"/>
+              </a:rPr>
+              <a:t>helloWorld();</a:t>
+            </a:r>
+          </a:p>
+          <a:p>
+            <a:pPr lvl="0" rtl="0">
+              <a:spcBef>
+                <a:spcPts val="0"/>
+              </a:spcBef>
+              <a:buNone/>
+            </a:pPr>
+            <a:r>
+              <a:t/>
+            </a:r>
+            <a:endParaRPr/>
+          </a:p>
+          <a:p>
+            <a:pPr lvl="0" rtl="0">
+              <a:spcBef>
+                <a:spcPts val="0"/>
+              </a:spcBef>
+              <a:buNone/>
+            </a:pPr>
+            <a:r>
+              <a:t/>
+            </a:r>
+            <a:endParaRPr>
+              <a:solidFill>
+                <a:srgbClr val="000000"/>
+              </a:solidFill>
+            </a:endParaRPr>
+          </a:p>
+        </p:txBody>
+      </p:sp>
+    </p:spTree>
+  </p:cSld>
+  <p:clrMapOvr>
+    <a:masterClrMapping/>
+  </p:clrMapOvr>
+  <p:transition spd="slow">
+    <p:cut/>
+  </p:transition>
+</p:sld>
+</file>
+
+<file path=ppt/slides/slide31.xml><?xml version="1.0" encoding="utf-8"?>
+<p:sld xmlns:a="http://schemas.openxmlformats.org/drawingml/2006/main" xmlns:r="http://schemas.openxmlformats.org/officeDocument/2006/relationships" xmlns:mc="http://schemas.openxmlformats.org/markup-compatibility/2006" xmlns:mv="urn:schemas-microsoft-com:mac:vml" xmlns:p="http://schemas.openxmlformats.org/presentationml/2006/main" xmlns:c="http://schemas.openxmlformats.org/drawingml/2006/chart" xmlns:dgm="http://schemas.openxmlformats.org/drawingml/2006/diagram" xmlns:o="urn:schemas-microsoft-com:office:office" xmlns:v="urn:schemas-microsoft-com:vml" xmlns:pvml="urn:schemas-microsoft-com:office:powerpoint" xmlns:com="http://schemas.openxmlformats.org/drawingml/2006/compatibility" xmlns:p14="http://schemas.microsoft.com/office/powerpoint/2010/main">
+  <p:cSld>
+    <p:bg>
+      <p:bgPr>
+        <a:blipFill>
+          <a:blip r:embed="rId3">
+            <a:alphaModFix/>
+          </a:blip>
+          <a:stretch>
+            <a:fillRect/>
+          </a:stretch>
+        </a:blipFill>
+      </p:bgPr>
+    </p:bg>
+    <p:spTree>
+      <p:nvGrpSpPr>
+        <p:cNvPr id="259" name="Shape 259"/>
+        <p:cNvGrpSpPr/>
+        <p:nvPr/>
+      </p:nvGrpSpPr>
+      <p:grpSpPr>
+        <a:xfrm>
+          <a:off x="0" y="0"/>
+          <a:ext cx="0" cy="0"/>
+          <a:chOff x="0" y="0"/>
+          <a:chExt cx="0" cy="0"/>
+        </a:xfrm>
+      </p:grpSpPr>
+      <p:sp>
+        <p:nvSpPr>
+          <p:cNvPr id="260" name="Shape 260"/>
+          <p:cNvSpPr txBox="1"/>
+          <p:nvPr>
+            <p:ph type="title"/>
+          </p:nvPr>
+        </p:nvSpPr>
+        <p:spPr>
+          <a:xfrm>
+            <a:off x="2400250" y="575950"/>
+            <a:ext cx="6321600" cy="635400"/>
+          </a:xfrm>
+          <a:prstGeom prst="rect">
+            <a:avLst/>
+          </a:prstGeom>
+        </p:spPr>
+        <p:txBody>
+          <a:bodyPr anchorCtr="0" anchor="t" bIns="91425" lIns="91425" rIns="91425" tIns="91425">
+            <a:noAutofit/>
+          </a:bodyPr>
+          <a:lstStyle/>
+          <a:p>
+            <a:pPr lvl="0" rtl="0">
+              <a:spcBef>
+                <a:spcPts val="0"/>
+              </a:spcBef>
+              <a:buNone/>
+            </a:pPr>
+            <a:r>
+              <a:rPr lang="en"/>
+              <a:t>Making helloWorld() public</a:t>
+            </a:r>
+          </a:p>
+        </p:txBody>
+      </p:sp>
+      <p:sp>
+        <p:nvSpPr>
+          <p:cNvPr id="261" name="Shape 261"/>
+          <p:cNvSpPr txBox="1"/>
+          <p:nvPr>
+            <p:ph idx="1" type="body"/>
+          </p:nvPr>
+        </p:nvSpPr>
+        <p:spPr>
+          <a:xfrm>
+            <a:off x="2410099" y="1595775"/>
+            <a:ext cx="6541200" cy="3002400"/>
+          </a:xfrm>
+          <a:prstGeom prst="rect">
+            <a:avLst/>
+          </a:prstGeom>
+        </p:spPr>
+        <p:txBody>
+          <a:bodyPr anchorCtr="0" anchor="t" bIns="91425" lIns="91425" rIns="91425" tIns="91425">
+            <a:noAutofit/>
+          </a:bodyPr>
+          <a:lstStyle/>
+          <a:p>
+            <a:pPr lvl="0" rtl="0">
+              <a:spcBef>
+                <a:spcPts val="0"/>
+              </a:spcBef>
+              <a:buNone/>
+            </a:pPr>
+            <a:r>
+              <a:rPr lang="en"/>
+              <a:t>To call functions directly, we must first export them:</a:t>
+            </a:r>
+          </a:p>
+          <a:p>
+            <a:pPr lvl="0" rtl="0">
+              <a:spcBef>
+                <a:spcPts val="0"/>
+              </a:spcBef>
+              <a:buNone/>
+            </a:pPr>
+            <a:r>
+              <a:rPr b="1" lang="en">
+                <a:solidFill>
+                  <a:schemeClr val="lt2"/>
+                </a:solidFill>
+                <a:latin typeface="Courier New"/>
+                <a:ea typeface="Courier New"/>
+                <a:cs typeface="Courier New"/>
+                <a:sym typeface="Courier New"/>
+              </a:rPr>
+              <a:t>function helloWorld() {</a:t>
+            </a:r>
+          </a:p>
+          <a:p>
+            <a:pPr lvl="0" rtl="0">
+              <a:spcBef>
+                <a:spcPts val="0"/>
+              </a:spcBef>
+              <a:buNone/>
+            </a:pPr>
+            <a:r>
+              <a:rPr b="1" lang="en">
+                <a:solidFill>
+                  <a:schemeClr val="lt2"/>
+                </a:solidFill>
+                <a:latin typeface="Courier New"/>
+                <a:ea typeface="Courier New"/>
+                <a:cs typeface="Courier New"/>
+                <a:sym typeface="Courier New"/>
+              </a:rPr>
+              <a:t>	console.log('Hello World');</a:t>
+            </a:r>
+          </a:p>
+          <a:p>
+            <a:pPr lvl="0" rtl="0">
+              <a:spcBef>
+                <a:spcPts val="0"/>
+              </a:spcBef>
+              <a:buNone/>
+            </a:pPr>
+            <a:r>
+              <a:rPr b="1" lang="en">
+                <a:solidFill>
+                  <a:schemeClr val="lt2"/>
+                </a:solidFill>
+                <a:latin typeface="Courier New"/>
+                <a:ea typeface="Courier New"/>
+                <a:cs typeface="Courier New"/>
+                <a:sym typeface="Courier New"/>
+              </a:rPr>
+              <a:t>}</a:t>
+            </a:r>
+          </a:p>
+          <a:p>
+            <a:pPr lvl="0" rtl="0">
+              <a:spcBef>
+                <a:spcPts val="0"/>
+              </a:spcBef>
+              <a:buNone/>
+            </a:pPr>
+            <a:r>
+              <a:rPr b="1" lang="en">
+                <a:solidFill>
+                  <a:schemeClr val="lt2"/>
+                </a:solidFill>
+                <a:latin typeface="Courier New"/>
+                <a:ea typeface="Courier New"/>
+                <a:cs typeface="Courier New"/>
+                <a:sym typeface="Courier New"/>
+              </a:rPr>
+              <a:t>helloWorld();</a:t>
+            </a:r>
+          </a:p>
+          <a:p>
+            <a:pPr lvl="0" rtl="0">
+              <a:spcBef>
+                <a:spcPts val="0"/>
+              </a:spcBef>
+              <a:buNone/>
+            </a:pPr>
+            <a:r>
+              <a:rPr b="1" lang="en">
+                <a:solidFill>
+                  <a:srgbClr val="FF0000"/>
+                </a:solidFill>
+                <a:latin typeface="Courier New"/>
+                <a:ea typeface="Courier New"/>
+                <a:cs typeface="Courier New"/>
+                <a:sym typeface="Courier New"/>
+              </a:rPr>
+              <a:t>exports.helloWorld = helloWorld();</a:t>
+            </a:r>
+          </a:p>
+          <a:p>
+            <a:pPr lvl="0" rtl="0">
+              <a:spcBef>
+                <a:spcPts val="0"/>
+              </a:spcBef>
+              <a:buNone/>
+            </a:pPr>
+            <a:r>
+              <a:t/>
+            </a:r>
+            <a:endParaRPr>
+              <a:solidFill>
+                <a:srgbClr val="000000"/>
+              </a:solidFill>
+            </a:endParaRPr>
+          </a:p>
+        </p:txBody>
+      </p:sp>
+    </p:spTree>
+  </p:cSld>
+  <p:clrMapOvr>
+    <a:masterClrMapping/>
+  </p:clrMapOvr>
+  <p:transition spd="slow">
+    <p:cut/>
+  </p:transition>
+</p:sld>
+</file>
+
+<file path=ppt/slides/slide32.xml><?xml version="1.0" encoding="utf-8"?>
+<p:sld xmlns:a="http://schemas.openxmlformats.org/drawingml/2006/main" xmlns:r="http://schemas.openxmlformats.org/officeDocument/2006/relationships" xmlns:mc="http://schemas.openxmlformats.org/markup-compatibility/2006" xmlns:mv="urn:schemas-microsoft-com:mac:vml" xmlns:p="http://schemas.openxmlformats.org/presentationml/2006/main" xmlns:c="http://schemas.openxmlformats.org/drawingml/2006/chart" xmlns:dgm="http://schemas.openxmlformats.org/drawingml/2006/diagram" xmlns:o="urn:schemas-microsoft-com:office:office" xmlns:v="urn:schemas-microsoft-com:vml" xmlns:pvml="urn:schemas-microsoft-com:office:powerpoint" xmlns:com="http://schemas.openxmlformats.org/drawingml/2006/compatibility" xmlns:p14="http://schemas.microsoft.com/office/powerpoint/2010/main">
+  <p:cSld>
+    <p:bg>
+      <p:bgPr>
+        <a:blipFill>
+          <a:blip r:embed="rId3">
+            <a:alphaModFix/>
+          </a:blip>
+          <a:stretch>
+            <a:fillRect/>
+          </a:stretch>
+        </a:blipFill>
+      </p:bgPr>
+    </p:bg>
+    <p:spTree>
+      <p:nvGrpSpPr>
+        <p:cNvPr id="265" name="Shape 265"/>
+        <p:cNvGrpSpPr/>
+        <p:nvPr/>
+      </p:nvGrpSpPr>
+      <p:grpSpPr>
+        <a:xfrm>
+          <a:off x="0" y="0"/>
+          <a:ext cx="0" cy="0"/>
+          <a:chOff x="0" y="0"/>
+          <a:chExt cx="0" cy="0"/>
+        </a:xfrm>
+      </p:grpSpPr>
+      <p:sp>
+        <p:nvSpPr>
+          <p:cNvPr id="266" name="Shape 266"/>
+          <p:cNvSpPr txBox="1"/>
+          <p:nvPr>
+            <p:ph type="title"/>
+          </p:nvPr>
+        </p:nvSpPr>
+        <p:spPr>
+          <a:xfrm>
+            <a:off x="2400250" y="575950"/>
+            <a:ext cx="6321600" cy="635400"/>
+          </a:xfrm>
+          <a:prstGeom prst="rect">
+            <a:avLst/>
+          </a:prstGeom>
+        </p:spPr>
+        <p:txBody>
+          <a:bodyPr anchorCtr="0" anchor="t" bIns="91425" lIns="91425" rIns="91425" tIns="91425">
+            <a:noAutofit/>
+          </a:bodyPr>
+          <a:lstStyle/>
+          <a:p>
+            <a:pPr lvl="0" rtl="0">
+              <a:spcBef>
+                <a:spcPts val="0"/>
+              </a:spcBef>
+              <a:buNone/>
+            </a:pPr>
+            <a:r>
+              <a:rPr lang="en"/>
+              <a:t>Objects</a:t>
+            </a:r>
+          </a:p>
+        </p:txBody>
+      </p:sp>
+      <p:sp>
+        <p:nvSpPr>
+          <p:cNvPr id="267" name="Shape 267"/>
           <p:cNvSpPr txBox="1"/>
           <p:nvPr>
             <p:ph idx="1" type="body"/>
@@ -15354,6 +15936,285 @@
 </file>
 
 <file path=ppt/theme/theme1.xml><?xml version="1.0" encoding="utf-8"?>
+<a:theme xmlns:a="http://schemas.openxmlformats.org/drawingml/2006/main" xmlns:r="http://schemas.openxmlformats.org/officeDocument/2006/relationships" name="Custom Theme">
+  <a:themeElements>
+    <a:clrScheme name="Default">
+      <a:dk1>
+        <a:srgbClr val="000000"/>
+      </a:dk1>
+      <a:lt1>
+        <a:srgbClr val="FFFFFF"/>
+      </a:lt1>
+      <a:dk2>
+        <a:srgbClr val="158158"/>
+      </a:dk2>
+      <a:lt2>
+        <a:srgbClr val="F3F3F3"/>
+      </a:lt2>
+      <a:accent1>
+        <a:srgbClr val="058DC7"/>
+      </a:accent1>
+      <a:accent2>
+        <a:srgbClr val="50B432"/>
+      </a:accent2>
+      <a:accent3>
+        <a:srgbClr val="ED561B"/>
+      </a:accent3>
+      <a:accent4>
+        <a:srgbClr val="EDEF00"/>
+      </a:accent4>
+      <a:accent5>
+        <a:srgbClr val="24CBE5"/>
+      </a:accent5>
+      <a:accent6>
+        <a:srgbClr val="64E572"/>
+      </a:accent6>
+      <a:hlink>
+        <a:srgbClr val="2200CC"/>
+      </a:hlink>
+      <a:folHlink>
+        <a:srgbClr val="551A8B"/>
+      </a:folHlink>
+    </a:clrScheme>
+    <a:fontScheme name="Office">
+      <a:majorFont>
+        <a:latin typeface="Arial"/>
+        <a:ea typeface=""/>
+        <a:cs typeface=""/>
+        <a:font script="Jpan" typeface="ＭＳ Ｐゴシック"/>
+        <a:font script="Hang" typeface="맑은 고딕"/>
+        <a:font script="Hans" typeface="宋体"/>
+        <a:font script="Hant" typeface="新細明體"/>
+        <a:font script="Arab" typeface="Times New Roman"/>
+        <a:font script="Hebr" typeface="Times New Roman"/>
+        <a:font script="Thai" typeface="Angsana New"/>
+        <a:font script="Ethi" typeface="Nyala"/>
+        <a:font script="Beng" typeface="Vrinda"/>
+        <a:font script="Gujr" typeface="Shruti"/>
+        <a:font script="Khmr" typeface="MoolBoran"/>
+        <a:font script="Knda" typeface="Tunga"/>
+        <a:font script="Guru" typeface="Raavi"/>
+        <a:font script="Cans" typeface="Euphemia"/>
+        <a:font script="Cher" typeface="Plantagenet Cherokee"/>
+        <a:font script="Yiii" typeface="Microsoft Yi Baiti"/>
+        <a:font script="Tibt" typeface="Microsoft Himalaya"/>
+        <a:font script="Thaa" typeface="MV Boli"/>
+        <a:font script="Deva" typeface="Mangal"/>
+        <a:font script="Telu" typeface="Gautami"/>
+        <a:font script="Taml" typeface="Latha"/>
+        <a:font script="Syrc" typeface="Estrangelo Edessa"/>
+        <a:font script="Orya" typeface="Kalinga"/>
+        <a:font script="Mlym" typeface="Kartika"/>
+        <a:font script="Laoo" typeface="DokChampa"/>
+        <a:font script="Sinh" typeface="Iskoola Pota"/>
+        <a:font script="Mong" typeface="Mongolian Baiti"/>
+        <a:font script="Viet" typeface="Times New Roman"/>
+        <a:font script="Uigh" typeface="Microsoft Uighur"/>
+        <a:font script="Geor" typeface="Sylfaen"/>
+      </a:majorFont>
+      <a:minorFont>
+        <a:latin typeface="Arial"/>
+        <a:ea typeface=""/>
+        <a:cs typeface=""/>
+        <a:font script="Jpan" typeface="ＭＳ Ｐゴシック"/>
+        <a:font script="Hang" typeface="맑은 고딕"/>
+        <a:font script="Hans" typeface="宋体"/>
+        <a:font script="Hant" typeface="新細明體"/>
+        <a:font script="Arab" typeface="Arial"/>
+        <a:font script="Hebr" typeface="Arial"/>
+        <a:font script="Thai" typeface="Cordia New"/>
+        <a:font script="Ethi" typeface="Nyala"/>
+        <a:font script="Beng" typeface="Vrinda"/>
+        <a:font script="Gujr" typeface="Shruti"/>
+        <a:font script="Khmr" typeface="DaunPenh"/>
+        <a:font script="Knda" typeface="Tunga"/>
+        <a:font script="Guru" typeface="Raavi"/>
+        <a:font script="Cans" typeface="Euphemia"/>
+        <a:font script="Cher" typeface="Plantagenet Cherokee"/>
+        <a:font script="Yiii" typeface="Microsoft Yi Baiti"/>
+        <a:font script="Tibt" typeface="Microsoft Himalaya"/>
+        <a:font script="Thaa" typeface="MV Boli"/>
+        <a:font script="Deva" typeface="Mangal"/>
+        <a:font script="Telu" typeface="Gautami"/>
+        <a:font script="Taml" typeface="Latha"/>
+        <a:font script="Syrc" typeface="Estrangelo Edessa"/>
+        <a:font script="Orya" typeface="Kalinga"/>
+        <a:font script="Mlym" typeface="Kartika"/>
+        <a:font script="Laoo" typeface="DokChampa"/>
+        <a:font script="Sinh" typeface="Iskoola Pota"/>
+        <a:font script="Mong" typeface="Mongolian Baiti"/>
+        <a:font script="Viet" typeface="Arial"/>
+        <a:font script="Uigh" typeface="Microsoft Uighur"/>
+        <a:font script="Geor" typeface="Sylfaen"/>
+      </a:minorFont>
+    </a:fontScheme>
+    <a:fmtScheme name="Office">
+      <a:fillStyleLst>
+        <a:solidFill>
+          <a:schemeClr val="phClr"/>
+        </a:solidFill>
+        <a:gradFill rotWithShape="1">
+          <a:gsLst>
+            <a:gs pos="0">
+              <a:schemeClr val="phClr">
+                <a:tint val="50000"/>
+                <a:satMod val="300000"/>
+              </a:schemeClr>
+            </a:gs>
+            <a:gs pos="35000">
+              <a:schemeClr val="phClr">
+                <a:tint val="37000"/>
+                <a:satMod val="300000"/>
+              </a:schemeClr>
+            </a:gs>
+            <a:gs pos="100000">
+              <a:schemeClr val="phClr">
+                <a:tint val="15000"/>
+                <a:satMod val="350000"/>
+              </a:schemeClr>
+            </a:gs>
+          </a:gsLst>
+          <a:lin ang="16200000" scaled="1"/>
+        </a:gradFill>
+        <a:gradFill rotWithShape="1">
+          <a:gsLst>
+            <a:gs pos="0">
+              <a:schemeClr val="phClr">
+                <a:tint val="100000"/>
+                <a:shade val="100000"/>
+                <a:satMod val="130000"/>
+              </a:schemeClr>
+            </a:gs>
+            <a:gs pos="100000">
+              <a:schemeClr val="phClr">
+                <a:tint val="50000"/>
+                <a:shade val="100000"/>
+                <a:satMod val="350000"/>
+              </a:schemeClr>
+            </a:gs>
+          </a:gsLst>
+          <a:lin ang="16200000" scaled="0"/>
+        </a:gradFill>
+      </a:fillStyleLst>
+      <a:lnStyleLst>
+        <a:ln w="9525" cap="flat" cmpd="sng" algn="ctr">
+          <a:solidFill>
+            <a:schemeClr val="phClr">
+              <a:shade val="95000"/>
+              <a:satMod val="105000"/>
+            </a:schemeClr>
+          </a:solidFill>
+          <a:prstDash val="solid"/>
+        </a:ln>
+        <a:ln w="25400" cap="flat" cmpd="sng" algn="ctr">
+          <a:solidFill>
+            <a:schemeClr val="phClr"/>
+          </a:solidFill>
+          <a:prstDash val="solid"/>
+        </a:ln>
+        <a:ln w="38100" cap="flat" cmpd="sng" algn="ctr">
+          <a:solidFill>
+            <a:schemeClr val="phClr"/>
+          </a:solidFill>
+          <a:prstDash val="solid"/>
+        </a:ln>
+      </a:lnStyleLst>
+      <a:effectStyleLst>
+        <a:effectStyle>
+          <a:effectLst>
+            <a:outerShdw blurRad="40000" dist="20000" dir="5400000" rotWithShape="0">
+              <a:srgbClr val="000000">
+                <a:alpha val="38000"/>
+              </a:srgbClr>
+            </a:outerShdw>
+          </a:effectLst>
+        </a:effectStyle>
+        <a:effectStyle>
+          <a:effectLst>
+            <a:outerShdw blurRad="40000" dist="23000" dir="5400000" rotWithShape="0">
+              <a:srgbClr val="000000">
+                <a:alpha val="35000"/>
+              </a:srgbClr>
+            </a:outerShdw>
+          </a:effectLst>
+        </a:effectStyle>
+        <a:effectStyle>
+          <a:effectLst>
+            <a:outerShdw blurRad="40000" dist="23000" dir="5400000" rotWithShape="0">
+              <a:srgbClr val="000000">
+                <a:alpha val="35000"/>
+              </a:srgbClr>
+            </a:outerShdw>
+          </a:effectLst>
+          <a:scene3d>
+            <a:camera prst="orthographicFront">
+              <a:rot lat="0" lon="0" rev="0"/>
+            </a:camera>
+            <a:lightRig rig="threePt" dir="t">
+              <a:rot lat="0" lon="0" rev="1200000"/>
+            </a:lightRig>
+          </a:scene3d>
+          <a:sp3d>
+            <a:bevelT w="63500" h="25400"/>
+          </a:sp3d>
+        </a:effectStyle>
+      </a:effectStyleLst>
+      <a:bgFillStyleLst>
+        <a:solidFill>
+          <a:schemeClr val="phClr"/>
+        </a:solidFill>
+        <a:gradFill rotWithShape="1">
+          <a:gsLst>
+            <a:gs pos="0">
+              <a:schemeClr val="phClr">
+                <a:tint val="40000"/>
+                <a:satMod val="350000"/>
+              </a:schemeClr>
+            </a:gs>
+            <a:gs pos="40000">
+              <a:schemeClr val="phClr">
+                <a:tint val="45000"/>
+                <a:shade val="99000"/>
+                <a:satMod val="350000"/>
+              </a:schemeClr>
+            </a:gs>
+            <a:gs pos="100000">
+              <a:schemeClr val="phClr">
+                <a:shade val="20000"/>
+                <a:satMod val="255000"/>
+              </a:schemeClr>
+            </a:gs>
+          </a:gsLst>
+          <a:path path="circle">
+            <a:fillToRect l="50000" t="-80000" r="50000" b="180000"/>
+          </a:path>
+        </a:gradFill>
+        <a:gradFill rotWithShape="1">
+          <a:gsLst>
+            <a:gs pos="0">
+              <a:schemeClr val="phClr">
+                <a:tint val="80000"/>
+                <a:satMod val="300000"/>
+              </a:schemeClr>
+            </a:gs>
+            <a:gs pos="100000">
+              <a:schemeClr val="phClr">
+                <a:shade val="30000"/>
+                <a:satMod val="200000"/>
+              </a:schemeClr>
+            </a:gs>
+          </a:gsLst>
+          <a:path path="circle">
+            <a:fillToRect l="50000" t="50000" r="50000" b="50000"/>
+          </a:path>
+        </a:gradFill>
+      </a:bgFillStyleLst>
+    </a:fmtScheme>
+  </a:themeElements>
+</a:theme>
+</file>
+
+<file path=ppt/theme/theme2.xml><?xml version="1.0" encoding="utf-8"?>
 <a:theme xmlns:a="http://schemas.openxmlformats.org/drawingml/2006/main" xmlns:r="http://schemas.openxmlformats.org/officeDocument/2006/relationships" name="swiss-2">
   <a:themeElements>
     <a:clrScheme name="Swiss">
@@ -15630,283 +16491,4 @@
     </a:fmtScheme>
   </a:themeElements>
 </a:theme>
-</file>
-
-<file path=ppt/theme/theme2.xml><?xml version="1.0" encoding="utf-8"?>
-<a:theme xmlns:a="http://schemas.openxmlformats.org/drawingml/2006/main" xmlns:r="http://schemas.openxmlformats.org/officeDocument/2006/relationships" name="Custom Theme">
-  <a:themeElements>
-    <a:clrScheme name="Default">
-      <a:dk1>
-        <a:srgbClr val="000000"/>
-      </a:dk1>
-      <a:lt1>
-        <a:srgbClr val="FFFFFF"/>
-      </a:lt1>
-      <a:dk2>
-        <a:srgbClr val="158158"/>
-      </a:dk2>
-      <a:lt2>
-        <a:srgbClr val="F3F3F3"/>
-      </a:lt2>
-      <a:accent1>
-        <a:srgbClr val="058DC7"/>
-      </a:accent1>
-      <a:accent2>
-        <a:srgbClr val="50B432"/>
-      </a:accent2>
-      <a:accent3>
-        <a:srgbClr val="ED561B"/>
-      </a:accent3>
-      <a:accent4>
-        <a:srgbClr val="EDEF00"/>
-      </a:accent4>
-      <a:accent5>
-        <a:srgbClr val="24CBE5"/>
-      </a:accent5>
-      <a:accent6>
-        <a:srgbClr val="64E572"/>
-      </a:accent6>
-      <a:hlink>
-        <a:srgbClr val="2200CC"/>
-      </a:hlink>
-      <a:folHlink>
-        <a:srgbClr val="551A8B"/>
-      </a:folHlink>
-    </a:clrScheme>
-    <a:fontScheme name="Office">
-      <a:majorFont>
-        <a:latin typeface="Arial"/>
-        <a:ea typeface=""/>
-        <a:cs typeface=""/>
-        <a:font script="Jpan" typeface="ＭＳ Ｐゴシック"/>
-        <a:font script="Hang" typeface="맑은 고딕"/>
-        <a:font script="Hans" typeface="宋体"/>
-        <a:font script="Hant" typeface="新細明體"/>
-        <a:font script="Arab" typeface="Times New Roman"/>
-        <a:font script="Hebr" typeface="Times New Roman"/>
-        <a:font script="Thai" typeface="Angsana New"/>
-        <a:font script="Ethi" typeface="Nyala"/>
-        <a:font script="Beng" typeface="Vrinda"/>
-        <a:font script="Gujr" typeface="Shruti"/>
-        <a:font script="Khmr" typeface="MoolBoran"/>
-        <a:font script="Knda" typeface="Tunga"/>
-        <a:font script="Guru" typeface="Raavi"/>
-        <a:font script="Cans" typeface="Euphemia"/>
-        <a:font script="Cher" typeface="Plantagenet Cherokee"/>
-        <a:font script="Yiii" typeface="Microsoft Yi Baiti"/>
-        <a:font script="Tibt" typeface="Microsoft Himalaya"/>
-        <a:font script="Thaa" typeface="MV Boli"/>
-        <a:font script="Deva" typeface="Mangal"/>
-        <a:font script="Telu" typeface="Gautami"/>
-        <a:font script="Taml" typeface="Latha"/>
-        <a:font script="Syrc" typeface="Estrangelo Edessa"/>
-        <a:font script="Orya" typeface="Kalinga"/>
-        <a:font script="Mlym" typeface="Kartika"/>
-        <a:font script="Laoo" typeface="DokChampa"/>
-        <a:font script="Sinh" typeface="Iskoola Pota"/>
-        <a:font script="Mong" typeface="Mongolian Baiti"/>
-        <a:font script="Viet" typeface="Times New Roman"/>
-        <a:font script="Uigh" typeface="Microsoft Uighur"/>
-        <a:font script="Geor" typeface="Sylfaen"/>
-      </a:majorFont>
-      <a:minorFont>
-        <a:latin typeface="Arial"/>
-        <a:ea typeface=""/>
-        <a:cs typeface=""/>
-        <a:font script="Jpan" typeface="ＭＳ Ｐゴシック"/>
-        <a:font script="Hang" typeface="맑은 고딕"/>
-        <a:font script="Hans" typeface="宋体"/>
-        <a:font script="Hant" typeface="新細明體"/>
-        <a:font script="Arab" typeface="Arial"/>
-        <a:font script="Hebr" typeface="Arial"/>
-        <a:font script="Thai" typeface="Cordia New"/>
-        <a:font script="Ethi" typeface="Nyala"/>
-        <a:font script="Beng" typeface="Vrinda"/>
-        <a:font script="Gujr" typeface="Shruti"/>
-        <a:font script="Khmr" typeface="DaunPenh"/>
-        <a:font script="Knda" typeface="Tunga"/>
-        <a:font script="Guru" typeface="Raavi"/>
-        <a:font script="Cans" typeface="Euphemia"/>
-        <a:font script="Cher" typeface="Plantagenet Cherokee"/>
-        <a:font script="Yiii" typeface="Microsoft Yi Baiti"/>
-        <a:font script="Tibt" typeface="Microsoft Himalaya"/>
-        <a:font script="Thaa" typeface="MV Boli"/>
-        <a:font script="Deva" typeface="Mangal"/>
-        <a:font script="Telu" typeface="Gautami"/>
-        <a:font script="Taml" typeface="Latha"/>
-        <a:font script="Syrc" typeface="Estrangelo Edessa"/>
-        <a:font script="Orya" typeface="Kalinga"/>
-        <a:font script="Mlym" typeface="Kartika"/>
-        <a:font script="Laoo" typeface="DokChampa"/>
-        <a:font script="Sinh" typeface="Iskoola Pota"/>
-        <a:font script="Mong" typeface="Mongolian Baiti"/>
-        <a:font script="Viet" typeface="Arial"/>
-        <a:font script="Uigh" typeface="Microsoft Uighur"/>
-        <a:font script="Geor" typeface="Sylfaen"/>
-      </a:minorFont>
-    </a:fontScheme>
-    <a:fmtScheme name="Office">
-      <a:fillStyleLst>
-        <a:solidFill>
-          <a:schemeClr val="phClr"/>
-        </a:solidFill>
-        <a:gradFill rotWithShape="1">
-          <a:gsLst>
-            <a:gs pos="0">
-              <a:schemeClr val="phClr">
-                <a:tint val="50000"/>
-                <a:satMod val="300000"/>
-              </a:schemeClr>
-            </a:gs>
-            <a:gs pos="35000">
-              <a:schemeClr val="phClr">
-                <a:tint val="37000"/>
-                <a:satMod val="300000"/>
-              </a:schemeClr>
-            </a:gs>
-            <a:gs pos="100000">
-              <a:schemeClr val="phClr">
-                <a:tint val="15000"/>
-                <a:satMod val="350000"/>
-              </a:schemeClr>
-            </a:gs>
-          </a:gsLst>
-          <a:lin ang="16200000" scaled="1"/>
-        </a:gradFill>
-        <a:gradFill rotWithShape="1">
-          <a:gsLst>
-            <a:gs pos="0">
-              <a:schemeClr val="phClr">
-                <a:tint val="100000"/>
-                <a:shade val="100000"/>
-                <a:satMod val="130000"/>
-              </a:schemeClr>
-            </a:gs>
-            <a:gs pos="100000">
-              <a:schemeClr val="phClr">
-                <a:tint val="50000"/>
-                <a:shade val="100000"/>
-                <a:satMod val="350000"/>
-              </a:schemeClr>
-            </a:gs>
-          </a:gsLst>
-          <a:lin ang="16200000" scaled="0"/>
-        </a:gradFill>
-      </a:fillStyleLst>
-      <a:lnStyleLst>
-        <a:ln w="9525" cap="flat" cmpd="sng" algn="ctr">
-          <a:solidFill>
-            <a:schemeClr val="phClr">
-              <a:shade val="95000"/>
-              <a:satMod val="105000"/>
-            </a:schemeClr>
-          </a:solidFill>
-          <a:prstDash val="solid"/>
-        </a:ln>
-        <a:ln w="25400" cap="flat" cmpd="sng" algn="ctr">
-          <a:solidFill>
-            <a:schemeClr val="phClr"/>
-          </a:solidFill>
-          <a:prstDash val="solid"/>
-        </a:ln>
-        <a:ln w="38100" cap="flat" cmpd="sng" algn="ctr">
-          <a:solidFill>
-            <a:schemeClr val="phClr"/>
-          </a:solidFill>
-          <a:prstDash val="solid"/>
-        </a:ln>
-      </a:lnStyleLst>
-      <a:effectStyleLst>
-        <a:effectStyle>
-          <a:effectLst>
-            <a:outerShdw blurRad="40000" dist="20000" dir="5400000" rotWithShape="0">
-              <a:srgbClr val="000000">
-                <a:alpha val="38000"/>
-              </a:srgbClr>
-            </a:outerShdw>
-          </a:effectLst>
-        </a:effectStyle>
-        <a:effectStyle>
-          <a:effectLst>
-            <a:outerShdw blurRad="40000" dist="23000" dir="5400000" rotWithShape="0">
-              <a:srgbClr val="000000">
-                <a:alpha val="35000"/>
-              </a:srgbClr>
-            </a:outerShdw>
-          </a:effectLst>
-        </a:effectStyle>
-        <a:effectStyle>
-          <a:effectLst>
-            <a:outerShdw blurRad="40000" dist="23000" dir="5400000" rotWithShape="0">
-              <a:srgbClr val="000000">
-                <a:alpha val="35000"/>
-              </a:srgbClr>
-            </a:outerShdw>
-          </a:effectLst>
-          <a:scene3d>
-            <a:camera prst="orthographicFront">
-              <a:rot lat="0" lon="0" rev="0"/>
-            </a:camera>
-            <a:lightRig rig="threePt" dir="t">
-              <a:rot lat="0" lon="0" rev="1200000"/>
-            </a:lightRig>
-          </a:scene3d>
-          <a:sp3d>
-            <a:bevelT w="63500" h="25400"/>
-          </a:sp3d>
-        </a:effectStyle>
-      </a:effectStyleLst>
-      <a:bgFillStyleLst>
-        <a:solidFill>
-          <a:schemeClr val="phClr"/>
-        </a:solidFill>
-        <a:gradFill rotWithShape="1">
-          <a:gsLst>
-            <a:gs pos="0">
-              <a:schemeClr val="phClr">
-                <a:tint val="40000"/>
-                <a:satMod val="350000"/>
-              </a:schemeClr>
-            </a:gs>
-            <a:gs pos="40000">
-              <a:schemeClr val="phClr">
-                <a:tint val="45000"/>
-                <a:shade val="99000"/>
-                <a:satMod val="350000"/>
-              </a:schemeClr>
-            </a:gs>
-            <a:gs pos="100000">
-              <a:schemeClr val="phClr">
-                <a:shade val="20000"/>
-                <a:satMod val="255000"/>
-              </a:schemeClr>
-            </a:gs>
-          </a:gsLst>
-          <a:path path="circle">
-            <a:fillToRect l="50000" t="-80000" r="50000" b="180000"/>
-          </a:path>
-        </a:gradFill>
-        <a:gradFill rotWithShape="1">
-          <a:gsLst>
-            <a:gs pos="0">
-              <a:schemeClr val="phClr">
-                <a:tint val="80000"/>
-                <a:satMod val="300000"/>
-              </a:schemeClr>
-            </a:gs>
-            <a:gs pos="100000">
-              <a:schemeClr val="phClr">
-                <a:shade val="30000"/>
-                <a:satMod val="200000"/>
-              </a:schemeClr>
-            </a:gs>
-          </a:gsLst>
-          <a:path path="circle">
-            <a:fillToRect l="50000" t="50000" r="50000" b="50000"/>
-          </a:path>
-        </a:gradFill>
-      </a:bgFillStyleLst>
-    </a:fmtScheme>
-  </a:themeElements>
-</a:theme>
 </file>
--- a/slides/ScriptCraft- Day 01 (Getting Started).pptx
+++ b/slides/ScriptCraft- Day 01 (Getting Started).pptx
@@ -40,23 +40,40 @@
     <p:sldId id="285" r:id="rId35"/>
     <p:sldId id="286" r:id="rId36"/>
     <p:sldId id="287" r:id="rId37"/>
+    <p:sldId id="288" r:id="rId38"/>
+    <p:sldId id="289" r:id="rId39"/>
+    <p:sldId id="290" r:id="rId40"/>
+    <p:sldId id="291" r:id="rId41"/>
+    <p:sldId id="292" r:id="rId42"/>
+    <p:sldId id="293" r:id="rId43"/>
+    <p:sldId id="294" r:id="rId44"/>
+    <p:sldId id="295" r:id="rId45"/>
+    <p:sldId id="296" r:id="rId46"/>
+    <p:sldId id="297" r:id="rId47"/>
+    <p:sldId id="298" r:id="rId48"/>
+    <p:sldId id="299" r:id="rId49"/>
+    <p:sldId id="300" r:id="rId50"/>
+    <p:sldId id="301" r:id="rId51"/>
+    <p:sldId id="302" r:id="rId52"/>
+    <p:sldId id="303" r:id="rId53"/>
+    <p:sldId id="304" r:id="rId54"/>
   </p:sldIdLst>
   <p:sldSz cy="5143500" cx="9144000"/>
   <p:notesSz cx="6858000" cy="9144000"/>
   <p:embeddedFontLst>
     <p:embeddedFont>
       <p:font typeface="Raleway"/>
-      <p:regular r:id="rId38"/>
-      <p:bold r:id="rId39"/>
-      <p:italic r:id="rId40"/>
-      <p:boldItalic r:id="rId41"/>
+      <p:regular r:id="rId55"/>
+      <p:bold r:id="rId56"/>
+      <p:italic r:id="rId57"/>
+      <p:boldItalic r:id="rId58"/>
     </p:embeddedFont>
     <p:embeddedFont>
       <p:font typeface="Lato"/>
-      <p:regular r:id="rId42"/>
-      <p:bold r:id="rId43"/>
-      <p:italic r:id="rId44"/>
-      <p:boldItalic r:id="rId45"/>
+      <p:regular r:id="rId59"/>
+      <p:bold r:id="rId60"/>
+      <p:italic r:id="rId61"/>
+      <p:boldItalic r:id="rId62"/>
     </p:embeddedFont>
   </p:embeddedFontLst>
   <p:defaultTextStyle>
@@ -2883,6 +2900,671 @@
 </p:notes>
 </file>
 
+<file path=ppt/notesSlides/notesSlide33.xml><?xml version="1.0" encoding="utf-8"?>
+<p:notes xmlns:a="http://schemas.openxmlformats.org/drawingml/2006/main" xmlns:r="http://schemas.openxmlformats.org/officeDocument/2006/relationships" xmlns:mc="http://schemas.openxmlformats.org/markup-compatibility/2006" xmlns:mv="urn:schemas-microsoft-com:mac:vml" xmlns:p="http://schemas.openxmlformats.org/presentationml/2006/main" xmlns:c="http://schemas.openxmlformats.org/drawingml/2006/chart" xmlns:dgm="http://schemas.openxmlformats.org/drawingml/2006/diagram" xmlns:o="urn:schemas-microsoft-com:office:office" xmlns:v="urn:schemas-microsoft-com:vml" xmlns:pvml="urn:schemas-microsoft-com:office:powerpoint" xmlns:com="http://schemas.openxmlformats.org/drawingml/2006/compatibility" xmlns:p14="http://schemas.microsoft.com/office/powerpoint/2010/main" showMasterPhAnim="0" showMasterSp="0">
+  <p:cSld>
+    <p:spTree>
+      <p:nvGrpSpPr>
+        <p:cNvPr id="268" name="Shape 268"/>
+        <p:cNvGrpSpPr/>
+        <p:nvPr/>
+      </p:nvGrpSpPr>
+      <p:grpSpPr>
+        <a:xfrm>
+          <a:off x="0" y="0"/>
+          <a:ext cx="0" cy="0"/>
+          <a:chOff x="0" y="0"/>
+          <a:chExt cx="0" cy="0"/>
+        </a:xfrm>
+      </p:grpSpPr>
+      <p:sp>
+        <p:nvSpPr>
+          <p:cNvPr id="269" name="Shape 269"/>
+          <p:cNvSpPr/>
+          <p:nvPr>
+            <p:ph idx="2" type="sldImg"/>
+          </p:nvPr>
+        </p:nvSpPr>
+        <p:spPr>
+          <a:xfrm>
+            <a:off x="381300" y="685800"/>
+            <a:ext cx="6096000" cy="3429000"/>
+          </a:xfrm>
+          <a:custGeom>
+            <a:pathLst>
+              <a:path extrusionOk="0" h="120000" w="120000">
+                <a:moveTo>
+                  <a:pt x="0" y="0"/>
+                </a:moveTo>
+                <a:lnTo>
+                  <a:pt x="120000" y="0"/>
+                </a:lnTo>
+                <a:lnTo>
+                  <a:pt x="120000" y="120000"/>
+                </a:lnTo>
+                <a:lnTo>
+                  <a:pt x="0" y="120000"/>
+                </a:lnTo>
+                <a:close/>
+              </a:path>
+            </a:pathLst>
+          </a:custGeom>
+        </p:spPr>
+      </p:sp>
+      <p:sp>
+        <p:nvSpPr>
+          <p:cNvPr id="270" name="Shape 270"/>
+          <p:cNvSpPr txBox="1"/>
+          <p:nvPr>
+            <p:ph idx="1" type="body"/>
+          </p:nvPr>
+        </p:nvSpPr>
+        <p:spPr>
+          <a:xfrm>
+            <a:off x="685800" y="4343400"/>
+            <a:ext cx="5486400" cy="4114800"/>
+          </a:xfrm>
+          <a:prstGeom prst="rect">
+            <a:avLst/>
+          </a:prstGeom>
+        </p:spPr>
+        <p:txBody>
+          <a:bodyPr anchorCtr="0" anchor="t" bIns="91425" lIns="91425" rIns="91425" tIns="91425">
+            <a:noAutofit/>
+          </a:bodyPr>
+          <a:lstStyle/>
+          <a:p>
+            <a:pPr lvl="0" rtl="0">
+              <a:spcBef>
+                <a:spcPts val="0"/>
+              </a:spcBef>
+              <a:buNone/>
+            </a:pPr>
+            <a:r>
+              <a:t/>
+            </a:r>
+            <a:endParaRPr/>
+          </a:p>
+        </p:txBody>
+      </p:sp>
+    </p:spTree>
+  </p:cSld>
+  <p:clrMapOvr>
+    <a:masterClrMapping/>
+  </p:clrMapOvr>
+</p:notes>
+</file>
+
+<file path=ppt/notesSlides/notesSlide34.xml><?xml version="1.0" encoding="utf-8"?>
+<p:notes xmlns:a="http://schemas.openxmlformats.org/drawingml/2006/main" xmlns:r="http://schemas.openxmlformats.org/officeDocument/2006/relationships" xmlns:mc="http://schemas.openxmlformats.org/markup-compatibility/2006" xmlns:mv="urn:schemas-microsoft-com:mac:vml" xmlns:p="http://schemas.openxmlformats.org/presentationml/2006/main" xmlns:c="http://schemas.openxmlformats.org/drawingml/2006/chart" xmlns:dgm="http://schemas.openxmlformats.org/drawingml/2006/diagram" xmlns:o="urn:schemas-microsoft-com:office:office" xmlns:v="urn:schemas-microsoft-com:vml" xmlns:pvml="urn:schemas-microsoft-com:office:powerpoint" xmlns:com="http://schemas.openxmlformats.org/drawingml/2006/compatibility" xmlns:p14="http://schemas.microsoft.com/office/powerpoint/2010/main" showMasterPhAnim="0" showMasterSp="0">
+  <p:cSld>
+    <p:spTree>
+      <p:nvGrpSpPr>
+        <p:cNvPr id="273" name="Shape 273"/>
+        <p:cNvGrpSpPr/>
+        <p:nvPr/>
+      </p:nvGrpSpPr>
+      <p:grpSpPr>
+        <a:xfrm>
+          <a:off x="0" y="0"/>
+          <a:ext cx="0" cy="0"/>
+          <a:chOff x="0" y="0"/>
+          <a:chExt cx="0" cy="0"/>
+        </a:xfrm>
+      </p:grpSpPr>
+      <p:sp>
+        <p:nvSpPr>
+          <p:cNvPr id="274" name="Shape 274"/>
+          <p:cNvSpPr/>
+          <p:nvPr>
+            <p:ph idx="2" type="sldImg"/>
+          </p:nvPr>
+        </p:nvSpPr>
+        <p:spPr>
+          <a:xfrm>
+            <a:off x="381300" y="685800"/>
+            <a:ext cx="6096000" cy="3429000"/>
+          </a:xfrm>
+          <a:custGeom>
+            <a:pathLst>
+              <a:path extrusionOk="0" h="120000" w="120000">
+                <a:moveTo>
+                  <a:pt x="0" y="0"/>
+                </a:moveTo>
+                <a:lnTo>
+                  <a:pt x="120000" y="0"/>
+                </a:lnTo>
+                <a:lnTo>
+                  <a:pt x="120000" y="120000"/>
+                </a:lnTo>
+                <a:lnTo>
+                  <a:pt x="0" y="120000"/>
+                </a:lnTo>
+                <a:close/>
+              </a:path>
+            </a:pathLst>
+          </a:custGeom>
+        </p:spPr>
+      </p:sp>
+      <p:sp>
+        <p:nvSpPr>
+          <p:cNvPr id="275" name="Shape 275"/>
+          <p:cNvSpPr txBox="1"/>
+          <p:nvPr>
+            <p:ph idx="1" type="body"/>
+          </p:nvPr>
+        </p:nvSpPr>
+        <p:spPr>
+          <a:xfrm>
+            <a:off x="685800" y="4343400"/>
+            <a:ext cx="5486400" cy="4114800"/>
+          </a:xfrm>
+          <a:prstGeom prst="rect">
+            <a:avLst/>
+          </a:prstGeom>
+        </p:spPr>
+        <p:txBody>
+          <a:bodyPr anchorCtr="0" anchor="t" bIns="91425" lIns="91425" rIns="91425" tIns="91425">
+            <a:noAutofit/>
+          </a:bodyPr>
+          <a:lstStyle/>
+          <a:p>
+            <a:pPr lvl="0" rtl="0">
+              <a:spcBef>
+                <a:spcPts val="0"/>
+              </a:spcBef>
+              <a:buNone/>
+            </a:pPr>
+            <a:r>
+              <a:t/>
+            </a:r>
+            <a:endParaRPr/>
+          </a:p>
+        </p:txBody>
+      </p:sp>
+    </p:spTree>
+  </p:cSld>
+  <p:clrMapOvr>
+    <a:masterClrMapping/>
+  </p:clrMapOvr>
+</p:notes>
+</file>
+
+<file path=ppt/notesSlides/notesSlide35.xml><?xml version="1.0" encoding="utf-8"?>
+<p:notes xmlns:a="http://schemas.openxmlformats.org/drawingml/2006/main" xmlns:r="http://schemas.openxmlformats.org/officeDocument/2006/relationships" xmlns:mc="http://schemas.openxmlformats.org/markup-compatibility/2006" xmlns:mv="urn:schemas-microsoft-com:mac:vml" xmlns:p="http://schemas.openxmlformats.org/presentationml/2006/main" xmlns:c="http://schemas.openxmlformats.org/drawingml/2006/chart" xmlns:dgm="http://schemas.openxmlformats.org/drawingml/2006/diagram" xmlns:o="urn:schemas-microsoft-com:office:office" xmlns:v="urn:schemas-microsoft-com:vml" xmlns:pvml="urn:schemas-microsoft-com:office:powerpoint" xmlns:com="http://schemas.openxmlformats.org/drawingml/2006/compatibility" xmlns:p14="http://schemas.microsoft.com/office/powerpoint/2010/main" showMasterPhAnim="0" showMasterSp="0">
+  <p:cSld>
+    <p:spTree>
+      <p:nvGrpSpPr>
+        <p:cNvPr id="280" name="Shape 280"/>
+        <p:cNvGrpSpPr/>
+        <p:nvPr/>
+      </p:nvGrpSpPr>
+      <p:grpSpPr>
+        <a:xfrm>
+          <a:off x="0" y="0"/>
+          <a:ext cx="0" cy="0"/>
+          <a:chOff x="0" y="0"/>
+          <a:chExt cx="0" cy="0"/>
+        </a:xfrm>
+      </p:grpSpPr>
+      <p:sp>
+        <p:nvSpPr>
+          <p:cNvPr id="281" name="Shape 281"/>
+          <p:cNvSpPr/>
+          <p:nvPr>
+            <p:ph idx="2" type="sldImg"/>
+          </p:nvPr>
+        </p:nvSpPr>
+        <p:spPr>
+          <a:xfrm>
+            <a:off x="381300" y="685800"/>
+            <a:ext cx="6096000" cy="3429000"/>
+          </a:xfrm>
+          <a:custGeom>
+            <a:pathLst>
+              <a:path extrusionOk="0" h="120000" w="120000">
+                <a:moveTo>
+                  <a:pt x="0" y="0"/>
+                </a:moveTo>
+                <a:lnTo>
+                  <a:pt x="120000" y="0"/>
+                </a:lnTo>
+                <a:lnTo>
+                  <a:pt x="120000" y="120000"/>
+                </a:lnTo>
+                <a:lnTo>
+                  <a:pt x="0" y="120000"/>
+                </a:lnTo>
+                <a:close/>
+              </a:path>
+            </a:pathLst>
+          </a:custGeom>
+        </p:spPr>
+      </p:sp>
+      <p:sp>
+        <p:nvSpPr>
+          <p:cNvPr id="282" name="Shape 282"/>
+          <p:cNvSpPr txBox="1"/>
+          <p:nvPr>
+            <p:ph idx="1" type="body"/>
+          </p:nvPr>
+        </p:nvSpPr>
+        <p:spPr>
+          <a:xfrm>
+            <a:off x="685800" y="4343400"/>
+            <a:ext cx="5486400" cy="4114800"/>
+          </a:xfrm>
+          <a:prstGeom prst="rect">
+            <a:avLst/>
+          </a:prstGeom>
+        </p:spPr>
+        <p:txBody>
+          <a:bodyPr anchorCtr="0" anchor="t" bIns="91425" lIns="91425" rIns="91425" tIns="91425">
+            <a:noAutofit/>
+          </a:bodyPr>
+          <a:lstStyle/>
+          <a:p>
+            <a:pPr lvl="0" rtl="0">
+              <a:spcBef>
+                <a:spcPts val="0"/>
+              </a:spcBef>
+              <a:buNone/>
+            </a:pPr>
+            <a:r>
+              <a:t/>
+            </a:r>
+            <a:endParaRPr/>
+          </a:p>
+        </p:txBody>
+      </p:sp>
+    </p:spTree>
+  </p:cSld>
+  <p:clrMapOvr>
+    <a:masterClrMapping/>
+  </p:clrMapOvr>
+</p:notes>
+</file>
+
+<file path=ppt/notesSlides/notesSlide36.xml><?xml version="1.0" encoding="utf-8"?>
+<p:notes xmlns:a="http://schemas.openxmlformats.org/drawingml/2006/main" xmlns:r="http://schemas.openxmlformats.org/officeDocument/2006/relationships" xmlns:mc="http://schemas.openxmlformats.org/markup-compatibility/2006" xmlns:mv="urn:schemas-microsoft-com:mac:vml" xmlns:p="http://schemas.openxmlformats.org/presentationml/2006/main" xmlns:c="http://schemas.openxmlformats.org/drawingml/2006/chart" xmlns:dgm="http://schemas.openxmlformats.org/drawingml/2006/diagram" xmlns:o="urn:schemas-microsoft-com:office:office" xmlns:v="urn:schemas-microsoft-com:vml" xmlns:pvml="urn:schemas-microsoft-com:office:powerpoint" xmlns:com="http://schemas.openxmlformats.org/drawingml/2006/compatibility" xmlns:p14="http://schemas.microsoft.com/office/powerpoint/2010/main" showMasterPhAnim="0" showMasterSp="0">
+  <p:cSld>
+    <p:spTree>
+      <p:nvGrpSpPr>
+        <p:cNvPr id="287" name="Shape 287"/>
+        <p:cNvGrpSpPr/>
+        <p:nvPr/>
+      </p:nvGrpSpPr>
+      <p:grpSpPr>
+        <a:xfrm>
+          <a:off x="0" y="0"/>
+          <a:ext cx="0" cy="0"/>
+          <a:chOff x="0" y="0"/>
+          <a:chExt cx="0" cy="0"/>
+        </a:xfrm>
+      </p:grpSpPr>
+      <p:sp>
+        <p:nvSpPr>
+          <p:cNvPr id="288" name="Shape 288"/>
+          <p:cNvSpPr/>
+          <p:nvPr>
+            <p:ph idx="2" type="sldImg"/>
+          </p:nvPr>
+        </p:nvSpPr>
+        <p:spPr>
+          <a:xfrm>
+            <a:off x="381300" y="685800"/>
+            <a:ext cx="6096000" cy="3429000"/>
+          </a:xfrm>
+          <a:custGeom>
+            <a:pathLst>
+              <a:path extrusionOk="0" h="120000" w="120000">
+                <a:moveTo>
+                  <a:pt x="0" y="0"/>
+                </a:moveTo>
+                <a:lnTo>
+                  <a:pt x="120000" y="0"/>
+                </a:lnTo>
+                <a:lnTo>
+                  <a:pt x="120000" y="120000"/>
+                </a:lnTo>
+                <a:lnTo>
+                  <a:pt x="0" y="120000"/>
+                </a:lnTo>
+                <a:close/>
+              </a:path>
+            </a:pathLst>
+          </a:custGeom>
+        </p:spPr>
+      </p:sp>
+      <p:sp>
+        <p:nvSpPr>
+          <p:cNvPr id="289" name="Shape 289"/>
+          <p:cNvSpPr txBox="1"/>
+          <p:nvPr>
+            <p:ph idx="1" type="body"/>
+          </p:nvPr>
+        </p:nvSpPr>
+        <p:spPr>
+          <a:xfrm>
+            <a:off x="685800" y="4343400"/>
+            <a:ext cx="5486400" cy="4114800"/>
+          </a:xfrm>
+          <a:prstGeom prst="rect">
+            <a:avLst/>
+          </a:prstGeom>
+        </p:spPr>
+        <p:txBody>
+          <a:bodyPr anchorCtr="0" anchor="t" bIns="91425" lIns="91425" rIns="91425" tIns="91425">
+            <a:noAutofit/>
+          </a:bodyPr>
+          <a:lstStyle/>
+          <a:p>
+            <a:pPr lvl="0" rtl="0">
+              <a:spcBef>
+                <a:spcPts val="0"/>
+              </a:spcBef>
+              <a:buNone/>
+            </a:pPr>
+            <a:r>
+              <a:t/>
+            </a:r>
+            <a:endParaRPr/>
+          </a:p>
+        </p:txBody>
+      </p:sp>
+    </p:spTree>
+  </p:cSld>
+  <p:clrMapOvr>
+    <a:masterClrMapping/>
+  </p:clrMapOvr>
+</p:notes>
+</file>
+
+<file path=ppt/notesSlides/notesSlide37.xml><?xml version="1.0" encoding="utf-8"?>
+<p:notes xmlns:a="http://schemas.openxmlformats.org/drawingml/2006/main" xmlns:r="http://schemas.openxmlformats.org/officeDocument/2006/relationships" xmlns:mc="http://schemas.openxmlformats.org/markup-compatibility/2006" xmlns:mv="urn:schemas-microsoft-com:mac:vml" xmlns:p="http://schemas.openxmlformats.org/presentationml/2006/main" xmlns:c="http://schemas.openxmlformats.org/drawingml/2006/chart" xmlns:dgm="http://schemas.openxmlformats.org/drawingml/2006/diagram" xmlns:o="urn:schemas-microsoft-com:office:office" xmlns:v="urn:schemas-microsoft-com:vml" xmlns:pvml="urn:schemas-microsoft-com:office:powerpoint" xmlns:com="http://schemas.openxmlformats.org/drawingml/2006/compatibility" xmlns:p14="http://schemas.microsoft.com/office/powerpoint/2010/main" showMasterPhAnim="0" showMasterSp="0">
+  <p:cSld>
+    <p:spTree>
+      <p:nvGrpSpPr>
+        <p:cNvPr id="292" name="Shape 292"/>
+        <p:cNvGrpSpPr/>
+        <p:nvPr/>
+      </p:nvGrpSpPr>
+      <p:grpSpPr>
+        <a:xfrm>
+          <a:off x="0" y="0"/>
+          <a:ext cx="0" cy="0"/>
+          <a:chOff x="0" y="0"/>
+          <a:chExt cx="0" cy="0"/>
+        </a:xfrm>
+      </p:grpSpPr>
+      <p:sp>
+        <p:nvSpPr>
+          <p:cNvPr id="293" name="Shape 293"/>
+          <p:cNvSpPr/>
+          <p:nvPr>
+            <p:ph idx="2" type="sldImg"/>
+          </p:nvPr>
+        </p:nvSpPr>
+        <p:spPr>
+          <a:xfrm>
+            <a:off x="381300" y="685800"/>
+            <a:ext cx="6096000" cy="3429000"/>
+          </a:xfrm>
+          <a:custGeom>
+            <a:pathLst>
+              <a:path extrusionOk="0" h="120000" w="120000">
+                <a:moveTo>
+                  <a:pt x="0" y="0"/>
+                </a:moveTo>
+                <a:lnTo>
+                  <a:pt x="120000" y="0"/>
+                </a:lnTo>
+                <a:lnTo>
+                  <a:pt x="120000" y="120000"/>
+                </a:lnTo>
+                <a:lnTo>
+                  <a:pt x="0" y="120000"/>
+                </a:lnTo>
+                <a:close/>
+              </a:path>
+            </a:pathLst>
+          </a:custGeom>
+        </p:spPr>
+      </p:sp>
+      <p:sp>
+        <p:nvSpPr>
+          <p:cNvPr id="294" name="Shape 294"/>
+          <p:cNvSpPr txBox="1"/>
+          <p:nvPr>
+            <p:ph idx="1" type="body"/>
+          </p:nvPr>
+        </p:nvSpPr>
+        <p:spPr>
+          <a:xfrm>
+            <a:off x="685800" y="4343400"/>
+            <a:ext cx="5486400" cy="4114800"/>
+          </a:xfrm>
+          <a:prstGeom prst="rect">
+            <a:avLst/>
+          </a:prstGeom>
+        </p:spPr>
+        <p:txBody>
+          <a:bodyPr anchorCtr="0" anchor="t" bIns="91425" lIns="91425" rIns="91425" tIns="91425">
+            <a:noAutofit/>
+          </a:bodyPr>
+          <a:lstStyle/>
+          <a:p>
+            <a:pPr lvl="0" rtl="0">
+              <a:spcBef>
+                <a:spcPts val="0"/>
+              </a:spcBef>
+              <a:buNone/>
+            </a:pPr>
+            <a:r>
+              <a:t/>
+            </a:r>
+            <a:endParaRPr/>
+          </a:p>
+        </p:txBody>
+      </p:sp>
+    </p:spTree>
+  </p:cSld>
+  <p:clrMapOvr>
+    <a:masterClrMapping/>
+  </p:clrMapOvr>
+</p:notes>
+</file>
+
+<file path=ppt/notesSlides/notesSlide38.xml><?xml version="1.0" encoding="utf-8"?>
+<p:notes xmlns:a="http://schemas.openxmlformats.org/drawingml/2006/main" xmlns:r="http://schemas.openxmlformats.org/officeDocument/2006/relationships" xmlns:mc="http://schemas.openxmlformats.org/markup-compatibility/2006" xmlns:mv="urn:schemas-microsoft-com:mac:vml" xmlns:p="http://schemas.openxmlformats.org/presentationml/2006/main" xmlns:c="http://schemas.openxmlformats.org/drawingml/2006/chart" xmlns:dgm="http://schemas.openxmlformats.org/drawingml/2006/diagram" xmlns:o="urn:schemas-microsoft-com:office:office" xmlns:v="urn:schemas-microsoft-com:vml" xmlns:pvml="urn:schemas-microsoft-com:office:powerpoint" xmlns:com="http://schemas.openxmlformats.org/drawingml/2006/compatibility" xmlns:p14="http://schemas.microsoft.com/office/powerpoint/2010/main" showMasterPhAnim="0" showMasterSp="0">
+  <p:cSld>
+    <p:spTree>
+      <p:nvGrpSpPr>
+        <p:cNvPr id="298" name="Shape 298"/>
+        <p:cNvGrpSpPr/>
+        <p:nvPr/>
+      </p:nvGrpSpPr>
+      <p:grpSpPr>
+        <a:xfrm>
+          <a:off x="0" y="0"/>
+          <a:ext cx="0" cy="0"/>
+          <a:chOff x="0" y="0"/>
+          <a:chExt cx="0" cy="0"/>
+        </a:xfrm>
+      </p:grpSpPr>
+      <p:sp>
+        <p:nvSpPr>
+          <p:cNvPr id="299" name="Shape 299"/>
+          <p:cNvSpPr/>
+          <p:nvPr>
+            <p:ph idx="2" type="sldImg"/>
+          </p:nvPr>
+        </p:nvSpPr>
+        <p:spPr>
+          <a:xfrm>
+            <a:off x="381300" y="685800"/>
+            <a:ext cx="6096000" cy="3429000"/>
+          </a:xfrm>
+          <a:custGeom>
+            <a:pathLst>
+              <a:path extrusionOk="0" h="120000" w="120000">
+                <a:moveTo>
+                  <a:pt x="0" y="0"/>
+                </a:moveTo>
+                <a:lnTo>
+                  <a:pt x="120000" y="0"/>
+                </a:lnTo>
+                <a:lnTo>
+                  <a:pt x="120000" y="120000"/>
+                </a:lnTo>
+                <a:lnTo>
+                  <a:pt x="0" y="120000"/>
+                </a:lnTo>
+                <a:close/>
+              </a:path>
+            </a:pathLst>
+          </a:custGeom>
+        </p:spPr>
+      </p:sp>
+      <p:sp>
+        <p:nvSpPr>
+          <p:cNvPr id="300" name="Shape 300"/>
+          <p:cNvSpPr txBox="1"/>
+          <p:nvPr>
+            <p:ph idx="1" type="body"/>
+          </p:nvPr>
+        </p:nvSpPr>
+        <p:spPr>
+          <a:xfrm>
+            <a:off x="685800" y="4343400"/>
+            <a:ext cx="5486400" cy="4114800"/>
+          </a:xfrm>
+          <a:prstGeom prst="rect">
+            <a:avLst/>
+          </a:prstGeom>
+        </p:spPr>
+        <p:txBody>
+          <a:bodyPr anchorCtr="0" anchor="t" bIns="91425" lIns="91425" rIns="91425" tIns="91425">
+            <a:noAutofit/>
+          </a:bodyPr>
+          <a:lstStyle/>
+          <a:p>
+            <a:pPr lvl="0" rtl="0">
+              <a:spcBef>
+                <a:spcPts val="0"/>
+              </a:spcBef>
+              <a:buNone/>
+            </a:pPr>
+            <a:r>
+              <a:t/>
+            </a:r>
+            <a:endParaRPr/>
+          </a:p>
+        </p:txBody>
+      </p:sp>
+    </p:spTree>
+  </p:cSld>
+  <p:clrMapOvr>
+    <a:masterClrMapping/>
+  </p:clrMapOvr>
+</p:notes>
+</file>
+
+<file path=ppt/notesSlides/notesSlide39.xml><?xml version="1.0" encoding="utf-8"?>
+<p:notes xmlns:a="http://schemas.openxmlformats.org/drawingml/2006/main" xmlns:r="http://schemas.openxmlformats.org/officeDocument/2006/relationships" xmlns:mc="http://schemas.openxmlformats.org/markup-compatibility/2006" xmlns:mv="urn:schemas-microsoft-com:mac:vml" xmlns:p="http://schemas.openxmlformats.org/presentationml/2006/main" xmlns:c="http://schemas.openxmlformats.org/drawingml/2006/chart" xmlns:dgm="http://schemas.openxmlformats.org/drawingml/2006/diagram" xmlns:o="urn:schemas-microsoft-com:office:office" xmlns:v="urn:schemas-microsoft-com:vml" xmlns:pvml="urn:schemas-microsoft-com:office:powerpoint" xmlns:com="http://schemas.openxmlformats.org/drawingml/2006/compatibility" xmlns:p14="http://schemas.microsoft.com/office/powerpoint/2010/main" showMasterPhAnim="0" showMasterSp="0">
+  <p:cSld>
+    <p:spTree>
+      <p:nvGrpSpPr>
+        <p:cNvPr id="304" name="Shape 304"/>
+        <p:cNvGrpSpPr/>
+        <p:nvPr/>
+      </p:nvGrpSpPr>
+      <p:grpSpPr>
+        <a:xfrm>
+          <a:off x="0" y="0"/>
+          <a:ext cx="0" cy="0"/>
+          <a:chOff x="0" y="0"/>
+          <a:chExt cx="0" cy="0"/>
+        </a:xfrm>
+      </p:grpSpPr>
+      <p:sp>
+        <p:nvSpPr>
+          <p:cNvPr id="305" name="Shape 305"/>
+          <p:cNvSpPr/>
+          <p:nvPr>
+            <p:ph idx="2" type="sldImg"/>
+          </p:nvPr>
+        </p:nvSpPr>
+        <p:spPr>
+          <a:xfrm>
+            <a:off x="381300" y="685800"/>
+            <a:ext cx="6096000" cy="3429000"/>
+          </a:xfrm>
+          <a:custGeom>
+            <a:pathLst>
+              <a:path extrusionOk="0" h="120000" w="120000">
+                <a:moveTo>
+                  <a:pt x="0" y="0"/>
+                </a:moveTo>
+                <a:lnTo>
+                  <a:pt x="120000" y="0"/>
+                </a:lnTo>
+                <a:lnTo>
+                  <a:pt x="120000" y="120000"/>
+                </a:lnTo>
+                <a:lnTo>
+                  <a:pt x="0" y="120000"/>
+                </a:lnTo>
+                <a:close/>
+              </a:path>
+            </a:pathLst>
+          </a:custGeom>
+        </p:spPr>
+      </p:sp>
+      <p:sp>
+        <p:nvSpPr>
+          <p:cNvPr id="306" name="Shape 306"/>
+          <p:cNvSpPr txBox="1"/>
+          <p:nvPr>
+            <p:ph idx="1" type="body"/>
+          </p:nvPr>
+        </p:nvSpPr>
+        <p:spPr>
+          <a:xfrm>
+            <a:off x="685800" y="4343400"/>
+            <a:ext cx="5486400" cy="4114800"/>
+          </a:xfrm>
+          <a:prstGeom prst="rect">
+            <a:avLst/>
+          </a:prstGeom>
+        </p:spPr>
+        <p:txBody>
+          <a:bodyPr anchorCtr="0" anchor="t" bIns="91425" lIns="91425" rIns="91425" tIns="91425">
+            <a:noAutofit/>
+          </a:bodyPr>
+          <a:lstStyle/>
+          <a:p>
+            <a:pPr lvl="0" rtl="0">
+              <a:spcBef>
+                <a:spcPts val="0"/>
+              </a:spcBef>
+              <a:buNone/>
+            </a:pPr>
+            <a:r>
+              <a:t/>
+            </a:r>
+            <a:endParaRPr/>
+          </a:p>
+        </p:txBody>
+      </p:sp>
+    </p:spTree>
+  </p:cSld>
+  <p:clrMapOvr>
+    <a:masterClrMapping/>
+  </p:clrMapOvr>
+</p:notes>
+</file>
+
 <file path=ppt/notesSlides/notesSlide4.xml><?xml version="1.0" encoding="utf-8"?>
 <p:notes xmlns:a="http://schemas.openxmlformats.org/drawingml/2006/main" xmlns:r="http://schemas.openxmlformats.org/officeDocument/2006/relationships" xmlns:mc="http://schemas.openxmlformats.org/markup-compatibility/2006" xmlns:mv="urn:schemas-microsoft-com:mac:vml" xmlns:p="http://schemas.openxmlformats.org/presentationml/2006/main" xmlns:c="http://schemas.openxmlformats.org/drawingml/2006/chart" xmlns:dgm="http://schemas.openxmlformats.org/drawingml/2006/diagram" xmlns:o="urn:schemas-microsoft-com:office:office" xmlns:v="urn:schemas-microsoft-com:vml" xmlns:pvml="urn:schemas-microsoft-com:office:powerpoint" xmlns:com="http://schemas.openxmlformats.org/drawingml/2006/compatibility" xmlns:p14="http://schemas.microsoft.com/office/powerpoint/2010/main" showMasterPhAnim="0" showMasterSp="0">
   <p:cSld>
@@ -2946,6 +3628,956 @@
           <a:xfrm>
             <a:off x="685800" y="4343400"/>
             <a:ext cx="5486399" cy="4114800"/>
+          </a:xfrm>
+          <a:prstGeom prst="rect">
+            <a:avLst/>
+          </a:prstGeom>
+        </p:spPr>
+        <p:txBody>
+          <a:bodyPr anchorCtr="0" anchor="t" bIns="91425" lIns="91425" rIns="91425" tIns="91425">
+            <a:noAutofit/>
+          </a:bodyPr>
+          <a:lstStyle/>
+          <a:p>
+            <a:pPr lvl="0" rtl="0">
+              <a:spcBef>
+                <a:spcPts val="0"/>
+              </a:spcBef>
+              <a:buNone/>
+            </a:pPr>
+            <a:r>
+              <a:t/>
+            </a:r>
+            <a:endParaRPr/>
+          </a:p>
+        </p:txBody>
+      </p:sp>
+    </p:spTree>
+  </p:cSld>
+  <p:clrMapOvr>
+    <a:masterClrMapping/>
+  </p:clrMapOvr>
+</p:notes>
+</file>
+
+<file path=ppt/notesSlides/notesSlide40.xml><?xml version="1.0" encoding="utf-8"?>
+<p:notes xmlns:a="http://schemas.openxmlformats.org/drawingml/2006/main" xmlns:r="http://schemas.openxmlformats.org/officeDocument/2006/relationships" xmlns:mc="http://schemas.openxmlformats.org/markup-compatibility/2006" xmlns:mv="urn:schemas-microsoft-com:mac:vml" xmlns:p="http://schemas.openxmlformats.org/presentationml/2006/main" xmlns:c="http://schemas.openxmlformats.org/drawingml/2006/chart" xmlns:dgm="http://schemas.openxmlformats.org/drawingml/2006/diagram" xmlns:o="urn:schemas-microsoft-com:office:office" xmlns:v="urn:schemas-microsoft-com:vml" xmlns:pvml="urn:schemas-microsoft-com:office:powerpoint" xmlns:com="http://schemas.openxmlformats.org/drawingml/2006/compatibility" xmlns:p14="http://schemas.microsoft.com/office/powerpoint/2010/main" showMasterPhAnim="0" showMasterSp="0">
+  <p:cSld>
+    <p:spTree>
+      <p:nvGrpSpPr>
+        <p:cNvPr id="310" name="Shape 310"/>
+        <p:cNvGrpSpPr/>
+        <p:nvPr/>
+      </p:nvGrpSpPr>
+      <p:grpSpPr>
+        <a:xfrm>
+          <a:off x="0" y="0"/>
+          <a:ext cx="0" cy="0"/>
+          <a:chOff x="0" y="0"/>
+          <a:chExt cx="0" cy="0"/>
+        </a:xfrm>
+      </p:grpSpPr>
+      <p:sp>
+        <p:nvSpPr>
+          <p:cNvPr id="311" name="Shape 311"/>
+          <p:cNvSpPr/>
+          <p:nvPr>
+            <p:ph idx="2" type="sldImg"/>
+          </p:nvPr>
+        </p:nvSpPr>
+        <p:spPr>
+          <a:xfrm>
+            <a:off x="381300" y="685800"/>
+            <a:ext cx="6096000" cy="3429000"/>
+          </a:xfrm>
+          <a:custGeom>
+            <a:pathLst>
+              <a:path extrusionOk="0" h="120000" w="120000">
+                <a:moveTo>
+                  <a:pt x="0" y="0"/>
+                </a:moveTo>
+                <a:lnTo>
+                  <a:pt x="120000" y="0"/>
+                </a:lnTo>
+                <a:lnTo>
+                  <a:pt x="120000" y="120000"/>
+                </a:lnTo>
+                <a:lnTo>
+                  <a:pt x="0" y="120000"/>
+                </a:lnTo>
+                <a:close/>
+              </a:path>
+            </a:pathLst>
+          </a:custGeom>
+        </p:spPr>
+      </p:sp>
+      <p:sp>
+        <p:nvSpPr>
+          <p:cNvPr id="312" name="Shape 312"/>
+          <p:cNvSpPr txBox="1"/>
+          <p:nvPr>
+            <p:ph idx="1" type="body"/>
+          </p:nvPr>
+        </p:nvSpPr>
+        <p:spPr>
+          <a:xfrm>
+            <a:off x="685800" y="4343400"/>
+            <a:ext cx="5486400" cy="4114800"/>
+          </a:xfrm>
+          <a:prstGeom prst="rect">
+            <a:avLst/>
+          </a:prstGeom>
+        </p:spPr>
+        <p:txBody>
+          <a:bodyPr anchorCtr="0" anchor="t" bIns="91425" lIns="91425" rIns="91425" tIns="91425">
+            <a:noAutofit/>
+          </a:bodyPr>
+          <a:lstStyle/>
+          <a:p>
+            <a:pPr lvl="0" rtl="0">
+              <a:spcBef>
+                <a:spcPts val="0"/>
+              </a:spcBef>
+              <a:buNone/>
+            </a:pPr>
+            <a:r>
+              <a:t/>
+            </a:r>
+            <a:endParaRPr/>
+          </a:p>
+        </p:txBody>
+      </p:sp>
+    </p:spTree>
+  </p:cSld>
+  <p:clrMapOvr>
+    <a:masterClrMapping/>
+  </p:clrMapOvr>
+</p:notes>
+</file>
+
+<file path=ppt/notesSlides/notesSlide41.xml><?xml version="1.0" encoding="utf-8"?>
+<p:notes xmlns:a="http://schemas.openxmlformats.org/drawingml/2006/main" xmlns:r="http://schemas.openxmlformats.org/officeDocument/2006/relationships" xmlns:mc="http://schemas.openxmlformats.org/markup-compatibility/2006" xmlns:mv="urn:schemas-microsoft-com:mac:vml" xmlns:p="http://schemas.openxmlformats.org/presentationml/2006/main" xmlns:c="http://schemas.openxmlformats.org/drawingml/2006/chart" xmlns:dgm="http://schemas.openxmlformats.org/drawingml/2006/diagram" xmlns:o="urn:schemas-microsoft-com:office:office" xmlns:v="urn:schemas-microsoft-com:vml" xmlns:pvml="urn:schemas-microsoft-com:office:powerpoint" xmlns:com="http://schemas.openxmlformats.org/drawingml/2006/compatibility" xmlns:p14="http://schemas.microsoft.com/office/powerpoint/2010/main" showMasterPhAnim="0" showMasterSp="0">
+  <p:cSld>
+    <p:spTree>
+      <p:nvGrpSpPr>
+        <p:cNvPr id="315" name="Shape 315"/>
+        <p:cNvGrpSpPr/>
+        <p:nvPr/>
+      </p:nvGrpSpPr>
+      <p:grpSpPr>
+        <a:xfrm>
+          <a:off x="0" y="0"/>
+          <a:ext cx="0" cy="0"/>
+          <a:chOff x="0" y="0"/>
+          <a:chExt cx="0" cy="0"/>
+        </a:xfrm>
+      </p:grpSpPr>
+      <p:sp>
+        <p:nvSpPr>
+          <p:cNvPr id="316" name="Shape 316"/>
+          <p:cNvSpPr/>
+          <p:nvPr>
+            <p:ph idx="2" type="sldImg"/>
+          </p:nvPr>
+        </p:nvSpPr>
+        <p:spPr>
+          <a:xfrm>
+            <a:off x="381300" y="685800"/>
+            <a:ext cx="6096000" cy="3429000"/>
+          </a:xfrm>
+          <a:custGeom>
+            <a:pathLst>
+              <a:path extrusionOk="0" h="120000" w="120000">
+                <a:moveTo>
+                  <a:pt x="0" y="0"/>
+                </a:moveTo>
+                <a:lnTo>
+                  <a:pt x="120000" y="0"/>
+                </a:lnTo>
+                <a:lnTo>
+                  <a:pt x="120000" y="120000"/>
+                </a:lnTo>
+                <a:lnTo>
+                  <a:pt x="0" y="120000"/>
+                </a:lnTo>
+                <a:close/>
+              </a:path>
+            </a:pathLst>
+          </a:custGeom>
+        </p:spPr>
+      </p:sp>
+      <p:sp>
+        <p:nvSpPr>
+          <p:cNvPr id="317" name="Shape 317"/>
+          <p:cNvSpPr txBox="1"/>
+          <p:nvPr>
+            <p:ph idx="1" type="body"/>
+          </p:nvPr>
+        </p:nvSpPr>
+        <p:spPr>
+          <a:xfrm>
+            <a:off x="685800" y="4343400"/>
+            <a:ext cx="5486400" cy="4114800"/>
+          </a:xfrm>
+          <a:prstGeom prst="rect">
+            <a:avLst/>
+          </a:prstGeom>
+        </p:spPr>
+        <p:txBody>
+          <a:bodyPr anchorCtr="0" anchor="t" bIns="91425" lIns="91425" rIns="91425" tIns="91425">
+            <a:noAutofit/>
+          </a:bodyPr>
+          <a:lstStyle/>
+          <a:p>
+            <a:pPr lvl="0" rtl="0">
+              <a:spcBef>
+                <a:spcPts val="0"/>
+              </a:spcBef>
+              <a:buNone/>
+            </a:pPr>
+            <a:r>
+              <a:t/>
+            </a:r>
+            <a:endParaRPr/>
+          </a:p>
+        </p:txBody>
+      </p:sp>
+    </p:spTree>
+  </p:cSld>
+  <p:clrMapOvr>
+    <a:masterClrMapping/>
+  </p:clrMapOvr>
+</p:notes>
+</file>
+
+<file path=ppt/notesSlides/notesSlide42.xml><?xml version="1.0" encoding="utf-8"?>
+<p:notes xmlns:a="http://schemas.openxmlformats.org/drawingml/2006/main" xmlns:r="http://schemas.openxmlformats.org/officeDocument/2006/relationships" xmlns:mc="http://schemas.openxmlformats.org/markup-compatibility/2006" xmlns:mv="urn:schemas-microsoft-com:mac:vml" xmlns:p="http://schemas.openxmlformats.org/presentationml/2006/main" xmlns:c="http://schemas.openxmlformats.org/drawingml/2006/chart" xmlns:dgm="http://schemas.openxmlformats.org/drawingml/2006/diagram" xmlns:o="urn:schemas-microsoft-com:office:office" xmlns:v="urn:schemas-microsoft-com:vml" xmlns:pvml="urn:schemas-microsoft-com:office:powerpoint" xmlns:com="http://schemas.openxmlformats.org/drawingml/2006/compatibility" xmlns:p14="http://schemas.microsoft.com/office/powerpoint/2010/main" showMasterPhAnim="0" showMasterSp="0">
+  <p:cSld>
+    <p:spTree>
+      <p:nvGrpSpPr>
+        <p:cNvPr id="321" name="Shape 321"/>
+        <p:cNvGrpSpPr/>
+        <p:nvPr/>
+      </p:nvGrpSpPr>
+      <p:grpSpPr>
+        <a:xfrm>
+          <a:off x="0" y="0"/>
+          <a:ext cx="0" cy="0"/>
+          <a:chOff x="0" y="0"/>
+          <a:chExt cx="0" cy="0"/>
+        </a:xfrm>
+      </p:grpSpPr>
+      <p:sp>
+        <p:nvSpPr>
+          <p:cNvPr id="322" name="Shape 322"/>
+          <p:cNvSpPr/>
+          <p:nvPr>
+            <p:ph idx="2" type="sldImg"/>
+          </p:nvPr>
+        </p:nvSpPr>
+        <p:spPr>
+          <a:xfrm>
+            <a:off x="381300" y="685800"/>
+            <a:ext cx="6096000" cy="3429000"/>
+          </a:xfrm>
+          <a:custGeom>
+            <a:pathLst>
+              <a:path extrusionOk="0" h="120000" w="120000">
+                <a:moveTo>
+                  <a:pt x="0" y="0"/>
+                </a:moveTo>
+                <a:lnTo>
+                  <a:pt x="120000" y="0"/>
+                </a:lnTo>
+                <a:lnTo>
+                  <a:pt x="120000" y="120000"/>
+                </a:lnTo>
+                <a:lnTo>
+                  <a:pt x="0" y="120000"/>
+                </a:lnTo>
+                <a:close/>
+              </a:path>
+            </a:pathLst>
+          </a:custGeom>
+        </p:spPr>
+      </p:sp>
+      <p:sp>
+        <p:nvSpPr>
+          <p:cNvPr id="323" name="Shape 323"/>
+          <p:cNvSpPr txBox="1"/>
+          <p:nvPr>
+            <p:ph idx="1" type="body"/>
+          </p:nvPr>
+        </p:nvSpPr>
+        <p:spPr>
+          <a:xfrm>
+            <a:off x="685800" y="4343400"/>
+            <a:ext cx="5486400" cy="4114800"/>
+          </a:xfrm>
+          <a:prstGeom prst="rect">
+            <a:avLst/>
+          </a:prstGeom>
+        </p:spPr>
+        <p:txBody>
+          <a:bodyPr anchorCtr="0" anchor="t" bIns="91425" lIns="91425" rIns="91425" tIns="91425">
+            <a:noAutofit/>
+          </a:bodyPr>
+          <a:lstStyle/>
+          <a:p>
+            <a:pPr lvl="0" rtl="0">
+              <a:spcBef>
+                <a:spcPts val="0"/>
+              </a:spcBef>
+              <a:buNone/>
+            </a:pPr>
+            <a:r>
+              <a:t/>
+            </a:r>
+            <a:endParaRPr/>
+          </a:p>
+        </p:txBody>
+      </p:sp>
+    </p:spTree>
+  </p:cSld>
+  <p:clrMapOvr>
+    <a:masterClrMapping/>
+  </p:clrMapOvr>
+</p:notes>
+</file>
+
+<file path=ppt/notesSlides/notesSlide43.xml><?xml version="1.0" encoding="utf-8"?>
+<p:notes xmlns:a="http://schemas.openxmlformats.org/drawingml/2006/main" xmlns:r="http://schemas.openxmlformats.org/officeDocument/2006/relationships" xmlns:mc="http://schemas.openxmlformats.org/markup-compatibility/2006" xmlns:mv="urn:schemas-microsoft-com:mac:vml" xmlns:p="http://schemas.openxmlformats.org/presentationml/2006/main" xmlns:c="http://schemas.openxmlformats.org/drawingml/2006/chart" xmlns:dgm="http://schemas.openxmlformats.org/drawingml/2006/diagram" xmlns:o="urn:schemas-microsoft-com:office:office" xmlns:v="urn:schemas-microsoft-com:vml" xmlns:pvml="urn:schemas-microsoft-com:office:powerpoint" xmlns:com="http://schemas.openxmlformats.org/drawingml/2006/compatibility" xmlns:p14="http://schemas.microsoft.com/office/powerpoint/2010/main" showMasterPhAnim="0" showMasterSp="0">
+  <p:cSld>
+    <p:spTree>
+      <p:nvGrpSpPr>
+        <p:cNvPr id="327" name="Shape 327"/>
+        <p:cNvGrpSpPr/>
+        <p:nvPr/>
+      </p:nvGrpSpPr>
+      <p:grpSpPr>
+        <a:xfrm>
+          <a:off x="0" y="0"/>
+          <a:ext cx="0" cy="0"/>
+          <a:chOff x="0" y="0"/>
+          <a:chExt cx="0" cy="0"/>
+        </a:xfrm>
+      </p:grpSpPr>
+      <p:sp>
+        <p:nvSpPr>
+          <p:cNvPr id="328" name="Shape 328"/>
+          <p:cNvSpPr/>
+          <p:nvPr>
+            <p:ph idx="2" type="sldImg"/>
+          </p:nvPr>
+        </p:nvSpPr>
+        <p:spPr>
+          <a:xfrm>
+            <a:off x="381300" y="685800"/>
+            <a:ext cx="6096000" cy="3429000"/>
+          </a:xfrm>
+          <a:custGeom>
+            <a:pathLst>
+              <a:path extrusionOk="0" h="120000" w="120000">
+                <a:moveTo>
+                  <a:pt x="0" y="0"/>
+                </a:moveTo>
+                <a:lnTo>
+                  <a:pt x="120000" y="0"/>
+                </a:lnTo>
+                <a:lnTo>
+                  <a:pt x="120000" y="120000"/>
+                </a:lnTo>
+                <a:lnTo>
+                  <a:pt x="0" y="120000"/>
+                </a:lnTo>
+                <a:close/>
+              </a:path>
+            </a:pathLst>
+          </a:custGeom>
+        </p:spPr>
+      </p:sp>
+      <p:sp>
+        <p:nvSpPr>
+          <p:cNvPr id="329" name="Shape 329"/>
+          <p:cNvSpPr txBox="1"/>
+          <p:nvPr>
+            <p:ph idx="1" type="body"/>
+          </p:nvPr>
+        </p:nvSpPr>
+        <p:spPr>
+          <a:xfrm>
+            <a:off x="685800" y="4343400"/>
+            <a:ext cx="5486400" cy="4114800"/>
+          </a:xfrm>
+          <a:prstGeom prst="rect">
+            <a:avLst/>
+          </a:prstGeom>
+        </p:spPr>
+        <p:txBody>
+          <a:bodyPr anchorCtr="0" anchor="t" bIns="91425" lIns="91425" rIns="91425" tIns="91425">
+            <a:noAutofit/>
+          </a:bodyPr>
+          <a:lstStyle/>
+          <a:p>
+            <a:pPr lvl="0">
+              <a:spcBef>
+                <a:spcPts val="0"/>
+              </a:spcBef>
+              <a:buNone/>
+            </a:pPr>
+            <a:r>
+              <a:t/>
+            </a:r>
+            <a:endParaRPr/>
+          </a:p>
+        </p:txBody>
+      </p:sp>
+    </p:spTree>
+  </p:cSld>
+  <p:clrMapOvr>
+    <a:masterClrMapping/>
+  </p:clrMapOvr>
+</p:notes>
+</file>
+
+<file path=ppt/notesSlides/notesSlide44.xml><?xml version="1.0" encoding="utf-8"?>
+<p:notes xmlns:a="http://schemas.openxmlformats.org/drawingml/2006/main" xmlns:r="http://schemas.openxmlformats.org/officeDocument/2006/relationships" xmlns:mc="http://schemas.openxmlformats.org/markup-compatibility/2006" xmlns:mv="urn:schemas-microsoft-com:mac:vml" xmlns:p="http://schemas.openxmlformats.org/presentationml/2006/main" xmlns:c="http://schemas.openxmlformats.org/drawingml/2006/chart" xmlns:dgm="http://schemas.openxmlformats.org/drawingml/2006/diagram" xmlns:o="urn:schemas-microsoft-com:office:office" xmlns:v="urn:schemas-microsoft-com:vml" xmlns:pvml="urn:schemas-microsoft-com:office:powerpoint" xmlns:com="http://schemas.openxmlformats.org/drawingml/2006/compatibility" xmlns:p14="http://schemas.microsoft.com/office/powerpoint/2010/main" showMasterPhAnim="0" showMasterSp="0">
+  <p:cSld>
+    <p:spTree>
+      <p:nvGrpSpPr>
+        <p:cNvPr id="333" name="Shape 333"/>
+        <p:cNvGrpSpPr/>
+        <p:nvPr/>
+      </p:nvGrpSpPr>
+      <p:grpSpPr>
+        <a:xfrm>
+          <a:off x="0" y="0"/>
+          <a:ext cx="0" cy="0"/>
+          <a:chOff x="0" y="0"/>
+          <a:chExt cx="0" cy="0"/>
+        </a:xfrm>
+      </p:grpSpPr>
+      <p:sp>
+        <p:nvSpPr>
+          <p:cNvPr id="334" name="Shape 334"/>
+          <p:cNvSpPr/>
+          <p:nvPr>
+            <p:ph idx="2" type="sldImg"/>
+          </p:nvPr>
+        </p:nvSpPr>
+        <p:spPr>
+          <a:xfrm>
+            <a:off x="381300" y="685800"/>
+            <a:ext cx="6096000" cy="3429000"/>
+          </a:xfrm>
+          <a:custGeom>
+            <a:pathLst>
+              <a:path extrusionOk="0" h="120000" w="120000">
+                <a:moveTo>
+                  <a:pt x="0" y="0"/>
+                </a:moveTo>
+                <a:lnTo>
+                  <a:pt x="120000" y="0"/>
+                </a:lnTo>
+                <a:lnTo>
+                  <a:pt x="120000" y="120000"/>
+                </a:lnTo>
+                <a:lnTo>
+                  <a:pt x="0" y="120000"/>
+                </a:lnTo>
+                <a:close/>
+              </a:path>
+            </a:pathLst>
+          </a:custGeom>
+        </p:spPr>
+      </p:sp>
+      <p:sp>
+        <p:nvSpPr>
+          <p:cNvPr id="335" name="Shape 335"/>
+          <p:cNvSpPr txBox="1"/>
+          <p:nvPr>
+            <p:ph idx="1" type="body"/>
+          </p:nvPr>
+        </p:nvSpPr>
+        <p:spPr>
+          <a:xfrm>
+            <a:off x="685800" y="4343400"/>
+            <a:ext cx="5486400" cy="4114800"/>
+          </a:xfrm>
+          <a:prstGeom prst="rect">
+            <a:avLst/>
+          </a:prstGeom>
+        </p:spPr>
+        <p:txBody>
+          <a:bodyPr anchorCtr="0" anchor="t" bIns="91425" lIns="91425" rIns="91425" tIns="91425">
+            <a:noAutofit/>
+          </a:bodyPr>
+          <a:lstStyle/>
+          <a:p>
+            <a:pPr lvl="0" rtl="0">
+              <a:spcBef>
+                <a:spcPts val="0"/>
+              </a:spcBef>
+              <a:buNone/>
+            </a:pPr>
+            <a:r>
+              <a:t/>
+            </a:r>
+            <a:endParaRPr/>
+          </a:p>
+        </p:txBody>
+      </p:sp>
+    </p:spTree>
+  </p:cSld>
+  <p:clrMapOvr>
+    <a:masterClrMapping/>
+  </p:clrMapOvr>
+</p:notes>
+</file>
+
+<file path=ppt/notesSlides/notesSlide45.xml><?xml version="1.0" encoding="utf-8"?>
+<p:notes xmlns:a="http://schemas.openxmlformats.org/drawingml/2006/main" xmlns:r="http://schemas.openxmlformats.org/officeDocument/2006/relationships" xmlns:mc="http://schemas.openxmlformats.org/markup-compatibility/2006" xmlns:mv="urn:schemas-microsoft-com:mac:vml" xmlns:p="http://schemas.openxmlformats.org/presentationml/2006/main" xmlns:c="http://schemas.openxmlformats.org/drawingml/2006/chart" xmlns:dgm="http://schemas.openxmlformats.org/drawingml/2006/diagram" xmlns:o="urn:schemas-microsoft-com:office:office" xmlns:v="urn:schemas-microsoft-com:vml" xmlns:pvml="urn:schemas-microsoft-com:office:powerpoint" xmlns:com="http://schemas.openxmlformats.org/drawingml/2006/compatibility" xmlns:p14="http://schemas.microsoft.com/office/powerpoint/2010/main" showMasterPhAnim="0" showMasterSp="0">
+  <p:cSld>
+    <p:spTree>
+      <p:nvGrpSpPr>
+        <p:cNvPr id="340" name="Shape 340"/>
+        <p:cNvGrpSpPr/>
+        <p:nvPr/>
+      </p:nvGrpSpPr>
+      <p:grpSpPr>
+        <a:xfrm>
+          <a:off x="0" y="0"/>
+          <a:ext cx="0" cy="0"/>
+          <a:chOff x="0" y="0"/>
+          <a:chExt cx="0" cy="0"/>
+        </a:xfrm>
+      </p:grpSpPr>
+      <p:sp>
+        <p:nvSpPr>
+          <p:cNvPr id="341" name="Shape 341"/>
+          <p:cNvSpPr/>
+          <p:nvPr>
+            <p:ph idx="2" type="sldImg"/>
+          </p:nvPr>
+        </p:nvSpPr>
+        <p:spPr>
+          <a:xfrm>
+            <a:off x="381300" y="685800"/>
+            <a:ext cx="6096000" cy="3429000"/>
+          </a:xfrm>
+          <a:custGeom>
+            <a:pathLst>
+              <a:path extrusionOk="0" h="120000" w="120000">
+                <a:moveTo>
+                  <a:pt x="0" y="0"/>
+                </a:moveTo>
+                <a:lnTo>
+                  <a:pt x="120000" y="0"/>
+                </a:lnTo>
+                <a:lnTo>
+                  <a:pt x="120000" y="120000"/>
+                </a:lnTo>
+                <a:lnTo>
+                  <a:pt x="0" y="120000"/>
+                </a:lnTo>
+                <a:close/>
+              </a:path>
+            </a:pathLst>
+          </a:custGeom>
+        </p:spPr>
+      </p:sp>
+      <p:sp>
+        <p:nvSpPr>
+          <p:cNvPr id="342" name="Shape 342"/>
+          <p:cNvSpPr txBox="1"/>
+          <p:nvPr>
+            <p:ph idx="1" type="body"/>
+          </p:nvPr>
+        </p:nvSpPr>
+        <p:spPr>
+          <a:xfrm>
+            <a:off x="685800" y="4343400"/>
+            <a:ext cx="5486400" cy="4114800"/>
+          </a:xfrm>
+          <a:prstGeom prst="rect">
+            <a:avLst/>
+          </a:prstGeom>
+        </p:spPr>
+        <p:txBody>
+          <a:bodyPr anchorCtr="0" anchor="t" bIns="91425" lIns="91425" rIns="91425" tIns="91425">
+            <a:noAutofit/>
+          </a:bodyPr>
+          <a:lstStyle/>
+          <a:p>
+            <a:pPr lvl="0" rtl="0">
+              <a:spcBef>
+                <a:spcPts val="0"/>
+              </a:spcBef>
+              <a:buNone/>
+            </a:pPr>
+            <a:r>
+              <a:t/>
+            </a:r>
+            <a:endParaRPr/>
+          </a:p>
+        </p:txBody>
+      </p:sp>
+    </p:spTree>
+  </p:cSld>
+  <p:clrMapOvr>
+    <a:masterClrMapping/>
+  </p:clrMapOvr>
+</p:notes>
+</file>
+
+<file path=ppt/notesSlides/notesSlide46.xml><?xml version="1.0" encoding="utf-8"?>
+<p:notes xmlns:a="http://schemas.openxmlformats.org/drawingml/2006/main" xmlns:r="http://schemas.openxmlformats.org/officeDocument/2006/relationships" xmlns:mc="http://schemas.openxmlformats.org/markup-compatibility/2006" xmlns:mv="urn:schemas-microsoft-com:mac:vml" xmlns:p="http://schemas.openxmlformats.org/presentationml/2006/main" xmlns:c="http://schemas.openxmlformats.org/drawingml/2006/chart" xmlns:dgm="http://schemas.openxmlformats.org/drawingml/2006/diagram" xmlns:o="urn:schemas-microsoft-com:office:office" xmlns:v="urn:schemas-microsoft-com:vml" xmlns:pvml="urn:schemas-microsoft-com:office:powerpoint" xmlns:com="http://schemas.openxmlformats.org/drawingml/2006/compatibility" xmlns:p14="http://schemas.microsoft.com/office/powerpoint/2010/main" showMasterPhAnim="0" showMasterSp="0">
+  <p:cSld>
+    <p:spTree>
+      <p:nvGrpSpPr>
+        <p:cNvPr id="346" name="Shape 346"/>
+        <p:cNvGrpSpPr/>
+        <p:nvPr/>
+      </p:nvGrpSpPr>
+      <p:grpSpPr>
+        <a:xfrm>
+          <a:off x="0" y="0"/>
+          <a:ext cx="0" cy="0"/>
+          <a:chOff x="0" y="0"/>
+          <a:chExt cx="0" cy="0"/>
+        </a:xfrm>
+      </p:grpSpPr>
+      <p:sp>
+        <p:nvSpPr>
+          <p:cNvPr id="347" name="Shape 347"/>
+          <p:cNvSpPr/>
+          <p:nvPr>
+            <p:ph idx="2" type="sldImg"/>
+          </p:nvPr>
+        </p:nvSpPr>
+        <p:spPr>
+          <a:xfrm>
+            <a:off x="381300" y="685800"/>
+            <a:ext cx="6096000" cy="3429000"/>
+          </a:xfrm>
+          <a:custGeom>
+            <a:pathLst>
+              <a:path extrusionOk="0" h="120000" w="120000">
+                <a:moveTo>
+                  <a:pt x="0" y="0"/>
+                </a:moveTo>
+                <a:lnTo>
+                  <a:pt x="120000" y="0"/>
+                </a:lnTo>
+                <a:lnTo>
+                  <a:pt x="120000" y="120000"/>
+                </a:lnTo>
+                <a:lnTo>
+                  <a:pt x="0" y="120000"/>
+                </a:lnTo>
+                <a:close/>
+              </a:path>
+            </a:pathLst>
+          </a:custGeom>
+        </p:spPr>
+      </p:sp>
+      <p:sp>
+        <p:nvSpPr>
+          <p:cNvPr id="348" name="Shape 348"/>
+          <p:cNvSpPr txBox="1"/>
+          <p:nvPr>
+            <p:ph idx="1" type="body"/>
+          </p:nvPr>
+        </p:nvSpPr>
+        <p:spPr>
+          <a:xfrm>
+            <a:off x="685800" y="4343400"/>
+            <a:ext cx="5486400" cy="4114800"/>
+          </a:xfrm>
+          <a:prstGeom prst="rect">
+            <a:avLst/>
+          </a:prstGeom>
+        </p:spPr>
+        <p:txBody>
+          <a:bodyPr anchorCtr="0" anchor="t" bIns="91425" lIns="91425" rIns="91425" tIns="91425">
+            <a:noAutofit/>
+          </a:bodyPr>
+          <a:lstStyle/>
+          <a:p>
+            <a:pPr lvl="0" rtl="0">
+              <a:spcBef>
+                <a:spcPts val="0"/>
+              </a:spcBef>
+              <a:buNone/>
+            </a:pPr>
+            <a:r>
+              <a:t/>
+            </a:r>
+            <a:endParaRPr/>
+          </a:p>
+        </p:txBody>
+      </p:sp>
+    </p:spTree>
+  </p:cSld>
+  <p:clrMapOvr>
+    <a:masterClrMapping/>
+  </p:clrMapOvr>
+</p:notes>
+</file>
+
+<file path=ppt/notesSlides/notesSlide47.xml><?xml version="1.0" encoding="utf-8"?>
+<p:notes xmlns:a="http://schemas.openxmlformats.org/drawingml/2006/main" xmlns:r="http://schemas.openxmlformats.org/officeDocument/2006/relationships" xmlns:mc="http://schemas.openxmlformats.org/markup-compatibility/2006" xmlns:mv="urn:schemas-microsoft-com:mac:vml" xmlns:p="http://schemas.openxmlformats.org/presentationml/2006/main" xmlns:c="http://schemas.openxmlformats.org/drawingml/2006/chart" xmlns:dgm="http://schemas.openxmlformats.org/drawingml/2006/diagram" xmlns:o="urn:schemas-microsoft-com:office:office" xmlns:v="urn:schemas-microsoft-com:vml" xmlns:pvml="urn:schemas-microsoft-com:office:powerpoint" xmlns:com="http://schemas.openxmlformats.org/drawingml/2006/compatibility" xmlns:p14="http://schemas.microsoft.com/office/powerpoint/2010/main" showMasterPhAnim="0" showMasterSp="0">
+  <p:cSld>
+    <p:spTree>
+      <p:nvGrpSpPr>
+        <p:cNvPr id="351" name="Shape 351"/>
+        <p:cNvGrpSpPr/>
+        <p:nvPr/>
+      </p:nvGrpSpPr>
+      <p:grpSpPr>
+        <a:xfrm>
+          <a:off x="0" y="0"/>
+          <a:ext cx="0" cy="0"/>
+          <a:chOff x="0" y="0"/>
+          <a:chExt cx="0" cy="0"/>
+        </a:xfrm>
+      </p:grpSpPr>
+      <p:sp>
+        <p:nvSpPr>
+          <p:cNvPr id="352" name="Shape 352"/>
+          <p:cNvSpPr/>
+          <p:nvPr>
+            <p:ph idx="2" type="sldImg"/>
+          </p:nvPr>
+        </p:nvSpPr>
+        <p:spPr>
+          <a:xfrm>
+            <a:off x="381300" y="685800"/>
+            <a:ext cx="6096000" cy="3429000"/>
+          </a:xfrm>
+          <a:custGeom>
+            <a:pathLst>
+              <a:path extrusionOk="0" h="120000" w="120000">
+                <a:moveTo>
+                  <a:pt x="0" y="0"/>
+                </a:moveTo>
+                <a:lnTo>
+                  <a:pt x="120000" y="0"/>
+                </a:lnTo>
+                <a:lnTo>
+                  <a:pt x="120000" y="120000"/>
+                </a:lnTo>
+                <a:lnTo>
+                  <a:pt x="0" y="120000"/>
+                </a:lnTo>
+                <a:close/>
+              </a:path>
+            </a:pathLst>
+          </a:custGeom>
+        </p:spPr>
+      </p:sp>
+      <p:sp>
+        <p:nvSpPr>
+          <p:cNvPr id="353" name="Shape 353"/>
+          <p:cNvSpPr txBox="1"/>
+          <p:nvPr>
+            <p:ph idx="1" type="body"/>
+          </p:nvPr>
+        </p:nvSpPr>
+        <p:spPr>
+          <a:xfrm>
+            <a:off x="685800" y="4343400"/>
+            <a:ext cx="5486400" cy="4114800"/>
+          </a:xfrm>
+          <a:prstGeom prst="rect">
+            <a:avLst/>
+          </a:prstGeom>
+        </p:spPr>
+        <p:txBody>
+          <a:bodyPr anchorCtr="0" anchor="t" bIns="91425" lIns="91425" rIns="91425" tIns="91425">
+            <a:noAutofit/>
+          </a:bodyPr>
+          <a:lstStyle/>
+          <a:p>
+            <a:pPr lvl="0" rtl="0">
+              <a:spcBef>
+                <a:spcPts val="0"/>
+              </a:spcBef>
+              <a:buNone/>
+            </a:pPr>
+            <a:r>
+              <a:t/>
+            </a:r>
+            <a:endParaRPr/>
+          </a:p>
+        </p:txBody>
+      </p:sp>
+    </p:spTree>
+  </p:cSld>
+  <p:clrMapOvr>
+    <a:masterClrMapping/>
+  </p:clrMapOvr>
+</p:notes>
+</file>
+
+<file path=ppt/notesSlides/notesSlide48.xml><?xml version="1.0" encoding="utf-8"?>
+<p:notes xmlns:a="http://schemas.openxmlformats.org/drawingml/2006/main" xmlns:r="http://schemas.openxmlformats.org/officeDocument/2006/relationships" xmlns:mc="http://schemas.openxmlformats.org/markup-compatibility/2006" xmlns:mv="urn:schemas-microsoft-com:mac:vml" xmlns:p="http://schemas.openxmlformats.org/presentationml/2006/main" xmlns:c="http://schemas.openxmlformats.org/drawingml/2006/chart" xmlns:dgm="http://schemas.openxmlformats.org/drawingml/2006/diagram" xmlns:o="urn:schemas-microsoft-com:office:office" xmlns:v="urn:schemas-microsoft-com:vml" xmlns:pvml="urn:schemas-microsoft-com:office:powerpoint" xmlns:com="http://schemas.openxmlformats.org/drawingml/2006/compatibility" xmlns:p14="http://schemas.microsoft.com/office/powerpoint/2010/main" showMasterPhAnim="0" showMasterSp="0">
+  <p:cSld>
+    <p:spTree>
+      <p:nvGrpSpPr>
+        <p:cNvPr id="358" name="Shape 358"/>
+        <p:cNvGrpSpPr/>
+        <p:nvPr/>
+      </p:nvGrpSpPr>
+      <p:grpSpPr>
+        <a:xfrm>
+          <a:off x="0" y="0"/>
+          <a:ext cx="0" cy="0"/>
+          <a:chOff x="0" y="0"/>
+          <a:chExt cx="0" cy="0"/>
+        </a:xfrm>
+      </p:grpSpPr>
+      <p:sp>
+        <p:nvSpPr>
+          <p:cNvPr id="359" name="Shape 359"/>
+          <p:cNvSpPr/>
+          <p:nvPr>
+            <p:ph idx="2" type="sldImg"/>
+          </p:nvPr>
+        </p:nvSpPr>
+        <p:spPr>
+          <a:xfrm>
+            <a:off x="381300" y="685800"/>
+            <a:ext cx="6096000" cy="3429000"/>
+          </a:xfrm>
+          <a:custGeom>
+            <a:pathLst>
+              <a:path extrusionOk="0" h="120000" w="120000">
+                <a:moveTo>
+                  <a:pt x="0" y="0"/>
+                </a:moveTo>
+                <a:lnTo>
+                  <a:pt x="120000" y="0"/>
+                </a:lnTo>
+                <a:lnTo>
+                  <a:pt x="120000" y="120000"/>
+                </a:lnTo>
+                <a:lnTo>
+                  <a:pt x="0" y="120000"/>
+                </a:lnTo>
+                <a:close/>
+              </a:path>
+            </a:pathLst>
+          </a:custGeom>
+        </p:spPr>
+      </p:sp>
+      <p:sp>
+        <p:nvSpPr>
+          <p:cNvPr id="360" name="Shape 360"/>
+          <p:cNvSpPr txBox="1"/>
+          <p:nvPr>
+            <p:ph idx="1" type="body"/>
+          </p:nvPr>
+        </p:nvSpPr>
+        <p:spPr>
+          <a:xfrm>
+            <a:off x="685800" y="4343400"/>
+            <a:ext cx="5486400" cy="4114800"/>
+          </a:xfrm>
+          <a:prstGeom prst="rect">
+            <a:avLst/>
+          </a:prstGeom>
+        </p:spPr>
+        <p:txBody>
+          <a:bodyPr anchorCtr="0" anchor="t" bIns="91425" lIns="91425" rIns="91425" tIns="91425">
+            <a:noAutofit/>
+          </a:bodyPr>
+          <a:lstStyle/>
+          <a:p>
+            <a:pPr lvl="0" rtl="0">
+              <a:spcBef>
+                <a:spcPts val="0"/>
+              </a:spcBef>
+              <a:buNone/>
+            </a:pPr>
+            <a:r>
+              <a:t/>
+            </a:r>
+            <a:endParaRPr/>
+          </a:p>
+        </p:txBody>
+      </p:sp>
+    </p:spTree>
+  </p:cSld>
+  <p:clrMapOvr>
+    <a:masterClrMapping/>
+  </p:clrMapOvr>
+</p:notes>
+</file>
+
+<file path=ppt/notesSlides/notesSlide49.xml><?xml version="1.0" encoding="utf-8"?>
+<p:notes xmlns:a="http://schemas.openxmlformats.org/drawingml/2006/main" xmlns:r="http://schemas.openxmlformats.org/officeDocument/2006/relationships" xmlns:mc="http://schemas.openxmlformats.org/markup-compatibility/2006" xmlns:mv="urn:schemas-microsoft-com:mac:vml" xmlns:p="http://schemas.openxmlformats.org/presentationml/2006/main" xmlns:c="http://schemas.openxmlformats.org/drawingml/2006/chart" xmlns:dgm="http://schemas.openxmlformats.org/drawingml/2006/diagram" xmlns:o="urn:schemas-microsoft-com:office:office" xmlns:v="urn:schemas-microsoft-com:vml" xmlns:pvml="urn:schemas-microsoft-com:office:powerpoint" xmlns:com="http://schemas.openxmlformats.org/drawingml/2006/compatibility" xmlns:p14="http://schemas.microsoft.com/office/powerpoint/2010/main" showMasterPhAnim="0" showMasterSp="0">
+  <p:cSld>
+    <p:spTree>
+      <p:nvGrpSpPr>
+        <p:cNvPr id="364" name="Shape 364"/>
+        <p:cNvGrpSpPr/>
+        <p:nvPr/>
+      </p:nvGrpSpPr>
+      <p:grpSpPr>
+        <a:xfrm>
+          <a:off x="0" y="0"/>
+          <a:ext cx="0" cy="0"/>
+          <a:chOff x="0" y="0"/>
+          <a:chExt cx="0" cy="0"/>
+        </a:xfrm>
+      </p:grpSpPr>
+      <p:sp>
+        <p:nvSpPr>
+          <p:cNvPr id="365" name="Shape 365"/>
+          <p:cNvSpPr/>
+          <p:nvPr>
+            <p:ph idx="2" type="sldImg"/>
+          </p:nvPr>
+        </p:nvSpPr>
+        <p:spPr>
+          <a:xfrm>
+            <a:off x="381300" y="685800"/>
+            <a:ext cx="6096000" cy="3429000"/>
+          </a:xfrm>
+          <a:custGeom>
+            <a:pathLst>
+              <a:path extrusionOk="0" h="120000" w="120000">
+                <a:moveTo>
+                  <a:pt x="0" y="0"/>
+                </a:moveTo>
+                <a:lnTo>
+                  <a:pt x="120000" y="0"/>
+                </a:lnTo>
+                <a:lnTo>
+                  <a:pt x="120000" y="120000"/>
+                </a:lnTo>
+                <a:lnTo>
+                  <a:pt x="0" y="120000"/>
+                </a:lnTo>
+                <a:close/>
+              </a:path>
+            </a:pathLst>
+          </a:custGeom>
+        </p:spPr>
+      </p:sp>
+      <p:sp>
+        <p:nvSpPr>
+          <p:cNvPr id="366" name="Shape 366"/>
+          <p:cNvSpPr txBox="1"/>
+          <p:nvPr>
+            <p:ph idx="1" type="body"/>
+          </p:nvPr>
+        </p:nvSpPr>
+        <p:spPr>
+          <a:xfrm>
+            <a:off x="685800" y="4343400"/>
+            <a:ext cx="5486400" cy="4114800"/>
           </a:xfrm>
           <a:prstGeom prst="rect">
             <a:avLst/>
@@ -10032,7 +11664,7 @@
             <a:tbl>
               <a:tblPr>
                 <a:noFill/>
-                <a:tableStyleId>{2A16C7DD-5D1F-4668-978B-AEA3835F1983}</a:tableStyleId>
+                <a:tableStyleId>{373E8E48-A7D8-46AE-BCE2-A255D18B4CD9}</a:tableStyleId>
               </a:tblPr>
               <a:tblGrid>
                 <a:gridCol w="2137575"/>
@@ -14827,6 +16459,2053 @@
 </p:sld>
 </file>
 
+<file path=ppt/slides/slide33.xml><?xml version="1.0" encoding="utf-8"?>
+<p:sld xmlns:a="http://schemas.openxmlformats.org/drawingml/2006/main" xmlns:r="http://schemas.openxmlformats.org/officeDocument/2006/relationships" xmlns:mc="http://schemas.openxmlformats.org/markup-compatibility/2006" xmlns:mv="urn:schemas-microsoft-com:mac:vml" xmlns:p="http://schemas.openxmlformats.org/presentationml/2006/main" xmlns:c="http://schemas.openxmlformats.org/drawingml/2006/chart" xmlns:dgm="http://schemas.openxmlformats.org/drawingml/2006/diagram" xmlns:o="urn:schemas-microsoft-com:office:office" xmlns:v="urn:schemas-microsoft-com:vml" xmlns:pvml="urn:schemas-microsoft-com:office:powerpoint" xmlns:com="http://schemas.openxmlformats.org/drawingml/2006/compatibility" xmlns:p14="http://schemas.microsoft.com/office/powerpoint/2010/main">
+  <p:cSld>
+    <p:bg>
+      <p:bgPr>
+        <a:blipFill>
+          <a:blip r:embed="rId3">
+            <a:alphaModFix/>
+          </a:blip>
+          <a:stretch>
+            <a:fillRect/>
+          </a:stretch>
+        </a:blipFill>
+      </p:bgPr>
+    </p:bg>
+    <p:spTree>
+      <p:nvGrpSpPr>
+        <p:cNvPr id="271" name="Shape 271"/>
+        <p:cNvGrpSpPr/>
+        <p:nvPr/>
+      </p:nvGrpSpPr>
+      <p:grpSpPr>
+        <a:xfrm>
+          <a:off x="0" y="0"/>
+          <a:ext cx="0" cy="0"/>
+          <a:chOff x="0" y="0"/>
+          <a:chExt cx="0" cy="0"/>
+        </a:xfrm>
+      </p:grpSpPr>
+      <p:sp>
+        <p:nvSpPr>
+          <p:cNvPr id="272" name="Shape 272"/>
+          <p:cNvSpPr txBox="1"/>
+          <p:nvPr>
+            <p:ph type="title"/>
+          </p:nvPr>
+        </p:nvSpPr>
+        <p:spPr>
+          <a:xfrm>
+            <a:off x="406425" y="1806825"/>
+            <a:ext cx="8296800" cy="1542000"/>
+          </a:xfrm>
+          <a:prstGeom prst="rect">
+            <a:avLst/>
+          </a:prstGeom>
+        </p:spPr>
+        <p:txBody>
+          <a:bodyPr anchorCtr="0" anchor="ctr" bIns="91425" lIns="91425" rIns="91425" tIns="91425">
+            <a:noAutofit/>
+          </a:bodyPr>
+          <a:lstStyle/>
+          <a:p>
+            <a:pPr lvl="0" rtl="0">
+              <a:spcBef>
+                <a:spcPts val="0"/>
+              </a:spcBef>
+              <a:buNone/>
+            </a:pPr>
+            <a:r>
+              <a:rPr lang="en"/>
+              <a:t>Making A Dice Plugin</a:t>
+            </a:r>
+          </a:p>
+        </p:txBody>
+      </p:sp>
+    </p:spTree>
+  </p:cSld>
+  <p:clrMapOvr>
+    <a:masterClrMapping/>
+  </p:clrMapOvr>
+  <p:transition spd="slow">
+    <p:cut/>
+  </p:transition>
+</p:sld>
+</file>
+
+<file path=ppt/slides/slide34.xml><?xml version="1.0" encoding="utf-8"?>
+<p:sld xmlns:a="http://schemas.openxmlformats.org/drawingml/2006/main" xmlns:r="http://schemas.openxmlformats.org/officeDocument/2006/relationships" xmlns:mc="http://schemas.openxmlformats.org/markup-compatibility/2006" xmlns:mv="urn:schemas-microsoft-com:mac:vml" xmlns:p="http://schemas.openxmlformats.org/presentationml/2006/main" xmlns:c="http://schemas.openxmlformats.org/drawingml/2006/chart" xmlns:dgm="http://schemas.openxmlformats.org/drawingml/2006/diagram" xmlns:o="urn:schemas-microsoft-com:office:office" xmlns:v="urn:schemas-microsoft-com:vml" xmlns:pvml="urn:schemas-microsoft-com:office:powerpoint" xmlns:com="http://schemas.openxmlformats.org/drawingml/2006/compatibility" xmlns:p14="http://schemas.microsoft.com/office/powerpoint/2010/main">
+  <p:cSld>
+    <p:bg>
+      <p:bgPr>
+        <a:blipFill>
+          <a:blip r:embed="rId3">
+            <a:alphaModFix/>
+          </a:blip>
+          <a:stretch>
+            <a:fillRect/>
+          </a:stretch>
+        </a:blipFill>
+      </p:bgPr>
+    </p:bg>
+    <p:spTree>
+      <p:nvGrpSpPr>
+        <p:cNvPr id="276" name="Shape 276"/>
+        <p:cNvGrpSpPr/>
+        <p:nvPr/>
+      </p:nvGrpSpPr>
+      <p:grpSpPr>
+        <a:xfrm>
+          <a:off x="0" y="0"/>
+          <a:ext cx="0" cy="0"/>
+          <a:chOff x="0" y="0"/>
+          <a:chExt cx="0" cy="0"/>
+        </a:xfrm>
+      </p:grpSpPr>
+      <p:sp>
+        <p:nvSpPr>
+          <p:cNvPr id="277" name="Shape 277"/>
+          <p:cNvSpPr txBox="1"/>
+          <p:nvPr>
+            <p:ph type="title"/>
+          </p:nvPr>
+        </p:nvSpPr>
+        <p:spPr>
+          <a:xfrm>
+            <a:off x="2400250" y="575950"/>
+            <a:ext cx="6321600" cy="635400"/>
+          </a:xfrm>
+          <a:prstGeom prst="rect">
+            <a:avLst/>
+          </a:prstGeom>
+        </p:spPr>
+        <p:txBody>
+          <a:bodyPr anchorCtr="0" anchor="t" bIns="91425" lIns="91425" rIns="91425" tIns="91425">
+            <a:noAutofit/>
+          </a:bodyPr>
+          <a:lstStyle/>
+          <a:p>
+            <a:pPr lvl="0" rtl="0">
+              <a:spcBef>
+                <a:spcPts val="0"/>
+              </a:spcBef>
+              <a:buNone/>
+            </a:pPr>
+            <a:r>
+              <a:rPr lang="en"/>
+              <a:t>Rolling Dice</a:t>
+            </a:r>
+          </a:p>
+        </p:txBody>
+      </p:sp>
+      <p:sp>
+        <p:nvSpPr>
+          <p:cNvPr id="278" name="Shape 278"/>
+          <p:cNvSpPr txBox="1"/>
+          <p:nvPr>
+            <p:ph idx="2" type="body"/>
+          </p:nvPr>
+        </p:nvSpPr>
+        <p:spPr>
+          <a:xfrm>
+            <a:off x="4960925" y="1602675"/>
+            <a:ext cx="3848100" cy="3002400"/>
+          </a:xfrm>
+          <a:prstGeom prst="rect">
+            <a:avLst/>
+          </a:prstGeom>
+        </p:spPr>
+        <p:txBody>
+          <a:bodyPr anchorCtr="0" anchor="t" bIns="91425" lIns="91425" rIns="91425" tIns="91425">
+            <a:noAutofit/>
+          </a:bodyPr>
+          <a:lstStyle/>
+          <a:p>
+            <a:pPr lvl="0" rtl="0">
+              <a:lnSpc>
+                <a:spcPct val="100000"/>
+              </a:lnSpc>
+              <a:spcBef>
+                <a:spcPts val="0"/>
+              </a:spcBef>
+              <a:buClr>
+                <a:schemeClr val="dk2"/>
+              </a:buClr>
+              <a:buSzPct val="78571"/>
+              <a:buFont typeface="Arial"/>
+              <a:buNone/>
+            </a:pPr>
+            <a:r>
+              <a:rPr b="1" lang="en">
+                <a:solidFill>
+                  <a:srgbClr val="FF0000"/>
+                </a:solidFill>
+                <a:latin typeface="Courier New"/>
+                <a:ea typeface="Courier New"/>
+                <a:cs typeface="Courier New"/>
+                <a:sym typeface="Courier New"/>
+              </a:rPr>
+              <a:t>function roll(){</a:t>
+            </a:r>
+          </a:p>
+          <a:p>
+            <a:pPr lvl="0" rtl="0">
+              <a:lnSpc>
+                <a:spcPct val="100000"/>
+              </a:lnSpc>
+              <a:spcBef>
+                <a:spcPts val="0"/>
+              </a:spcBef>
+              <a:buClr>
+                <a:schemeClr val="dk2"/>
+              </a:buClr>
+              <a:buSzPct val="78571"/>
+              <a:buFont typeface="Arial"/>
+              <a:buNone/>
+            </a:pPr>
+            <a:r>
+              <a:rPr b="1" lang="en">
+                <a:solidFill>
+                  <a:srgbClr val="FF0000"/>
+                </a:solidFill>
+                <a:latin typeface="Courier New"/>
+                <a:ea typeface="Courier New"/>
+                <a:cs typeface="Courier New"/>
+                <a:sym typeface="Courier New"/>
+              </a:rPr>
+              <a:t>	var result = Math.random();</a:t>
+            </a:r>
+          </a:p>
+          <a:p>
+            <a:pPr lvl="0" rtl="0">
+              <a:lnSpc>
+                <a:spcPct val="100000"/>
+              </a:lnSpc>
+              <a:spcBef>
+                <a:spcPts val="0"/>
+              </a:spcBef>
+              <a:buClr>
+                <a:schemeClr val="dk2"/>
+              </a:buClr>
+              <a:buSzPct val="78571"/>
+              <a:buFont typeface="Arial"/>
+              <a:buNone/>
+            </a:pPr>
+            <a:r>
+              <a:rPr b="1" lang="en">
+                <a:solidFill>
+                  <a:srgbClr val="FF0000"/>
+                </a:solidFill>
+                <a:latin typeface="Courier New"/>
+                <a:ea typeface="Courier New"/>
+                <a:cs typeface="Courier New"/>
+                <a:sym typeface="Courier New"/>
+              </a:rPr>
+              <a:t>	result = result * 6;</a:t>
+            </a:r>
+          </a:p>
+          <a:p>
+            <a:pPr lvl="0" rtl="0">
+              <a:lnSpc>
+                <a:spcPct val="100000"/>
+              </a:lnSpc>
+              <a:spcBef>
+                <a:spcPts val="0"/>
+              </a:spcBef>
+              <a:buClr>
+                <a:schemeClr val="dk2"/>
+              </a:buClr>
+              <a:buSzPct val="78571"/>
+              <a:buFont typeface="Arial"/>
+              <a:buNone/>
+            </a:pPr>
+            <a:r>
+              <a:rPr b="1" lang="en">
+                <a:solidFill>
+                  <a:srgbClr val="FF0000"/>
+                </a:solidFill>
+                <a:latin typeface="Courier New"/>
+                <a:ea typeface="Courier New"/>
+                <a:cs typeface="Courier New"/>
+                <a:sym typeface="Courier New"/>
+              </a:rPr>
+              <a:t>	result = Math.floor(result);</a:t>
+            </a:r>
+          </a:p>
+          <a:p>
+            <a:pPr lvl="0" rtl="0">
+              <a:lnSpc>
+                <a:spcPct val="100000"/>
+              </a:lnSpc>
+              <a:spcBef>
+                <a:spcPts val="0"/>
+              </a:spcBef>
+              <a:buClr>
+                <a:schemeClr val="dk2"/>
+              </a:buClr>
+              <a:buSzPct val="78571"/>
+              <a:buFont typeface="Arial"/>
+              <a:buNone/>
+            </a:pPr>
+            <a:r>
+              <a:rPr b="1" lang="en">
+                <a:solidFill>
+                  <a:srgbClr val="FF0000"/>
+                </a:solidFill>
+                <a:latin typeface="Courier New"/>
+                <a:ea typeface="Courier New"/>
+                <a:cs typeface="Courier New"/>
+                <a:sym typeface="Courier New"/>
+              </a:rPr>
+              <a:t>	return result;</a:t>
+            </a:r>
+          </a:p>
+          <a:p>
+            <a:pPr lvl="0" rtl="0">
+              <a:lnSpc>
+                <a:spcPct val="100000"/>
+              </a:lnSpc>
+              <a:spcBef>
+                <a:spcPts val="0"/>
+              </a:spcBef>
+              <a:buNone/>
+            </a:pPr>
+            <a:r>
+              <a:rPr b="1" lang="en">
+                <a:solidFill>
+                  <a:srgbClr val="FF0000"/>
+                </a:solidFill>
+                <a:latin typeface="Courier New"/>
+                <a:ea typeface="Courier New"/>
+                <a:cs typeface="Courier New"/>
+                <a:sym typeface="Courier New"/>
+              </a:rPr>
+              <a:t>}</a:t>
+            </a:r>
+          </a:p>
+          <a:p>
+            <a:pPr lvl="0" rtl="0">
+              <a:lnSpc>
+                <a:spcPct val="100000"/>
+              </a:lnSpc>
+              <a:spcBef>
+                <a:spcPts val="0"/>
+              </a:spcBef>
+              <a:buNone/>
+            </a:pPr>
+            <a:r>
+              <a:rPr b="1" lang="en">
+                <a:solidFill>
+                  <a:srgbClr val="FF0000"/>
+                </a:solidFill>
+                <a:latin typeface="Courier New"/>
+                <a:ea typeface="Courier New"/>
+                <a:cs typeface="Courier New"/>
+                <a:sym typeface="Courier New"/>
+              </a:rPr>
+              <a:t>exports.roll = roll;</a:t>
+            </a:r>
+          </a:p>
+        </p:txBody>
+      </p:sp>
+      <p:sp>
+        <p:nvSpPr>
+          <p:cNvPr id="279" name="Shape 279"/>
+          <p:cNvSpPr txBox="1"/>
+          <p:nvPr>
+            <p:ph idx="1" type="body"/>
+          </p:nvPr>
+        </p:nvSpPr>
+        <p:spPr>
+          <a:xfrm>
+            <a:off x="114299" y="1602675"/>
+            <a:ext cx="4812000" cy="3002400"/>
+          </a:xfrm>
+          <a:prstGeom prst="rect">
+            <a:avLst/>
+          </a:prstGeom>
+        </p:spPr>
+        <p:txBody>
+          <a:bodyPr anchorCtr="0" anchor="t" bIns="91425" lIns="91425" rIns="91425" tIns="91425">
+            <a:noAutofit/>
+          </a:bodyPr>
+          <a:lstStyle/>
+          <a:p>
+            <a:pPr lvl="0" rtl="0">
+              <a:spcBef>
+                <a:spcPts val="0"/>
+              </a:spcBef>
+              <a:buNone/>
+            </a:pPr>
+            <a:r>
+              <a:rPr lang="en"/>
+              <a:t>In </a:t>
+            </a:r>
+            <a:r>
+              <a:rPr b="1" lang="en">
+                <a:solidFill>
+                  <a:srgbClr val="FF0000"/>
+                </a:solidFill>
+                <a:latin typeface="Courier New"/>
+                <a:ea typeface="Courier New"/>
+                <a:cs typeface="Courier New"/>
+                <a:sym typeface="Courier New"/>
+              </a:rPr>
+              <a:t>ScriptCraft-master/server/scriptcraft/</a:t>
+            </a:r>
+          </a:p>
+          <a:p>
+            <a:pPr indent="-228600" lvl="0" marL="457200" rtl="0">
+              <a:spcBef>
+                <a:spcPts val="0"/>
+              </a:spcBef>
+              <a:buChar char="●"/>
+            </a:pPr>
+            <a:r>
+              <a:rPr lang="en"/>
+              <a:t>create a new file in </a:t>
+            </a:r>
+            <a:r>
+              <a:rPr b="1" lang="en">
+                <a:solidFill>
+                  <a:srgbClr val="FF0000"/>
+                </a:solidFill>
+                <a:latin typeface="Courier New"/>
+                <a:ea typeface="Courier New"/>
+                <a:cs typeface="Courier New"/>
+                <a:sym typeface="Courier New"/>
+              </a:rPr>
+              <a:t>plugins/</a:t>
+            </a:r>
+            <a:r>
+              <a:rPr b="1" lang="en">
+                <a:solidFill>
+                  <a:srgbClr val="FF0000"/>
+                </a:solidFill>
+              </a:rPr>
+              <a:t> </a:t>
+            </a:r>
+            <a:r>
+              <a:rPr lang="en"/>
+              <a:t>called </a:t>
+            </a:r>
+            <a:r>
+              <a:rPr b="1" lang="en">
+                <a:solidFill>
+                  <a:srgbClr val="FF0000"/>
+                </a:solidFill>
+                <a:latin typeface="Courier New"/>
+                <a:ea typeface="Courier New"/>
+                <a:cs typeface="Courier New"/>
+                <a:sym typeface="Courier New"/>
+              </a:rPr>
+              <a:t>dice.js</a:t>
+            </a:r>
+          </a:p>
+          <a:p>
+            <a:pPr indent="-228600" lvl="0" marL="457200" rtl="0">
+              <a:spcBef>
+                <a:spcPts val="0"/>
+              </a:spcBef>
+              <a:buChar char="●"/>
+            </a:pPr>
+            <a:r>
+              <a:rPr lang="en"/>
+              <a:t>add the code on the right</a:t>
+            </a:r>
+          </a:p>
+          <a:p>
+            <a:pPr indent="-228600" lvl="0" marL="457200" rtl="0">
+              <a:spcBef>
+                <a:spcPts val="0"/>
+              </a:spcBef>
+              <a:buChar char="●"/>
+            </a:pPr>
+            <a:r>
+              <a:rPr lang="en"/>
+              <a:t>save and refresh</a:t>
+            </a:r>
+          </a:p>
+        </p:txBody>
+      </p:sp>
+    </p:spTree>
+  </p:cSld>
+  <p:clrMapOvr>
+    <a:masterClrMapping/>
+  </p:clrMapOvr>
+  <p:transition spd="slow">
+    <p:cut/>
+  </p:transition>
+</p:sld>
+</file>
+
+<file path=ppt/slides/slide35.xml><?xml version="1.0" encoding="utf-8"?>
+<p:sld xmlns:a="http://schemas.openxmlformats.org/drawingml/2006/main" xmlns:r="http://schemas.openxmlformats.org/officeDocument/2006/relationships" xmlns:mc="http://schemas.openxmlformats.org/markup-compatibility/2006" xmlns:mv="urn:schemas-microsoft-com:mac:vml" xmlns:p="http://schemas.openxmlformats.org/presentationml/2006/main" xmlns:c="http://schemas.openxmlformats.org/drawingml/2006/chart" xmlns:dgm="http://schemas.openxmlformats.org/drawingml/2006/diagram" xmlns:o="urn:schemas-microsoft-com:office:office" xmlns:v="urn:schemas-microsoft-com:vml" xmlns:pvml="urn:schemas-microsoft-com:office:powerpoint" xmlns:com="http://schemas.openxmlformats.org/drawingml/2006/compatibility" xmlns:p14="http://schemas.microsoft.com/office/powerpoint/2010/main">
+  <p:cSld>
+    <p:bg>
+      <p:bgPr>
+        <a:blipFill>
+          <a:blip r:embed="rId3">
+            <a:alphaModFix/>
+          </a:blip>
+          <a:stretch>
+            <a:fillRect/>
+          </a:stretch>
+        </a:blipFill>
+      </p:bgPr>
+    </p:bg>
+    <p:spTree>
+      <p:nvGrpSpPr>
+        <p:cNvPr id="283" name="Shape 283"/>
+        <p:cNvGrpSpPr/>
+        <p:nvPr/>
+      </p:nvGrpSpPr>
+      <p:grpSpPr>
+        <a:xfrm>
+          <a:off x="0" y="0"/>
+          <a:ext cx="0" cy="0"/>
+          <a:chOff x="0" y="0"/>
+          <a:chExt cx="0" cy="0"/>
+        </a:xfrm>
+      </p:grpSpPr>
+      <p:sp>
+        <p:nvSpPr>
+          <p:cNvPr id="284" name="Shape 284"/>
+          <p:cNvSpPr txBox="1"/>
+          <p:nvPr>
+            <p:ph type="title"/>
+          </p:nvPr>
+        </p:nvSpPr>
+        <p:spPr>
+          <a:xfrm>
+            <a:off x="2400250" y="575950"/>
+            <a:ext cx="6321600" cy="635400"/>
+          </a:xfrm>
+          <a:prstGeom prst="rect">
+            <a:avLst/>
+          </a:prstGeom>
+        </p:spPr>
+        <p:txBody>
+          <a:bodyPr anchorCtr="0" anchor="t" bIns="91425" lIns="91425" rIns="91425" tIns="91425">
+            <a:noAutofit/>
+          </a:bodyPr>
+          <a:lstStyle/>
+          <a:p>
+            <a:pPr lvl="0" rtl="0">
+              <a:spcBef>
+                <a:spcPts val="0"/>
+              </a:spcBef>
+              <a:buNone/>
+            </a:pPr>
+            <a:r>
+              <a:rPr lang="en"/>
+              <a:t>Multi-sided Die</a:t>
+            </a:r>
+          </a:p>
+        </p:txBody>
+      </p:sp>
+      <p:sp>
+        <p:nvSpPr>
+          <p:cNvPr id="285" name="Shape 285"/>
+          <p:cNvSpPr txBox="1"/>
+          <p:nvPr>
+            <p:ph idx="2" type="body"/>
+          </p:nvPr>
+        </p:nvSpPr>
+        <p:spPr>
+          <a:xfrm>
+            <a:off x="4960925" y="1602675"/>
+            <a:ext cx="3848100" cy="3002400"/>
+          </a:xfrm>
+          <a:prstGeom prst="rect">
+            <a:avLst/>
+          </a:prstGeom>
+        </p:spPr>
+        <p:txBody>
+          <a:bodyPr anchorCtr="0" anchor="t" bIns="91425" lIns="91425" rIns="91425" tIns="91425">
+            <a:noAutofit/>
+          </a:bodyPr>
+          <a:lstStyle/>
+          <a:p>
+            <a:pPr lvl="0" rtl="0">
+              <a:lnSpc>
+                <a:spcPct val="100000"/>
+              </a:lnSpc>
+              <a:spcBef>
+                <a:spcPts val="0"/>
+              </a:spcBef>
+              <a:buClr>
+                <a:schemeClr val="dk2"/>
+              </a:buClr>
+              <a:buSzPct val="78571"/>
+              <a:buFont typeface="Arial"/>
+              <a:buNone/>
+            </a:pPr>
+            <a:r>
+              <a:rPr b="1" lang="en">
+                <a:solidFill>
+                  <a:srgbClr val="FF0000"/>
+                </a:solidFill>
+                <a:latin typeface="Courier New"/>
+                <a:ea typeface="Courier New"/>
+                <a:cs typeface="Courier New"/>
+                <a:sym typeface="Courier New"/>
+              </a:rPr>
+              <a:t>function roll( sides ){</a:t>
+            </a:r>
+          </a:p>
+          <a:p>
+            <a:pPr lvl="0" rtl="0">
+              <a:lnSpc>
+                <a:spcPct val="100000"/>
+              </a:lnSpc>
+              <a:spcBef>
+                <a:spcPts val="0"/>
+              </a:spcBef>
+              <a:buClr>
+                <a:schemeClr val="dk2"/>
+              </a:buClr>
+              <a:buSzPct val="78571"/>
+              <a:buFont typeface="Arial"/>
+              <a:buNone/>
+            </a:pPr>
+            <a:r>
+              <a:rPr b="1" lang="en">
+                <a:solidFill>
+                  <a:srgbClr val="FF0000"/>
+                </a:solidFill>
+                <a:latin typeface="Courier New"/>
+                <a:ea typeface="Courier New"/>
+                <a:cs typeface="Courier New"/>
+                <a:sym typeface="Courier New"/>
+              </a:rPr>
+              <a:t>	var result = Math.random();</a:t>
+            </a:r>
+          </a:p>
+          <a:p>
+            <a:pPr lvl="0" rtl="0">
+              <a:lnSpc>
+                <a:spcPct val="100000"/>
+              </a:lnSpc>
+              <a:spcBef>
+                <a:spcPts val="0"/>
+              </a:spcBef>
+              <a:buClr>
+                <a:schemeClr val="dk2"/>
+              </a:buClr>
+              <a:buSzPct val="78571"/>
+              <a:buFont typeface="Arial"/>
+              <a:buNone/>
+            </a:pPr>
+            <a:r>
+              <a:rPr b="1" lang="en">
+                <a:solidFill>
+                  <a:srgbClr val="FF0000"/>
+                </a:solidFill>
+                <a:latin typeface="Courier New"/>
+                <a:ea typeface="Courier New"/>
+                <a:cs typeface="Courier New"/>
+                <a:sym typeface="Courier New"/>
+              </a:rPr>
+              <a:t>	result = result * sides;</a:t>
+            </a:r>
+          </a:p>
+          <a:p>
+            <a:pPr lvl="0" rtl="0">
+              <a:lnSpc>
+                <a:spcPct val="100000"/>
+              </a:lnSpc>
+              <a:spcBef>
+                <a:spcPts val="0"/>
+              </a:spcBef>
+              <a:buClr>
+                <a:schemeClr val="dk2"/>
+              </a:buClr>
+              <a:buSzPct val="78571"/>
+              <a:buFont typeface="Arial"/>
+              <a:buNone/>
+            </a:pPr>
+            <a:r>
+              <a:rPr b="1" lang="en">
+                <a:solidFill>
+                  <a:srgbClr val="FF0000"/>
+                </a:solidFill>
+                <a:latin typeface="Courier New"/>
+                <a:ea typeface="Courier New"/>
+                <a:cs typeface="Courier New"/>
+                <a:sym typeface="Courier New"/>
+              </a:rPr>
+              <a:t>	result = Math.floor(result);</a:t>
+            </a:r>
+          </a:p>
+          <a:p>
+            <a:pPr lvl="0" rtl="0">
+              <a:lnSpc>
+                <a:spcPct val="100000"/>
+              </a:lnSpc>
+              <a:spcBef>
+                <a:spcPts val="0"/>
+              </a:spcBef>
+              <a:buClr>
+                <a:schemeClr val="dk2"/>
+              </a:buClr>
+              <a:buSzPct val="78571"/>
+              <a:buFont typeface="Arial"/>
+              <a:buNone/>
+            </a:pPr>
+            <a:r>
+              <a:rPr b="1" lang="en">
+                <a:solidFill>
+                  <a:srgbClr val="FF0000"/>
+                </a:solidFill>
+                <a:latin typeface="Courier New"/>
+                <a:ea typeface="Courier New"/>
+                <a:cs typeface="Courier New"/>
+                <a:sym typeface="Courier New"/>
+              </a:rPr>
+              <a:t>	return result;</a:t>
+            </a:r>
+          </a:p>
+          <a:p>
+            <a:pPr lvl="0" rtl="0">
+              <a:lnSpc>
+                <a:spcPct val="100000"/>
+              </a:lnSpc>
+              <a:spcBef>
+                <a:spcPts val="0"/>
+              </a:spcBef>
+              <a:buNone/>
+            </a:pPr>
+            <a:r>
+              <a:rPr b="1" lang="en">
+                <a:solidFill>
+                  <a:srgbClr val="FF0000"/>
+                </a:solidFill>
+                <a:latin typeface="Courier New"/>
+                <a:ea typeface="Courier New"/>
+                <a:cs typeface="Courier New"/>
+                <a:sym typeface="Courier New"/>
+              </a:rPr>
+              <a:t>}</a:t>
+            </a:r>
+          </a:p>
+          <a:p>
+            <a:pPr lvl="0" rtl="0">
+              <a:lnSpc>
+                <a:spcPct val="100000"/>
+              </a:lnSpc>
+              <a:spcBef>
+                <a:spcPts val="0"/>
+              </a:spcBef>
+              <a:buNone/>
+            </a:pPr>
+            <a:r>
+              <a:rPr b="1" lang="en">
+                <a:solidFill>
+                  <a:srgbClr val="FF0000"/>
+                </a:solidFill>
+                <a:latin typeface="Courier New"/>
+                <a:ea typeface="Courier New"/>
+                <a:cs typeface="Courier New"/>
+                <a:sym typeface="Courier New"/>
+              </a:rPr>
+              <a:t>exports.roll = roll;</a:t>
+            </a:r>
+          </a:p>
+        </p:txBody>
+      </p:sp>
+      <p:sp>
+        <p:nvSpPr>
+          <p:cNvPr id="286" name="Shape 286"/>
+          <p:cNvSpPr txBox="1"/>
+          <p:nvPr>
+            <p:ph idx="1" type="body"/>
+          </p:nvPr>
+        </p:nvSpPr>
+        <p:spPr>
+          <a:xfrm>
+            <a:off x="114299" y="1602675"/>
+            <a:ext cx="4812000" cy="3002400"/>
+          </a:xfrm>
+          <a:prstGeom prst="rect">
+            <a:avLst/>
+          </a:prstGeom>
+        </p:spPr>
+        <p:txBody>
+          <a:bodyPr anchorCtr="0" anchor="t" bIns="91425" lIns="91425" rIns="91425" tIns="91425">
+            <a:noAutofit/>
+          </a:bodyPr>
+          <a:lstStyle/>
+          <a:p>
+            <a:pPr lvl="0" rtl="0">
+              <a:spcBef>
+                <a:spcPts val="0"/>
+              </a:spcBef>
+              <a:buNone/>
+            </a:pPr>
+            <a:r>
+              <a:rPr lang="en"/>
+              <a:t>You </a:t>
+            </a:r>
+            <a:r>
+              <a:rPr i="1" lang="en"/>
+              <a:t>could </a:t>
+            </a:r>
+            <a:r>
+              <a:rPr lang="en"/>
+              <a:t>define multiple functions for different dice sides (e.g. </a:t>
+            </a:r>
+            <a:r>
+              <a:rPr b="1" lang="en">
+                <a:solidFill>
+                  <a:srgbClr val="FF0000"/>
+                </a:solidFill>
+                <a:latin typeface="Courier New"/>
+                <a:ea typeface="Courier New"/>
+                <a:cs typeface="Courier New"/>
+                <a:sym typeface="Courier New"/>
+              </a:rPr>
+              <a:t>rollSixSides()</a:t>
+            </a:r>
+            <a:r>
+              <a:rPr lang="en"/>
+              <a:t>, </a:t>
+            </a:r>
+            <a:r>
+              <a:rPr b="1" lang="en">
+                <a:solidFill>
+                  <a:srgbClr val="FF0000"/>
+                </a:solidFill>
+                <a:latin typeface="Courier New"/>
+                <a:ea typeface="Courier New"/>
+                <a:cs typeface="Courier New"/>
+                <a:sym typeface="Courier New"/>
+              </a:rPr>
+              <a:t>rollFourSides()</a:t>
+            </a:r>
+            <a:r>
+              <a:rPr lang="en"/>
+              <a:t>, etc…), but that gets tiring.</a:t>
+            </a:r>
+          </a:p>
+          <a:p>
+            <a:pPr lvl="0" rtl="0">
+              <a:spcBef>
+                <a:spcPts val="0"/>
+              </a:spcBef>
+              <a:buNone/>
+            </a:pPr>
+            <a:r>
+              <a:rPr lang="en"/>
+              <a:t>It’s easier to pass the number of sides as a </a:t>
+            </a:r>
+            <a:r>
+              <a:rPr b="1" lang="en">
+                <a:solidFill>
+                  <a:srgbClr val="FF0000"/>
+                </a:solidFill>
+                <a:latin typeface="Courier New"/>
+                <a:ea typeface="Courier New"/>
+                <a:cs typeface="Courier New"/>
+                <a:sym typeface="Courier New"/>
+              </a:rPr>
+              <a:t>parameter</a:t>
+            </a:r>
+            <a:r>
+              <a:rPr lang="en"/>
+              <a:t>.</a:t>
+            </a:r>
+          </a:p>
+          <a:p>
+            <a:pPr lvl="0" rtl="0">
+              <a:spcBef>
+                <a:spcPts val="0"/>
+              </a:spcBef>
+              <a:buNone/>
+            </a:pPr>
+            <a:r>
+              <a:rPr lang="en"/>
+              <a:t>Edit </a:t>
+            </a:r>
+            <a:r>
+              <a:rPr b="1" lang="en">
+                <a:solidFill>
+                  <a:srgbClr val="FF0000"/>
+                </a:solidFill>
+                <a:latin typeface="Courier New"/>
+                <a:ea typeface="Courier New"/>
+                <a:cs typeface="Courier New"/>
+                <a:sym typeface="Courier New"/>
+              </a:rPr>
+              <a:t>dice.js </a:t>
+            </a:r>
+            <a:r>
+              <a:rPr lang="en"/>
+              <a:t>to add the changes on the right, refresh, and try it out:</a:t>
+            </a:r>
+          </a:p>
+          <a:p>
+            <a:pPr lvl="0" rtl="0">
+              <a:spcBef>
+                <a:spcPts val="0"/>
+              </a:spcBef>
+              <a:buClr>
+                <a:schemeClr val="dk2"/>
+              </a:buClr>
+              <a:buSzPct val="78571"/>
+              <a:buFont typeface="Arial"/>
+              <a:buNone/>
+            </a:pPr>
+            <a:r>
+              <a:rPr b="1" lang="en">
+                <a:solidFill>
+                  <a:srgbClr val="FF0000"/>
+                </a:solidFill>
+                <a:latin typeface="Courier New"/>
+                <a:ea typeface="Courier New"/>
+                <a:cs typeface="Courier New"/>
+                <a:sym typeface="Courier New"/>
+              </a:rPr>
+              <a:t>js var dice = require("dice")</a:t>
+            </a:r>
+          </a:p>
+          <a:p>
+            <a:pPr lvl="0" rtl="0">
+              <a:spcBef>
+                <a:spcPts val="0"/>
+              </a:spcBef>
+              <a:buNone/>
+            </a:pPr>
+            <a:r>
+              <a:rPr b="1" lang="en">
+                <a:solidFill>
+                  <a:srgbClr val="FF0000"/>
+                </a:solidFill>
+                <a:latin typeface="Courier New"/>
+                <a:ea typeface="Courier New"/>
+                <a:cs typeface="Courier New"/>
+                <a:sym typeface="Courier New"/>
+              </a:rPr>
+              <a:t>js dice.roll(6)</a:t>
+            </a:r>
+          </a:p>
+          <a:p>
+            <a:pPr lvl="0" rtl="0">
+              <a:spcBef>
+                <a:spcPts val="0"/>
+              </a:spcBef>
+              <a:buClr>
+                <a:schemeClr val="dk2"/>
+              </a:buClr>
+              <a:buSzPct val="78571"/>
+              <a:buFont typeface="Arial"/>
+              <a:buNone/>
+            </a:pPr>
+            <a:r>
+              <a:rPr b="1" lang="en">
+                <a:solidFill>
+                  <a:srgbClr val="FF0000"/>
+                </a:solidFill>
+                <a:latin typeface="Courier New"/>
+                <a:ea typeface="Courier New"/>
+                <a:cs typeface="Courier New"/>
+                <a:sym typeface="Courier New"/>
+              </a:rPr>
+              <a:t>js dice.roll(20)</a:t>
+            </a:r>
+          </a:p>
+        </p:txBody>
+      </p:sp>
+    </p:spTree>
+  </p:cSld>
+  <p:clrMapOvr>
+    <a:masterClrMapping/>
+  </p:clrMapOvr>
+  <p:transition spd="slow">
+    <p:cut/>
+  </p:transition>
+</p:sld>
+</file>
+
+<file path=ppt/slides/slide36.xml><?xml version="1.0" encoding="utf-8"?>
+<p:sld xmlns:a="http://schemas.openxmlformats.org/drawingml/2006/main" xmlns:r="http://schemas.openxmlformats.org/officeDocument/2006/relationships" xmlns:mc="http://schemas.openxmlformats.org/markup-compatibility/2006" xmlns:mv="urn:schemas-microsoft-com:mac:vml" xmlns:p="http://schemas.openxmlformats.org/presentationml/2006/main" xmlns:c="http://schemas.openxmlformats.org/drawingml/2006/chart" xmlns:dgm="http://schemas.openxmlformats.org/drawingml/2006/diagram" xmlns:o="urn:schemas-microsoft-com:office:office" xmlns:v="urn:schemas-microsoft-com:vml" xmlns:pvml="urn:schemas-microsoft-com:office:powerpoint" xmlns:com="http://schemas.openxmlformats.org/drawingml/2006/compatibility" xmlns:p14="http://schemas.microsoft.com/office/powerpoint/2010/main">
+  <p:cSld>
+    <p:bg>
+      <p:bgPr>
+        <a:blipFill>
+          <a:blip r:embed="rId3">
+            <a:alphaModFix/>
+          </a:blip>
+          <a:stretch>
+            <a:fillRect/>
+          </a:stretch>
+        </a:blipFill>
+      </p:bgPr>
+    </p:bg>
+    <p:spTree>
+      <p:nvGrpSpPr>
+        <p:cNvPr id="290" name="Shape 290"/>
+        <p:cNvGrpSpPr/>
+        <p:nvPr/>
+      </p:nvGrpSpPr>
+      <p:grpSpPr>
+        <a:xfrm>
+          <a:off x="0" y="0"/>
+          <a:ext cx="0" cy="0"/>
+          <a:chOff x="0" y="0"/>
+          <a:chExt cx="0" cy="0"/>
+        </a:xfrm>
+      </p:grpSpPr>
+      <p:sp>
+        <p:nvSpPr>
+          <p:cNvPr id="291" name="Shape 291"/>
+          <p:cNvSpPr txBox="1"/>
+          <p:nvPr>
+            <p:ph type="title"/>
+          </p:nvPr>
+        </p:nvSpPr>
+        <p:spPr>
+          <a:xfrm>
+            <a:off x="406425" y="1806825"/>
+            <a:ext cx="8296800" cy="1542000"/>
+          </a:xfrm>
+          <a:prstGeom prst="rect">
+            <a:avLst/>
+          </a:prstGeom>
+        </p:spPr>
+        <p:txBody>
+          <a:bodyPr anchorCtr="0" anchor="ctr" bIns="91425" lIns="91425" rIns="91425" tIns="91425">
+            <a:noAutofit/>
+          </a:bodyPr>
+          <a:lstStyle/>
+          <a:p>
+            <a:pPr lvl="0" rtl="0">
+              <a:spcBef>
+                <a:spcPts val="0"/>
+              </a:spcBef>
+              <a:buNone/>
+            </a:pPr>
+            <a:r>
+              <a:rPr lang="en"/>
+              <a:t>Conditionals</a:t>
+            </a:r>
+          </a:p>
+        </p:txBody>
+      </p:sp>
+    </p:spTree>
+  </p:cSld>
+  <p:clrMapOvr>
+    <a:masterClrMapping/>
+  </p:clrMapOvr>
+  <p:transition spd="slow">
+    <p:cut/>
+  </p:transition>
+</p:sld>
+</file>
+
+<file path=ppt/slides/slide37.xml><?xml version="1.0" encoding="utf-8"?>
+<p:sld xmlns:a="http://schemas.openxmlformats.org/drawingml/2006/main" xmlns:r="http://schemas.openxmlformats.org/officeDocument/2006/relationships" xmlns:mc="http://schemas.openxmlformats.org/markup-compatibility/2006" xmlns:mv="urn:schemas-microsoft-com:mac:vml" xmlns:p="http://schemas.openxmlformats.org/presentationml/2006/main" xmlns:c="http://schemas.openxmlformats.org/drawingml/2006/chart" xmlns:dgm="http://schemas.openxmlformats.org/drawingml/2006/diagram" xmlns:o="urn:schemas-microsoft-com:office:office" xmlns:v="urn:schemas-microsoft-com:vml" xmlns:pvml="urn:schemas-microsoft-com:office:powerpoint" xmlns:com="http://schemas.openxmlformats.org/drawingml/2006/compatibility" xmlns:p14="http://schemas.microsoft.com/office/powerpoint/2010/main">
+  <p:cSld>
+    <p:bg>
+      <p:bgPr>
+        <a:blipFill>
+          <a:blip r:embed="rId3">
+            <a:alphaModFix/>
+          </a:blip>
+          <a:stretch>
+            <a:fillRect/>
+          </a:stretch>
+        </a:blipFill>
+      </p:bgPr>
+    </p:bg>
+    <p:spTree>
+      <p:nvGrpSpPr>
+        <p:cNvPr id="295" name="Shape 295"/>
+        <p:cNvGrpSpPr/>
+        <p:nvPr/>
+      </p:nvGrpSpPr>
+      <p:grpSpPr>
+        <a:xfrm>
+          <a:off x="0" y="0"/>
+          <a:ext cx="0" cy="0"/>
+          <a:chOff x="0" y="0"/>
+          <a:chExt cx="0" cy="0"/>
+        </a:xfrm>
+      </p:grpSpPr>
+      <p:sp>
+        <p:nvSpPr>
+          <p:cNvPr id="296" name="Shape 296"/>
+          <p:cNvSpPr txBox="1"/>
+          <p:nvPr>
+            <p:ph type="title"/>
+          </p:nvPr>
+        </p:nvSpPr>
+        <p:spPr>
+          <a:xfrm>
+            <a:off x="2400250" y="575950"/>
+            <a:ext cx="6321600" cy="635400"/>
+          </a:xfrm>
+          <a:prstGeom prst="rect">
+            <a:avLst/>
+          </a:prstGeom>
+        </p:spPr>
+        <p:txBody>
+          <a:bodyPr anchorCtr="0" anchor="t" bIns="91425" lIns="91425" rIns="91425" tIns="91425">
+            <a:noAutofit/>
+          </a:bodyPr>
+          <a:lstStyle/>
+          <a:p>
+            <a:pPr lvl="0" rtl="0">
+              <a:spcBef>
+                <a:spcPts val="0"/>
+              </a:spcBef>
+              <a:buNone/>
+            </a:pPr>
+            <a:r>
+              <a:rPr lang="en"/>
+              <a:t>If/Else/Else If</a:t>
+            </a:r>
+          </a:p>
+        </p:txBody>
+      </p:sp>
+      <p:sp>
+        <p:nvSpPr>
+          <p:cNvPr id="297" name="Shape 297"/>
+          <p:cNvSpPr txBox="1"/>
+          <p:nvPr>
+            <p:ph idx="1" type="body"/>
+          </p:nvPr>
+        </p:nvSpPr>
+        <p:spPr>
+          <a:xfrm>
+            <a:off x="1032175" y="1595775"/>
+            <a:ext cx="8066400" cy="3002400"/>
+          </a:xfrm>
+          <a:prstGeom prst="rect">
+            <a:avLst/>
+          </a:prstGeom>
+        </p:spPr>
+        <p:txBody>
+          <a:bodyPr anchorCtr="0" anchor="t" bIns="91425" lIns="91425" rIns="91425" tIns="91425">
+            <a:noAutofit/>
+          </a:bodyPr>
+          <a:lstStyle/>
+          <a:p>
+            <a:pPr lvl="0" rtl="0">
+              <a:spcBef>
+                <a:spcPts val="0"/>
+              </a:spcBef>
+              <a:buNone/>
+            </a:pPr>
+            <a:r>
+              <a:rPr lang="en"/>
+              <a:t>Useful for changing code based on different events:</a:t>
+            </a:r>
+          </a:p>
+          <a:p>
+            <a:pPr lvl="0" rtl="0">
+              <a:spcBef>
+                <a:spcPts val="0"/>
+              </a:spcBef>
+              <a:buNone/>
+            </a:pPr>
+            <a:r>
+              <a:rPr b="1" lang="en">
+                <a:solidFill>
+                  <a:srgbClr val="FF0000"/>
+                </a:solidFill>
+                <a:latin typeface="Courier New"/>
+                <a:ea typeface="Courier New"/>
+                <a:cs typeface="Courier New"/>
+                <a:sym typeface="Courier New"/>
+              </a:rPr>
+              <a:t>var time = "noon";</a:t>
+            </a:r>
+          </a:p>
+          <a:p>
+            <a:pPr lvl="0" rtl="0">
+              <a:spcBef>
+                <a:spcPts val="0"/>
+              </a:spcBef>
+              <a:buNone/>
+            </a:pPr>
+            <a:r>
+              <a:rPr b="1" lang="en">
+                <a:solidFill>
+                  <a:srgbClr val="FF0000"/>
+                </a:solidFill>
+                <a:latin typeface="Courier New"/>
+                <a:ea typeface="Courier New"/>
+                <a:cs typeface="Courier New"/>
+                <a:sym typeface="Courier New"/>
+              </a:rPr>
+              <a:t>if ( time == "morning" ) { echo("Time for breakfast!"); }</a:t>
+            </a:r>
+          </a:p>
+          <a:p>
+            <a:pPr lvl="0" rtl="0">
+              <a:spcBef>
+                <a:spcPts val="0"/>
+              </a:spcBef>
+              <a:buNone/>
+            </a:pPr>
+            <a:r>
+              <a:rPr b="1" lang="en">
+                <a:solidFill>
+                  <a:srgbClr val="FF0000"/>
+                </a:solidFill>
+                <a:latin typeface="Courier New"/>
+                <a:ea typeface="Courier New"/>
+                <a:cs typeface="Courier New"/>
+                <a:sym typeface="Courier New"/>
+              </a:rPr>
+              <a:t>else if (time == "noon") { echo("Time for lunch!"); }</a:t>
+            </a:r>
+          </a:p>
+          <a:p>
+            <a:pPr lvl="0" rtl="0">
+              <a:spcBef>
+                <a:spcPts val="0"/>
+              </a:spcBef>
+              <a:buNone/>
+            </a:pPr>
+            <a:r>
+              <a:rPr b="1" lang="en">
+                <a:solidFill>
+                  <a:srgbClr val="FF0000"/>
+                </a:solidFill>
+                <a:latin typeface="Courier New"/>
+                <a:ea typeface="Courier New"/>
+                <a:cs typeface="Courier New"/>
+                <a:sym typeface="Courier New"/>
+              </a:rPr>
+              <a:t>else if (time == "night") { echo("Time for dinner!"); }</a:t>
+            </a:r>
+          </a:p>
+          <a:p>
+            <a:pPr lvl="0" rtl="0">
+              <a:spcBef>
+                <a:spcPts val="0"/>
+              </a:spcBef>
+              <a:buClr>
+                <a:schemeClr val="dk2"/>
+              </a:buClr>
+              <a:buSzPct val="61111"/>
+              <a:buFont typeface="Arial"/>
+              <a:buNone/>
+            </a:pPr>
+            <a:r>
+              <a:rPr b="1" lang="en">
+                <a:solidFill>
+                  <a:srgbClr val="FF0000"/>
+                </a:solidFill>
+                <a:latin typeface="Courier New"/>
+                <a:ea typeface="Courier New"/>
+                <a:cs typeface="Courier New"/>
+                <a:sym typeface="Courier New"/>
+              </a:rPr>
+              <a:t>else { echo(“Time for snacks!”); }</a:t>
+            </a:r>
+          </a:p>
+          <a:p>
+            <a:pPr lvl="0" rtl="0">
+              <a:spcBef>
+                <a:spcPts val="0"/>
+              </a:spcBef>
+              <a:buNone/>
+            </a:pPr>
+            <a:r>
+              <a:t/>
+            </a:r>
+            <a:endParaRPr b="1">
+              <a:solidFill>
+                <a:srgbClr val="FF0000"/>
+              </a:solidFill>
+              <a:latin typeface="Courier New"/>
+              <a:ea typeface="Courier New"/>
+              <a:cs typeface="Courier New"/>
+              <a:sym typeface="Courier New"/>
+            </a:endParaRPr>
+          </a:p>
+        </p:txBody>
+      </p:sp>
+    </p:spTree>
+  </p:cSld>
+  <p:clrMapOvr>
+    <a:masterClrMapping/>
+  </p:clrMapOvr>
+  <p:transition spd="slow">
+    <p:cut/>
+  </p:transition>
+</p:sld>
+</file>
+
+<file path=ppt/slides/slide38.xml><?xml version="1.0" encoding="utf-8"?>
+<p:sld xmlns:a="http://schemas.openxmlformats.org/drawingml/2006/main" xmlns:r="http://schemas.openxmlformats.org/officeDocument/2006/relationships" xmlns:mc="http://schemas.openxmlformats.org/markup-compatibility/2006" xmlns:mv="urn:schemas-microsoft-com:mac:vml" xmlns:p="http://schemas.openxmlformats.org/presentationml/2006/main" xmlns:c="http://schemas.openxmlformats.org/drawingml/2006/chart" xmlns:dgm="http://schemas.openxmlformats.org/drawingml/2006/diagram" xmlns:o="urn:schemas-microsoft-com:office:office" xmlns:v="urn:schemas-microsoft-com:vml" xmlns:pvml="urn:schemas-microsoft-com:office:powerpoint" xmlns:com="http://schemas.openxmlformats.org/drawingml/2006/compatibility" xmlns:p14="http://schemas.microsoft.com/office/powerpoint/2010/main">
+  <p:cSld>
+    <p:bg>
+      <p:bgPr>
+        <a:blipFill>
+          <a:blip r:embed="rId3">
+            <a:alphaModFix/>
+          </a:blip>
+          <a:stretch>
+            <a:fillRect/>
+          </a:stretch>
+        </a:blipFill>
+      </p:bgPr>
+    </p:bg>
+    <p:spTree>
+      <p:nvGrpSpPr>
+        <p:cNvPr id="301" name="Shape 301"/>
+        <p:cNvGrpSpPr/>
+        <p:nvPr/>
+      </p:nvGrpSpPr>
+      <p:grpSpPr>
+        <a:xfrm>
+          <a:off x="0" y="0"/>
+          <a:ext cx="0" cy="0"/>
+          <a:chOff x="0" y="0"/>
+          <a:chExt cx="0" cy="0"/>
+        </a:xfrm>
+      </p:grpSpPr>
+      <p:sp>
+        <p:nvSpPr>
+          <p:cNvPr id="302" name="Shape 302"/>
+          <p:cNvSpPr txBox="1"/>
+          <p:nvPr>
+            <p:ph type="title"/>
+          </p:nvPr>
+        </p:nvSpPr>
+        <p:spPr>
+          <a:xfrm>
+            <a:off x="2400250" y="575950"/>
+            <a:ext cx="6321600" cy="635400"/>
+          </a:xfrm>
+          <a:prstGeom prst="rect">
+            <a:avLst/>
+          </a:prstGeom>
+        </p:spPr>
+        <p:txBody>
+          <a:bodyPr anchorCtr="0" anchor="t" bIns="91425" lIns="91425" rIns="91425" tIns="91425">
+            <a:noAutofit/>
+          </a:bodyPr>
+          <a:lstStyle/>
+          <a:p>
+            <a:pPr lvl="0" rtl="0">
+              <a:spcBef>
+                <a:spcPts val="0"/>
+              </a:spcBef>
+              <a:buNone/>
+            </a:pPr>
+            <a:r>
+              <a:rPr lang="en"/>
+              <a:t>Combining Conditionals</a:t>
+            </a:r>
+          </a:p>
+        </p:txBody>
+      </p:sp>
+      <p:sp>
+        <p:nvSpPr>
+          <p:cNvPr id="303" name="Shape 303"/>
+          <p:cNvSpPr txBox="1"/>
+          <p:nvPr>
+            <p:ph idx="1" type="body"/>
+          </p:nvPr>
+        </p:nvSpPr>
+        <p:spPr>
+          <a:xfrm>
+            <a:off x="117725" y="1595775"/>
+            <a:ext cx="8980800" cy="3002400"/>
+          </a:xfrm>
+          <a:prstGeom prst="rect">
+            <a:avLst/>
+          </a:prstGeom>
+        </p:spPr>
+        <p:txBody>
+          <a:bodyPr anchorCtr="0" anchor="t" bIns="91425" lIns="91425" rIns="91425" tIns="91425">
+            <a:noAutofit/>
+          </a:bodyPr>
+          <a:lstStyle/>
+          <a:p>
+            <a:pPr lvl="0" rtl="0">
+              <a:spcBef>
+                <a:spcPts val="0"/>
+              </a:spcBef>
+              <a:buNone/>
+            </a:pPr>
+            <a:r>
+              <a:rPr b="1" lang="en">
+                <a:solidFill>
+                  <a:srgbClr val="FF0000"/>
+                </a:solidFill>
+                <a:latin typeface="Courier New"/>
+                <a:ea typeface="Courier New"/>
+                <a:cs typeface="Courier New"/>
+                <a:sym typeface="Courier New"/>
+              </a:rPr>
+              <a:t>&amp;&amp;</a:t>
+            </a:r>
+            <a:r>
+              <a:rPr lang="en"/>
+              <a:t> represents </a:t>
+            </a:r>
+            <a:r>
+              <a:rPr i="1" lang="en" u="sng"/>
+              <a:t>and</a:t>
+            </a:r>
+            <a:r>
+              <a:rPr lang="en"/>
+              <a:t>. </a:t>
+            </a:r>
+            <a:r>
+              <a:rPr b="1" lang="en">
+                <a:solidFill>
+                  <a:srgbClr val="FF0000"/>
+                </a:solidFill>
+                <a:latin typeface="Courier New"/>
+                <a:ea typeface="Courier New"/>
+                <a:cs typeface="Courier New"/>
+                <a:sym typeface="Courier New"/>
+              </a:rPr>
+              <a:t>||</a:t>
+            </a:r>
+            <a:r>
+              <a:rPr lang="en"/>
+              <a:t> represents </a:t>
+            </a:r>
+            <a:r>
+              <a:rPr i="1" lang="en" u="sng"/>
+              <a:t>or</a:t>
+            </a:r>
+            <a:r>
+              <a:rPr lang="en"/>
+              <a:t>.</a:t>
+            </a:r>
+          </a:p>
+          <a:p>
+            <a:pPr lvl="0" rtl="0">
+              <a:spcBef>
+                <a:spcPts val="0"/>
+              </a:spcBef>
+              <a:buNone/>
+            </a:pPr>
+            <a:r>
+              <a:rPr lang="en"/>
+              <a:t>Below is a more accurate time check script.  Minecraft counts time in ticks (up to 24,000).</a:t>
+            </a:r>
+          </a:p>
+          <a:p>
+            <a:pPr lvl="0" rtl="0">
+              <a:spcBef>
+                <a:spcPts val="0"/>
+              </a:spcBef>
+              <a:buNone/>
+            </a:pPr>
+            <a:r>
+              <a:rPr b="1" lang="en">
+                <a:solidFill>
+                  <a:srgbClr val="FF0000"/>
+                </a:solidFill>
+                <a:latin typeface="Courier New"/>
+                <a:ea typeface="Courier New"/>
+                <a:cs typeface="Courier New"/>
+                <a:sym typeface="Courier New"/>
+              </a:rPr>
+              <a:t>/js var world = self.world;</a:t>
+            </a:r>
+          </a:p>
+          <a:p>
+            <a:pPr lvl="0" rtl="0">
+              <a:spcBef>
+                <a:spcPts val="0"/>
+              </a:spcBef>
+              <a:buNone/>
+            </a:pPr>
+            <a:r>
+              <a:rPr b="1" lang="en">
+                <a:solidFill>
+                  <a:srgbClr val="FF0000"/>
+                </a:solidFill>
+                <a:latin typeface="Courier New"/>
+                <a:ea typeface="Courier New"/>
+                <a:cs typeface="Courier New"/>
+                <a:sym typeface="Courier New"/>
+              </a:rPr>
+              <a:t>/js var now = world.relativeTime;</a:t>
+            </a:r>
+          </a:p>
+          <a:p>
+            <a:pPr lvl="0" rtl="0">
+              <a:spcBef>
+                <a:spcPts val="0"/>
+              </a:spcBef>
+              <a:buNone/>
+            </a:pPr>
+            <a:r>
+              <a:rPr b="1" lang="en">
+                <a:solidFill>
+                  <a:srgbClr val="FF0000"/>
+                </a:solidFill>
+                <a:latin typeface="Courier New"/>
+                <a:ea typeface="Courier New"/>
+                <a:cs typeface="Courier New"/>
+                <a:sym typeface="Courier New"/>
+              </a:rPr>
+              <a:t>/js if (now &gt; 13000 &amp;&amp; now &lt; 23000 ) { echo("Night!"); }</a:t>
+            </a:r>
+          </a:p>
+          <a:p>
+            <a:pPr lvl="0" rtl="0">
+              <a:spcBef>
+                <a:spcPts val="0"/>
+              </a:spcBef>
+              <a:buNone/>
+            </a:pPr>
+            <a:r>
+              <a:rPr b="1" lang="en">
+                <a:solidFill>
+                  <a:srgbClr val="FF0000"/>
+                </a:solidFill>
+                <a:latin typeface="Courier New"/>
+                <a:ea typeface="Courier New"/>
+                <a:cs typeface="Courier New"/>
+                <a:sym typeface="Courier New"/>
+              </a:rPr>
+              <a:t>/js if (now &lt; 13000 || now &gt; 23000 ) { echo("Not night!"); }</a:t>
+            </a:r>
+          </a:p>
+          <a:p>
+            <a:pPr lvl="0" rtl="0">
+              <a:spcBef>
+                <a:spcPts val="0"/>
+              </a:spcBef>
+              <a:buNone/>
+            </a:pPr>
+            <a:r>
+              <a:t/>
+            </a:r>
+            <a:endParaRPr b="1">
+              <a:solidFill>
+                <a:srgbClr val="FF0000"/>
+              </a:solidFill>
+              <a:latin typeface="Courier New"/>
+              <a:ea typeface="Courier New"/>
+              <a:cs typeface="Courier New"/>
+              <a:sym typeface="Courier New"/>
+            </a:endParaRPr>
+          </a:p>
+          <a:p>
+            <a:pPr lvl="0" rtl="0">
+              <a:spcBef>
+                <a:spcPts val="0"/>
+              </a:spcBef>
+              <a:buNone/>
+            </a:pPr>
+            <a:r>
+              <a:t/>
+            </a:r>
+            <a:endParaRPr b="1">
+              <a:solidFill>
+                <a:srgbClr val="FF0000"/>
+              </a:solidFill>
+              <a:latin typeface="Courier New"/>
+              <a:ea typeface="Courier New"/>
+              <a:cs typeface="Courier New"/>
+              <a:sym typeface="Courier New"/>
+            </a:endParaRPr>
+          </a:p>
+        </p:txBody>
+      </p:sp>
+    </p:spTree>
+  </p:cSld>
+  <p:clrMapOvr>
+    <a:masterClrMapping/>
+  </p:clrMapOvr>
+  <p:transition spd="slow">
+    <p:cut/>
+  </p:transition>
+</p:sld>
+</file>
+
+<file path=ppt/slides/slide39.xml><?xml version="1.0" encoding="utf-8"?>
+<p:sld xmlns:a="http://schemas.openxmlformats.org/drawingml/2006/main" xmlns:r="http://schemas.openxmlformats.org/officeDocument/2006/relationships" xmlns:mc="http://schemas.openxmlformats.org/markup-compatibility/2006" xmlns:mv="urn:schemas-microsoft-com:mac:vml" xmlns:p="http://schemas.openxmlformats.org/presentationml/2006/main" xmlns:c="http://schemas.openxmlformats.org/drawingml/2006/chart" xmlns:dgm="http://schemas.openxmlformats.org/drawingml/2006/diagram" xmlns:o="urn:schemas-microsoft-com:office:office" xmlns:v="urn:schemas-microsoft-com:vml" xmlns:pvml="urn:schemas-microsoft-com:office:powerpoint" xmlns:com="http://schemas.openxmlformats.org/drawingml/2006/compatibility" xmlns:p14="http://schemas.microsoft.com/office/powerpoint/2010/main">
+  <p:cSld>
+    <p:bg>
+      <p:bgPr>
+        <a:blipFill>
+          <a:blip r:embed="rId3">
+            <a:alphaModFix/>
+          </a:blip>
+          <a:stretch>
+            <a:fillRect/>
+          </a:stretch>
+        </a:blipFill>
+      </p:bgPr>
+    </p:bg>
+    <p:spTree>
+      <p:nvGrpSpPr>
+        <p:cNvPr id="307" name="Shape 307"/>
+        <p:cNvGrpSpPr/>
+        <p:nvPr/>
+      </p:nvGrpSpPr>
+      <p:grpSpPr>
+        <a:xfrm>
+          <a:off x="0" y="0"/>
+          <a:ext cx="0" cy="0"/>
+          <a:chOff x="0" y="0"/>
+          <a:chExt cx="0" cy="0"/>
+        </a:xfrm>
+      </p:grpSpPr>
+      <p:sp>
+        <p:nvSpPr>
+          <p:cNvPr id="308" name="Shape 308"/>
+          <p:cNvSpPr txBox="1"/>
+          <p:nvPr>
+            <p:ph type="title"/>
+          </p:nvPr>
+        </p:nvSpPr>
+        <p:spPr>
+          <a:xfrm>
+            <a:off x="0" y="418350"/>
+            <a:ext cx="5169600" cy="4306800"/>
+          </a:xfrm>
+          <a:prstGeom prst="rect">
+            <a:avLst/>
+          </a:prstGeom>
+        </p:spPr>
+        <p:txBody>
+          <a:bodyPr anchorCtr="0" anchor="t" bIns="91425" lIns="91425" rIns="91425" tIns="91425">
+            <a:noAutofit/>
+          </a:bodyPr>
+          <a:lstStyle/>
+          <a:p>
+            <a:pPr lvl="0" rtl="0">
+              <a:spcBef>
+                <a:spcPts val="0"/>
+              </a:spcBef>
+              <a:spcAft>
+                <a:spcPts val="1600"/>
+              </a:spcAft>
+              <a:buNone/>
+            </a:pPr>
+            <a:r>
+              <a:rPr lang="en" sz="1400">
+                <a:solidFill>
+                  <a:srgbClr val="FF0000"/>
+                </a:solidFill>
+                <a:latin typeface="Courier New"/>
+                <a:ea typeface="Courier New"/>
+                <a:cs typeface="Courier New"/>
+                <a:sym typeface="Courier New"/>
+              </a:rPr>
+              <a:t>function roll( sides ){</a:t>
+            </a:r>
+          </a:p>
+          <a:p>
+            <a:pPr indent="0" lvl="0" marL="0" rtl="0">
+              <a:spcBef>
+                <a:spcPts val="0"/>
+              </a:spcBef>
+              <a:spcAft>
+                <a:spcPts val="1600"/>
+              </a:spcAft>
+              <a:buNone/>
+            </a:pPr>
+            <a:r>
+              <a:rPr lang="en" sz="1400">
+                <a:solidFill>
+                  <a:srgbClr val="FF0000"/>
+                </a:solidFill>
+                <a:latin typeface="Courier New"/>
+                <a:ea typeface="Courier New"/>
+                <a:cs typeface="Courier New"/>
+                <a:sym typeface="Courier New"/>
+              </a:rPr>
+              <a:t>  if ( isFinite(sides) &amp;&amp; sides &lt; 0 ) {</a:t>
+            </a:r>
+          </a:p>
+          <a:p>
+            <a:pPr indent="0" lvl="0" marL="0" rtl="0">
+              <a:spcBef>
+                <a:spcPts val="0"/>
+              </a:spcBef>
+              <a:spcAft>
+                <a:spcPts val="1600"/>
+              </a:spcAft>
+              <a:buNone/>
+            </a:pPr>
+            <a:r>
+              <a:rPr lang="en" sz="1400">
+                <a:solidFill>
+                  <a:srgbClr val="FF0000"/>
+                </a:solidFill>
+                <a:latin typeface="Courier New"/>
+                <a:ea typeface="Courier New"/>
+                <a:cs typeface="Courier New"/>
+                <a:sym typeface="Courier New"/>
+              </a:rPr>
+              <a:t>    throw("Negative numbers not valid");</a:t>
+            </a:r>
+          </a:p>
+          <a:p>
+            <a:pPr lvl="0" rtl="0">
+              <a:spcBef>
+                <a:spcPts val="0"/>
+              </a:spcBef>
+              <a:spcAft>
+                <a:spcPts val="1600"/>
+              </a:spcAft>
+              <a:buNone/>
+            </a:pPr>
+            <a:r>
+              <a:rPr lang="en" sz="1400">
+                <a:solidFill>
+                  <a:srgbClr val="FF0000"/>
+                </a:solidFill>
+                <a:latin typeface="Courier New"/>
+                <a:ea typeface="Courier New"/>
+                <a:cs typeface="Courier New"/>
+                <a:sym typeface="Courier New"/>
+              </a:rPr>
+              <a:t>  } else if (isFinite(sides) &amp;&amp; sides &gt; 0) {</a:t>
+            </a:r>
+          </a:p>
+          <a:p>
+            <a:pPr lvl="0" rtl="0">
+              <a:spcBef>
+                <a:spcPts val="0"/>
+              </a:spcBef>
+              <a:spcAft>
+                <a:spcPts val="1600"/>
+              </a:spcAft>
+              <a:buNone/>
+            </a:pPr>
+            <a:r>
+              <a:rPr lang="en" sz="1400">
+                <a:solidFill>
+                  <a:srgbClr val="FF0000"/>
+                </a:solidFill>
+                <a:latin typeface="Courier New"/>
+                <a:ea typeface="Courier New"/>
+                <a:cs typeface="Courier New"/>
+                <a:sym typeface="Courier New"/>
+              </a:rPr>
+              <a:t>    return rollValidNumber(sides); </a:t>
+            </a:r>
+          </a:p>
+          <a:p>
+            <a:pPr lvl="0" rtl="0">
+              <a:spcBef>
+                <a:spcPts val="0"/>
+              </a:spcBef>
+              <a:spcAft>
+                <a:spcPts val="1600"/>
+              </a:spcAft>
+              <a:buNone/>
+            </a:pPr>
+            <a:r>
+              <a:rPr lang="en" sz="1400">
+                <a:solidFill>
+                  <a:srgbClr val="FF0000"/>
+                </a:solidFill>
+                <a:latin typeface="Courier New"/>
+                <a:ea typeface="Courier New"/>
+                <a:cs typeface="Courier New"/>
+                <a:sym typeface="Courier New"/>
+              </a:rPr>
+              <a:t>  } else {</a:t>
+            </a:r>
+          </a:p>
+          <a:p>
+            <a:pPr indent="0" lvl="0" marL="0" rtl="0">
+              <a:spcBef>
+                <a:spcPts val="0"/>
+              </a:spcBef>
+              <a:spcAft>
+                <a:spcPts val="1600"/>
+              </a:spcAft>
+              <a:buNone/>
+            </a:pPr>
+            <a:r>
+              <a:rPr lang="en" sz="1400">
+                <a:solidFill>
+                  <a:srgbClr val="FF0000"/>
+                </a:solidFill>
+                <a:latin typeface="Courier New"/>
+                <a:ea typeface="Courier New"/>
+                <a:cs typeface="Courier New"/>
+                <a:sym typeface="Courier New"/>
+              </a:rPr>
+              <a:t>    throw("Not a number");</a:t>
+            </a:r>
+          </a:p>
+          <a:p>
+            <a:pPr lvl="0" rtl="0">
+              <a:spcBef>
+                <a:spcPts val="0"/>
+              </a:spcBef>
+              <a:spcAft>
+                <a:spcPts val="1600"/>
+              </a:spcAft>
+              <a:buNone/>
+            </a:pPr>
+            <a:r>
+              <a:rPr lang="en" sz="1400">
+                <a:solidFill>
+                  <a:srgbClr val="FF0000"/>
+                </a:solidFill>
+                <a:latin typeface="Courier New"/>
+                <a:ea typeface="Courier New"/>
+                <a:cs typeface="Courier New"/>
+                <a:sym typeface="Courier New"/>
+              </a:rPr>
+              <a:t>  }</a:t>
+            </a:r>
+          </a:p>
+          <a:p>
+            <a:pPr lvl="0" rtl="0">
+              <a:spcBef>
+                <a:spcPts val="0"/>
+              </a:spcBef>
+              <a:spcAft>
+                <a:spcPts val="1600"/>
+              </a:spcAft>
+              <a:buNone/>
+            </a:pPr>
+            <a:r>
+              <a:rPr lang="en" sz="1400">
+                <a:solidFill>
+                  <a:srgbClr val="FF0000"/>
+                </a:solidFill>
+                <a:latin typeface="Courier New"/>
+                <a:ea typeface="Courier New"/>
+                <a:cs typeface="Courier New"/>
+                <a:sym typeface="Courier New"/>
+              </a:rPr>
+              <a:t>}</a:t>
+            </a:r>
+          </a:p>
+          <a:p>
+            <a:pPr lvl="0" rtl="0">
+              <a:spcBef>
+                <a:spcPts val="0"/>
+              </a:spcBef>
+              <a:spcAft>
+                <a:spcPts val="1600"/>
+              </a:spcAft>
+              <a:buNone/>
+            </a:pPr>
+            <a:r>
+              <a:t/>
+            </a:r>
+            <a:endParaRPr sz="1400">
+              <a:latin typeface="Courier New"/>
+              <a:ea typeface="Courier New"/>
+              <a:cs typeface="Courier New"/>
+              <a:sym typeface="Courier New"/>
+            </a:endParaRPr>
+          </a:p>
+        </p:txBody>
+      </p:sp>
+      <p:sp>
+        <p:nvSpPr>
+          <p:cNvPr id="309" name="Shape 309"/>
+          <p:cNvSpPr txBox="1"/>
+          <p:nvPr>
+            <p:ph type="title"/>
+          </p:nvPr>
+        </p:nvSpPr>
+        <p:spPr>
+          <a:xfrm>
+            <a:off x="5080000" y="418350"/>
+            <a:ext cx="3964200" cy="4306800"/>
+          </a:xfrm>
+          <a:prstGeom prst="rect">
+            <a:avLst/>
+          </a:prstGeom>
+        </p:spPr>
+        <p:txBody>
+          <a:bodyPr anchorCtr="0" anchor="t" bIns="91425" lIns="91425" rIns="91425" tIns="91425">
+            <a:noAutofit/>
+          </a:bodyPr>
+          <a:lstStyle/>
+          <a:p>
+            <a:pPr lvl="0" rtl="0">
+              <a:spcBef>
+                <a:spcPts val="0"/>
+              </a:spcBef>
+              <a:spcAft>
+                <a:spcPts val="1600"/>
+              </a:spcAft>
+              <a:buNone/>
+            </a:pPr>
+            <a:r>
+              <a:rPr lang="en" sz="1400">
+                <a:solidFill>
+                  <a:srgbClr val="FF0000"/>
+                </a:solidFill>
+                <a:latin typeface="Courier New"/>
+                <a:ea typeface="Courier New"/>
+                <a:cs typeface="Courier New"/>
+                <a:sym typeface="Courier New"/>
+              </a:rPr>
+              <a:t>function rollValidNumber( sides ){</a:t>
+            </a:r>
+          </a:p>
+          <a:p>
+            <a:pPr lvl="0" rtl="0">
+              <a:spcBef>
+                <a:spcPts val="0"/>
+              </a:spcBef>
+              <a:spcAft>
+                <a:spcPts val="1600"/>
+              </a:spcAft>
+              <a:buNone/>
+            </a:pPr>
+            <a:r>
+              <a:rPr lang="en" sz="1400">
+                <a:solidFill>
+                  <a:srgbClr val="FF0000"/>
+                </a:solidFill>
+                <a:latin typeface="Courier New"/>
+                <a:ea typeface="Courier New"/>
+                <a:cs typeface="Courier New"/>
+                <a:sym typeface="Courier New"/>
+              </a:rPr>
+              <a:t>  var result = Math.random();</a:t>
+            </a:r>
+          </a:p>
+          <a:p>
+            <a:pPr lvl="0" rtl="0">
+              <a:spcBef>
+                <a:spcPts val="0"/>
+              </a:spcBef>
+              <a:spcAft>
+                <a:spcPts val="1600"/>
+              </a:spcAft>
+              <a:buNone/>
+            </a:pPr>
+            <a:r>
+              <a:rPr lang="en" sz="1400">
+                <a:solidFill>
+                  <a:srgbClr val="FF0000"/>
+                </a:solidFill>
+                <a:latin typeface="Courier New"/>
+                <a:ea typeface="Courier New"/>
+                <a:cs typeface="Courier New"/>
+                <a:sym typeface="Courier New"/>
+              </a:rPr>
+              <a:t>  result = result * sides;</a:t>
+            </a:r>
+          </a:p>
+          <a:p>
+            <a:pPr lvl="0" rtl="0">
+              <a:spcBef>
+                <a:spcPts val="0"/>
+              </a:spcBef>
+              <a:spcAft>
+                <a:spcPts val="1600"/>
+              </a:spcAft>
+              <a:buNone/>
+            </a:pPr>
+            <a:r>
+              <a:rPr lang="en" sz="1400">
+                <a:solidFill>
+                  <a:srgbClr val="FF0000"/>
+                </a:solidFill>
+                <a:latin typeface="Courier New"/>
+                <a:ea typeface="Courier New"/>
+                <a:cs typeface="Courier New"/>
+                <a:sym typeface="Courier New"/>
+              </a:rPr>
+              <a:t>  result = Math.floor(result);</a:t>
+            </a:r>
+          </a:p>
+          <a:p>
+            <a:pPr indent="0" lvl="0" marL="0" rtl="0">
+              <a:spcBef>
+                <a:spcPts val="0"/>
+              </a:spcBef>
+              <a:spcAft>
+                <a:spcPts val="1600"/>
+              </a:spcAft>
+              <a:buNone/>
+            </a:pPr>
+            <a:r>
+              <a:rPr lang="en" sz="1400">
+                <a:solidFill>
+                  <a:srgbClr val="FF0000"/>
+                </a:solidFill>
+                <a:latin typeface="Courier New"/>
+                <a:ea typeface="Courier New"/>
+                <a:cs typeface="Courier New"/>
+                <a:sym typeface="Courier New"/>
+              </a:rPr>
+              <a:t>  return result;</a:t>
+            </a:r>
+          </a:p>
+          <a:p>
+            <a:pPr lvl="0" rtl="0">
+              <a:spcBef>
+                <a:spcPts val="0"/>
+              </a:spcBef>
+              <a:spcAft>
+                <a:spcPts val="1600"/>
+              </a:spcAft>
+              <a:buNone/>
+            </a:pPr>
+            <a:r>
+              <a:rPr lang="en" sz="1400">
+                <a:solidFill>
+                  <a:srgbClr val="FF0000"/>
+                </a:solidFill>
+                <a:latin typeface="Courier New"/>
+                <a:ea typeface="Courier New"/>
+                <a:cs typeface="Courier New"/>
+                <a:sym typeface="Courier New"/>
+              </a:rPr>
+              <a:t>}</a:t>
+            </a:r>
+          </a:p>
+          <a:p>
+            <a:pPr lvl="0" rtl="0">
+              <a:spcBef>
+                <a:spcPts val="0"/>
+              </a:spcBef>
+              <a:spcAft>
+                <a:spcPts val="1600"/>
+              </a:spcAft>
+              <a:buNone/>
+            </a:pPr>
+            <a:r>
+              <a:rPr lang="en" sz="1400">
+                <a:solidFill>
+                  <a:srgbClr val="FF0000"/>
+                </a:solidFill>
+                <a:latin typeface="Courier New"/>
+                <a:ea typeface="Courier New"/>
+                <a:cs typeface="Courier New"/>
+                <a:sym typeface="Courier New"/>
+              </a:rPr>
+              <a:t>exports.roll = roll;</a:t>
+            </a:r>
+          </a:p>
+        </p:txBody>
+      </p:sp>
+    </p:spTree>
+  </p:cSld>
+  <p:clrMapOvr>
+    <a:masterClrMapping/>
+  </p:clrMapOvr>
+  <p:transition spd="slow">
+    <p:cut/>
+  </p:transition>
+</p:sld>
+</file>
+
 <file path=ppt/slides/slide4.xml><?xml version="1.0" encoding="utf-8"?>
 <p:sld xmlns:a="http://schemas.openxmlformats.org/drawingml/2006/main" xmlns:r="http://schemas.openxmlformats.org/officeDocument/2006/relationships" xmlns:mc="http://schemas.openxmlformats.org/markup-compatibility/2006" xmlns:mv="urn:schemas-microsoft-com:mac:vml" xmlns:p="http://schemas.openxmlformats.org/presentationml/2006/main" xmlns:c="http://schemas.openxmlformats.org/drawingml/2006/chart" xmlns:dgm="http://schemas.openxmlformats.org/drawingml/2006/diagram" xmlns:o="urn:schemas-microsoft-com:office:office" xmlns:v="urn:schemas-microsoft-com:vml" xmlns:pvml="urn:schemas-microsoft-com:office:powerpoint" xmlns:com="http://schemas.openxmlformats.org/drawingml/2006/compatibility" xmlns:p14="http://schemas.microsoft.com/office/powerpoint/2010/main">
   <p:cSld>
@@ -14888,6 +18567,3350 @@
             <a:r>
               <a:rPr lang="en"/>
               <a:t>Installing CanaryMod</a:t>
+            </a:r>
+          </a:p>
+        </p:txBody>
+      </p:sp>
+    </p:spTree>
+  </p:cSld>
+  <p:clrMapOvr>
+    <a:masterClrMapping/>
+  </p:clrMapOvr>
+  <p:transition spd="slow">
+    <p:cut/>
+  </p:transition>
+</p:sld>
+</file>
+
+<file path=ppt/slides/slide40.xml><?xml version="1.0" encoding="utf-8"?>
+<p:sld xmlns:a="http://schemas.openxmlformats.org/drawingml/2006/main" xmlns:r="http://schemas.openxmlformats.org/officeDocument/2006/relationships" xmlns:mc="http://schemas.openxmlformats.org/markup-compatibility/2006" xmlns:mv="urn:schemas-microsoft-com:mac:vml" xmlns:p="http://schemas.openxmlformats.org/presentationml/2006/main" xmlns:c="http://schemas.openxmlformats.org/drawingml/2006/chart" xmlns:dgm="http://schemas.openxmlformats.org/drawingml/2006/diagram" xmlns:o="urn:schemas-microsoft-com:office:office" xmlns:v="urn:schemas-microsoft-com:vml" xmlns:pvml="urn:schemas-microsoft-com:office:powerpoint" xmlns:com="http://schemas.openxmlformats.org/drawingml/2006/compatibility" xmlns:p14="http://schemas.microsoft.com/office/powerpoint/2010/main">
+  <p:cSld>
+    <p:bg>
+      <p:bgPr>
+        <a:blipFill>
+          <a:blip r:embed="rId3">
+            <a:alphaModFix/>
+          </a:blip>
+          <a:stretch>
+            <a:fillRect/>
+          </a:stretch>
+        </a:blipFill>
+      </p:bgPr>
+    </p:bg>
+    <p:spTree>
+      <p:nvGrpSpPr>
+        <p:cNvPr id="313" name="Shape 313"/>
+        <p:cNvGrpSpPr/>
+        <p:nvPr/>
+      </p:nvGrpSpPr>
+      <p:grpSpPr>
+        <a:xfrm>
+          <a:off x="0" y="0"/>
+          <a:ext cx="0" cy="0"/>
+          <a:chOff x="0" y="0"/>
+          <a:chExt cx="0" cy="0"/>
+        </a:xfrm>
+      </p:grpSpPr>
+      <p:sp>
+        <p:nvSpPr>
+          <p:cNvPr id="314" name="Shape 314"/>
+          <p:cNvSpPr txBox="1"/>
+          <p:nvPr>
+            <p:ph type="title"/>
+          </p:nvPr>
+        </p:nvSpPr>
+        <p:spPr>
+          <a:xfrm>
+            <a:off x="406425" y="1806825"/>
+            <a:ext cx="8296800" cy="1542000"/>
+          </a:xfrm>
+          <a:prstGeom prst="rect">
+            <a:avLst/>
+          </a:prstGeom>
+        </p:spPr>
+        <p:txBody>
+          <a:bodyPr anchorCtr="0" anchor="ctr" bIns="91425" lIns="91425" rIns="91425" tIns="91425">
+            <a:noAutofit/>
+          </a:bodyPr>
+          <a:lstStyle/>
+          <a:p>
+            <a:pPr lvl="0" rtl="0">
+              <a:spcBef>
+                <a:spcPts val="0"/>
+              </a:spcBef>
+              <a:buNone/>
+            </a:pPr>
+            <a:r>
+              <a:rPr lang="en"/>
+              <a:t>Arrays</a:t>
+            </a:r>
+          </a:p>
+        </p:txBody>
+      </p:sp>
+    </p:spTree>
+  </p:cSld>
+  <p:clrMapOvr>
+    <a:masterClrMapping/>
+  </p:clrMapOvr>
+  <p:transition spd="slow">
+    <p:cut/>
+  </p:transition>
+</p:sld>
+</file>
+
+<file path=ppt/slides/slide41.xml><?xml version="1.0" encoding="utf-8"?>
+<p:sld xmlns:a="http://schemas.openxmlformats.org/drawingml/2006/main" xmlns:r="http://schemas.openxmlformats.org/officeDocument/2006/relationships" xmlns:mc="http://schemas.openxmlformats.org/markup-compatibility/2006" xmlns:mv="urn:schemas-microsoft-com:mac:vml" xmlns:p="http://schemas.openxmlformats.org/presentationml/2006/main" xmlns:c="http://schemas.openxmlformats.org/drawingml/2006/chart" xmlns:dgm="http://schemas.openxmlformats.org/drawingml/2006/diagram" xmlns:o="urn:schemas-microsoft-com:office:office" xmlns:v="urn:schemas-microsoft-com:vml" xmlns:pvml="urn:schemas-microsoft-com:office:powerpoint" xmlns:com="http://schemas.openxmlformats.org/drawingml/2006/compatibility" xmlns:p14="http://schemas.microsoft.com/office/powerpoint/2010/main">
+  <p:cSld>
+    <p:bg>
+      <p:bgPr>
+        <a:blipFill>
+          <a:blip r:embed="rId3">
+            <a:alphaModFix/>
+          </a:blip>
+          <a:stretch>
+            <a:fillRect/>
+          </a:stretch>
+        </a:blipFill>
+      </p:bgPr>
+    </p:bg>
+    <p:spTree>
+      <p:nvGrpSpPr>
+        <p:cNvPr id="318" name="Shape 318"/>
+        <p:cNvGrpSpPr/>
+        <p:nvPr/>
+      </p:nvGrpSpPr>
+      <p:grpSpPr>
+        <a:xfrm>
+          <a:off x="0" y="0"/>
+          <a:ext cx="0" cy="0"/>
+          <a:chOff x="0" y="0"/>
+          <a:chExt cx="0" cy="0"/>
+        </a:xfrm>
+      </p:grpSpPr>
+      <p:sp>
+        <p:nvSpPr>
+          <p:cNvPr id="319" name="Shape 319"/>
+          <p:cNvSpPr txBox="1"/>
+          <p:nvPr>
+            <p:ph type="title"/>
+          </p:nvPr>
+        </p:nvSpPr>
+        <p:spPr>
+          <a:xfrm>
+            <a:off x="2400250" y="575950"/>
+            <a:ext cx="6321600" cy="635400"/>
+          </a:xfrm>
+          <a:prstGeom prst="rect">
+            <a:avLst/>
+          </a:prstGeom>
+        </p:spPr>
+        <p:txBody>
+          <a:bodyPr anchorCtr="0" anchor="t" bIns="91425" lIns="91425" rIns="91425" tIns="91425">
+            <a:noAutofit/>
+          </a:bodyPr>
+          <a:lstStyle/>
+          <a:p>
+            <a:pPr lvl="0" rtl="0">
+              <a:spcBef>
+                <a:spcPts val="0"/>
+              </a:spcBef>
+              <a:buNone/>
+            </a:pPr>
+            <a:r>
+              <a:rPr lang="en"/>
+              <a:t>Using Arrays</a:t>
+            </a:r>
+          </a:p>
+        </p:txBody>
+      </p:sp>
+      <p:sp>
+        <p:nvSpPr>
+          <p:cNvPr id="320" name="Shape 320"/>
+          <p:cNvSpPr txBox="1"/>
+          <p:nvPr>
+            <p:ph idx="1" type="body"/>
+          </p:nvPr>
+        </p:nvSpPr>
+        <p:spPr>
+          <a:xfrm>
+            <a:off x="1523850" y="1519575"/>
+            <a:ext cx="7584600" cy="3364800"/>
+          </a:xfrm>
+          <a:prstGeom prst="rect">
+            <a:avLst/>
+          </a:prstGeom>
+        </p:spPr>
+        <p:txBody>
+          <a:bodyPr anchorCtr="0" anchor="t" bIns="91425" lIns="91425" rIns="91425" tIns="91425">
+            <a:noAutofit/>
+          </a:bodyPr>
+          <a:lstStyle/>
+          <a:p>
+            <a:pPr lvl="0" rtl="0">
+              <a:spcBef>
+                <a:spcPts val="0"/>
+              </a:spcBef>
+              <a:buNone/>
+            </a:pPr>
+            <a:r>
+              <a:rPr lang="en">
+                <a:solidFill>
+                  <a:srgbClr val="000000"/>
+                </a:solidFill>
+              </a:rPr>
+              <a:t>Arrays are objects than hold lists of items.</a:t>
+            </a:r>
+          </a:p>
+          <a:p>
+            <a:pPr indent="457200" lvl="0" rtl="0">
+              <a:spcBef>
+                <a:spcPts val="0"/>
+              </a:spcBef>
+              <a:buNone/>
+            </a:pPr>
+            <a:r>
+              <a:rPr b="1" lang="en" sz="1400">
+                <a:solidFill>
+                  <a:srgbClr val="FF0000"/>
+                </a:solidFill>
+                <a:latin typeface="Courier New"/>
+                <a:ea typeface="Courier New"/>
+                <a:cs typeface="Courier New"/>
+                <a:sym typeface="Courier New"/>
+              </a:rPr>
+              <a:t>var farmAnimals = [ 'Sheep','Cow','Pig','Chicken' ];</a:t>
+            </a:r>
+          </a:p>
+          <a:p>
+            <a:pPr lvl="0" rtl="0">
+              <a:spcBef>
+                <a:spcPts val="0"/>
+              </a:spcBef>
+              <a:buNone/>
+            </a:pPr>
+            <a:r>
+              <a:rPr lang="en"/>
+              <a:t>How do we access the list?</a:t>
+            </a:r>
+          </a:p>
+          <a:p>
+            <a:pPr indent="457200" lvl="0" rtl="0">
+              <a:spcBef>
+                <a:spcPts val="0"/>
+              </a:spcBef>
+              <a:buNone/>
+            </a:pPr>
+            <a:r>
+              <a:rPr b="1" lang="en" sz="1400">
+                <a:solidFill>
+                  <a:srgbClr val="FF0000"/>
+                </a:solidFill>
+                <a:latin typeface="Courier New"/>
+                <a:ea typeface="Courier New"/>
+                <a:cs typeface="Courier New"/>
+                <a:sym typeface="Courier New"/>
+              </a:rPr>
+              <a:t>echo(farmAnimals[0]); echo(farmAnimals[1]); echo(farmAnimals[2]);</a:t>
+            </a:r>
+          </a:p>
+          <a:p>
+            <a:pPr indent="457200" lvl="0" rtl="0">
+              <a:spcBef>
+                <a:spcPts val="0"/>
+              </a:spcBef>
+              <a:buNone/>
+            </a:pPr>
+            <a:r>
+              <a:rPr b="1" lang="en" sz="1400">
+                <a:solidFill>
+                  <a:srgbClr val="FF0000"/>
+                </a:solidFill>
+                <a:latin typeface="Courier New"/>
+                <a:ea typeface="Courier New"/>
+                <a:cs typeface="Courier New"/>
+                <a:sym typeface="Courier New"/>
+              </a:rPr>
+              <a:t>for (var count in farmAnimals) { echo(farmAnimals[count]); }</a:t>
+            </a:r>
+          </a:p>
+          <a:p>
+            <a:pPr lvl="0" rtl="0">
+              <a:spcBef>
+                <a:spcPts val="0"/>
+              </a:spcBef>
+              <a:buNone/>
+            </a:pPr>
+            <a:r>
+              <a:rPr lang="en"/>
+              <a:t>What if we print something outside the list? </a:t>
+            </a:r>
+          </a:p>
+          <a:p>
+            <a:pPr indent="387350" lvl="0" rtl="0">
+              <a:spcBef>
+                <a:spcPts val="0"/>
+              </a:spcBef>
+              <a:buClr>
+                <a:schemeClr val="dk2"/>
+              </a:buClr>
+              <a:buSzPct val="78571"/>
+              <a:buFont typeface="Arial"/>
+              <a:buNone/>
+            </a:pPr>
+            <a:r>
+              <a:rPr b="1" lang="en" sz="1400">
+                <a:solidFill>
+                  <a:srgbClr val="FF0000"/>
+                </a:solidFill>
+                <a:latin typeface="Courier New"/>
+                <a:ea typeface="Courier New"/>
+                <a:cs typeface="Courier New"/>
+                <a:sym typeface="Courier New"/>
+              </a:rPr>
+              <a:t>echo(farmAnimals[0]);</a:t>
+            </a:r>
+          </a:p>
+          <a:p>
+            <a:pPr lvl="0" rtl="0">
+              <a:spcBef>
+                <a:spcPts val="0"/>
+              </a:spcBef>
+              <a:buNone/>
+            </a:pPr>
+            <a:r>
+              <a:t/>
+            </a:r>
+            <a:endParaRPr>
+              <a:solidFill>
+                <a:srgbClr val="000000"/>
+              </a:solidFill>
+            </a:endParaRPr>
+          </a:p>
+        </p:txBody>
+      </p:sp>
+    </p:spTree>
+  </p:cSld>
+  <p:clrMapOvr>
+    <a:masterClrMapping/>
+  </p:clrMapOvr>
+  <p:transition spd="slow">
+    <p:cut/>
+  </p:transition>
+</p:sld>
+</file>
+
+<file path=ppt/slides/slide42.xml><?xml version="1.0" encoding="utf-8"?>
+<p:sld xmlns:a="http://schemas.openxmlformats.org/drawingml/2006/main" xmlns:r="http://schemas.openxmlformats.org/officeDocument/2006/relationships" xmlns:mc="http://schemas.openxmlformats.org/markup-compatibility/2006" xmlns:mv="urn:schemas-microsoft-com:mac:vml" xmlns:p="http://schemas.openxmlformats.org/presentationml/2006/main" xmlns:c="http://schemas.openxmlformats.org/drawingml/2006/chart" xmlns:dgm="http://schemas.openxmlformats.org/drawingml/2006/diagram" xmlns:o="urn:schemas-microsoft-com:office:office" xmlns:v="urn:schemas-microsoft-com:vml" xmlns:pvml="urn:schemas-microsoft-com:office:powerpoint" xmlns:com="http://schemas.openxmlformats.org/drawingml/2006/compatibility" xmlns:p14="http://schemas.microsoft.com/office/powerpoint/2010/main">
+  <p:cSld>
+    <p:bg>
+      <p:bgPr>
+        <a:blipFill>
+          <a:blip r:embed="rId3">
+            <a:alphaModFix/>
+          </a:blip>
+          <a:stretch>
+            <a:fillRect/>
+          </a:stretch>
+        </a:blipFill>
+      </p:bgPr>
+    </p:bg>
+    <p:spTree>
+      <p:nvGrpSpPr>
+        <p:cNvPr id="324" name="Shape 324"/>
+        <p:cNvGrpSpPr/>
+        <p:nvPr/>
+      </p:nvGrpSpPr>
+      <p:grpSpPr>
+        <a:xfrm>
+          <a:off x="0" y="0"/>
+          <a:ext cx="0" cy="0"/>
+          <a:chOff x="0" y="0"/>
+          <a:chExt cx="0" cy="0"/>
+        </a:xfrm>
+      </p:grpSpPr>
+      <p:sp>
+        <p:nvSpPr>
+          <p:cNvPr id="325" name="Shape 325"/>
+          <p:cNvSpPr txBox="1"/>
+          <p:nvPr>
+            <p:ph type="title"/>
+          </p:nvPr>
+        </p:nvSpPr>
+        <p:spPr>
+          <a:xfrm>
+            <a:off x="2400250" y="575950"/>
+            <a:ext cx="6321600" cy="635400"/>
+          </a:xfrm>
+          <a:prstGeom prst="rect">
+            <a:avLst/>
+          </a:prstGeom>
+        </p:spPr>
+        <p:txBody>
+          <a:bodyPr anchorCtr="0" anchor="t" bIns="91425" lIns="91425" rIns="91425" tIns="91425">
+            <a:noAutofit/>
+          </a:bodyPr>
+          <a:lstStyle/>
+          <a:p>
+            <a:pPr lvl="0" rtl="0">
+              <a:spcBef>
+                <a:spcPts val="0"/>
+              </a:spcBef>
+              <a:buNone/>
+            </a:pPr>
+            <a:r>
+              <a:rPr lang="en"/>
+              <a:t>Using Modules</a:t>
+            </a:r>
+          </a:p>
+        </p:txBody>
+      </p:sp>
+      <p:sp>
+        <p:nvSpPr>
+          <p:cNvPr id="326" name="Shape 326"/>
+          <p:cNvSpPr txBox="1"/>
+          <p:nvPr>
+            <p:ph idx="1" type="body"/>
+          </p:nvPr>
+        </p:nvSpPr>
+        <p:spPr>
+          <a:xfrm>
+            <a:off x="2410099" y="1595775"/>
+            <a:ext cx="6610500" cy="3002400"/>
+          </a:xfrm>
+          <a:prstGeom prst="rect">
+            <a:avLst/>
+          </a:prstGeom>
+        </p:spPr>
+        <p:txBody>
+          <a:bodyPr anchorCtr="0" anchor="t" bIns="91425" lIns="91425" rIns="91425" tIns="91425">
+            <a:noAutofit/>
+          </a:bodyPr>
+          <a:lstStyle/>
+          <a:p>
+            <a:pPr lvl="0" rtl="0">
+              <a:spcBef>
+                <a:spcPts val="0"/>
+              </a:spcBef>
+              <a:buNone/>
+            </a:pPr>
+            <a:r>
+              <a:rPr lang="en" sz="1400"/>
+              <a:t>Modules let you build reusable code. They can be imported into plugins and combined with other modules/functions.</a:t>
+            </a:r>
+          </a:p>
+          <a:p>
+            <a:pPr lvl="0" rtl="0">
+              <a:spcBef>
+                <a:spcPts val="0"/>
+              </a:spcBef>
+              <a:buNone/>
+            </a:pPr>
+            <a:r>
+              <a:rPr lang="en" sz="1400" u="sng"/>
+              <a:t>Module exports aren’t auto-loaded, </a:t>
+            </a:r>
+            <a:r>
+              <a:rPr i="1" lang="en" sz="1400" u="sng"/>
+              <a:t>unlike</a:t>
+            </a:r>
+            <a:r>
+              <a:rPr lang="en" sz="1400" u="sng"/>
+              <a:t> plugin exports.</a:t>
+            </a:r>
+          </a:p>
+          <a:p>
+            <a:pPr lvl="0" rtl="0">
+              <a:spcBef>
+                <a:spcPts val="0"/>
+              </a:spcBef>
+              <a:buNone/>
+            </a:pPr>
+            <a:r>
+              <a:rPr lang="en" sz="1400"/>
+              <a:t>Let’s move </a:t>
+            </a:r>
+            <a:r>
+              <a:rPr b="1" lang="en" sz="1400">
+                <a:solidFill>
+                  <a:srgbClr val="FF0000"/>
+                </a:solidFill>
+                <a:latin typeface="Courier New"/>
+                <a:ea typeface="Courier New"/>
+                <a:cs typeface="Courier New"/>
+                <a:sym typeface="Courier New"/>
+              </a:rPr>
+              <a:t>dice.js</a:t>
+            </a:r>
+            <a:r>
+              <a:rPr lang="en" sz="1400"/>
+              <a:t> to </a:t>
+            </a:r>
+            <a:r>
+              <a:rPr b="1" lang="en" sz="1400">
+                <a:solidFill>
+                  <a:srgbClr val="FF0000"/>
+                </a:solidFill>
+                <a:latin typeface="Courier New"/>
+                <a:ea typeface="Courier New"/>
+                <a:cs typeface="Courier New"/>
+                <a:sym typeface="Courier New"/>
+              </a:rPr>
+              <a:t>ScriptCraft-master/server/scriptcraft/modules</a:t>
+            </a:r>
+          </a:p>
+          <a:p>
+            <a:pPr lvl="0" rtl="0">
+              <a:spcBef>
+                <a:spcPts val="0"/>
+              </a:spcBef>
+              <a:buNone/>
+            </a:pPr>
+            <a:r>
+              <a:rPr lang="en" sz="1400"/>
+              <a:t>But how do we use it now?</a:t>
+            </a:r>
+          </a:p>
+          <a:p>
+            <a:pPr lvl="0" rtl="0">
+              <a:spcBef>
+                <a:spcPts val="0"/>
+              </a:spcBef>
+              <a:buNone/>
+            </a:pPr>
+            <a:r>
+              <a:rPr b="1" lang="en" sz="1400">
+                <a:solidFill>
+                  <a:srgbClr val="FF0000"/>
+                </a:solidFill>
+                <a:latin typeface="Courier New"/>
+                <a:ea typeface="Courier New"/>
+                <a:cs typeface="Courier New"/>
+                <a:sym typeface="Courier New"/>
+              </a:rPr>
+              <a:t>js var dice = require("dice")</a:t>
+            </a:r>
+          </a:p>
+          <a:p>
+            <a:pPr lvl="0" rtl="0">
+              <a:spcBef>
+                <a:spcPts val="0"/>
+              </a:spcBef>
+              <a:buNone/>
+            </a:pPr>
+            <a:r>
+              <a:rPr b="1" lang="en" sz="1400">
+                <a:solidFill>
+                  <a:srgbClr val="FF0000"/>
+                </a:solidFill>
+                <a:latin typeface="Courier New"/>
+                <a:ea typeface="Courier New"/>
+                <a:cs typeface="Courier New"/>
+                <a:sym typeface="Courier New"/>
+              </a:rPr>
+              <a:t>js dice.roll()</a:t>
+            </a:r>
+          </a:p>
+        </p:txBody>
+      </p:sp>
+    </p:spTree>
+  </p:cSld>
+  <p:clrMapOvr>
+    <a:masterClrMapping/>
+  </p:clrMapOvr>
+  <p:transition spd="slow">
+    <p:cut/>
+  </p:transition>
+</p:sld>
+</file>
+
+<file path=ppt/slides/slide43.xml><?xml version="1.0" encoding="utf-8"?>
+<p:sld xmlns:a="http://schemas.openxmlformats.org/drawingml/2006/main" xmlns:r="http://schemas.openxmlformats.org/officeDocument/2006/relationships" xmlns:mc="http://schemas.openxmlformats.org/markup-compatibility/2006" xmlns:mv="urn:schemas-microsoft-com:mac:vml" xmlns:p="http://schemas.openxmlformats.org/presentationml/2006/main" xmlns:c="http://schemas.openxmlformats.org/drawingml/2006/chart" xmlns:dgm="http://schemas.openxmlformats.org/drawingml/2006/diagram" xmlns:o="urn:schemas-microsoft-com:office:office" xmlns:v="urn:schemas-microsoft-com:vml" xmlns:pvml="urn:schemas-microsoft-com:office:powerpoint" xmlns:com="http://schemas.openxmlformats.org/drawingml/2006/compatibility" xmlns:p14="http://schemas.microsoft.com/office/powerpoint/2010/main">
+  <p:cSld>
+    <p:bg>
+      <p:bgPr>
+        <a:blipFill>
+          <a:blip r:embed="rId3">
+            <a:alphaModFix/>
+          </a:blip>
+          <a:stretch>
+            <a:fillRect/>
+          </a:stretch>
+        </a:blipFill>
+      </p:bgPr>
+    </p:bg>
+    <p:spTree>
+      <p:nvGrpSpPr>
+        <p:cNvPr id="330" name="Shape 330"/>
+        <p:cNvGrpSpPr/>
+        <p:nvPr/>
+      </p:nvGrpSpPr>
+      <p:grpSpPr>
+        <a:xfrm>
+          <a:off x="0" y="0"/>
+          <a:ext cx="0" cy="0"/>
+          <a:chOff x="0" y="0"/>
+          <a:chExt cx="0" cy="0"/>
+        </a:xfrm>
+      </p:grpSpPr>
+      <p:sp>
+        <p:nvSpPr>
+          <p:cNvPr id="331" name="Shape 331"/>
+          <p:cNvSpPr txBox="1"/>
+          <p:nvPr>
+            <p:ph type="title"/>
+          </p:nvPr>
+        </p:nvSpPr>
+        <p:spPr>
+          <a:xfrm>
+            <a:off x="2400250" y="575950"/>
+            <a:ext cx="6321600" cy="635400"/>
+          </a:xfrm>
+          <a:prstGeom prst="rect">
+            <a:avLst/>
+          </a:prstGeom>
+        </p:spPr>
+        <p:txBody>
+          <a:bodyPr anchorCtr="0" anchor="t" bIns="91425" lIns="91425" rIns="91425" tIns="91425">
+            <a:noAutofit/>
+          </a:bodyPr>
+          <a:lstStyle/>
+          <a:p>
+            <a:pPr lvl="0" rtl="0">
+              <a:spcBef>
+                <a:spcPts val="0"/>
+              </a:spcBef>
+              <a:buNone/>
+            </a:pPr>
+            <a:r>
+              <a:rPr lang="en"/>
+              <a:t>Random Spawner Plugin</a:t>
+            </a:r>
+          </a:p>
+        </p:txBody>
+      </p:sp>
+      <p:sp>
+        <p:nvSpPr>
+          <p:cNvPr id="332" name="Shape 332"/>
+          <p:cNvSpPr txBox="1"/>
+          <p:nvPr>
+            <p:ph idx="1" type="body"/>
+          </p:nvPr>
+        </p:nvSpPr>
+        <p:spPr>
+          <a:xfrm>
+            <a:off x="2298525" y="1595775"/>
+            <a:ext cx="6791400" cy="3002400"/>
+          </a:xfrm>
+          <a:prstGeom prst="rect">
+            <a:avLst/>
+          </a:prstGeom>
+        </p:spPr>
+        <p:txBody>
+          <a:bodyPr anchorCtr="0" anchor="t" bIns="91425" lIns="91425" rIns="91425" tIns="91425">
+            <a:noAutofit/>
+          </a:bodyPr>
+          <a:lstStyle/>
+          <a:p>
+            <a:pPr lvl="0" rtl="0">
+              <a:lnSpc>
+                <a:spcPct val="100000"/>
+              </a:lnSpc>
+              <a:spcBef>
+                <a:spcPts val="0"/>
+              </a:spcBef>
+              <a:spcAft>
+                <a:spcPts val="0"/>
+              </a:spcAft>
+              <a:buClr>
+                <a:schemeClr val="dk2"/>
+              </a:buClr>
+              <a:buSzPct val="78571"/>
+              <a:buFont typeface="Arial"/>
+              <a:buNone/>
+            </a:pPr>
+            <a:r>
+              <a:rPr lang="en" sz="1400"/>
+              <a:t>Create a file called </a:t>
+            </a:r>
+            <a:r>
+              <a:rPr b="1" lang="en" sz="1400">
+                <a:solidFill>
+                  <a:srgbClr val="FF0000"/>
+                </a:solidFill>
+                <a:latin typeface="Courier New"/>
+                <a:ea typeface="Courier New"/>
+                <a:cs typeface="Courier New"/>
+                <a:sym typeface="Courier New"/>
+              </a:rPr>
+              <a:t>randomSpawner.js</a:t>
+            </a:r>
+            <a:r>
+              <a:rPr lang="en" sz="1400"/>
+              <a:t> in your </a:t>
+            </a:r>
+            <a:r>
+              <a:rPr b="1" lang="en" sz="1400">
+                <a:solidFill>
+                  <a:srgbClr val="FF0000"/>
+                </a:solidFill>
+                <a:latin typeface="Courier New"/>
+                <a:ea typeface="Courier New"/>
+                <a:cs typeface="Courier New"/>
+                <a:sym typeface="Courier New"/>
+              </a:rPr>
+              <a:t>plugins/</a:t>
+            </a:r>
+            <a:r>
+              <a:rPr lang="en" sz="1400"/>
+              <a:t> folder:</a:t>
+            </a:r>
+          </a:p>
+          <a:p>
+            <a:pPr lvl="0" rtl="0">
+              <a:lnSpc>
+                <a:spcPct val="100000"/>
+              </a:lnSpc>
+              <a:spcBef>
+                <a:spcPts val="0"/>
+              </a:spcBef>
+              <a:spcAft>
+                <a:spcPts val="0"/>
+              </a:spcAft>
+              <a:buClr>
+                <a:schemeClr val="dk2"/>
+              </a:buClr>
+              <a:buSzPct val="78571"/>
+              <a:buFont typeface="Arial"/>
+              <a:buNone/>
+            </a:pPr>
+            <a:r>
+              <a:t/>
+            </a:r>
+            <a:endParaRPr sz="1400"/>
+          </a:p>
+          <a:p>
+            <a:pPr lvl="0" rtl="0">
+              <a:lnSpc>
+                <a:spcPct val="100000"/>
+              </a:lnSpc>
+              <a:spcBef>
+                <a:spcPts val="0"/>
+              </a:spcBef>
+              <a:spcAft>
+                <a:spcPts val="0"/>
+              </a:spcAft>
+              <a:buClr>
+                <a:schemeClr val="dk2"/>
+              </a:buClr>
+              <a:buSzPct val="78571"/>
+              <a:buFont typeface="Arial"/>
+              <a:buNone/>
+            </a:pPr>
+            <a:r>
+              <a:rPr b="1" lang="en" sz="1400">
+                <a:solidFill>
+                  <a:srgbClr val="FF0000"/>
+                </a:solidFill>
+                <a:latin typeface="Courier New"/>
+                <a:ea typeface="Courier New"/>
+                <a:cs typeface="Courier New"/>
+                <a:sym typeface="Courier New"/>
+              </a:rPr>
+              <a:t>var dice = require('dice');</a:t>
+            </a:r>
+          </a:p>
+          <a:p>
+            <a:pPr lvl="0" rtl="0">
+              <a:lnSpc>
+                <a:spcPct val="100000"/>
+              </a:lnSpc>
+              <a:spcBef>
+                <a:spcPts val="0"/>
+              </a:spcBef>
+              <a:spcAft>
+                <a:spcPts val="0"/>
+              </a:spcAft>
+              <a:buClr>
+                <a:schemeClr val="dk2"/>
+              </a:buClr>
+              <a:buSzPct val="78571"/>
+              <a:buFont typeface="Arial"/>
+              <a:buNone/>
+            </a:pPr>
+            <a:r>
+              <a:rPr b="1" lang="en" sz="1400">
+                <a:solidFill>
+                  <a:srgbClr val="FF0000"/>
+                </a:solidFill>
+                <a:latin typeface="Courier New"/>
+                <a:ea typeface="Courier New"/>
+                <a:cs typeface="Courier New"/>
+                <a:sym typeface="Courier New"/>
+              </a:rPr>
+              <a:t>var spawn = require('spawn');</a:t>
+            </a:r>
+          </a:p>
+          <a:p>
+            <a:pPr lvl="0" rtl="0">
+              <a:lnSpc>
+                <a:spcPct val="100000"/>
+              </a:lnSpc>
+              <a:spcBef>
+                <a:spcPts val="0"/>
+              </a:spcBef>
+              <a:spcAft>
+                <a:spcPts val="0"/>
+              </a:spcAft>
+              <a:buClr>
+                <a:schemeClr val="dk2"/>
+              </a:buClr>
+              <a:buSzPct val="78571"/>
+              <a:buFont typeface="Arial"/>
+              <a:buNone/>
+            </a:pPr>
+            <a:r>
+              <a:rPr b="1" lang="en" sz="1400">
+                <a:solidFill>
+                  <a:srgbClr val="FF0000"/>
+                </a:solidFill>
+                <a:latin typeface="Courier New"/>
+                <a:ea typeface="Courier New"/>
+                <a:cs typeface="Courier New"/>
+                <a:sym typeface="Courier New"/>
+              </a:rPr>
+              <a:t>var farmAnimals = ["cow", "chicken", "pig", "sheep"];</a:t>
+            </a:r>
+          </a:p>
+          <a:p>
+            <a:pPr lvl="0" rtl="0">
+              <a:lnSpc>
+                <a:spcPct val="100000"/>
+              </a:lnSpc>
+              <a:spcBef>
+                <a:spcPts val="0"/>
+              </a:spcBef>
+              <a:spcAft>
+                <a:spcPts val="0"/>
+              </a:spcAft>
+              <a:buClr>
+                <a:schemeClr val="dk2"/>
+              </a:buClr>
+              <a:buSzPct val="78571"/>
+              <a:buFont typeface="Arial"/>
+              <a:buNone/>
+            </a:pPr>
+            <a:r>
+              <a:rPr b="1" lang="en" sz="1400">
+                <a:solidFill>
+                  <a:srgbClr val="FF0000"/>
+                </a:solidFill>
+                <a:latin typeface="Courier New"/>
+                <a:ea typeface="Courier New"/>
+                <a:cs typeface="Courier New"/>
+                <a:sym typeface="Courier New"/>
+              </a:rPr>
+              <a:t>var total = farmAnimals.length; </a:t>
+            </a:r>
+            <a:r>
+              <a:rPr b="1" lang="en" sz="1400">
+                <a:solidFill>
+                  <a:srgbClr val="0000FF"/>
+                </a:solidFill>
+                <a:latin typeface="Courier New"/>
+                <a:ea typeface="Courier New"/>
+                <a:cs typeface="Courier New"/>
+                <a:sym typeface="Courier New"/>
+              </a:rPr>
+              <a:t>// .length gets # of elements</a:t>
+            </a:r>
+          </a:p>
+          <a:p>
+            <a:pPr lvl="0" rtl="0">
+              <a:lnSpc>
+                <a:spcPct val="100000"/>
+              </a:lnSpc>
+              <a:spcBef>
+                <a:spcPts val="0"/>
+              </a:spcBef>
+              <a:spcAft>
+                <a:spcPts val="0"/>
+              </a:spcAft>
+              <a:buClr>
+                <a:schemeClr val="dk2"/>
+              </a:buClr>
+              <a:buSzPct val="78571"/>
+              <a:buFont typeface="Arial"/>
+              <a:buNone/>
+            </a:pPr>
+            <a:r>
+              <a:t/>
+            </a:r>
+            <a:endParaRPr b="1" sz="1400">
+              <a:solidFill>
+                <a:srgbClr val="4A86E8"/>
+              </a:solidFill>
+              <a:latin typeface="Courier New"/>
+              <a:ea typeface="Courier New"/>
+              <a:cs typeface="Courier New"/>
+              <a:sym typeface="Courier New"/>
+            </a:endParaRPr>
+          </a:p>
+          <a:p>
+            <a:pPr lvl="0" rtl="0">
+              <a:lnSpc>
+                <a:spcPct val="100000"/>
+              </a:lnSpc>
+              <a:spcBef>
+                <a:spcPts val="0"/>
+              </a:spcBef>
+              <a:spcAft>
+                <a:spcPts val="0"/>
+              </a:spcAft>
+              <a:buClr>
+                <a:schemeClr val="dk2"/>
+              </a:buClr>
+              <a:buSzPct val="78571"/>
+              <a:buFont typeface="Arial"/>
+              <a:buNone/>
+            </a:pPr>
+            <a:r>
+              <a:rPr b="1" lang="en" sz="1400">
+                <a:solidFill>
+                  <a:srgbClr val="FF0000"/>
+                </a:solidFill>
+                <a:latin typeface="Courier New"/>
+                <a:ea typeface="Courier New"/>
+                <a:cs typeface="Courier New"/>
+                <a:sym typeface="Courier New"/>
+              </a:rPr>
+              <a:t>function randomSpawn() {</a:t>
+            </a:r>
+          </a:p>
+          <a:p>
+            <a:pPr lvl="0" rtl="0">
+              <a:lnSpc>
+                <a:spcPct val="100000"/>
+              </a:lnSpc>
+              <a:spcBef>
+                <a:spcPts val="0"/>
+              </a:spcBef>
+              <a:spcAft>
+                <a:spcPts val="0"/>
+              </a:spcAft>
+              <a:buClr>
+                <a:schemeClr val="dk2"/>
+              </a:buClr>
+              <a:buSzPct val="78571"/>
+              <a:buFont typeface="Arial"/>
+              <a:buNone/>
+            </a:pPr>
+            <a:r>
+              <a:rPr b="1" lang="en" sz="1400">
+                <a:solidFill>
+                  <a:srgbClr val="FF0000"/>
+                </a:solidFill>
+                <a:latin typeface="Courier New"/>
+                <a:ea typeface="Courier New"/>
+                <a:cs typeface="Courier New"/>
+                <a:sym typeface="Courier New"/>
+              </a:rPr>
+              <a:t>  var result = dice.roll(total);</a:t>
+            </a:r>
+          </a:p>
+          <a:p>
+            <a:pPr lvl="0" rtl="0">
+              <a:lnSpc>
+                <a:spcPct val="100000"/>
+              </a:lnSpc>
+              <a:spcBef>
+                <a:spcPts val="0"/>
+              </a:spcBef>
+              <a:spcAft>
+                <a:spcPts val="0"/>
+              </a:spcAft>
+              <a:buClr>
+                <a:schemeClr val="dk2"/>
+              </a:buClr>
+              <a:buSzPct val="78571"/>
+              <a:buFont typeface="Arial"/>
+              <a:buNone/>
+            </a:pPr>
+            <a:r>
+              <a:rPr b="1" lang="en" sz="1400">
+                <a:solidFill>
+                  <a:srgbClr val="FF0000"/>
+                </a:solidFill>
+                <a:latin typeface="Courier New"/>
+                <a:ea typeface="Courier New"/>
+                <a:cs typeface="Courier New"/>
+                <a:sym typeface="Courier New"/>
+              </a:rPr>
+              <a:t>  spawn(farmAnimals[result], self.location);</a:t>
+            </a:r>
+          </a:p>
+          <a:p>
+            <a:pPr lvl="0" rtl="0">
+              <a:lnSpc>
+                <a:spcPct val="100000"/>
+              </a:lnSpc>
+              <a:spcBef>
+                <a:spcPts val="0"/>
+              </a:spcBef>
+              <a:spcAft>
+                <a:spcPts val="0"/>
+              </a:spcAft>
+              <a:buClr>
+                <a:schemeClr val="dk2"/>
+              </a:buClr>
+              <a:buSzPct val="78571"/>
+              <a:buFont typeface="Arial"/>
+              <a:buNone/>
+            </a:pPr>
+            <a:r>
+              <a:rPr b="1" lang="en" sz="1400">
+                <a:solidFill>
+                  <a:srgbClr val="FF0000"/>
+                </a:solidFill>
+                <a:latin typeface="Courier New"/>
+                <a:ea typeface="Courier New"/>
+                <a:cs typeface="Courier New"/>
+                <a:sym typeface="Courier New"/>
+              </a:rPr>
+              <a:t>}</a:t>
+            </a:r>
+          </a:p>
+          <a:p>
+            <a:pPr lvl="0" rtl="0">
+              <a:lnSpc>
+                <a:spcPct val="100000"/>
+              </a:lnSpc>
+              <a:spcBef>
+                <a:spcPts val="0"/>
+              </a:spcBef>
+              <a:spcAft>
+                <a:spcPts val="0"/>
+              </a:spcAft>
+              <a:buClr>
+                <a:schemeClr val="dk2"/>
+              </a:buClr>
+              <a:buSzPct val="78571"/>
+              <a:buFont typeface="Arial"/>
+              <a:buNone/>
+            </a:pPr>
+            <a:r>
+              <a:rPr b="1" lang="en" sz="1400">
+                <a:solidFill>
+                  <a:srgbClr val="FF0000"/>
+                </a:solidFill>
+                <a:latin typeface="Courier New"/>
+                <a:ea typeface="Courier New"/>
+                <a:cs typeface="Courier New"/>
+                <a:sym typeface="Courier New"/>
+              </a:rPr>
+              <a:t>                                                                                                                                                                                 </a:t>
+            </a:r>
+          </a:p>
+          <a:p>
+            <a:pPr lvl="0" rtl="0">
+              <a:lnSpc>
+                <a:spcPct val="100000"/>
+              </a:lnSpc>
+              <a:spcBef>
+                <a:spcPts val="0"/>
+              </a:spcBef>
+              <a:spcAft>
+                <a:spcPts val="0"/>
+              </a:spcAft>
+              <a:buClr>
+                <a:schemeClr val="dk2"/>
+              </a:buClr>
+              <a:buSzPct val="78571"/>
+              <a:buFont typeface="Arial"/>
+              <a:buNone/>
+            </a:pPr>
+            <a:r>
+              <a:rPr b="1" lang="en" sz="1400">
+                <a:solidFill>
+                  <a:srgbClr val="0000FF"/>
+                </a:solidFill>
+                <a:latin typeface="Courier New"/>
+                <a:ea typeface="Courier New"/>
+                <a:cs typeface="Courier New"/>
+                <a:sym typeface="Courier New"/>
+              </a:rPr>
+              <a:t>/* This command will only work in-game */</a:t>
+            </a:r>
+          </a:p>
+          <a:p>
+            <a:pPr lvl="0" rtl="0">
+              <a:lnSpc>
+                <a:spcPct val="100000"/>
+              </a:lnSpc>
+              <a:spcBef>
+                <a:spcPts val="0"/>
+              </a:spcBef>
+              <a:spcAft>
+                <a:spcPts val="0"/>
+              </a:spcAft>
+              <a:buClr>
+                <a:schemeClr val="dk2"/>
+              </a:buClr>
+              <a:buSzPct val="78571"/>
+              <a:buFont typeface="Arial"/>
+              <a:buNone/>
+            </a:pPr>
+            <a:r>
+              <a:rPr b="1" lang="en" sz="1400">
+                <a:solidFill>
+                  <a:srgbClr val="FF0000"/>
+                </a:solidFill>
+                <a:latin typeface="Courier New"/>
+                <a:ea typeface="Courier New"/>
+                <a:cs typeface="Courier New"/>
+                <a:sym typeface="Courier New"/>
+              </a:rPr>
+              <a:t>exports.randomSpawn = randomSpawn;</a:t>
+            </a:r>
+          </a:p>
+          <a:p>
+            <a:pPr lvl="0" rtl="0">
+              <a:spcBef>
+                <a:spcPts val="0"/>
+              </a:spcBef>
+              <a:buNone/>
+            </a:pPr>
+            <a:r>
+              <a:t/>
+            </a:r>
+            <a:endParaRPr/>
+          </a:p>
+        </p:txBody>
+      </p:sp>
+    </p:spTree>
+  </p:cSld>
+  <p:clrMapOvr>
+    <a:masterClrMapping/>
+  </p:clrMapOvr>
+  <p:transition spd="slow">
+    <p:cut/>
+  </p:transition>
+</p:sld>
+</file>
+
+<file path=ppt/slides/slide44.xml><?xml version="1.0" encoding="utf-8"?>
+<p:sld xmlns:a="http://schemas.openxmlformats.org/drawingml/2006/main" xmlns:r="http://schemas.openxmlformats.org/officeDocument/2006/relationships" xmlns:mc="http://schemas.openxmlformats.org/markup-compatibility/2006" xmlns:mv="urn:schemas-microsoft-com:mac:vml" xmlns:p="http://schemas.openxmlformats.org/presentationml/2006/main" xmlns:c="http://schemas.openxmlformats.org/drawingml/2006/chart" xmlns:dgm="http://schemas.openxmlformats.org/drawingml/2006/diagram" xmlns:o="urn:schemas-microsoft-com:office:office" xmlns:v="urn:schemas-microsoft-com:vml" xmlns:pvml="urn:schemas-microsoft-com:office:powerpoint" xmlns:com="http://schemas.openxmlformats.org/drawingml/2006/compatibility" xmlns:p14="http://schemas.microsoft.com/office/powerpoint/2010/main">
+  <p:cSld>
+    <p:bg>
+      <p:bgPr>
+        <a:blipFill>
+          <a:blip r:embed="rId3">
+            <a:alphaModFix/>
+          </a:blip>
+          <a:stretch>
+            <a:fillRect/>
+          </a:stretch>
+        </a:blipFill>
+      </p:bgPr>
+    </p:bg>
+    <p:spTree>
+      <p:nvGrpSpPr>
+        <p:cNvPr id="336" name="Shape 336"/>
+        <p:cNvGrpSpPr/>
+        <p:nvPr/>
+      </p:nvGrpSpPr>
+      <p:grpSpPr>
+        <a:xfrm>
+          <a:off x="0" y="0"/>
+          <a:ext cx="0" cy="0"/>
+          <a:chOff x="0" y="0"/>
+          <a:chExt cx="0" cy="0"/>
+        </a:xfrm>
+      </p:grpSpPr>
+      <p:sp>
+        <p:nvSpPr>
+          <p:cNvPr id="337" name="Shape 337"/>
+          <p:cNvSpPr txBox="1"/>
+          <p:nvPr>
+            <p:ph type="title"/>
+          </p:nvPr>
+        </p:nvSpPr>
+        <p:spPr>
+          <a:xfrm>
+            <a:off x="2400250" y="575950"/>
+            <a:ext cx="6321600" cy="635400"/>
+          </a:xfrm>
+          <a:prstGeom prst="rect">
+            <a:avLst/>
+          </a:prstGeom>
+        </p:spPr>
+        <p:txBody>
+          <a:bodyPr anchorCtr="0" anchor="t" bIns="91425" lIns="91425" rIns="91425" tIns="91425">
+            <a:noAutofit/>
+          </a:bodyPr>
+          <a:lstStyle/>
+          <a:p>
+            <a:pPr lvl="0" rtl="0">
+              <a:spcBef>
+                <a:spcPts val="0"/>
+              </a:spcBef>
+              <a:buNone/>
+            </a:pPr>
+            <a:r>
+              <a:rPr lang="en"/>
+              <a:t>A Quick Note About Comments</a:t>
+            </a:r>
+          </a:p>
+        </p:txBody>
+      </p:sp>
+      <p:sp>
+        <p:nvSpPr>
+          <p:cNvPr id="338" name="Shape 338"/>
+          <p:cNvSpPr txBox="1"/>
+          <p:nvPr>
+            <p:ph idx="1" type="body"/>
+          </p:nvPr>
+        </p:nvSpPr>
+        <p:spPr>
+          <a:xfrm>
+            <a:off x="1275025" y="1602675"/>
+            <a:ext cx="4196700" cy="3002400"/>
+          </a:xfrm>
+          <a:prstGeom prst="rect">
+            <a:avLst/>
+          </a:prstGeom>
+        </p:spPr>
+        <p:txBody>
+          <a:bodyPr anchorCtr="0" anchor="t" bIns="91425" lIns="91425" rIns="91425" tIns="91425">
+            <a:noAutofit/>
+          </a:bodyPr>
+          <a:lstStyle/>
+          <a:p>
+            <a:pPr lvl="0" rtl="0">
+              <a:spcBef>
+                <a:spcPts val="0"/>
+              </a:spcBef>
+              <a:buNone/>
+            </a:pPr>
+            <a:r>
+              <a:rPr lang="en" sz="1400"/>
+              <a:t>Comments are notes in code that help explain what is happening. They are not read by the computer.</a:t>
+            </a:r>
+          </a:p>
+          <a:p>
+            <a:pPr lvl="0" rtl="0">
+              <a:spcBef>
+                <a:spcPts val="0"/>
+              </a:spcBef>
+              <a:buNone/>
+            </a:pPr>
+            <a:r>
+              <a:rPr lang="en" sz="1400"/>
+              <a:t>Single-Line comments</a:t>
+            </a:r>
+          </a:p>
+          <a:p>
+            <a:pPr lvl="0" rtl="0">
+              <a:spcBef>
+                <a:spcPts val="0"/>
+              </a:spcBef>
+              <a:buNone/>
+            </a:pPr>
+            <a:r>
+              <a:rPr b="1" lang="en" sz="1400">
+                <a:solidFill>
+                  <a:srgbClr val="0000FF"/>
+                </a:solidFill>
+                <a:latin typeface="Courier New"/>
+                <a:ea typeface="Courier New"/>
+                <a:cs typeface="Courier New"/>
+                <a:sym typeface="Courier New"/>
+              </a:rPr>
+              <a:t>// anything after the </a:t>
+            </a:r>
+            <a:r>
+              <a:rPr b="1" lang="en">
+                <a:solidFill>
+                  <a:srgbClr val="0000FF"/>
+                </a:solidFill>
+                <a:latin typeface="Courier New"/>
+                <a:ea typeface="Courier New"/>
+                <a:cs typeface="Courier New"/>
+                <a:sym typeface="Courier New"/>
+              </a:rPr>
+              <a:t>//</a:t>
+            </a:r>
+            <a:r>
+              <a:rPr b="1" lang="en" sz="1400">
+                <a:solidFill>
+                  <a:srgbClr val="0000FF"/>
+                </a:solidFill>
+                <a:latin typeface="Courier New"/>
+                <a:ea typeface="Courier New"/>
+                <a:cs typeface="Courier New"/>
+                <a:sym typeface="Courier New"/>
+              </a:rPr>
+              <a:t> </a:t>
+            </a:r>
+            <a:r>
+              <a:rPr b="1" lang="en">
+                <a:solidFill>
+                  <a:srgbClr val="0000FF"/>
+                </a:solidFill>
+                <a:latin typeface="Courier New"/>
+                <a:ea typeface="Courier New"/>
+                <a:cs typeface="Courier New"/>
+                <a:sym typeface="Courier New"/>
+              </a:rPr>
+              <a:t>is</a:t>
+            </a:r>
+            <a:r>
+              <a:rPr b="1" lang="en" sz="1400">
+                <a:solidFill>
+                  <a:srgbClr val="0000FF"/>
+                </a:solidFill>
+                <a:latin typeface="Courier New"/>
+                <a:ea typeface="Courier New"/>
+                <a:cs typeface="Courier New"/>
+                <a:sym typeface="Courier New"/>
+              </a:rPr>
+              <a:t> a comment</a:t>
+            </a:r>
+          </a:p>
+          <a:p>
+            <a:pPr lvl="0" rtl="0">
+              <a:spcBef>
+                <a:spcPts val="0"/>
+              </a:spcBef>
+              <a:buNone/>
+            </a:pPr>
+            <a:r>
+              <a:rPr b="1" lang="en">
+                <a:solidFill>
+                  <a:srgbClr val="FF0000"/>
+                </a:solidFill>
+                <a:latin typeface="Courier New"/>
+                <a:ea typeface="Courier New"/>
+                <a:cs typeface="Courier New"/>
+                <a:sym typeface="Courier New"/>
+              </a:rPr>
+              <a:t>var a = 1;</a:t>
+            </a:r>
+            <a:r>
+              <a:rPr b="1" lang="en">
+                <a:solidFill>
+                  <a:srgbClr val="0000FF"/>
+                </a:solidFill>
+                <a:latin typeface="Courier New"/>
+                <a:ea typeface="Courier New"/>
+                <a:cs typeface="Courier New"/>
+                <a:sym typeface="Courier New"/>
+              </a:rPr>
+              <a:t> // end of line comment</a:t>
+            </a:r>
+          </a:p>
+          <a:p>
+            <a:pPr lvl="0" rtl="0">
+              <a:spcBef>
+                <a:spcPts val="0"/>
+              </a:spcBef>
+              <a:buNone/>
+            </a:pPr>
+            <a:r>
+              <a:rPr b="1" lang="en">
+                <a:solidFill>
+                  <a:srgbClr val="0000FF"/>
+                </a:solidFill>
+                <a:latin typeface="Courier New"/>
+                <a:ea typeface="Courier New"/>
+                <a:cs typeface="Courier New"/>
+                <a:sym typeface="Courier New"/>
+              </a:rPr>
+              <a:t>// multiple lines ...</a:t>
+            </a:r>
+          </a:p>
+          <a:p>
+            <a:pPr lvl="0" rtl="0">
+              <a:spcBef>
+                <a:spcPts val="0"/>
+              </a:spcBef>
+              <a:buNone/>
+            </a:pPr>
+            <a:r>
+              <a:rPr b="1" lang="en">
+                <a:solidFill>
+                  <a:srgbClr val="0000FF"/>
+                </a:solidFill>
+                <a:latin typeface="Courier New"/>
+                <a:ea typeface="Courier New"/>
+                <a:cs typeface="Courier New"/>
+                <a:sym typeface="Courier New"/>
+              </a:rPr>
+              <a:t>// ... need multiple slashes</a:t>
+            </a:r>
+          </a:p>
+          <a:p>
+            <a:pPr lvl="0" rtl="0">
+              <a:spcBef>
+                <a:spcPts val="0"/>
+              </a:spcBef>
+              <a:buNone/>
+            </a:pPr>
+            <a:r>
+              <a:t/>
+            </a:r>
+            <a:endParaRPr sz="1400">
+              <a:solidFill>
+                <a:srgbClr val="0000FF"/>
+              </a:solidFill>
+            </a:endParaRPr>
+          </a:p>
+        </p:txBody>
+      </p:sp>
+      <p:sp>
+        <p:nvSpPr>
+          <p:cNvPr id="339" name="Shape 339"/>
+          <p:cNvSpPr txBox="1"/>
+          <p:nvPr>
+            <p:ph idx="2" type="body"/>
+          </p:nvPr>
+        </p:nvSpPr>
+        <p:spPr>
+          <a:xfrm>
+            <a:off x="5650571" y="1602675"/>
+            <a:ext cx="3071400" cy="3002400"/>
+          </a:xfrm>
+          <a:prstGeom prst="rect">
+            <a:avLst/>
+          </a:prstGeom>
+        </p:spPr>
+        <p:txBody>
+          <a:bodyPr anchorCtr="0" anchor="t" bIns="91425" lIns="91425" rIns="91425" tIns="91425">
+            <a:noAutofit/>
+          </a:bodyPr>
+          <a:lstStyle/>
+          <a:p>
+            <a:pPr lvl="0" rtl="0">
+              <a:spcBef>
+                <a:spcPts val="0"/>
+              </a:spcBef>
+              <a:buClr>
+                <a:schemeClr val="dk2"/>
+              </a:buClr>
+              <a:buSzPct val="78571"/>
+              <a:buFont typeface="Arial"/>
+              <a:buNone/>
+            </a:pPr>
+            <a:r>
+              <a:rPr lang="en"/>
+              <a:t>Multi-Line comments</a:t>
+            </a:r>
+          </a:p>
+          <a:p>
+            <a:pPr lvl="0" rtl="0">
+              <a:spcBef>
+                <a:spcPts val="0"/>
+              </a:spcBef>
+              <a:buClr>
+                <a:schemeClr val="dk2"/>
+              </a:buClr>
+              <a:buSzPct val="78571"/>
+              <a:buFont typeface="Arial"/>
+              <a:buNone/>
+            </a:pPr>
+            <a:r>
+              <a:rPr b="1" lang="en">
+                <a:solidFill>
+                  <a:srgbClr val="0000FF"/>
+                </a:solidFill>
+                <a:latin typeface="Courier New"/>
+                <a:ea typeface="Courier New"/>
+                <a:cs typeface="Courier New"/>
+                <a:sym typeface="Courier New"/>
+              </a:rPr>
+              <a:t>/* </a:t>
+            </a:r>
+          </a:p>
+          <a:p>
+            <a:pPr lvl="0" rtl="0">
+              <a:spcBef>
+                <a:spcPts val="0"/>
+              </a:spcBef>
+              <a:buClr>
+                <a:schemeClr val="dk2"/>
+              </a:buClr>
+              <a:buSzPct val="78571"/>
+              <a:buFont typeface="Arial"/>
+              <a:buNone/>
+            </a:pPr>
+            <a:r>
+              <a:rPr b="1" lang="en">
+                <a:solidFill>
+                  <a:srgbClr val="0000FF"/>
+                </a:solidFill>
+                <a:latin typeface="Courier New"/>
+                <a:ea typeface="Courier New"/>
+                <a:cs typeface="Courier New"/>
+                <a:sym typeface="Courier New"/>
+              </a:rPr>
+              <a:t>Anything inside here a comment</a:t>
+            </a:r>
+          </a:p>
+          <a:p>
+            <a:pPr lvl="0" rtl="0">
+              <a:spcBef>
+                <a:spcPts val="0"/>
+              </a:spcBef>
+              <a:buNone/>
+            </a:pPr>
+            <a:r>
+              <a:rPr b="1" lang="en">
+                <a:solidFill>
+                  <a:srgbClr val="0000FF"/>
+                </a:solidFill>
+                <a:latin typeface="Courier New"/>
+                <a:ea typeface="Courier New"/>
+                <a:cs typeface="Courier New"/>
+                <a:sym typeface="Courier New"/>
+              </a:rPr>
+              <a:t>*/</a:t>
+            </a:r>
+          </a:p>
+          <a:p>
+            <a:pPr lvl="0" rtl="0">
+              <a:spcBef>
+                <a:spcPts val="0"/>
+              </a:spcBef>
+              <a:buClr>
+                <a:schemeClr val="dk2"/>
+              </a:buClr>
+              <a:buSzPct val="78571"/>
+              <a:buFont typeface="Arial"/>
+              <a:buNone/>
+            </a:pPr>
+            <a:r>
+              <a:rPr lang="en">
+                <a:solidFill>
+                  <a:srgbClr val="000000"/>
+                </a:solidFill>
+              </a:rPr>
+              <a:t>Single-line comments can have </a:t>
+            </a:r>
+            <a:r>
+              <a:rPr b="1" lang="en">
+                <a:solidFill>
+                  <a:srgbClr val="0000FF"/>
+                </a:solidFill>
+                <a:latin typeface="Courier New"/>
+                <a:ea typeface="Courier New"/>
+                <a:cs typeface="Courier New"/>
+                <a:sym typeface="Courier New"/>
+              </a:rPr>
+              <a:t>//</a:t>
+            </a:r>
+            <a:r>
+              <a:rPr lang="en">
+                <a:solidFill>
+                  <a:srgbClr val="000000"/>
+                </a:solidFill>
+              </a:rPr>
+              <a:t> inside them. Multi-line can’t have </a:t>
+            </a:r>
+            <a:r>
+              <a:rPr b="1" lang="en">
+                <a:solidFill>
+                  <a:srgbClr val="0000FF"/>
+                </a:solidFill>
+                <a:latin typeface="Courier New"/>
+                <a:ea typeface="Courier New"/>
+                <a:cs typeface="Courier New"/>
+                <a:sym typeface="Courier New"/>
+              </a:rPr>
+              <a:t>/*</a:t>
+            </a:r>
+            <a:r>
+              <a:rPr lang="en">
+                <a:solidFill>
+                  <a:srgbClr val="000000"/>
+                </a:solidFill>
+              </a:rPr>
+              <a:t> or </a:t>
+            </a:r>
+            <a:r>
+              <a:rPr b="1" lang="en">
+                <a:solidFill>
+                  <a:srgbClr val="0000FF"/>
+                </a:solidFill>
+                <a:latin typeface="Courier New"/>
+                <a:ea typeface="Courier New"/>
+                <a:cs typeface="Courier New"/>
+                <a:sym typeface="Courier New"/>
+              </a:rPr>
+              <a:t>*/</a:t>
+            </a:r>
+            <a:r>
+              <a:rPr lang="en">
+                <a:solidFill>
+                  <a:srgbClr val="000000"/>
+                </a:solidFill>
+              </a:rPr>
+              <a:t> inside them</a:t>
+            </a:r>
+          </a:p>
+          <a:p>
+            <a:pPr lvl="0" rtl="0">
+              <a:spcBef>
+                <a:spcPts val="0"/>
+              </a:spcBef>
+              <a:buNone/>
+            </a:pPr>
+            <a:r>
+              <a:t/>
+            </a:r>
+            <a:endParaRPr/>
+          </a:p>
+        </p:txBody>
+      </p:sp>
+    </p:spTree>
+  </p:cSld>
+  <p:clrMapOvr>
+    <a:masterClrMapping/>
+  </p:clrMapOvr>
+  <p:transition spd="slow">
+    <p:cut/>
+  </p:transition>
+</p:sld>
+</file>
+
+<file path=ppt/slides/slide45.xml><?xml version="1.0" encoding="utf-8"?>
+<p:sld xmlns:a="http://schemas.openxmlformats.org/drawingml/2006/main" xmlns:r="http://schemas.openxmlformats.org/officeDocument/2006/relationships" xmlns:mc="http://schemas.openxmlformats.org/markup-compatibility/2006" xmlns:mv="urn:schemas-microsoft-com:mac:vml" xmlns:p="http://schemas.openxmlformats.org/presentationml/2006/main" xmlns:c="http://schemas.openxmlformats.org/drawingml/2006/chart" xmlns:dgm="http://schemas.openxmlformats.org/drawingml/2006/diagram" xmlns:o="urn:schemas-microsoft-com:office:office" xmlns:v="urn:schemas-microsoft-com:vml" xmlns:pvml="urn:schemas-microsoft-com:office:powerpoint" xmlns:com="http://schemas.openxmlformats.org/drawingml/2006/compatibility" xmlns:p14="http://schemas.microsoft.com/office/powerpoint/2010/main">
+  <p:cSld>
+    <p:bg>
+      <p:bgPr>
+        <a:blipFill>
+          <a:blip r:embed="rId3">
+            <a:alphaModFix/>
+          </a:blip>
+          <a:stretch>
+            <a:fillRect/>
+          </a:stretch>
+        </a:blipFill>
+      </p:bgPr>
+    </p:bg>
+    <p:spTree>
+      <p:nvGrpSpPr>
+        <p:cNvPr id="343" name="Shape 343"/>
+        <p:cNvGrpSpPr/>
+        <p:nvPr/>
+      </p:nvGrpSpPr>
+      <p:grpSpPr>
+        <a:xfrm>
+          <a:off x="0" y="0"/>
+          <a:ext cx="0" cy="0"/>
+          <a:chOff x="0" y="0"/>
+          <a:chExt cx="0" cy="0"/>
+        </a:xfrm>
+      </p:grpSpPr>
+      <p:sp>
+        <p:nvSpPr>
+          <p:cNvPr id="344" name="Shape 344"/>
+          <p:cNvSpPr txBox="1"/>
+          <p:nvPr>
+            <p:ph type="title"/>
+          </p:nvPr>
+        </p:nvSpPr>
+        <p:spPr>
+          <a:xfrm>
+            <a:off x="2400250" y="575950"/>
+            <a:ext cx="6321600" cy="635400"/>
+          </a:xfrm>
+          <a:prstGeom prst="rect">
+            <a:avLst/>
+          </a:prstGeom>
+        </p:spPr>
+        <p:txBody>
+          <a:bodyPr anchorCtr="0" anchor="t" bIns="91425" lIns="91425" rIns="91425" tIns="91425">
+            <a:noAutofit/>
+          </a:bodyPr>
+          <a:lstStyle/>
+          <a:p>
+            <a:pPr lvl="0" rtl="0">
+              <a:spcBef>
+                <a:spcPts val="0"/>
+              </a:spcBef>
+              <a:buNone/>
+            </a:pPr>
+            <a:r>
+              <a:rPr lang="en"/>
+              <a:t>Even More Randomness</a:t>
+            </a:r>
+          </a:p>
+        </p:txBody>
+      </p:sp>
+      <p:sp>
+        <p:nvSpPr>
+          <p:cNvPr id="345" name="Shape 345"/>
+          <p:cNvSpPr txBox="1"/>
+          <p:nvPr>
+            <p:ph idx="1" type="body"/>
+          </p:nvPr>
+        </p:nvSpPr>
+        <p:spPr>
+          <a:xfrm>
+            <a:off x="2298525" y="1443375"/>
+            <a:ext cx="6791400" cy="3301200"/>
+          </a:xfrm>
+          <a:prstGeom prst="rect">
+            <a:avLst/>
+          </a:prstGeom>
+        </p:spPr>
+        <p:txBody>
+          <a:bodyPr anchorCtr="0" anchor="t" bIns="91425" lIns="91425" rIns="91425" tIns="91425">
+            <a:noAutofit/>
+          </a:bodyPr>
+          <a:lstStyle/>
+          <a:p>
+            <a:pPr lvl="0" rtl="0">
+              <a:lnSpc>
+                <a:spcPct val="100000"/>
+              </a:lnSpc>
+              <a:spcBef>
+                <a:spcPts val="0"/>
+              </a:spcBef>
+              <a:spcAft>
+                <a:spcPts val="0"/>
+              </a:spcAft>
+              <a:buNone/>
+            </a:pPr>
+            <a:r>
+              <a:rPr b="1" lang="en" sz="1400">
+                <a:solidFill>
+                  <a:schemeClr val="lt2"/>
+                </a:solidFill>
+                <a:latin typeface="Courier New"/>
+                <a:ea typeface="Courier New"/>
+                <a:cs typeface="Courier New"/>
+                <a:sym typeface="Courier New"/>
+              </a:rPr>
+              <a:t>var dice = require('dice');</a:t>
+            </a:r>
+          </a:p>
+          <a:p>
+            <a:pPr lvl="0" rtl="0">
+              <a:lnSpc>
+                <a:spcPct val="100000"/>
+              </a:lnSpc>
+              <a:spcBef>
+                <a:spcPts val="0"/>
+              </a:spcBef>
+              <a:spcAft>
+                <a:spcPts val="0"/>
+              </a:spcAft>
+              <a:buNone/>
+            </a:pPr>
+            <a:r>
+              <a:rPr b="1" lang="en" sz="1400">
+                <a:solidFill>
+                  <a:schemeClr val="lt2"/>
+                </a:solidFill>
+                <a:latin typeface="Courier New"/>
+                <a:ea typeface="Courier New"/>
+                <a:cs typeface="Courier New"/>
+                <a:sym typeface="Courier New"/>
+              </a:rPr>
+              <a:t>var spawn = require('spawn');</a:t>
+            </a:r>
+          </a:p>
+          <a:p>
+            <a:pPr lvl="0" rtl="0">
+              <a:lnSpc>
+                <a:spcPct val="100000"/>
+              </a:lnSpc>
+              <a:spcBef>
+                <a:spcPts val="0"/>
+              </a:spcBef>
+              <a:spcAft>
+                <a:spcPts val="0"/>
+              </a:spcAft>
+              <a:buNone/>
+            </a:pPr>
+            <a:r>
+              <a:rPr b="1" lang="en" sz="1400">
+                <a:solidFill>
+                  <a:srgbClr val="FF0000"/>
+                </a:solidFill>
+                <a:latin typeface="Courier New"/>
+                <a:ea typeface="Courier New"/>
+                <a:cs typeface="Courier New"/>
+                <a:sym typeface="Courier New"/>
+              </a:rPr>
+              <a:t>var entities = require('entities');</a:t>
+            </a:r>
+          </a:p>
+          <a:p>
+            <a:pPr lvl="0" rtl="0">
+              <a:lnSpc>
+                <a:spcPct val="100000"/>
+              </a:lnSpc>
+              <a:spcBef>
+                <a:spcPts val="0"/>
+              </a:spcBef>
+              <a:spcAft>
+                <a:spcPts val="0"/>
+              </a:spcAft>
+              <a:buNone/>
+            </a:pPr>
+            <a:r>
+              <a:rPr b="1" lang="en" sz="1400">
+                <a:solidFill>
+                  <a:srgbClr val="FF0000"/>
+                </a:solidFill>
+                <a:latin typeface="Courier New"/>
+                <a:ea typeface="Courier New"/>
+                <a:cs typeface="Courier New"/>
+                <a:sym typeface="Courier New"/>
+              </a:rPr>
+              <a:t>var entityNames = []; </a:t>
+            </a:r>
+            <a:r>
+              <a:rPr b="1" lang="en" sz="1400">
+                <a:solidFill>
+                  <a:srgbClr val="0000FF"/>
+                </a:solidFill>
+                <a:latin typeface="Courier New"/>
+                <a:ea typeface="Courier New"/>
+                <a:cs typeface="Courier New"/>
+                <a:sym typeface="Courier New"/>
+              </a:rPr>
+              <a:t>// empty array</a:t>
+            </a:r>
+          </a:p>
+          <a:p>
+            <a:pPr lvl="0" rtl="0">
+              <a:lnSpc>
+                <a:spcPct val="100000"/>
+              </a:lnSpc>
+              <a:spcBef>
+                <a:spcPts val="0"/>
+              </a:spcBef>
+              <a:spcAft>
+                <a:spcPts val="0"/>
+              </a:spcAft>
+              <a:buNone/>
+            </a:pPr>
+            <a:r>
+              <a:rPr b="1" lang="en" sz="1400">
+                <a:solidFill>
+                  <a:srgbClr val="0000FF"/>
+                </a:solidFill>
+                <a:latin typeface="Courier New"/>
+                <a:ea typeface="Courier New"/>
+                <a:cs typeface="Courier New"/>
+                <a:sym typeface="Courier New"/>
+              </a:rPr>
+              <a:t>/* push object properties into array to get total */ </a:t>
+            </a:r>
+          </a:p>
+          <a:p>
+            <a:pPr lvl="0" rtl="0">
+              <a:lnSpc>
+                <a:spcPct val="100000"/>
+              </a:lnSpc>
+              <a:spcBef>
+                <a:spcPts val="0"/>
+              </a:spcBef>
+              <a:spcAft>
+                <a:spcPts val="0"/>
+              </a:spcAft>
+              <a:buNone/>
+            </a:pPr>
+            <a:r>
+              <a:rPr b="1" lang="en" sz="1400">
+                <a:solidFill>
+                  <a:srgbClr val="FF0000"/>
+                </a:solidFill>
+                <a:latin typeface="Courier New"/>
+                <a:ea typeface="Courier New"/>
+                <a:cs typeface="Courier New"/>
+                <a:sym typeface="Courier New"/>
+              </a:rPr>
+              <a:t>for (var name in entities){ entityNames.push(name); }</a:t>
+            </a:r>
+          </a:p>
+          <a:p>
+            <a:pPr lvl="0" rtl="0">
+              <a:lnSpc>
+                <a:spcPct val="100000"/>
+              </a:lnSpc>
+              <a:spcBef>
+                <a:spcPts val="0"/>
+              </a:spcBef>
+              <a:spcAft>
+                <a:spcPts val="0"/>
+              </a:spcAft>
+              <a:buNone/>
+            </a:pPr>
+            <a:r>
+              <a:rPr b="1" lang="en" sz="1400">
+                <a:solidFill>
+                  <a:srgbClr val="FF0000"/>
+                </a:solidFill>
+                <a:latin typeface="Courier New"/>
+                <a:ea typeface="Courier New"/>
+                <a:cs typeface="Courier New"/>
+                <a:sym typeface="Courier New"/>
+              </a:rPr>
+              <a:t>var total = entityNames.length; </a:t>
+            </a:r>
+          </a:p>
+          <a:p>
+            <a:pPr lvl="0" rtl="0">
+              <a:lnSpc>
+                <a:spcPct val="100000"/>
+              </a:lnSpc>
+              <a:spcBef>
+                <a:spcPts val="0"/>
+              </a:spcBef>
+              <a:spcAft>
+                <a:spcPts val="0"/>
+              </a:spcAft>
+              <a:buNone/>
+            </a:pPr>
+            <a:r>
+              <a:t/>
+            </a:r>
+            <a:endParaRPr b="1" sz="1400">
+              <a:solidFill>
+                <a:srgbClr val="0000FF"/>
+              </a:solidFill>
+              <a:latin typeface="Courier New"/>
+              <a:ea typeface="Courier New"/>
+              <a:cs typeface="Courier New"/>
+              <a:sym typeface="Courier New"/>
+            </a:endParaRPr>
+          </a:p>
+          <a:p>
+            <a:pPr lvl="0" rtl="0">
+              <a:lnSpc>
+                <a:spcPct val="100000"/>
+              </a:lnSpc>
+              <a:spcBef>
+                <a:spcPts val="0"/>
+              </a:spcBef>
+              <a:spcAft>
+                <a:spcPts val="0"/>
+              </a:spcAft>
+              <a:buNone/>
+            </a:pPr>
+            <a:r>
+              <a:rPr b="1" lang="en" sz="1400">
+                <a:solidFill>
+                  <a:schemeClr val="lt2"/>
+                </a:solidFill>
+                <a:latin typeface="Courier New"/>
+                <a:ea typeface="Courier New"/>
+                <a:cs typeface="Courier New"/>
+                <a:sym typeface="Courier New"/>
+              </a:rPr>
+              <a:t>function randomSpawn() {</a:t>
+            </a:r>
+          </a:p>
+          <a:p>
+            <a:pPr lvl="0" rtl="0">
+              <a:lnSpc>
+                <a:spcPct val="100000"/>
+              </a:lnSpc>
+              <a:spcBef>
+                <a:spcPts val="0"/>
+              </a:spcBef>
+              <a:spcAft>
+                <a:spcPts val="0"/>
+              </a:spcAft>
+              <a:buNone/>
+            </a:pPr>
+            <a:r>
+              <a:rPr b="1" lang="en" sz="1400">
+                <a:solidFill>
+                  <a:schemeClr val="lt2"/>
+                </a:solidFill>
+                <a:latin typeface="Courier New"/>
+                <a:ea typeface="Courier New"/>
+                <a:cs typeface="Courier New"/>
+                <a:sym typeface="Courier New"/>
+              </a:rPr>
+              <a:t>  var result = dice.roll(total);</a:t>
+            </a:r>
+          </a:p>
+          <a:p>
+            <a:pPr lvl="0" rtl="0">
+              <a:lnSpc>
+                <a:spcPct val="100000"/>
+              </a:lnSpc>
+              <a:spcBef>
+                <a:spcPts val="0"/>
+              </a:spcBef>
+              <a:spcAft>
+                <a:spcPts val="0"/>
+              </a:spcAft>
+              <a:buNone/>
+            </a:pPr>
+            <a:r>
+              <a:rPr b="1" lang="en" sz="1400">
+                <a:solidFill>
+                  <a:srgbClr val="FF0000"/>
+                </a:solidFill>
+                <a:latin typeface="Courier New"/>
+                <a:ea typeface="Courier New"/>
+                <a:cs typeface="Courier New"/>
+                <a:sym typeface="Courier New"/>
+              </a:rPr>
+              <a:t>  echo("Spawning "+entityNames[result]); </a:t>
+            </a:r>
+            <a:r>
+              <a:rPr b="1" lang="en" sz="1400">
+                <a:solidFill>
+                  <a:srgbClr val="0000FF"/>
+                </a:solidFill>
+                <a:latin typeface="Courier New"/>
+                <a:ea typeface="Courier New"/>
+                <a:cs typeface="Courier New"/>
+                <a:sym typeface="Courier New"/>
+              </a:rPr>
+              <a:t>//show what spawned</a:t>
+            </a:r>
+          </a:p>
+          <a:p>
+            <a:pPr lvl="0" rtl="0">
+              <a:lnSpc>
+                <a:spcPct val="100000"/>
+              </a:lnSpc>
+              <a:spcBef>
+                <a:spcPts val="0"/>
+              </a:spcBef>
+              <a:spcAft>
+                <a:spcPts val="0"/>
+              </a:spcAft>
+              <a:buNone/>
+            </a:pPr>
+            <a:r>
+              <a:rPr b="1" lang="en" sz="1400">
+                <a:solidFill>
+                  <a:schemeClr val="lt2"/>
+                </a:solidFill>
+                <a:latin typeface="Courier New"/>
+                <a:ea typeface="Courier New"/>
+                <a:cs typeface="Courier New"/>
+                <a:sym typeface="Courier New"/>
+              </a:rPr>
+              <a:t>  spawn(entityNames[result], self.location);</a:t>
+            </a:r>
+          </a:p>
+          <a:p>
+            <a:pPr lvl="0" rtl="0">
+              <a:lnSpc>
+                <a:spcPct val="100000"/>
+              </a:lnSpc>
+              <a:spcBef>
+                <a:spcPts val="0"/>
+              </a:spcBef>
+              <a:spcAft>
+                <a:spcPts val="0"/>
+              </a:spcAft>
+              <a:buNone/>
+            </a:pPr>
+            <a:r>
+              <a:rPr b="1" lang="en" sz="1400">
+                <a:solidFill>
+                  <a:schemeClr val="lt2"/>
+                </a:solidFill>
+                <a:latin typeface="Courier New"/>
+                <a:ea typeface="Courier New"/>
+                <a:cs typeface="Courier New"/>
+                <a:sym typeface="Courier New"/>
+              </a:rPr>
+              <a:t>}</a:t>
+            </a:r>
+          </a:p>
+          <a:p>
+            <a:pPr lvl="0" rtl="0">
+              <a:lnSpc>
+                <a:spcPct val="100000"/>
+              </a:lnSpc>
+              <a:spcBef>
+                <a:spcPts val="0"/>
+              </a:spcBef>
+              <a:spcAft>
+                <a:spcPts val="0"/>
+              </a:spcAft>
+              <a:buNone/>
+            </a:pPr>
+            <a:r>
+              <a:rPr b="1" lang="en" sz="1400">
+                <a:solidFill>
+                  <a:schemeClr val="lt2"/>
+                </a:solidFill>
+                <a:latin typeface="Courier New"/>
+                <a:ea typeface="Courier New"/>
+                <a:cs typeface="Courier New"/>
+                <a:sym typeface="Courier New"/>
+              </a:rPr>
+              <a:t>                                                                                                                                                                                 </a:t>
+            </a:r>
+          </a:p>
+          <a:p>
+            <a:pPr lvl="0" rtl="0">
+              <a:lnSpc>
+                <a:spcPct val="100000"/>
+              </a:lnSpc>
+              <a:spcBef>
+                <a:spcPts val="0"/>
+              </a:spcBef>
+              <a:spcAft>
+                <a:spcPts val="0"/>
+              </a:spcAft>
+              <a:buNone/>
+            </a:pPr>
+            <a:r>
+              <a:rPr b="1" lang="en" sz="1400">
+                <a:solidFill>
+                  <a:schemeClr val="lt2"/>
+                </a:solidFill>
+                <a:latin typeface="Courier New"/>
+                <a:ea typeface="Courier New"/>
+                <a:cs typeface="Courier New"/>
+                <a:sym typeface="Courier New"/>
+              </a:rPr>
+              <a:t>exports.randomSpawn = randomSpawn;</a:t>
+            </a:r>
+          </a:p>
+        </p:txBody>
+      </p:sp>
+    </p:spTree>
+  </p:cSld>
+  <p:clrMapOvr>
+    <a:masterClrMapping/>
+  </p:clrMapOvr>
+  <p:transition spd="slow">
+    <p:cut/>
+  </p:transition>
+</p:sld>
+</file>
+
+<file path=ppt/slides/slide46.xml><?xml version="1.0" encoding="utf-8"?>
+<p:sld xmlns:a="http://schemas.openxmlformats.org/drawingml/2006/main" xmlns:r="http://schemas.openxmlformats.org/officeDocument/2006/relationships" xmlns:mc="http://schemas.openxmlformats.org/markup-compatibility/2006" xmlns:mv="urn:schemas-microsoft-com:mac:vml" xmlns:p="http://schemas.openxmlformats.org/presentationml/2006/main" xmlns:c="http://schemas.openxmlformats.org/drawingml/2006/chart" xmlns:dgm="http://schemas.openxmlformats.org/drawingml/2006/diagram" xmlns:o="urn:schemas-microsoft-com:office:office" xmlns:v="urn:schemas-microsoft-com:vml" xmlns:pvml="urn:schemas-microsoft-com:office:powerpoint" xmlns:com="http://schemas.openxmlformats.org/drawingml/2006/compatibility" xmlns:p14="http://schemas.microsoft.com/office/powerpoint/2010/main">
+  <p:cSld>
+    <p:bg>
+      <p:bgPr>
+        <a:blipFill>
+          <a:blip r:embed="rId3">
+            <a:alphaModFix/>
+          </a:blip>
+          <a:stretch>
+            <a:fillRect/>
+          </a:stretch>
+        </a:blipFill>
+      </p:bgPr>
+    </p:bg>
+    <p:spTree>
+      <p:nvGrpSpPr>
+        <p:cNvPr id="349" name="Shape 349"/>
+        <p:cNvGrpSpPr/>
+        <p:nvPr/>
+      </p:nvGrpSpPr>
+      <p:grpSpPr>
+        <a:xfrm>
+          <a:off x="0" y="0"/>
+          <a:ext cx="0" cy="0"/>
+          <a:chOff x="0" y="0"/>
+          <a:chExt cx="0" cy="0"/>
+        </a:xfrm>
+      </p:grpSpPr>
+      <p:sp>
+        <p:nvSpPr>
+          <p:cNvPr id="350" name="Shape 350"/>
+          <p:cNvSpPr txBox="1"/>
+          <p:nvPr>
+            <p:ph type="title"/>
+          </p:nvPr>
+        </p:nvSpPr>
+        <p:spPr>
+          <a:xfrm>
+            <a:off x="406425" y="1806825"/>
+            <a:ext cx="8296800" cy="1542000"/>
+          </a:xfrm>
+          <a:prstGeom prst="rect">
+            <a:avLst/>
+          </a:prstGeom>
+        </p:spPr>
+        <p:txBody>
+          <a:bodyPr anchorCtr="0" anchor="ctr" bIns="91425" lIns="91425" rIns="91425" tIns="91425">
+            <a:noAutofit/>
+          </a:bodyPr>
+          <a:lstStyle/>
+          <a:p>
+            <a:pPr lvl="0" rtl="0">
+              <a:spcBef>
+                <a:spcPts val="0"/>
+              </a:spcBef>
+              <a:buNone/>
+            </a:pPr>
+            <a:r>
+              <a:rPr lang="en"/>
+              <a:t>Event-Driven Programming</a:t>
+            </a:r>
+          </a:p>
+        </p:txBody>
+      </p:sp>
+    </p:spTree>
+  </p:cSld>
+  <p:clrMapOvr>
+    <a:masterClrMapping/>
+  </p:clrMapOvr>
+  <p:transition spd="slow">
+    <p:cut/>
+  </p:transition>
+</p:sld>
+</file>
+
+<file path=ppt/slides/slide47.xml><?xml version="1.0" encoding="utf-8"?>
+<p:sld xmlns:a="http://schemas.openxmlformats.org/drawingml/2006/main" xmlns:r="http://schemas.openxmlformats.org/officeDocument/2006/relationships" xmlns:mc="http://schemas.openxmlformats.org/markup-compatibility/2006" xmlns:mv="urn:schemas-microsoft-com:mac:vml" xmlns:p="http://schemas.openxmlformats.org/presentationml/2006/main" xmlns:c="http://schemas.openxmlformats.org/drawingml/2006/chart" xmlns:dgm="http://schemas.openxmlformats.org/drawingml/2006/diagram" xmlns:o="urn:schemas-microsoft-com:office:office" xmlns:v="urn:schemas-microsoft-com:vml" xmlns:pvml="urn:schemas-microsoft-com:office:powerpoint" xmlns:com="http://schemas.openxmlformats.org/drawingml/2006/compatibility" xmlns:p14="http://schemas.microsoft.com/office/powerpoint/2010/main">
+  <p:cSld>
+    <p:bg>
+      <p:bgPr>
+        <a:blipFill>
+          <a:blip r:embed="rId3">
+            <a:alphaModFix/>
+          </a:blip>
+          <a:stretch>
+            <a:fillRect/>
+          </a:stretch>
+        </a:blipFill>
+      </p:bgPr>
+    </p:bg>
+    <p:spTree>
+      <p:nvGrpSpPr>
+        <p:cNvPr id="354" name="Shape 354"/>
+        <p:cNvGrpSpPr/>
+        <p:nvPr/>
+      </p:nvGrpSpPr>
+      <p:grpSpPr>
+        <a:xfrm>
+          <a:off x="0" y="0"/>
+          <a:ext cx="0" cy="0"/>
+          <a:chOff x="0" y="0"/>
+          <a:chExt cx="0" cy="0"/>
+        </a:xfrm>
+      </p:grpSpPr>
+      <p:sp>
+        <p:nvSpPr>
+          <p:cNvPr id="355" name="Shape 355"/>
+          <p:cNvSpPr txBox="1"/>
+          <p:nvPr>
+            <p:ph type="title"/>
+          </p:nvPr>
+        </p:nvSpPr>
+        <p:spPr>
+          <a:xfrm>
+            <a:off x="2400250" y="575950"/>
+            <a:ext cx="6321600" cy="635400"/>
+          </a:xfrm>
+          <a:prstGeom prst="rect">
+            <a:avLst/>
+          </a:prstGeom>
+        </p:spPr>
+        <p:txBody>
+          <a:bodyPr anchorCtr="0" anchor="t" bIns="91425" lIns="91425" rIns="91425" tIns="91425">
+            <a:noAutofit/>
+          </a:bodyPr>
+          <a:lstStyle/>
+          <a:p>
+            <a:pPr lvl="0" rtl="0">
+              <a:spcBef>
+                <a:spcPts val="0"/>
+              </a:spcBef>
+              <a:buNone/>
+            </a:pPr>
+            <a:r>
+              <a:rPr lang="en"/>
+              <a:t>Why Events?</a:t>
+            </a:r>
+          </a:p>
+        </p:txBody>
+      </p:sp>
+      <p:sp>
+        <p:nvSpPr>
+          <p:cNvPr id="356" name="Shape 356"/>
+          <p:cNvSpPr txBox="1"/>
+          <p:nvPr>
+            <p:ph idx="1" type="body"/>
+          </p:nvPr>
+        </p:nvSpPr>
+        <p:spPr>
+          <a:xfrm>
+            <a:off x="2400302" y="1602675"/>
+            <a:ext cx="3071400" cy="3002400"/>
+          </a:xfrm>
+          <a:prstGeom prst="rect">
+            <a:avLst/>
+          </a:prstGeom>
+        </p:spPr>
+        <p:txBody>
+          <a:bodyPr anchorCtr="0" anchor="t" bIns="91425" lIns="91425" rIns="91425" tIns="91425">
+            <a:noAutofit/>
+          </a:bodyPr>
+          <a:lstStyle/>
+          <a:p>
+            <a:pPr lvl="0" rtl="0">
+              <a:lnSpc>
+                <a:spcPct val="100000"/>
+              </a:lnSpc>
+              <a:spcBef>
+                <a:spcPts val="0"/>
+              </a:spcBef>
+              <a:spcAft>
+                <a:spcPts val="0"/>
+              </a:spcAft>
+              <a:buNone/>
+            </a:pPr>
+            <a:r>
+              <a:rPr lang="en"/>
+              <a:t>You know how to write code for commands that you type while in-game. </a:t>
+            </a:r>
+          </a:p>
+          <a:p>
+            <a:pPr lvl="0" rtl="0">
+              <a:lnSpc>
+                <a:spcPct val="100000"/>
+              </a:lnSpc>
+              <a:spcBef>
+                <a:spcPts val="0"/>
+              </a:spcBef>
+              <a:spcAft>
+                <a:spcPts val="0"/>
+              </a:spcAft>
+              <a:buNone/>
+            </a:pPr>
+            <a:r>
+              <a:t/>
+            </a:r>
+            <a:endParaRPr/>
+          </a:p>
+          <a:p>
+            <a:pPr lvl="0" rtl="0">
+              <a:lnSpc>
+                <a:spcPct val="100000"/>
+              </a:lnSpc>
+              <a:spcBef>
+                <a:spcPts val="0"/>
+              </a:spcBef>
+              <a:spcAft>
+                <a:spcPts val="0"/>
+              </a:spcAft>
+              <a:buNone/>
+            </a:pPr>
+            <a:r>
+              <a:rPr lang="en"/>
+              <a:t>You can also monitor what’s happening inside Minecraft so you can respond to it automatically.</a:t>
+            </a:r>
+          </a:p>
+          <a:p>
+            <a:pPr lvl="0" rtl="0">
+              <a:lnSpc>
+                <a:spcPct val="100000"/>
+              </a:lnSpc>
+              <a:spcBef>
+                <a:spcPts val="0"/>
+              </a:spcBef>
+              <a:spcAft>
+                <a:spcPts val="0"/>
+              </a:spcAft>
+              <a:buNone/>
+            </a:pPr>
+            <a:r>
+              <a:t/>
+            </a:r>
+            <a:endParaRPr/>
+          </a:p>
+          <a:p>
+            <a:pPr lvl="0" rtl="0">
+              <a:lnSpc>
+                <a:spcPct val="100000"/>
+              </a:lnSpc>
+              <a:spcBef>
+                <a:spcPts val="0"/>
+              </a:spcBef>
+              <a:spcAft>
+                <a:spcPts val="0"/>
+              </a:spcAft>
+              <a:buNone/>
+            </a:pPr>
+            <a:r>
+              <a:rPr lang="en"/>
+              <a:t>There are roughly 200 events that can be responded to.</a:t>
+            </a:r>
+          </a:p>
+          <a:p>
+            <a:pPr lvl="0" rtl="0">
+              <a:lnSpc>
+                <a:spcPct val="100000"/>
+              </a:lnSpc>
+              <a:spcBef>
+                <a:spcPts val="0"/>
+              </a:spcBef>
+              <a:spcAft>
+                <a:spcPts val="0"/>
+              </a:spcAft>
+              <a:buNone/>
+            </a:pPr>
+            <a:r>
+              <a:t/>
+            </a:r>
+            <a:endParaRPr/>
+          </a:p>
+          <a:p>
+            <a:pPr lvl="0" rtl="0">
+              <a:lnSpc>
+                <a:spcPct val="100000"/>
+              </a:lnSpc>
+              <a:spcBef>
+                <a:spcPts val="0"/>
+              </a:spcBef>
+              <a:spcAft>
+                <a:spcPts val="0"/>
+              </a:spcAft>
+              <a:buNone/>
+            </a:pPr>
+            <a:r>
+              <a:t/>
+            </a:r>
+            <a:endParaRPr/>
+          </a:p>
+          <a:p>
+            <a:pPr lvl="0" rtl="0">
+              <a:lnSpc>
+                <a:spcPct val="100000"/>
+              </a:lnSpc>
+              <a:spcBef>
+                <a:spcPts val="0"/>
+              </a:spcBef>
+              <a:spcAft>
+                <a:spcPts val="0"/>
+              </a:spcAft>
+              <a:buNone/>
+            </a:pPr>
+            <a:r>
+              <a:t/>
+            </a:r>
+            <a:endParaRPr/>
+          </a:p>
+        </p:txBody>
+      </p:sp>
+      <p:sp>
+        <p:nvSpPr>
+          <p:cNvPr id="357" name="Shape 357"/>
+          <p:cNvSpPr txBox="1"/>
+          <p:nvPr>
+            <p:ph idx="2" type="body"/>
+          </p:nvPr>
+        </p:nvSpPr>
+        <p:spPr>
+          <a:xfrm>
+            <a:off x="5650571" y="1602675"/>
+            <a:ext cx="3071400" cy="3002400"/>
+          </a:xfrm>
+          <a:prstGeom prst="rect">
+            <a:avLst/>
+          </a:prstGeom>
+        </p:spPr>
+        <p:txBody>
+          <a:bodyPr anchorCtr="0" anchor="t" bIns="91425" lIns="91425" rIns="91425" tIns="91425">
+            <a:noAutofit/>
+          </a:bodyPr>
+          <a:lstStyle/>
+          <a:p>
+            <a:pPr lvl="0" rtl="0">
+              <a:lnSpc>
+                <a:spcPct val="100000"/>
+              </a:lnSpc>
+              <a:spcBef>
+                <a:spcPts val="0"/>
+              </a:spcBef>
+              <a:spcAft>
+                <a:spcPts val="0"/>
+              </a:spcAft>
+              <a:buClr>
+                <a:schemeClr val="dk2"/>
+              </a:buClr>
+              <a:buSzPct val="78571"/>
+              <a:buFont typeface="Arial"/>
+              <a:buNone/>
+            </a:pPr>
+            <a:r>
+              <a:rPr lang="en"/>
+              <a:t>Examples:</a:t>
+            </a:r>
+          </a:p>
+          <a:p>
+            <a:pPr indent="-228600" lvl="0" marL="457200" rtl="0">
+              <a:lnSpc>
+                <a:spcPct val="100000"/>
+              </a:lnSpc>
+              <a:spcBef>
+                <a:spcPts val="0"/>
+              </a:spcBef>
+              <a:spcAft>
+                <a:spcPts val="0"/>
+              </a:spcAft>
+              <a:buClr>
+                <a:srgbClr val="FF0000"/>
+              </a:buClr>
+              <a:buFont typeface="Courier New"/>
+            </a:pPr>
+            <a:r>
+              <a:rPr b="1" lang="en">
+                <a:solidFill>
+                  <a:srgbClr val="FF0000"/>
+                </a:solidFill>
+                <a:latin typeface="Courier New"/>
+                <a:ea typeface="Courier New"/>
+                <a:cs typeface="Courier New"/>
+                <a:sym typeface="Courier New"/>
+              </a:rPr>
+              <a:t>playerMove()</a:t>
+            </a:r>
+          </a:p>
+          <a:p>
+            <a:pPr indent="-228600" lvl="0" marL="457200" rtl="0">
+              <a:lnSpc>
+                <a:spcPct val="100000"/>
+              </a:lnSpc>
+              <a:spcBef>
+                <a:spcPts val="0"/>
+              </a:spcBef>
+              <a:spcAft>
+                <a:spcPts val="0"/>
+              </a:spcAft>
+              <a:buClr>
+                <a:srgbClr val="FF0000"/>
+              </a:buClr>
+              <a:buFont typeface="Courier New"/>
+            </a:pPr>
+            <a:r>
+              <a:rPr b="1" lang="en">
+                <a:solidFill>
+                  <a:srgbClr val="FF0000"/>
+                </a:solidFill>
+                <a:latin typeface="Courier New"/>
+                <a:ea typeface="Courier New"/>
+                <a:cs typeface="Courier New"/>
+                <a:sym typeface="Courier New"/>
+              </a:rPr>
+              <a:t>playerDeath()</a:t>
+            </a:r>
+          </a:p>
+          <a:p>
+            <a:pPr indent="-228600" lvl="0" marL="457200" rtl="0">
+              <a:lnSpc>
+                <a:spcPct val="100000"/>
+              </a:lnSpc>
+              <a:spcBef>
+                <a:spcPts val="0"/>
+              </a:spcBef>
+              <a:spcAft>
+                <a:spcPts val="0"/>
+              </a:spcAft>
+              <a:buClr>
+                <a:srgbClr val="FF0000"/>
+              </a:buClr>
+              <a:buFont typeface="Courier New"/>
+            </a:pPr>
+            <a:r>
+              <a:rPr b="1" lang="en">
+                <a:solidFill>
+                  <a:srgbClr val="FF0000"/>
+                </a:solidFill>
+                <a:latin typeface="Courier New"/>
+                <a:ea typeface="Courier New"/>
+                <a:cs typeface="Courier New"/>
+                <a:sym typeface="Courier New"/>
+              </a:rPr>
+              <a:t>playerArmSwing()</a:t>
+            </a:r>
+          </a:p>
+          <a:p>
+            <a:pPr indent="-228600" lvl="0" marL="457200" rtl="0">
+              <a:lnSpc>
+                <a:spcPct val="100000"/>
+              </a:lnSpc>
+              <a:spcBef>
+                <a:spcPts val="0"/>
+              </a:spcBef>
+              <a:spcAft>
+                <a:spcPts val="0"/>
+              </a:spcAft>
+              <a:buClr>
+                <a:srgbClr val="FF0000"/>
+              </a:buClr>
+              <a:buFont typeface="Courier New"/>
+            </a:pPr>
+            <a:r>
+              <a:rPr b="1" lang="en">
+                <a:solidFill>
+                  <a:srgbClr val="FF0000"/>
+                </a:solidFill>
+                <a:latin typeface="Courier New"/>
+                <a:ea typeface="Courier New"/>
+                <a:cs typeface="Courier New"/>
+                <a:sym typeface="Courier New"/>
+              </a:rPr>
+              <a:t>blockPlace()</a:t>
+            </a:r>
+          </a:p>
+          <a:p>
+            <a:pPr indent="-228600" lvl="0" marL="457200" rtl="0">
+              <a:lnSpc>
+                <a:spcPct val="100000"/>
+              </a:lnSpc>
+              <a:spcBef>
+                <a:spcPts val="0"/>
+              </a:spcBef>
+              <a:spcAft>
+                <a:spcPts val="0"/>
+              </a:spcAft>
+              <a:buClr>
+                <a:srgbClr val="FF0000"/>
+              </a:buClr>
+              <a:buFont typeface="Courier New"/>
+            </a:pPr>
+            <a:r>
+              <a:rPr b="1" lang="en">
+                <a:solidFill>
+                  <a:srgbClr val="FF0000"/>
+                </a:solidFill>
+                <a:latin typeface="Courier New"/>
+                <a:ea typeface="Courier New"/>
+                <a:cs typeface="Courier New"/>
+                <a:sym typeface="Courier New"/>
+              </a:rPr>
+              <a:t>blockBreak()</a:t>
+            </a:r>
+          </a:p>
+          <a:p>
+            <a:pPr indent="-228600" lvl="0" marL="457200" rtl="0">
+              <a:lnSpc>
+                <a:spcPct val="100000"/>
+              </a:lnSpc>
+              <a:spcBef>
+                <a:spcPts val="0"/>
+              </a:spcBef>
+              <a:spcAft>
+                <a:spcPts val="0"/>
+              </a:spcAft>
+              <a:buClr>
+                <a:srgbClr val="FF0000"/>
+              </a:buClr>
+              <a:buFont typeface="Courier New"/>
+            </a:pPr>
+            <a:r>
+              <a:rPr b="1" lang="en">
+                <a:solidFill>
+                  <a:srgbClr val="FF0000"/>
+                </a:solidFill>
+                <a:latin typeface="Courier New"/>
+                <a:ea typeface="Courier New"/>
+                <a:cs typeface="Courier New"/>
+                <a:sym typeface="Courier New"/>
+              </a:rPr>
+              <a:t>portalCreate()</a:t>
+            </a:r>
+          </a:p>
+          <a:p>
+            <a:pPr indent="-228600" lvl="0" marL="457200" rtl="0">
+              <a:lnSpc>
+                <a:spcPct val="100000"/>
+              </a:lnSpc>
+              <a:spcBef>
+                <a:spcPts val="0"/>
+              </a:spcBef>
+              <a:spcAft>
+                <a:spcPts val="0"/>
+              </a:spcAft>
+              <a:buClr>
+                <a:srgbClr val="FF0000"/>
+              </a:buClr>
+              <a:buFont typeface="Courier New"/>
+            </a:pPr>
+            <a:r>
+              <a:rPr b="1" lang="en">
+                <a:solidFill>
+                  <a:srgbClr val="FF0000"/>
+                </a:solidFill>
+                <a:latin typeface="Courier New"/>
+                <a:ea typeface="Courier New"/>
+                <a:cs typeface="Courier New"/>
+                <a:sym typeface="Courier New"/>
+              </a:rPr>
+              <a:t>portalUse()</a:t>
+            </a:r>
+          </a:p>
+          <a:p>
+            <a:pPr indent="-228600" lvl="0" marL="457200" rtl="0">
+              <a:lnSpc>
+                <a:spcPct val="100000"/>
+              </a:lnSpc>
+              <a:spcBef>
+                <a:spcPts val="0"/>
+              </a:spcBef>
+              <a:spcAft>
+                <a:spcPts val="0"/>
+              </a:spcAft>
+              <a:buClr>
+                <a:srgbClr val="FF0000"/>
+              </a:buClr>
+              <a:buFont typeface="Courier New"/>
+            </a:pPr>
+            <a:r>
+              <a:rPr b="1" lang="en">
+                <a:solidFill>
+                  <a:srgbClr val="FF0000"/>
+                </a:solidFill>
+                <a:latin typeface="Courier New"/>
+                <a:ea typeface="Courier New"/>
+                <a:cs typeface="Courier New"/>
+                <a:sym typeface="Courier New"/>
+              </a:rPr>
+              <a:t>entityDeath()</a:t>
+            </a:r>
+          </a:p>
+          <a:p>
+            <a:pPr indent="-228600" lvl="0" marL="457200" rtl="0">
+              <a:lnSpc>
+                <a:spcPct val="100000"/>
+              </a:lnSpc>
+              <a:spcBef>
+                <a:spcPts val="0"/>
+              </a:spcBef>
+              <a:spcAft>
+                <a:spcPts val="0"/>
+              </a:spcAft>
+              <a:buClr>
+                <a:srgbClr val="FF0000"/>
+              </a:buClr>
+              <a:buFont typeface="Courier New"/>
+            </a:pPr>
+            <a:r>
+              <a:rPr b="1" lang="en">
+                <a:solidFill>
+                  <a:srgbClr val="FF0000"/>
+                </a:solidFill>
+                <a:latin typeface="Courier New"/>
+                <a:ea typeface="Courier New"/>
+                <a:cs typeface="Courier New"/>
+                <a:sym typeface="Courier New"/>
+              </a:rPr>
+              <a:t>entityShootBow()</a:t>
+            </a:r>
+          </a:p>
+          <a:p>
+            <a:pPr indent="-228600" lvl="0" marL="457200" rtl="0">
+              <a:lnSpc>
+                <a:spcPct val="100000"/>
+              </a:lnSpc>
+              <a:spcBef>
+                <a:spcPts val="0"/>
+              </a:spcBef>
+              <a:spcAft>
+                <a:spcPts val="0"/>
+              </a:spcAft>
+              <a:buClr>
+                <a:srgbClr val="FF0000"/>
+              </a:buClr>
+              <a:buFont typeface="Courier New"/>
+            </a:pPr>
+            <a:r>
+              <a:rPr b="1" lang="en">
+                <a:solidFill>
+                  <a:srgbClr val="FF0000"/>
+                </a:solidFill>
+                <a:latin typeface="Courier New"/>
+                <a:ea typeface="Courier New"/>
+                <a:cs typeface="Courier New"/>
+                <a:sym typeface="Courier New"/>
+              </a:rPr>
+              <a:t>itemUse()</a:t>
+            </a:r>
+          </a:p>
+          <a:p>
+            <a:pPr indent="-228600" lvl="0" marL="457200" rtl="0">
+              <a:lnSpc>
+                <a:spcPct val="100000"/>
+              </a:lnSpc>
+              <a:spcBef>
+                <a:spcPts val="0"/>
+              </a:spcBef>
+              <a:spcAft>
+                <a:spcPts val="0"/>
+              </a:spcAft>
+              <a:buClr>
+                <a:srgbClr val="FF0000"/>
+              </a:buClr>
+              <a:buFont typeface="Courier New"/>
+            </a:pPr>
+            <a:r>
+              <a:rPr b="1" lang="en">
+                <a:solidFill>
+                  <a:srgbClr val="FF0000"/>
+                </a:solidFill>
+                <a:latin typeface="Courier New"/>
+                <a:ea typeface="Courier New"/>
+                <a:cs typeface="Courier New"/>
+                <a:sym typeface="Courier New"/>
+              </a:rPr>
+              <a:t>itemDrop()</a:t>
+            </a:r>
+          </a:p>
+          <a:p>
+            <a:pPr indent="-228600" lvl="0" marL="457200" rtl="0">
+              <a:lnSpc>
+                <a:spcPct val="100000"/>
+              </a:lnSpc>
+              <a:spcBef>
+                <a:spcPts val="0"/>
+              </a:spcBef>
+              <a:spcAft>
+                <a:spcPts val="0"/>
+              </a:spcAft>
+              <a:buClr>
+                <a:srgbClr val="FF0000"/>
+              </a:buClr>
+              <a:buFont typeface="Courier New"/>
+            </a:pPr>
+            <a:r>
+              <a:rPr b="1" lang="en">
+                <a:solidFill>
+                  <a:srgbClr val="FF0000"/>
+                </a:solidFill>
+                <a:latin typeface="Courier New"/>
+                <a:ea typeface="Courier New"/>
+                <a:cs typeface="Courier New"/>
+                <a:sym typeface="Courier New"/>
+              </a:rPr>
+              <a:t>villagerTrade()</a:t>
+            </a:r>
+          </a:p>
+          <a:p>
+            <a:pPr indent="-228600" lvl="0" marL="457200" rtl="0">
+              <a:lnSpc>
+                <a:spcPct val="100000"/>
+              </a:lnSpc>
+              <a:spcBef>
+                <a:spcPts val="0"/>
+              </a:spcBef>
+              <a:spcAft>
+                <a:spcPts val="0"/>
+              </a:spcAft>
+              <a:buClr>
+                <a:srgbClr val="FF0000"/>
+              </a:buClr>
+              <a:buFont typeface="Courier New"/>
+            </a:pPr>
+            <a:r>
+              <a:rPr b="1" lang="en">
+                <a:solidFill>
+                  <a:srgbClr val="FF0000"/>
+                </a:solidFill>
+                <a:latin typeface="Courier New"/>
+                <a:ea typeface="Courier New"/>
+                <a:cs typeface="Courier New"/>
+                <a:sym typeface="Courier New"/>
+              </a:rPr>
+              <a:t>craft()</a:t>
+            </a:r>
+          </a:p>
+        </p:txBody>
+      </p:sp>
+    </p:spTree>
+  </p:cSld>
+  <p:clrMapOvr>
+    <a:masterClrMapping/>
+  </p:clrMapOvr>
+  <p:transition spd="slow">
+    <p:cut/>
+  </p:transition>
+</p:sld>
+</file>
+
+<file path=ppt/slides/slide48.xml><?xml version="1.0" encoding="utf-8"?>
+<p:sld xmlns:a="http://schemas.openxmlformats.org/drawingml/2006/main" xmlns:r="http://schemas.openxmlformats.org/officeDocument/2006/relationships" xmlns:mc="http://schemas.openxmlformats.org/markup-compatibility/2006" xmlns:mv="urn:schemas-microsoft-com:mac:vml" xmlns:p="http://schemas.openxmlformats.org/presentationml/2006/main" xmlns:c="http://schemas.openxmlformats.org/drawingml/2006/chart" xmlns:dgm="http://schemas.openxmlformats.org/drawingml/2006/diagram" xmlns:o="urn:schemas-microsoft-com:office:office" xmlns:v="urn:schemas-microsoft-com:vml" xmlns:pvml="urn:schemas-microsoft-com:office:powerpoint" xmlns:com="http://schemas.openxmlformats.org/drawingml/2006/compatibility" xmlns:p14="http://schemas.microsoft.com/office/powerpoint/2010/main">
+  <p:cSld>
+    <p:bg>
+      <p:bgPr>
+        <a:blipFill>
+          <a:blip r:embed="rId3">
+            <a:alphaModFix/>
+          </a:blip>
+          <a:stretch>
+            <a:fillRect/>
+          </a:stretch>
+        </a:blipFill>
+      </p:bgPr>
+    </p:bg>
+    <p:spTree>
+      <p:nvGrpSpPr>
+        <p:cNvPr id="361" name="Shape 361"/>
+        <p:cNvGrpSpPr/>
+        <p:nvPr/>
+      </p:nvGrpSpPr>
+      <p:grpSpPr>
+        <a:xfrm>
+          <a:off x="0" y="0"/>
+          <a:ext cx="0" cy="0"/>
+          <a:chOff x="0" y="0"/>
+          <a:chExt cx="0" cy="0"/>
+        </a:xfrm>
+      </p:grpSpPr>
+      <p:sp>
+        <p:nvSpPr>
+          <p:cNvPr id="362" name="Shape 362"/>
+          <p:cNvSpPr txBox="1"/>
+          <p:nvPr>
+            <p:ph type="title"/>
+          </p:nvPr>
+        </p:nvSpPr>
+        <p:spPr>
+          <a:xfrm>
+            <a:off x="2400250" y="575950"/>
+            <a:ext cx="6321600" cy="635400"/>
+          </a:xfrm>
+          <a:prstGeom prst="rect">
+            <a:avLst/>
+          </a:prstGeom>
+        </p:spPr>
+        <p:txBody>
+          <a:bodyPr anchorCtr="0" anchor="t" bIns="91425" lIns="91425" rIns="91425" tIns="91425">
+            <a:noAutofit/>
+          </a:bodyPr>
+          <a:lstStyle/>
+          <a:p>
+            <a:pPr lvl="0" rtl="0">
+              <a:spcBef>
+                <a:spcPts val="0"/>
+              </a:spcBef>
+              <a:buNone/>
+            </a:pPr>
+            <a:r>
+              <a:rPr lang="en"/>
+              <a:t>Greet Players On Server Join</a:t>
+            </a:r>
+          </a:p>
+        </p:txBody>
+      </p:sp>
+      <p:sp>
+        <p:nvSpPr>
+          <p:cNvPr id="363" name="Shape 363"/>
+          <p:cNvSpPr txBox="1"/>
+          <p:nvPr>
+            <p:ph idx="1" type="body"/>
+          </p:nvPr>
+        </p:nvSpPr>
+        <p:spPr>
+          <a:xfrm>
+            <a:off x="2298525" y="1443375"/>
+            <a:ext cx="6791400" cy="3301200"/>
+          </a:xfrm>
+          <a:prstGeom prst="rect">
+            <a:avLst/>
+          </a:prstGeom>
+        </p:spPr>
+        <p:txBody>
+          <a:bodyPr anchorCtr="0" anchor="t" bIns="91425" lIns="91425" rIns="91425" tIns="91425">
+            <a:noAutofit/>
+          </a:bodyPr>
+          <a:lstStyle/>
+          <a:p>
+            <a:pPr lvl="0" rtl="0">
+              <a:lnSpc>
+                <a:spcPct val="100000"/>
+              </a:lnSpc>
+              <a:spcBef>
+                <a:spcPts val="0"/>
+              </a:spcBef>
+              <a:spcAft>
+                <a:spcPts val="0"/>
+              </a:spcAft>
+              <a:buNone/>
+            </a:pPr>
+            <a:r>
+              <a:rPr lang="en"/>
+              <a:t>Add a file in </a:t>
+            </a:r>
+            <a:r>
+              <a:rPr b="1" lang="en">
+                <a:solidFill>
+                  <a:srgbClr val="FF0000"/>
+                </a:solidFill>
+                <a:latin typeface="Courier New"/>
+                <a:ea typeface="Courier New"/>
+                <a:cs typeface="Courier New"/>
+                <a:sym typeface="Courier New"/>
+              </a:rPr>
+              <a:t>plugins/</a:t>
+            </a:r>
+            <a:r>
+              <a:rPr lang="en"/>
+              <a:t> called </a:t>
+            </a:r>
+            <a:r>
+              <a:rPr b="1" lang="en">
+                <a:solidFill>
+                  <a:srgbClr val="FF0000"/>
+                </a:solidFill>
+                <a:latin typeface="Courier New"/>
+                <a:ea typeface="Courier New"/>
+                <a:cs typeface="Courier New"/>
+                <a:sym typeface="Courier New"/>
+              </a:rPr>
+              <a:t>greetPlayer.js</a:t>
+            </a:r>
+            <a:r>
+              <a:rPr lang="en">
+                <a:solidFill>
+                  <a:srgbClr val="000000"/>
+                </a:solidFill>
+              </a:rPr>
+              <a:t>:</a:t>
+            </a:r>
+          </a:p>
+          <a:p>
+            <a:pPr lvl="0" rtl="0">
+              <a:lnSpc>
+                <a:spcPct val="100000"/>
+              </a:lnSpc>
+              <a:spcBef>
+                <a:spcPts val="0"/>
+              </a:spcBef>
+              <a:spcAft>
+                <a:spcPts val="0"/>
+              </a:spcAft>
+              <a:buNone/>
+            </a:pPr>
+            <a:r>
+              <a:t/>
+            </a:r>
+            <a:endParaRPr b="1">
+              <a:solidFill>
+                <a:srgbClr val="FF0000"/>
+              </a:solidFill>
+              <a:latin typeface="Courier New"/>
+              <a:ea typeface="Courier New"/>
+              <a:cs typeface="Courier New"/>
+              <a:sym typeface="Courier New"/>
+            </a:endParaRPr>
+          </a:p>
+          <a:p>
+            <a:pPr lvl="0" rtl="0">
+              <a:lnSpc>
+                <a:spcPct val="100000"/>
+              </a:lnSpc>
+              <a:spcBef>
+                <a:spcPts val="0"/>
+              </a:spcBef>
+              <a:spcAft>
+                <a:spcPts val="0"/>
+              </a:spcAft>
+              <a:buNone/>
+            </a:pPr>
+            <a:r>
+              <a:rPr b="1" lang="en">
+                <a:solidFill>
+                  <a:srgbClr val="FF0000"/>
+                </a:solidFill>
+                <a:latin typeface="Courier New"/>
+                <a:ea typeface="Courier New"/>
+                <a:cs typeface="Courier New"/>
+                <a:sym typeface="Courier New"/>
+              </a:rPr>
+              <a:t>function greetPlayer( event ) {</a:t>
+            </a:r>
+          </a:p>
+          <a:p>
+            <a:pPr indent="457200" lvl="0" marL="0" rtl="0">
+              <a:lnSpc>
+                <a:spcPct val="100000"/>
+              </a:lnSpc>
+              <a:spcBef>
+                <a:spcPts val="0"/>
+              </a:spcBef>
+              <a:spcAft>
+                <a:spcPts val="0"/>
+              </a:spcAft>
+              <a:buNone/>
+            </a:pPr>
+            <a:r>
+              <a:rPr b="1" lang="en">
+                <a:solidFill>
+                  <a:srgbClr val="FF0000"/>
+                </a:solidFill>
+                <a:latin typeface="Courier New"/>
+                <a:ea typeface="Courier New"/>
+                <a:cs typeface="Courier New"/>
+                <a:sym typeface="Courier New"/>
+              </a:rPr>
+              <a:t>var player = event.player;</a:t>
+            </a:r>
+          </a:p>
+          <a:p>
+            <a:pPr indent="457200" lvl="0" rtl="0">
+              <a:lnSpc>
+                <a:spcPct val="100000"/>
+              </a:lnSpc>
+              <a:spcBef>
+                <a:spcPts val="0"/>
+              </a:spcBef>
+              <a:spcAft>
+                <a:spcPts val="0"/>
+              </a:spcAft>
+              <a:buNone/>
+            </a:pPr>
+            <a:r>
+              <a:rPr b="1" lang="en">
+                <a:solidFill>
+                  <a:srgbClr val="FF0000"/>
+                </a:solidFill>
+                <a:latin typeface="Courier New"/>
+                <a:ea typeface="Courier New"/>
+                <a:cs typeface="Courier New"/>
+                <a:sym typeface="Courier New"/>
+              </a:rPr>
+              <a:t>var message = "Hi " + player.name;</a:t>
+            </a:r>
+          </a:p>
+          <a:p>
+            <a:pPr indent="387350" lvl="0" rtl="0">
+              <a:lnSpc>
+                <a:spcPct val="100000"/>
+              </a:lnSpc>
+              <a:spcBef>
+                <a:spcPts val="0"/>
+              </a:spcBef>
+              <a:spcAft>
+                <a:spcPts val="0"/>
+              </a:spcAft>
+              <a:buClr>
+                <a:schemeClr val="dk2"/>
+              </a:buClr>
+              <a:buSzPct val="61111"/>
+              <a:buFont typeface="Arial"/>
+              <a:buNone/>
+            </a:pPr>
+            <a:r>
+              <a:rPr b="1" lang="en">
+                <a:solidFill>
+                  <a:srgbClr val="FF0000"/>
+                </a:solidFill>
+                <a:latin typeface="Courier New"/>
+                <a:ea typeface="Courier New"/>
+                <a:cs typeface="Courier New"/>
+                <a:sym typeface="Courier New"/>
+              </a:rPr>
+              <a:t>echo( player, message );</a:t>
+            </a:r>
+          </a:p>
+          <a:p>
+            <a:pPr lvl="0" rtl="0">
+              <a:lnSpc>
+                <a:spcPct val="100000"/>
+              </a:lnSpc>
+              <a:spcBef>
+                <a:spcPts val="0"/>
+              </a:spcBef>
+              <a:spcAft>
+                <a:spcPts val="0"/>
+              </a:spcAft>
+              <a:buClr>
+                <a:schemeClr val="dk2"/>
+              </a:buClr>
+              <a:buSzPct val="61111"/>
+              <a:buFont typeface="Arial"/>
+              <a:buNone/>
+            </a:pPr>
+            <a:r>
+              <a:rPr b="1" lang="en">
+                <a:solidFill>
+                  <a:srgbClr val="FF0000"/>
+                </a:solidFill>
+                <a:latin typeface="Courier New"/>
+                <a:ea typeface="Courier New"/>
+                <a:cs typeface="Courier New"/>
+                <a:sym typeface="Courier New"/>
+              </a:rPr>
+              <a:t>};</a:t>
+            </a:r>
+          </a:p>
+          <a:p>
+            <a:pPr lvl="0" rtl="0">
+              <a:lnSpc>
+                <a:spcPct val="100000"/>
+              </a:lnSpc>
+              <a:spcBef>
+                <a:spcPts val="0"/>
+              </a:spcBef>
+              <a:spcAft>
+                <a:spcPts val="0"/>
+              </a:spcAft>
+              <a:buClr>
+                <a:schemeClr val="dk2"/>
+              </a:buClr>
+              <a:buSzPct val="61111"/>
+              <a:buFont typeface="Arial"/>
+              <a:buNone/>
+            </a:pPr>
+            <a:r>
+              <a:rPr b="1" lang="en">
+                <a:solidFill>
+                  <a:srgbClr val="FF0000"/>
+                </a:solidFill>
+                <a:latin typeface="Courier New"/>
+                <a:ea typeface="Courier New"/>
+                <a:cs typeface="Courier New"/>
+                <a:sym typeface="Courier New"/>
+              </a:rPr>
+              <a:t>events.connect( greetPlayer );</a:t>
+            </a:r>
+          </a:p>
+          <a:p>
+            <a:pPr lvl="0" rtl="0">
+              <a:lnSpc>
+                <a:spcPct val="100000"/>
+              </a:lnSpc>
+              <a:spcBef>
+                <a:spcPts val="0"/>
+              </a:spcBef>
+              <a:spcAft>
+                <a:spcPts val="0"/>
+              </a:spcAft>
+              <a:buNone/>
+            </a:pPr>
+            <a:r>
+              <a:t/>
+            </a:r>
+            <a:endParaRPr/>
+          </a:p>
+        </p:txBody>
+      </p:sp>
+    </p:spTree>
+  </p:cSld>
+  <p:clrMapOvr>
+    <a:masterClrMapping/>
+  </p:clrMapOvr>
+  <p:transition spd="slow">
+    <p:cut/>
+  </p:transition>
+</p:sld>
+</file>
+
+<file path=ppt/slides/slide49.xml><?xml version="1.0" encoding="utf-8"?>
+<p:sld xmlns:a="http://schemas.openxmlformats.org/drawingml/2006/main" xmlns:r="http://schemas.openxmlformats.org/officeDocument/2006/relationships" xmlns:mc="http://schemas.openxmlformats.org/markup-compatibility/2006" xmlns:mv="urn:schemas-microsoft-com:mac:vml" xmlns:p="http://schemas.openxmlformats.org/presentationml/2006/main" xmlns:c="http://schemas.openxmlformats.org/drawingml/2006/chart" xmlns:dgm="http://schemas.openxmlformats.org/drawingml/2006/diagram" xmlns:o="urn:schemas-microsoft-com:office:office" xmlns:v="urn:schemas-microsoft-com:vml" xmlns:pvml="urn:schemas-microsoft-com:office:powerpoint" xmlns:com="http://schemas.openxmlformats.org/drawingml/2006/compatibility" xmlns:p14="http://schemas.microsoft.com/office/powerpoint/2010/main">
+  <p:cSld>
+    <p:bg>
+      <p:bgPr>
+        <a:blipFill>
+          <a:blip r:embed="rId3">
+            <a:alphaModFix/>
+          </a:blip>
+          <a:stretch>
+            <a:fillRect/>
+          </a:stretch>
+        </a:blipFill>
+      </p:bgPr>
+    </p:bg>
+    <p:spTree>
+      <p:nvGrpSpPr>
+        <p:cNvPr id="367" name="Shape 367"/>
+        <p:cNvGrpSpPr/>
+        <p:nvPr/>
+      </p:nvGrpSpPr>
+      <p:grpSpPr>
+        <a:xfrm>
+          <a:off x="0" y="0"/>
+          <a:ext cx="0" cy="0"/>
+          <a:chOff x="0" y="0"/>
+          <a:chExt cx="0" cy="0"/>
+        </a:xfrm>
+      </p:grpSpPr>
+      <p:sp>
+        <p:nvSpPr>
+          <p:cNvPr id="368" name="Shape 368"/>
+          <p:cNvSpPr txBox="1"/>
+          <p:nvPr>
+            <p:ph type="title"/>
+          </p:nvPr>
+        </p:nvSpPr>
+        <p:spPr>
+          <a:xfrm>
+            <a:off x="2400250" y="575950"/>
+            <a:ext cx="6321600" cy="635400"/>
+          </a:xfrm>
+          <a:prstGeom prst="rect">
+            <a:avLst/>
+          </a:prstGeom>
+        </p:spPr>
+        <p:txBody>
+          <a:bodyPr anchorCtr="0" anchor="t" bIns="91425" lIns="91425" rIns="91425" tIns="91425">
+            <a:noAutofit/>
+          </a:bodyPr>
+          <a:lstStyle/>
+          <a:p>
+            <a:pPr lvl="0" rtl="0">
+              <a:spcBef>
+                <a:spcPts val="0"/>
+              </a:spcBef>
+              <a:buNone/>
+            </a:pPr>
+            <a:r>
+              <a:rPr lang="en"/>
+              <a:t>Stay Tuned for Part 2!</a:t>
+            </a:r>
+          </a:p>
+        </p:txBody>
+      </p:sp>
+      <p:sp>
+        <p:nvSpPr>
+          <p:cNvPr id="369" name="Shape 369"/>
+          <p:cNvSpPr txBox="1"/>
+          <p:nvPr>
+            <p:ph idx="1" type="body"/>
+          </p:nvPr>
+        </p:nvSpPr>
+        <p:spPr>
+          <a:xfrm>
+            <a:off x="2298525" y="1443375"/>
+            <a:ext cx="6791400" cy="3301200"/>
+          </a:xfrm>
+          <a:prstGeom prst="rect">
+            <a:avLst/>
+          </a:prstGeom>
+        </p:spPr>
+        <p:txBody>
+          <a:bodyPr anchorCtr="0" anchor="t" bIns="91425" lIns="91425" rIns="91425" tIns="91425">
+            <a:noAutofit/>
+          </a:bodyPr>
+          <a:lstStyle/>
+          <a:p>
+            <a:pPr lvl="0" rtl="0">
+              <a:lnSpc>
+                <a:spcPct val="100000"/>
+              </a:lnSpc>
+              <a:spcBef>
+                <a:spcPts val="0"/>
+              </a:spcBef>
+              <a:spcAft>
+                <a:spcPts val="0"/>
+              </a:spcAft>
+              <a:buNone/>
+            </a:pPr>
+            <a:r>
+              <a:rPr lang="en"/>
+              <a:t>To be continued...</a:t>
             </a:r>
           </a:p>
         </p:txBody>

--- a/slides/ScriptCraft- Day 01 (Getting Started).pptx
+++ b/slides/ScriptCraft- Day 01 (Getting Started).pptx
@@ -3665,7 +3665,7 @@
   <p:cSld>
     <p:spTree>
       <p:nvGrpSpPr>
-        <p:cNvPr id="310" name="Shape 310"/>
+        <p:cNvPr id="311" name="Shape 311"/>
         <p:cNvGrpSpPr/>
         <p:nvPr/>
       </p:nvGrpSpPr>
@@ -3679,7 +3679,7 @@
       </p:grpSpPr>
       <p:sp>
         <p:nvSpPr>
-          <p:cNvPr id="311" name="Shape 311"/>
+          <p:cNvPr id="312" name="Shape 312"/>
           <p:cNvSpPr/>
           <p:nvPr>
             <p:ph idx="2" type="sldImg"/>
@@ -3713,7 +3713,7 @@
       </p:sp>
       <p:sp>
         <p:nvSpPr>
-          <p:cNvPr id="312" name="Shape 312"/>
+          <p:cNvPr id="313" name="Shape 313"/>
           <p:cNvSpPr txBox="1"/>
           <p:nvPr>
             <p:ph idx="1" type="body"/>
@@ -3760,7 +3760,7 @@
   <p:cSld>
     <p:spTree>
       <p:nvGrpSpPr>
-        <p:cNvPr id="315" name="Shape 315"/>
+        <p:cNvPr id="316" name="Shape 316"/>
         <p:cNvGrpSpPr/>
         <p:nvPr/>
       </p:nvGrpSpPr>
@@ -3774,7 +3774,7 @@
       </p:grpSpPr>
       <p:sp>
         <p:nvSpPr>
-          <p:cNvPr id="316" name="Shape 316"/>
+          <p:cNvPr id="317" name="Shape 317"/>
           <p:cNvSpPr/>
           <p:nvPr>
             <p:ph idx="2" type="sldImg"/>
@@ -3808,7 +3808,7 @@
       </p:sp>
       <p:sp>
         <p:nvSpPr>
-          <p:cNvPr id="317" name="Shape 317"/>
+          <p:cNvPr id="318" name="Shape 318"/>
           <p:cNvSpPr txBox="1"/>
           <p:nvPr>
             <p:ph idx="1" type="body"/>
@@ -3855,7 +3855,7 @@
   <p:cSld>
     <p:spTree>
       <p:nvGrpSpPr>
-        <p:cNvPr id="321" name="Shape 321"/>
+        <p:cNvPr id="322" name="Shape 322"/>
         <p:cNvGrpSpPr/>
         <p:nvPr/>
       </p:nvGrpSpPr>
@@ -3869,7 +3869,7 @@
       </p:grpSpPr>
       <p:sp>
         <p:nvSpPr>
-          <p:cNvPr id="322" name="Shape 322"/>
+          <p:cNvPr id="323" name="Shape 323"/>
           <p:cNvSpPr/>
           <p:nvPr>
             <p:ph idx="2" type="sldImg"/>
@@ -3903,7 +3903,7 @@
       </p:sp>
       <p:sp>
         <p:nvSpPr>
-          <p:cNvPr id="323" name="Shape 323"/>
+          <p:cNvPr id="324" name="Shape 324"/>
           <p:cNvSpPr txBox="1"/>
           <p:nvPr>
             <p:ph idx="1" type="body"/>
@@ -3950,7 +3950,7 @@
   <p:cSld>
     <p:spTree>
       <p:nvGrpSpPr>
-        <p:cNvPr id="327" name="Shape 327"/>
+        <p:cNvPr id="328" name="Shape 328"/>
         <p:cNvGrpSpPr/>
         <p:nvPr/>
       </p:nvGrpSpPr>
@@ -3964,7 +3964,7 @@
       </p:grpSpPr>
       <p:sp>
         <p:nvSpPr>
-          <p:cNvPr id="328" name="Shape 328"/>
+          <p:cNvPr id="329" name="Shape 329"/>
           <p:cNvSpPr/>
           <p:nvPr>
             <p:ph idx="2" type="sldImg"/>
@@ -3998,7 +3998,7 @@
       </p:sp>
       <p:sp>
         <p:nvSpPr>
-          <p:cNvPr id="329" name="Shape 329"/>
+          <p:cNvPr id="330" name="Shape 330"/>
           <p:cNvSpPr txBox="1"/>
           <p:nvPr>
             <p:ph idx="1" type="body"/>
@@ -4045,7 +4045,7 @@
   <p:cSld>
     <p:spTree>
       <p:nvGrpSpPr>
-        <p:cNvPr id="333" name="Shape 333"/>
+        <p:cNvPr id="334" name="Shape 334"/>
         <p:cNvGrpSpPr/>
         <p:nvPr/>
       </p:nvGrpSpPr>
@@ -4059,7 +4059,7 @@
       </p:grpSpPr>
       <p:sp>
         <p:nvSpPr>
-          <p:cNvPr id="334" name="Shape 334"/>
+          <p:cNvPr id="335" name="Shape 335"/>
           <p:cNvSpPr/>
           <p:nvPr>
             <p:ph idx="2" type="sldImg"/>
@@ -4093,7 +4093,7 @@
       </p:sp>
       <p:sp>
         <p:nvSpPr>
-          <p:cNvPr id="335" name="Shape 335"/>
+          <p:cNvPr id="336" name="Shape 336"/>
           <p:cNvSpPr txBox="1"/>
           <p:nvPr>
             <p:ph idx="1" type="body"/>
@@ -4140,7 +4140,7 @@
   <p:cSld>
     <p:spTree>
       <p:nvGrpSpPr>
-        <p:cNvPr id="340" name="Shape 340"/>
+        <p:cNvPr id="341" name="Shape 341"/>
         <p:cNvGrpSpPr/>
         <p:nvPr/>
       </p:nvGrpSpPr>
@@ -4154,7 +4154,7 @@
       </p:grpSpPr>
       <p:sp>
         <p:nvSpPr>
-          <p:cNvPr id="341" name="Shape 341"/>
+          <p:cNvPr id="342" name="Shape 342"/>
           <p:cNvSpPr/>
           <p:nvPr>
             <p:ph idx="2" type="sldImg"/>
@@ -4188,7 +4188,7 @@
       </p:sp>
       <p:sp>
         <p:nvSpPr>
-          <p:cNvPr id="342" name="Shape 342"/>
+          <p:cNvPr id="343" name="Shape 343"/>
           <p:cNvSpPr txBox="1"/>
           <p:nvPr>
             <p:ph idx="1" type="body"/>
@@ -4235,7 +4235,7 @@
   <p:cSld>
     <p:spTree>
       <p:nvGrpSpPr>
-        <p:cNvPr id="346" name="Shape 346"/>
+        <p:cNvPr id="347" name="Shape 347"/>
         <p:cNvGrpSpPr/>
         <p:nvPr/>
       </p:nvGrpSpPr>
@@ -4249,7 +4249,7 @@
       </p:grpSpPr>
       <p:sp>
         <p:nvSpPr>
-          <p:cNvPr id="347" name="Shape 347"/>
+          <p:cNvPr id="348" name="Shape 348"/>
           <p:cNvSpPr/>
           <p:nvPr>
             <p:ph idx="2" type="sldImg"/>
@@ -4283,7 +4283,7 @@
       </p:sp>
       <p:sp>
         <p:nvSpPr>
-          <p:cNvPr id="348" name="Shape 348"/>
+          <p:cNvPr id="349" name="Shape 349"/>
           <p:cNvSpPr txBox="1"/>
           <p:nvPr>
             <p:ph idx="1" type="body"/>
@@ -4330,7 +4330,7 @@
   <p:cSld>
     <p:spTree>
       <p:nvGrpSpPr>
-        <p:cNvPr id="351" name="Shape 351"/>
+        <p:cNvPr id="352" name="Shape 352"/>
         <p:cNvGrpSpPr/>
         <p:nvPr/>
       </p:nvGrpSpPr>
@@ -4344,7 +4344,7 @@
       </p:grpSpPr>
       <p:sp>
         <p:nvSpPr>
-          <p:cNvPr id="352" name="Shape 352"/>
+          <p:cNvPr id="353" name="Shape 353"/>
           <p:cNvSpPr/>
           <p:nvPr>
             <p:ph idx="2" type="sldImg"/>
@@ -4378,7 +4378,7 @@
       </p:sp>
       <p:sp>
         <p:nvSpPr>
-          <p:cNvPr id="353" name="Shape 353"/>
+          <p:cNvPr id="354" name="Shape 354"/>
           <p:cNvSpPr txBox="1"/>
           <p:nvPr>
             <p:ph idx="1" type="body"/>
@@ -4425,7 +4425,7 @@
   <p:cSld>
     <p:spTree>
       <p:nvGrpSpPr>
-        <p:cNvPr id="358" name="Shape 358"/>
+        <p:cNvPr id="359" name="Shape 359"/>
         <p:cNvGrpSpPr/>
         <p:nvPr/>
       </p:nvGrpSpPr>
@@ -4439,7 +4439,7 @@
       </p:grpSpPr>
       <p:sp>
         <p:nvSpPr>
-          <p:cNvPr id="359" name="Shape 359"/>
+          <p:cNvPr id="360" name="Shape 360"/>
           <p:cNvSpPr/>
           <p:nvPr>
             <p:ph idx="2" type="sldImg"/>
@@ -4473,7 +4473,7 @@
       </p:sp>
       <p:sp>
         <p:nvSpPr>
-          <p:cNvPr id="360" name="Shape 360"/>
+          <p:cNvPr id="361" name="Shape 361"/>
           <p:cNvSpPr txBox="1"/>
           <p:nvPr>
             <p:ph idx="1" type="body"/>
@@ -4520,7 +4520,7 @@
   <p:cSld>
     <p:spTree>
       <p:nvGrpSpPr>
-        <p:cNvPr id="364" name="Shape 364"/>
+        <p:cNvPr id="365" name="Shape 365"/>
         <p:cNvGrpSpPr/>
         <p:nvPr/>
       </p:nvGrpSpPr>
@@ -4534,7 +4534,7 @@
       </p:grpSpPr>
       <p:sp>
         <p:nvSpPr>
-          <p:cNvPr id="365" name="Shape 365"/>
+          <p:cNvPr id="366" name="Shape 366"/>
           <p:cNvSpPr/>
           <p:nvPr>
             <p:ph idx="2" type="sldImg"/>
@@ -4568,7 +4568,7 @@
       </p:sp>
       <p:sp>
         <p:nvSpPr>
-          <p:cNvPr id="366" name="Shape 366"/>
+          <p:cNvPr id="367" name="Shape 367"/>
           <p:cNvSpPr txBox="1"/>
           <p:nvPr>
             <p:ph idx="1" type="body"/>
@@ -11664,7 +11664,7 @@
             <a:tbl>
               <a:tblPr>
                 <a:noFill/>
-                <a:tableStyleId>{373E8E48-A7D8-46AE-BCE2-A255D18B4CD9}</a:tableStyleId>
+                <a:tableStyleId>{8A7A89EA-3B2D-496D-B082-78B8A0A801F4}</a:tableStyleId>
               </a:tblPr>
               <a:tblGrid>
                 <a:gridCol w="2137575"/>
@@ -13648,6 +13648,26 @@
                 <a:cs typeface="Courier New"/>
                 <a:sym typeface="Courier New"/>
               </a:rPr>
+              <a:t>js hungerBar = 0</a:t>
+            </a:r>
+          </a:p>
+          <a:p>
+            <a:pPr lvl="0" rtl="0">
+              <a:spcBef>
+                <a:spcPts val="0"/>
+              </a:spcBef>
+              <a:buNone/>
+            </a:pPr>
+            <a:r>
+              <a:rPr b="1" lang="en">
+                <a:solidFill>
+                  <a:srgbClr val="FF0000"/>
+                </a:solidFill>
+                <a:latin typeface="Courier New"/>
+                <a:ea typeface="Courier New"/>
+                <a:cs typeface="Courier New"/>
+                <a:sym typeface="Courier New"/>
+              </a:rPr>
               <a:t>js hungerBar = hungerBar + 1</a:t>
             </a:r>
           </a:p>
@@ -16191,7 +16211,7 @@
                 <a:cs typeface="Courier New"/>
                 <a:sym typeface="Courier New"/>
               </a:rPr>
-              <a:t>exports.helloWorld = helloWorld();</a:t>
+              <a:t>exports.helloWorld = helloWorld;</a:t>
             </a:r>
           </a:p>
           <a:p>
@@ -17343,7 +17363,23 @@
             </a:r>
             <a:r>
               <a:rPr lang="en"/>
-              <a:t>to add the changes on the right, refresh, and try it out:</a:t>
+              <a:t>to add the changes on the </a:t>
+            </a:r>
+            <a:r>
+              <a:rPr b="1" i="1" lang="en"/>
+              <a:t>right</a:t>
+            </a:r>
+            <a:r>
+              <a:rPr lang="en"/>
+              <a:t>, refresh, and try it out using the code </a:t>
+            </a:r>
+            <a:r>
+              <a:rPr b="1" i="1" lang="en"/>
+              <a:t>below</a:t>
+            </a:r>
+            <a:r>
+              <a:rPr lang="en"/>
+              <a:t>:</a:t>
             </a:r>
           </a:p>
           <a:p>
@@ -18064,13 +18100,13 @@
           <p:cNvPr id="308" name="Shape 308"/>
           <p:cNvSpPr txBox="1"/>
           <p:nvPr>
-            <p:ph type="title"/>
+            <p:ph idx="4294967295" type="title"/>
           </p:nvPr>
         </p:nvSpPr>
         <p:spPr>
           <a:xfrm>
-            <a:off x="0" y="418350"/>
-            <a:ext cx="5169600" cy="4306800"/>
+            <a:off x="303300" y="411575"/>
+            <a:ext cx="8520600" cy="639600"/>
           </a:xfrm>
           <a:prstGeom prst="rect">
             <a:avLst/>
@@ -18315,7 +18351,7 @@
           <p:cNvPr id="309" name="Shape 309"/>
           <p:cNvSpPr txBox="1"/>
           <p:nvPr>
-            <p:ph type="title"/>
+            <p:ph idx="4294967295" type="title"/>
           </p:nvPr>
         </p:nvSpPr>
         <p:spPr>
@@ -18491,6 +18527,42 @@
                 <a:sym typeface="Courier New"/>
               </a:rPr>
               <a:t>exports.roll = roll;</a:t>
+            </a:r>
+          </a:p>
+        </p:txBody>
+      </p:sp>
+      <p:sp>
+        <p:nvSpPr>
+          <p:cNvPr id="310" name="Shape 310"/>
+          <p:cNvSpPr txBox="1"/>
+          <p:nvPr>
+            <p:ph idx="1" type="body"/>
+          </p:nvPr>
+        </p:nvSpPr>
+        <p:spPr>
+          <a:xfrm>
+            <a:off x="328017" y="4226025"/>
+            <a:ext cx="8388600" cy="393600"/>
+          </a:xfrm>
+          <a:prstGeom prst="rect">
+            <a:avLst/>
+          </a:prstGeom>
+        </p:spPr>
+        <p:txBody>
+          <a:bodyPr anchorCtr="0" anchor="ctr" bIns="91425" lIns="91425" rIns="91425" tIns="91425">
+            <a:noAutofit/>
+          </a:bodyPr>
+          <a:lstStyle/>
+          <a:p>
+            <a:pPr lvl="0">
+              <a:spcBef>
+                <a:spcPts val="0"/>
+              </a:spcBef>
+              <a:buNone/>
+            </a:pPr>
+            <a:r>
+              <a:rPr lang="en"/>
+              <a:t>Example of Using Conditionals to Make the Dice Roll Better</a:t>
             </a:r>
           </a:p>
         </p:txBody>
@@ -18599,7 +18671,7 @@
     </p:bg>
     <p:spTree>
       <p:nvGrpSpPr>
-        <p:cNvPr id="313" name="Shape 313"/>
+        <p:cNvPr id="314" name="Shape 314"/>
         <p:cNvGrpSpPr/>
         <p:nvPr/>
       </p:nvGrpSpPr>
@@ -18613,7 +18685,7 @@
       </p:grpSpPr>
       <p:sp>
         <p:nvSpPr>
-          <p:cNvPr id="314" name="Shape 314"/>
+          <p:cNvPr id="315" name="Shape 315"/>
           <p:cNvSpPr txBox="1"/>
           <p:nvPr>
             <p:ph type="title"/>
@@ -18675,7 +18747,7 @@
     </p:bg>
     <p:spTree>
       <p:nvGrpSpPr>
-        <p:cNvPr id="318" name="Shape 318"/>
+        <p:cNvPr id="319" name="Shape 319"/>
         <p:cNvGrpSpPr/>
         <p:nvPr/>
       </p:nvGrpSpPr>
@@ -18689,7 +18761,7 @@
       </p:grpSpPr>
       <p:sp>
         <p:nvSpPr>
-          <p:cNvPr id="319" name="Shape 319"/>
+          <p:cNvPr id="320" name="Shape 320"/>
           <p:cNvSpPr txBox="1"/>
           <p:nvPr>
             <p:ph type="title"/>
@@ -18725,7 +18797,7 @@
       </p:sp>
       <p:sp>
         <p:nvSpPr>
-          <p:cNvPr id="320" name="Shape 320"/>
+          <p:cNvPr id="321" name="Shape 321"/>
           <p:cNvSpPr txBox="1"/>
           <p:nvPr>
             <p:ph idx="1" type="body"/>
@@ -18733,8 +18805,8 @@
         </p:nvSpPr>
         <p:spPr>
           <a:xfrm>
-            <a:off x="1523850" y="1519575"/>
-            <a:ext cx="7584600" cy="3364800"/>
+            <a:off x="1084200" y="1443375"/>
+            <a:ext cx="8060100" cy="3364800"/>
           </a:xfrm>
           <a:prstGeom prst="rect">
             <a:avLst/>
@@ -18778,7 +18850,7 @@
                 <a:cs typeface="Courier New"/>
                 <a:sym typeface="Courier New"/>
               </a:rPr>
-              <a:t>var farmAnimals = [ 'Sheep','Cow','Pig','Chicken' ];</a:t>
+              <a:t>js var farmAnimals = [ 'Sheep','Cow','Pig','Chicken' ];</a:t>
             </a:r>
           </a:p>
           <a:p>
@@ -18810,7 +18882,7 @@
                 <a:cs typeface="Courier New"/>
                 <a:sym typeface="Courier New"/>
               </a:rPr>
-              <a:t>echo(farmAnimals[0]); echo(farmAnimals[1]); echo(farmAnimals[2]);</a:t>
+              <a:t>js echo(farmAnimals[0]); echo(farmAnimals[1]); echo(farmAnimals[2]);</a:t>
             </a:r>
           </a:p>
           <a:p>
@@ -18830,7 +18902,7 @@
                 <a:cs typeface="Courier New"/>
                 <a:sym typeface="Courier New"/>
               </a:rPr>
-              <a:t>for (var count in farmAnimals) { echo(farmAnimals[count]); }</a:t>
+              <a:t>js for (var count in farmAnimals) { echo(farmAnimals[count]); }</a:t>
             </a:r>
           </a:p>
           <a:p>
@@ -18867,7 +18939,7 @@
                 <a:cs typeface="Courier New"/>
                 <a:sym typeface="Courier New"/>
               </a:rPr>
-              <a:t>echo(farmAnimals[0]);</a:t>
+              <a:t>echo(farmAnimals[5]);</a:t>
             </a:r>
           </a:p>
           <a:p>
@@ -18916,7 +18988,7 @@
     </p:bg>
     <p:spTree>
       <p:nvGrpSpPr>
-        <p:cNvPr id="324" name="Shape 324"/>
+        <p:cNvPr id="325" name="Shape 325"/>
         <p:cNvGrpSpPr/>
         <p:nvPr/>
       </p:nvGrpSpPr>
@@ -18930,7 +19002,7 @@
       </p:grpSpPr>
       <p:sp>
         <p:nvSpPr>
-          <p:cNvPr id="325" name="Shape 325"/>
+          <p:cNvPr id="326" name="Shape 326"/>
           <p:cNvSpPr txBox="1"/>
           <p:nvPr>
             <p:ph type="title"/>
@@ -18966,7 +19038,7 @@
       </p:sp>
       <p:sp>
         <p:nvSpPr>
-          <p:cNvPr id="326" name="Shape 326"/>
+          <p:cNvPr id="327" name="Shape 327"/>
           <p:cNvSpPr txBox="1"/>
           <p:nvPr>
             <p:ph idx="1" type="body"/>
@@ -19140,7 +19212,7 @@
     </p:bg>
     <p:spTree>
       <p:nvGrpSpPr>
-        <p:cNvPr id="330" name="Shape 330"/>
+        <p:cNvPr id="331" name="Shape 331"/>
         <p:cNvGrpSpPr/>
         <p:nvPr/>
       </p:nvGrpSpPr>
@@ -19154,7 +19226,7 @@
       </p:grpSpPr>
       <p:sp>
         <p:nvSpPr>
-          <p:cNvPr id="331" name="Shape 331"/>
+          <p:cNvPr id="332" name="Shape 332"/>
           <p:cNvSpPr txBox="1"/>
           <p:nvPr>
             <p:ph type="title"/>
@@ -19190,7 +19262,7 @@
       </p:sp>
       <p:sp>
         <p:nvSpPr>
-          <p:cNvPr id="332" name="Shape 332"/>
+          <p:cNvPr id="333" name="Shape 333"/>
           <p:cNvSpPr txBox="1"/>
           <p:nvPr>
             <p:ph idx="1" type="body"/>
@@ -19714,7 +19786,7 @@
     </p:bg>
     <p:spTree>
       <p:nvGrpSpPr>
-        <p:cNvPr id="336" name="Shape 336"/>
+        <p:cNvPr id="337" name="Shape 337"/>
         <p:cNvGrpSpPr/>
         <p:nvPr/>
       </p:nvGrpSpPr>
@@ -19728,7 +19800,7 @@
       </p:grpSpPr>
       <p:sp>
         <p:nvSpPr>
-          <p:cNvPr id="337" name="Shape 337"/>
+          <p:cNvPr id="338" name="Shape 338"/>
           <p:cNvSpPr txBox="1"/>
           <p:nvPr>
             <p:ph type="title"/>
@@ -19764,7 +19836,7 @@
       </p:sp>
       <p:sp>
         <p:nvSpPr>
-          <p:cNvPr id="338" name="Shape 338"/>
+          <p:cNvPr id="339" name="Shape 339"/>
           <p:cNvSpPr txBox="1"/>
           <p:nvPr>
             <p:ph idx="1" type="body"/>
@@ -19968,7 +20040,7 @@
       </p:sp>
       <p:sp>
         <p:nvSpPr>
-          <p:cNvPr id="339" name="Shape 339"/>
+          <p:cNvPr id="340" name="Shape 340"/>
           <p:cNvSpPr txBox="1"/>
           <p:nvPr>
             <p:ph idx="2" type="body"/>
@@ -20198,7 +20270,7 @@
     </p:bg>
     <p:spTree>
       <p:nvGrpSpPr>
-        <p:cNvPr id="343" name="Shape 343"/>
+        <p:cNvPr id="344" name="Shape 344"/>
         <p:cNvGrpSpPr/>
         <p:nvPr/>
       </p:nvGrpSpPr>
@@ -20212,7 +20284,7 @@
       </p:grpSpPr>
       <p:sp>
         <p:nvSpPr>
-          <p:cNvPr id="344" name="Shape 344"/>
+          <p:cNvPr id="345" name="Shape 345"/>
           <p:cNvSpPr txBox="1"/>
           <p:nvPr>
             <p:ph type="title"/>
@@ -20248,7 +20320,7 @@
       </p:sp>
       <p:sp>
         <p:nvSpPr>
-          <p:cNvPr id="345" name="Shape 345"/>
+          <p:cNvPr id="346" name="Shape 346"/>
           <p:cNvSpPr txBox="1"/>
           <p:nvPr>
             <p:ph idx="1" type="body"/>
@@ -20712,7 +20784,7 @@
     </p:bg>
     <p:spTree>
       <p:nvGrpSpPr>
-        <p:cNvPr id="349" name="Shape 349"/>
+        <p:cNvPr id="350" name="Shape 350"/>
         <p:cNvGrpSpPr/>
         <p:nvPr/>
       </p:nvGrpSpPr>
@@ -20726,7 +20798,7 @@
       </p:grpSpPr>
       <p:sp>
         <p:nvSpPr>
-          <p:cNvPr id="350" name="Shape 350"/>
+          <p:cNvPr id="351" name="Shape 351"/>
           <p:cNvSpPr txBox="1"/>
           <p:nvPr>
             <p:ph type="title"/>
@@ -20788,7 +20860,7 @@
     </p:bg>
     <p:spTree>
       <p:nvGrpSpPr>
-        <p:cNvPr id="354" name="Shape 354"/>
+        <p:cNvPr id="355" name="Shape 355"/>
         <p:cNvGrpSpPr/>
         <p:nvPr/>
       </p:nvGrpSpPr>
@@ -20802,7 +20874,7 @@
       </p:grpSpPr>
       <p:sp>
         <p:nvSpPr>
-          <p:cNvPr id="355" name="Shape 355"/>
+          <p:cNvPr id="356" name="Shape 356"/>
           <p:cNvSpPr txBox="1"/>
           <p:nvPr>
             <p:ph type="title"/>
@@ -20838,7 +20910,7 @@
       </p:sp>
       <p:sp>
         <p:nvSpPr>
-          <p:cNvPr id="356" name="Shape 356"/>
+          <p:cNvPr id="357" name="Shape 357"/>
           <p:cNvSpPr txBox="1"/>
           <p:nvPr>
             <p:ph idx="1" type="body"/>
@@ -21006,7 +21078,7 @@
       </p:sp>
       <p:sp>
         <p:nvSpPr>
-          <p:cNvPr id="357" name="Shape 357"/>
+          <p:cNvPr id="358" name="Shape 358"/>
           <p:cNvSpPr txBox="1"/>
           <p:nvPr>
             <p:ph idx="2" type="body"/>
@@ -21456,7 +21528,7 @@
     </p:bg>
     <p:spTree>
       <p:nvGrpSpPr>
-        <p:cNvPr id="361" name="Shape 361"/>
+        <p:cNvPr id="362" name="Shape 362"/>
         <p:cNvGrpSpPr/>
         <p:nvPr/>
       </p:nvGrpSpPr>
@@ -21470,7 +21542,7 @@
       </p:grpSpPr>
       <p:sp>
         <p:nvSpPr>
-          <p:cNvPr id="362" name="Shape 362"/>
+          <p:cNvPr id="363" name="Shape 363"/>
           <p:cNvSpPr txBox="1"/>
           <p:nvPr>
             <p:ph type="title"/>
@@ -21506,7 +21578,7 @@
       </p:sp>
       <p:sp>
         <p:nvSpPr>
-          <p:cNvPr id="363" name="Shape 363"/>
+          <p:cNvPr id="364" name="Shape 364"/>
           <p:cNvSpPr txBox="1"/>
           <p:nvPr>
             <p:ph idx="1" type="body"/>
@@ -21825,7 +21897,7 @@
     </p:bg>
     <p:spTree>
       <p:nvGrpSpPr>
-        <p:cNvPr id="367" name="Shape 367"/>
+        <p:cNvPr id="368" name="Shape 368"/>
         <p:cNvGrpSpPr/>
         <p:nvPr/>
       </p:nvGrpSpPr>
@@ -21839,7 +21911,7 @@
       </p:grpSpPr>
       <p:sp>
         <p:nvSpPr>
-          <p:cNvPr id="368" name="Shape 368"/>
+          <p:cNvPr id="369" name="Shape 369"/>
           <p:cNvSpPr txBox="1"/>
           <p:nvPr>
             <p:ph type="title"/>
@@ -21875,7 +21947,7 @@
       </p:sp>
       <p:sp>
         <p:nvSpPr>
-          <p:cNvPr id="369" name="Shape 369"/>
+          <p:cNvPr id="370" name="Shape 370"/>
           <p:cNvSpPr txBox="1"/>
           <p:nvPr>
             <p:ph idx="1" type="body"/>

--- a/slides/ScriptCraft- Day 01 (Getting Started).pptx
+++ b/slides/ScriptCraft- Day 01 (Getting Started).pptx
@@ -11664,7 +11664,7 @@
             <a:tbl>
               <a:tblPr>
                 <a:noFill/>
-                <a:tableStyleId>{8A7A89EA-3B2D-496D-B082-78B8A0A801F4}</a:tableStyleId>
+                <a:tableStyleId>{8C6DD40B-30F2-42AD-95B6-A37B6FA4A88F}</a:tableStyleId>
               </a:tblPr>
               <a:tblGrid>
                 <a:gridCol w="2137575"/>
@@ -17387,6 +17387,26 @@
               <a:spcBef>
                 <a:spcPts val="0"/>
               </a:spcBef>
+              <a:buNone/>
+            </a:pPr>
+            <a:r>
+              <a:rPr b="1" lang="en">
+                <a:solidFill>
+                  <a:srgbClr val="FF0000"/>
+                </a:solidFill>
+                <a:latin typeface="Courier New"/>
+                <a:ea typeface="Courier New"/>
+                <a:cs typeface="Courier New"/>
+                <a:sym typeface="Courier New"/>
+              </a:rPr>
+              <a:t>js roll(6)</a:t>
+            </a:r>
+          </a:p>
+          <a:p>
+            <a:pPr lvl="0" rtl="0">
+              <a:spcBef>
+                <a:spcPts val="0"/>
+              </a:spcBef>
               <a:buClr>
                 <a:schemeClr val="dk2"/>
               </a:buClr>
@@ -17404,52 +17424,7 @@
                 <a:cs typeface="Courier New"/>
                 <a:sym typeface="Courier New"/>
               </a:rPr>
-              <a:t>js var dice = require("dice")</a:t>
-            </a:r>
-          </a:p>
-          <a:p>
-            <a:pPr lvl="0" rtl="0">
-              <a:spcBef>
-                <a:spcPts val="0"/>
-              </a:spcBef>
-              <a:buNone/>
-            </a:pPr>
-            <a:r>
-              <a:rPr b="1" lang="en">
-                <a:solidFill>
-                  <a:srgbClr val="FF0000"/>
-                </a:solidFill>
-                <a:latin typeface="Courier New"/>
-                <a:ea typeface="Courier New"/>
-                <a:cs typeface="Courier New"/>
-                <a:sym typeface="Courier New"/>
-              </a:rPr>
-              <a:t>js dice.roll(6)</a:t>
-            </a:r>
-          </a:p>
-          <a:p>
-            <a:pPr lvl="0" rtl="0">
-              <a:spcBef>
-                <a:spcPts val="0"/>
-              </a:spcBef>
-              <a:buClr>
-                <a:schemeClr val="dk2"/>
-              </a:buClr>
-              <a:buSzPct val="78571"/>
-              <a:buFont typeface="Arial"/>
-              <a:buNone/>
-            </a:pPr>
-            <a:r>
-              <a:rPr b="1" lang="en">
-                <a:solidFill>
-                  <a:srgbClr val="FF0000"/>
-                </a:solidFill>
-                <a:latin typeface="Courier New"/>
-                <a:ea typeface="Courier New"/>
-                <a:cs typeface="Courier New"/>
-                <a:sym typeface="Courier New"/>
-              </a:rPr>
-              <a:t>js dice.roll(20)</a:t>
+              <a:t>js roll(20)</a:t>
             </a:r>
           </a:p>
         </p:txBody>
@@ -18183,7 +18158,7 @@
                 <a:cs typeface="Courier New"/>
                 <a:sym typeface="Courier New"/>
               </a:rPr>
-              <a:t>    throw("Negative numbers not valid");</a:t>
+              <a:t>    echo("Negative numbers not valid");</a:t>
             </a:r>
           </a:p>
           <a:p>
@@ -18275,7 +18250,7 @@
                 <a:cs typeface="Courier New"/>
                 <a:sym typeface="Courier New"/>
               </a:rPr>
-              <a:t>    throw("Not a number");</a:t>
+              <a:t>    echo("Not a number");</a:t>
             </a:r>
           </a:p>
           <a:p>
@@ -18939,7 +18914,7 @@
                 <a:cs typeface="Courier New"/>
                 <a:sym typeface="Courier New"/>
               </a:rPr>
-              <a:t>echo(farmAnimals[5]);</a:t>
+              <a:t>js echo(farmAnimals[5]);</a:t>
             </a:r>
           </a:p>
           <a:p>
